--- a/Intro to Technical Financial Evaluation with R.pptx
+++ b/Intro to Technical Financial Evaluation with R.pptx
@@ -31,7 +31,7 @@
     <p:sldId id="368" r:id="rId22"/>
     <p:sldId id="369" r:id="rId23"/>
     <p:sldId id="382" r:id="rId24"/>
-    <p:sldId id="394" r:id="rId25"/>
+    <p:sldId id="405" r:id="rId25"/>
     <p:sldId id="370" r:id="rId26"/>
     <p:sldId id="374" r:id="rId27"/>
     <p:sldId id="375" r:id="rId28"/>
@@ -42,11 +42,11 @@
     <p:sldId id="404" r:id="rId33"/>
     <p:sldId id="381" r:id="rId34"/>
     <p:sldId id="383" r:id="rId35"/>
-    <p:sldId id="395" r:id="rId36"/>
+    <p:sldId id="406" r:id="rId36"/>
     <p:sldId id="385" r:id="rId37"/>
     <p:sldId id="386" r:id="rId38"/>
     <p:sldId id="384" r:id="rId39"/>
-    <p:sldId id="396" r:id="rId40"/>
+    <p:sldId id="407" r:id="rId40"/>
     <p:sldId id="387" r:id="rId41"/>
     <p:sldId id="391" r:id="rId42"/>
     <p:sldId id="390" r:id="rId43"/>
@@ -5000,7 +5000,7 @@
           <p:cNvPr id="2" name="Title 1">
             <a:extLst>
               <a:ext uri="{FF2B5EF4-FFF2-40B4-BE49-F238E27FC236}">
-                <a16:creationId xmlns="" xmlns:a16="http://schemas.microsoft.com/office/drawing/2014/main" id="{167A20D1-C38F-40A5-B020-EBD3D0FC1155}"/>
+                <a16:creationId xmlns:a16="http://schemas.microsoft.com/office/drawing/2014/main" xmlns="" id="{167A20D1-C38F-40A5-B020-EBD3D0FC1155}"/>
               </a:ext>
             </a:extLst>
           </p:cNvPr>
@@ -5020,7 +5020,6 @@
               <a:rPr lang="en-US" dirty="0"/>
               <a:t>Intro to Technical Financial Evaluation with R</a:t>
             </a:r>
-            <a:endParaRPr lang="en-US" dirty="0"/>
           </a:p>
         </p:txBody>
       </p:sp>
@@ -5029,7 +5028,7 @@
           <p:cNvPr id="3" name="Subtitle 2">
             <a:extLst>
               <a:ext uri="{FF2B5EF4-FFF2-40B4-BE49-F238E27FC236}">
-                <a16:creationId xmlns="" xmlns:a16="http://schemas.microsoft.com/office/drawing/2014/main" id="{629F9E77-3FDD-40CA-82E9-3C67E139D3A1}"/>
+                <a16:creationId xmlns:a16="http://schemas.microsoft.com/office/drawing/2014/main" xmlns="" id="{629F9E77-3FDD-40CA-82E9-3C67E139D3A1}"/>
               </a:ext>
             </a:extLst>
           </p:cNvPr>
@@ -5054,7 +5053,7 @@
           <p:cNvPr id="4" name="Date Placeholder 3">
             <a:extLst>
               <a:ext uri="{FF2B5EF4-FFF2-40B4-BE49-F238E27FC236}">
-                <a16:creationId xmlns="" xmlns:a16="http://schemas.microsoft.com/office/drawing/2014/main" id="{8909B2EE-DD66-4058-A696-AC289906954A}"/>
+                <a16:creationId xmlns:a16="http://schemas.microsoft.com/office/drawing/2014/main" xmlns="" id="{8909B2EE-DD66-4058-A696-AC289906954A}"/>
               </a:ext>
             </a:extLst>
           </p:cNvPr>
@@ -5083,7 +5082,7 @@
           <p:cNvPr id="5" name="Slide Number Placeholder 4">
             <a:extLst>
               <a:ext uri="{FF2B5EF4-FFF2-40B4-BE49-F238E27FC236}">
-                <a16:creationId xmlns="" xmlns:a16="http://schemas.microsoft.com/office/drawing/2014/main" id="{A46ACE7D-882D-448A-8D8E-544494B44B9F}"/>
+                <a16:creationId xmlns:a16="http://schemas.microsoft.com/office/drawing/2014/main" xmlns="" id="{A46ACE7D-882D-448A-8D8E-544494B44B9F}"/>
               </a:ext>
             </a:extLst>
           </p:cNvPr>
@@ -5112,7 +5111,7 @@
           <p:cNvPr id="6" name="Footer Placeholder 5">
             <a:extLst>
               <a:ext uri="{FF2B5EF4-FFF2-40B4-BE49-F238E27FC236}">
-                <a16:creationId xmlns="" xmlns:a16="http://schemas.microsoft.com/office/drawing/2014/main" id="{31E96655-E1DA-41A3-90E3-F63E0ECB1AE6}"/>
+                <a16:creationId xmlns:a16="http://schemas.microsoft.com/office/drawing/2014/main" xmlns="" id="{31E96655-E1DA-41A3-90E3-F63E0ECB1AE6}"/>
               </a:ext>
             </a:extLst>
           </p:cNvPr>
@@ -5847,19 +5846,7 @@
             <a:pPr algn="ctr"/>
             <a:r>
               <a:rPr lang="en-US" dirty="0" smtClean="0"/>
-              <a:t>At ODSC we modeled </a:t>
-            </a:r>
-            <a:r>
-              <a:rPr lang="en-US" dirty="0" smtClean="0"/>
-              <a:t>the probability of risk using a decision tree and it looks like a buying a retail </a:t>
-            </a:r>
-            <a:r>
-              <a:rPr lang="en-US" dirty="0" smtClean="0"/>
-              <a:t>loan is </a:t>
-            </a:r>
-            <a:r>
-              <a:rPr lang="en-US" dirty="0" smtClean="0"/>
-              <a:t>a good investment.</a:t>
+              <a:t>At ODSC we modeled the probability of risk using a decision tree and it looks like a buying a retail loan is a good investment.</a:t>
             </a:r>
             <a:endParaRPr lang="en-US" dirty="0"/>
           </a:p>
@@ -6610,15 +6597,7 @@
             <a:pPr algn="ctr"/>
             <a:r>
               <a:rPr lang="en-US" dirty="0" smtClean="0"/>
-              <a:t>Our learning goal is NOT to make you </a:t>
-            </a:r>
-            <a:r>
-              <a:rPr lang="en-US" dirty="0" smtClean="0"/>
-              <a:t>a </a:t>
-            </a:r>
-            <a:r>
-              <a:rPr lang="en-US" dirty="0" smtClean="0"/>
-              <a:t>trader, or convince you that you are now qualified to be a technical trader. </a:t>
+              <a:t>Our learning goal is NOT to make you a trader, or convince you that you are now qualified to be a technical trader. </a:t>
             </a:r>
             <a:endParaRPr lang="en-US" dirty="0"/>
           </a:p>
@@ -9563,11 +9542,7 @@
           <a:p>
             <a:r>
               <a:rPr lang="en-US" dirty="0" smtClean="0"/>
-              <a:t>Let’s Practice! Open </a:t>
-            </a:r>
-            <a:r>
-              <a:rPr lang="en-US" dirty="0" smtClean="0"/>
-              <a:t>1_TTR_A.R</a:t>
+              <a:t>Let’s Practice! Open 1_TTR_A.R</a:t>
             </a:r>
             <a:endParaRPr lang="en-US" dirty="0"/>
           </a:p>
@@ -9764,21 +9739,21 @@
                 <a:gridCol w="1242805">
                   <a:extLst>
                     <a:ext uri="{9D8B030D-6E8A-4147-A177-3AD203B41FA5}">
-                      <a16:colId xmlns="" xmlns:a16="http://schemas.microsoft.com/office/drawing/2014/main" val="20000"/>
+                      <a16:colId xmlns:a16="http://schemas.microsoft.com/office/drawing/2014/main" xmlns="" val="20000"/>
                     </a:ext>
                   </a:extLst>
                 </a:gridCol>
                 <a:gridCol w="861296">
                   <a:extLst>
                     <a:ext uri="{9D8B030D-6E8A-4147-A177-3AD203B41FA5}">
-                      <a16:colId xmlns="" xmlns:a16="http://schemas.microsoft.com/office/drawing/2014/main" val="20001"/>
+                      <a16:colId xmlns:a16="http://schemas.microsoft.com/office/drawing/2014/main" xmlns="" val="20001"/>
                     </a:ext>
                   </a:extLst>
                 </a:gridCol>
                 <a:gridCol w="5811174">
                   <a:extLst>
                     <a:ext uri="{9D8B030D-6E8A-4147-A177-3AD203B41FA5}">
-                      <a16:colId xmlns="" xmlns:a16="http://schemas.microsoft.com/office/drawing/2014/main" val="20002"/>
+                      <a16:colId xmlns:a16="http://schemas.microsoft.com/office/drawing/2014/main" xmlns="" val="20002"/>
                     </a:ext>
                   </a:extLst>
                 </a:gridCol>
@@ -9839,7 +9814,7 @@
                 </a:tc>
                 <a:extLst>
                   <a:ext uri="{0D108BD9-81ED-4DB2-BD59-A6C34878D82A}">
-                    <a16:rowId xmlns="" xmlns:a16="http://schemas.microsoft.com/office/drawing/2014/main" val="10000"/>
+                    <a16:rowId xmlns:a16="http://schemas.microsoft.com/office/drawing/2014/main" xmlns="" val="10000"/>
                   </a:ext>
                 </a:extLst>
               </a:tr>
@@ -9960,7 +9935,7 @@
                 </a:tc>
                 <a:extLst>
                   <a:ext uri="{0D108BD9-81ED-4DB2-BD59-A6C34878D82A}">
-                    <a16:rowId xmlns="" xmlns:a16="http://schemas.microsoft.com/office/drawing/2014/main" val="10001"/>
+                    <a16:rowId xmlns:a16="http://schemas.microsoft.com/office/drawing/2014/main" xmlns="" val="10001"/>
                   </a:ext>
                 </a:extLst>
               </a:tr>
@@ -10073,7 +10048,7 @@
                 </a:tc>
                 <a:extLst>
                   <a:ext uri="{0D108BD9-81ED-4DB2-BD59-A6C34878D82A}">
-                    <a16:rowId xmlns="" xmlns:a16="http://schemas.microsoft.com/office/drawing/2014/main" val="10002"/>
+                    <a16:rowId xmlns:a16="http://schemas.microsoft.com/office/drawing/2014/main" xmlns="" val="10002"/>
                   </a:ext>
                 </a:extLst>
               </a:tr>
@@ -10084,14 +10059,6 @@
                     <a:lstStyle/>
                     <a:p>
                       <a:pPr algn="ctr"/>
-                      <a:r>
-                        <a:rPr lang="en-US" sz="2000" b="0" strike="noStrike" dirty="0" smtClean="0">
-                          <a:solidFill>
-                            <a:schemeClr val="tx1"/>
-                          </a:solidFill>
-                        </a:rPr>
-                        <a:t>Next Class</a:t>
-                      </a:r>
                       <a:endParaRPr lang="en-US" sz="2000" b="0" strike="noStrike" dirty="0">
                         <a:solidFill>
                           <a:schemeClr val="tx1"/>
@@ -10106,12 +10073,7 @@
                     <a:bodyPr/>
                     <a:lstStyle/>
                     <a:p>
-                      <a:pPr algn="ctr"/>
-                      <a:endParaRPr lang="en-US" sz="2000" b="0" strike="noStrike" dirty="0">
-                        <a:solidFill>
-                          <a:schemeClr val="tx1"/>
-                        </a:solidFill>
-                      </a:endParaRPr>
+                      <a:endParaRPr lang="en-US"/>
                     </a:p>
                   </a:txBody>
                   <a:tcPr/>
@@ -10138,11 +10100,6 @@
                   </a:txBody>
                   <a:tcPr/>
                 </a:tc>
-                <a:extLst>
-                  <a:ext uri="{0D108BD9-81ED-4DB2-BD59-A6C34878D82A}">
-                    <a16:rowId xmlns="" xmlns:a16="http://schemas.microsoft.com/office/drawing/2014/main" val="10003"/>
-                  </a:ext>
-                </a:extLst>
               </a:tr>
               <a:tr h="370840">
                 <a:tc>
@@ -10186,7 +10143,7 @@
                             <a:schemeClr val="tx1"/>
                           </a:solidFill>
                         </a:rPr>
-                        <a:t>Non-Traditional Markets w/Daniel Chang</a:t>
+                        <a:t>Non-Traditional Markets</a:t>
                       </a:r>
                       <a:endParaRPr lang="en-US" sz="2000" b="0" strike="noStrike" dirty="0">
                         <a:solidFill>
@@ -10199,7 +10156,7 @@
                 </a:tc>
                 <a:extLst>
                   <a:ext uri="{0D108BD9-81ED-4DB2-BD59-A6C34878D82A}">
-                    <a16:rowId xmlns="" xmlns:a16="http://schemas.microsoft.com/office/drawing/2014/main" val="3853070941"/>
+                    <a16:rowId xmlns:a16="http://schemas.microsoft.com/office/drawing/2014/main" xmlns="" val="3853070941"/>
                   </a:ext>
                 </a:extLst>
               </a:tr>
@@ -10250,7 +10207,101 @@
                 </a:tc>
                 <a:extLst>
                   <a:ext uri="{0D108BD9-81ED-4DB2-BD59-A6C34878D82A}">
-                    <a16:rowId xmlns="" xmlns:a16="http://schemas.microsoft.com/office/drawing/2014/main" val="3086568558"/>
+                    <a16:rowId xmlns:a16="http://schemas.microsoft.com/office/drawing/2014/main" xmlns="" val="3086568558"/>
+                  </a:ext>
+                </a:extLst>
+              </a:tr>
+              <a:tr h="370840">
+                <a:tc>
+                  <a:txBody>
+                    <a:bodyPr/>
+                    <a:lstStyle/>
+                    <a:p>
+                      <a:pPr algn="ctr"/>
+                      <a:endParaRPr lang="en-US" sz="2000" b="0" strike="noStrike" dirty="0">
+                        <a:solidFill>
+                          <a:schemeClr val="tx1"/>
+                        </a:solidFill>
+                      </a:endParaRPr>
+                    </a:p>
+                  </a:txBody>
+                  <a:tcPr/>
+                </a:tc>
+                <a:tc>
+                  <a:txBody>
+                    <a:bodyPr/>
+                    <a:lstStyle/>
+                    <a:p>
+                      <a:pPr algn="ctr"/>
+                      <a:endParaRPr lang="en-US" sz="2000" b="0" strike="noStrike" dirty="0">
+                        <a:solidFill>
+                          <a:schemeClr val="tx1"/>
+                        </a:solidFill>
+                      </a:endParaRPr>
+                    </a:p>
+                  </a:txBody>
+                  <a:tcPr/>
+                </a:tc>
+                <a:tc>
+                  <a:txBody>
+                    <a:bodyPr/>
+                    <a:lstStyle/>
+                    <a:p>
+                      <a:endParaRPr lang="en-US"/>
+                    </a:p>
+                  </a:txBody>
+                  <a:tcPr/>
+                </a:tc>
+                <a:extLst>
+                  <a:ext uri="{0D108BD9-81ED-4DB2-BD59-A6C34878D82A}">
+                    <a16:rowId xmlns:a16="http://schemas.microsoft.com/office/drawing/2014/main" xmlns="" val="1739476882"/>
+                  </a:ext>
+                </a:extLst>
+              </a:tr>
+              <a:tr h="370840">
+                <a:tc>
+                  <a:txBody>
+                    <a:bodyPr/>
+                    <a:lstStyle/>
+                    <a:p>
+                      <a:pPr algn="ctr"/>
+                      <a:endParaRPr lang="en-US" sz="2000" b="0" strike="noStrike" dirty="0">
+                        <a:solidFill>
+                          <a:schemeClr val="tx1"/>
+                        </a:solidFill>
+                      </a:endParaRPr>
+                    </a:p>
+                  </a:txBody>
+                  <a:tcPr/>
+                </a:tc>
+                <a:tc>
+                  <a:txBody>
+                    <a:bodyPr/>
+                    <a:lstStyle/>
+                    <a:p>
+                      <a:pPr algn="ctr"/>
+                      <a:endParaRPr lang="en-US" sz="2000" b="0" strike="noStrike" dirty="0">
+                        <a:solidFill>
+                          <a:schemeClr val="tx1"/>
+                        </a:solidFill>
+                      </a:endParaRPr>
+                    </a:p>
+                  </a:txBody>
+                  <a:tcPr/>
+                </a:tc>
+                <a:tc>
+                  <a:txBody>
+                    <a:bodyPr/>
+                    <a:lstStyle/>
+                    <a:p>
+                      <a:endParaRPr lang="en-US" dirty="0"/>
+                    </a:p>
+                  </a:txBody>
+                  <a:tcPr/>
+                </a:tc>
+                <a:extLst>
+                  <a:ext uri="{0D108BD9-81ED-4DB2-BD59-A6C34878D82A}">
+                    <a16:rowId xmlns:a16="http://schemas.microsoft.com/office/drawing/2014/main" xmlns="" val="4176223156"/>
                   </a:ext>
                 </a:extLst>
               </a:tr>
@@ -10301,7 +10352,7 @@
                 </a:tc>
                 <a:extLst>
                   <a:ext uri="{0D108BD9-81ED-4DB2-BD59-A6C34878D82A}">
-                    <a16:rowId xmlns="" xmlns:a16="http://schemas.microsoft.com/office/drawing/2014/main" val="1739476882"/>
+                    <a16:rowId xmlns:a16="http://schemas.microsoft.com/office/drawing/2014/main" xmlns="" val="375788903"/>
                   </a:ext>
                 </a:extLst>
               </a:tr>
@@ -10352,109 +10403,7 @@
                 </a:tc>
                 <a:extLst>
                   <a:ext uri="{0D108BD9-81ED-4DB2-BD59-A6C34878D82A}">
-                    <a16:rowId xmlns="" xmlns:a16="http://schemas.microsoft.com/office/drawing/2014/main" val="4176223156"/>
-                  </a:ext>
-                </a:extLst>
-              </a:tr>
-              <a:tr h="370840">
-                <a:tc>
-                  <a:txBody>
-                    <a:bodyPr/>
-                    <a:lstStyle/>
-                    <a:p>
-                      <a:pPr algn="ctr"/>
-                      <a:endParaRPr lang="en-US" sz="2000" b="0" strike="noStrike" dirty="0">
-                        <a:solidFill>
-                          <a:schemeClr val="tx1"/>
-                        </a:solidFill>
-                      </a:endParaRPr>
-                    </a:p>
-                  </a:txBody>
-                  <a:tcPr/>
-                </a:tc>
-                <a:tc>
-                  <a:txBody>
-                    <a:bodyPr/>
-                    <a:lstStyle/>
-                    <a:p>
-                      <a:pPr algn="ctr"/>
-                      <a:endParaRPr lang="en-US" sz="2000" b="0" strike="noStrike" dirty="0">
-                        <a:solidFill>
-                          <a:schemeClr val="tx1"/>
-                        </a:solidFill>
-                      </a:endParaRPr>
-                    </a:p>
-                  </a:txBody>
-                  <a:tcPr/>
-                </a:tc>
-                <a:tc>
-                  <a:txBody>
-                    <a:bodyPr/>
-                    <a:lstStyle/>
-                    <a:p>
-                      <a:endParaRPr lang="en-US" sz="2000" b="0" strike="noStrike" dirty="0">
-                        <a:solidFill>
-                          <a:schemeClr val="tx1"/>
-                        </a:solidFill>
-                      </a:endParaRPr>
-                    </a:p>
-                  </a:txBody>
-                  <a:tcPr/>
-                </a:tc>
-                <a:extLst>
-                  <a:ext uri="{0D108BD9-81ED-4DB2-BD59-A6C34878D82A}">
-                    <a16:rowId xmlns="" xmlns:a16="http://schemas.microsoft.com/office/drawing/2014/main" val="375788903"/>
-                  </a:ext>
-                </a:extLst>
-              </a:tr>
-              <a:tr h="370840">
-                <a:tc>
-                  <a:txBody>
-                    <a:bodyPr/>
-                    <a:lstStyle/>
-                    <a:p>
-                      <a:pPr algn="ctr"/>
-                      <a:endParaRPr lang="en-US" sz="2000" b="0" strike="noStrike" dirty="0">
-                        <a:solidFill>
-                          <a:schemeClr val="tx1"/>
-                        </a:solidFill>
-                      </a:endParaRPr>
-                    </a:p>
-                  </a:txBody>
-                  <a:tcPr/>
-                </a:tc>
-                <a:tc>
-                  <a:txBody>
-                    <a:bodyPr/>
-                    <a:lstStyle/>
-                    <a:p>
-                      <a:pPr algn="ctr"/>
-                      <a:endParaRPr lang="en-US" sz="2000" b="0" strike="noStrike" dirty="0">
-                        <a:solidFill>
-                          <a:schemeClr val="tx1"/>
-                        </a:solidFill>
-                      </a:endParaRPr>
-                    </a:p>
-                  </a:txBody>
-                  <a:tcPr/>
-                </a:tc>
-                <a:tc>
-                  <a:txBody>
-                    <a:bodyPr/>
-                    <a:lstStyle/>
-                    <a:p>
-                      <a:endParaRPr lang="en-US" sz="2000" b="0" strike="noStrike" dirty="0">
-                        <a:solidFill>
-                          <a:schemeClr val="tx1"/>
-                        </a:solidFill>
-                      </a:endParaRPr>
-                    </a:p>
-                  </a:txBody>
-                  <a:tcPr/>
-                </a:tc>
-                <a:extLst>
-                  <a:ext uri="{0D108BD9-81ED-4DB2-BD59-A6C34878D82A}">
-                    <a16:rowId xmlns="" xmlns:a16="http://schemas.microsoft.com/office/drawing/2014/main" val="1479263652"/>
+                    <a16:rowId xmlns:a16="http://schemas.microsoft.com/office/drawing/2014/main" xmlns="" val="1479263652"/>
                   </a:ext>
                 </a:extLst>
               </a:tr>
@@ -10534,13 +10483,20 @@
     </p:spTree>
     <p:extLst>
       <p:ext uri="{BB962C8B-B14F-4D97-AF65-F5344CB8AC3E}">
-        <p14:creationId xmlns:p14="http://schemas.microsoft.com/office/powerpoint/2010/main" val="2464824512"/>
+        <p14:creationId xmlns:p14="http://schemas.microsoft.com/office/powerpoint/2010/main" val="1963536099"/>
       </p:ext>
     </p:extLst>
   </p:cSld>
   <p:clrMapOvr>
     <a:masterClrMapping/>
   </p:clrMapOvr>
+  <p:timing>
+    <p:tnLst>
+      <p:par>
+        <p:cTn id="1" dur="indefinite" restart="never" nodeType="tmRoot"/>
+      </p:par>
+    </p:tnLst>
+  </p:timing>
 </p:sld>
 </file>
 
@@ -13921,21 +13877,21 @@
                 <a:gridCol w="1242805">
                   <a:extLst>
                     <a:ext uri="{9D8B030D-6E8A-4147-A177-3AD203B41FA5}">
-                      <a16:colId xmlns="" xmlns:a16="http://schemas.microsoft.com/office/drawing/2014/main" val="20000"/>
+                      <a16:colId xmlns:a16="http://schemas.microsoft.com/office/drawing/2014/main" xmlns="" val="20000"/>
                     </a:ext>
                   </a:extLst>
                 </a:gridCol>
                 <a:gridCol w="861296">
                   <a:extLst>
                     <a:ext uri="{9D8B030D-6E8A-4147-A177-3AD203B41FA5}">
-                      <a16:colId xmlns="" xmlns:a16="http://schemas.microsoft.com/office/drawing/2014/main" val="20001"/>
+                      <a16:colId xmlns:a16="http://schemas.microsoft.com/office/drawing/2014/main" xmlns="" val="20001"/>
                     </a:ext>
                   </a:extLst>
                 </a:gridCol>
                 <a:gridCol w="5811174">
                   <a:extLst>
                     <a:ext uri="{9D8B030D-6E8A-4147-A177-3AD203B41FA5}">
-                      <a16:colId xmlns="" xmlns:a16="http://schemas.microsoft.com/office/drawing/2014/main" val="20002"/>
+                      <a16:colId xmlns:a16="http://schemas.microsoft.com/office/drawing/2014/main" xmlns="" val="20002"/>
                     </a:ext>
                   </a:extLst>
                 </a:gridCol>
@@ -13996,7 +13952,7 @@
                 </a:tc>
                 <a:extLst>
                   <a:ext uri="{0D108BD9-81ED-4DB2-BD59-A6C34878D82A}">
-                    <a16:rowId xmlns="" xmlns:a16="http://schemas.microsoft.com/office/drawing/2014/main" val="10000"/>
+                    <a16:rowId xmlns:a16="http://schemas.microsoft.com/office/drawing/2014/main" xmlns="" val="10000"/>
                   </a:ext>
                 </a:extLst>
               </a:tr>
@@ -14117,7 +14073,7 @@
                 </a:tc>
                 <a:extLst>
                   <a:ext uri="{0D108BD9-81ED-4DB2-BD59-A6C34878D82A}">
-                    <a16:rowId xmlns="" xmlns:a16="http://schemas.microsoft.com/office/drawing/2014/main" val="10001"/>
+                    <a16:rowId xmlns:a16="http://schemas.microsoft.com/office/drawing/2014/main" xmlns="" val="10001"/>
                   </a:ext>
                 </a:extLst>
               </a:tr>
@@ -14230,7 +14186,7 @@
                 </a:tc>
                 <a:extLst>
                   <a:ext uri="{0D108BD9-81ED-4DB2-BD59-A6C34878D82A}">
-                    <a16:rowId xmlns="" xmlns:a16="http://schemas.microsoft.com/office/drawing/2014/main" val="10002"/>
+                    <a16:rowId xmlns:a16="http://schemas.microsoft.com/office/drawing/2014/main" xmlns="" val="10002"/>
                   </a:ext>
                 </a:extLst>
               </a:tr>
@@ -14338,7 +14294,7 @@
                 </a:tc>
                 <a:extLst>
                   <a:ext uri="{0D108BD9-81ED-4DB2-BD59-A6C34878D82A}">
-                    <a16:rowId xmlns="" xmlns:a16="http://schemas.microsoft.com/office/drawing/2014/main" val="3853070941"/>
+                    <a16:rowId xmlns:a16="http://schemas.microsoft.com/office/drawing/2014/main" xmlns="" val="3853070941"/>
                   </a:ext>
                 </a:extLst>
               </a:tr>
@@ -14389,7 +14345,7 @@
                 </a:tc>
                 <a:extLst>
                   <a:ext uri="{0D108BD9-81ED-4DB2-BD59-A6C34878D82A}">
-                    <a16:rowId xmlns="" xmlns:a16="http://schemas.microsoft.com/office/drawing/2014/main" val="3086568558"/>
+                    <a16:rowId xmlns:a16="http://schemas.microsoft.com/office/drawing/2014/main" xmlns="" val="3086568558"/>
                   </a:ext>
                 </a:extLst>
               </a:tr>
@@ -14436,7 +14392,7 @@
                 </a:tc>
                 <a:extLst>
                   <a:ext uri="{0D108BD9-81ED-4DB2-BD59-A6C34878D82A}">
-                    <a16:rowId xmlns="" xmlns:a16="http://schemas.microsoft.com/office/drawing/2014/main" val="1739476882"/>
+                    <a16:rowId xmlns:a16="http://schemas.microsoft.com/office/drawing/2014/main" xmlns="" val="1739476882"/>
                   </a:ext>
                 </a:extLst>
               </a:tr>
@@ -14483,7 +14439,7 @@
                 </a:tc>
                 <a:extLst>
                   <a:ext uri="{0D108BD9-81ED-4DB2-BD59-A6C34878D82A}">
-                    <a16:rowId xmlns="" xmlns:a16="http://schemas.microsoft.com/office/drawing/2014/main" val="4176223156"/>
+                    <a16:rowId xmlns:a16="http://schemas.microsoft.com/office/drawing/2014/main" xmlns="" val="4176223156"/>
                   </a:ext>
                 </a:extLst>
               </a:tr>
@@ -14534,7 +14490,7 @@
                 </a:tc>
                 <a:extLst>
                   <a:ext uri="{0D108BD9-81ED-4DB2-BD59-A6C34878D82A}">
-                    <a16:rowId xmlns="" xmlns:a16="http://schemas.microsoft.com/office/drawing/2014/main" val="375788903"/>
+                    <a16:rowId xmlns:a16="http://schemas.microsoft.com/office/drawing/2014/main" xmlns="" val="375788903"/>
                   </a:ext>
                 </a:extLst>
               </a:tr>
@@ -14585,7 +14541,7 @@
                 </a:tc>
                 <a:extLst>
                   <a:ext uri="{0D108BD9-81ED-4DB2-BD59-A6C34878D82A}">
-                    <a16:rowId xmlns="" xmlns:a16="http://schemas.microsoft.com/office/drawing/2014/main" val="1479263652"/>
+                    <a16:rowId xmlns:a16="http://schemas.microsoft.com/office/drawing/2014/main" xmlns="" val="1479263652"/>
                   </a:ext>
                 </a:extLst>
               </a:tr>
@@ -16046,21 +16002,21 @@
                 <a:gridCol w="1242805">
                   <a:extLst>
                     <a:ext uri="{9D8B030D-6E8A-4147-A177-3AD203B41FA5}">
-                      <a16:colId xmlns="" xmlns:a16="http://schemas.microsoft.com/office/drawing/2014/main" val="20000"/>
+                      <a16:colId xmlns:a16="http://schemas.microsoft.com/office/drawing/2014/main" xmlns="" val="20000"/>
                     </a:ext>
                   </a:extLst>
                 </a:gridCol>
                 <a:gridCol w="861296">
                   <a:extLst>
                     <a:ext uri="{9D8B030D-6E8A-4147-A177-3AD203B41FA5}">
-                      <a16:colId xmlns="" xmlns:a16="http://schemas.microsoft.com/office/drawing/2014/main" val="20001"/>
+                      <a16:colId xmlns:a16="http://schemas.microsoft.com/office/drawing/2014/main" xmlns="" val="20001"/>
                     </a:ext>
                   </a:extLst>
                 </a:gridCol>
                 <a:gridCol w="5811174">
                   <a:extLst>
                     <a:ext uri="{9D8B030D-6E8A-4147-A177-3AD203B41FA5}">
-                      <a16:colId xmlns="" xmlns:a16="http://schemas.microsoft.com/office/drawing/2014/main" val="20002"/>
+                      <a16:colId xmlns:a16="http://schemas.microsoft.com/office/drawing/2014/main" xmlns="" val="20002"/>
                     </a:ext>
                   </a:extLst>
                 </a:gridCol>
@@ -16121,7 +16077,7 @@
                 </a:tc>
                 <a:extLst>
                   <a:ext uri="{0D108BD9-81ED-4DB2-BD59-A6C34878D82A}">
-                    <a16:rowId xmlns="" xmlns:a16="http://schemas.microsoft.com/office/drawing/2014/main" val="10000"/>
+                    <a16:rowId xmlns:a16="http://schemas.microsoft.com/office/drawing/2014/main" xmlns="" val="10000"/>
                   </a:ext>
                 </a:extLst>
               </a:tr>
@@ -16242,7 +16198,7 @@
                 </a:tc>
                 <a:extLst>
                   <a:ext uri="{0D108BD9-81ED-4DB2-BD59-A6C34878D82A}">
-                    <a16:rowId xmlns="" xmlns:a16="http://schemas.microsoft.com/office/drawing/2014/main" val="10001"/>
+                    <a16:rowId xmlns:a16="http://schemas.microsoft.com/office/drawing/2014/main" xmlns="" val="10001"/>
                   </a:ext>
                 </a:extLst>
               </a:tr>
@@ -16355,7 +16311,7 @@
                 </a:tc>
                 <a:extLst>
                   <a:ext uri="{0D108BD9-81ED-4DB2-BD59-A6C34878D82A}">
-                    <a16:rowId xmlns="" xmlns:a16="http://schemas.microsoft.com/office/drawing/2014/main" val="10002"/>
+                    <a16:rowId xmlns:a16="http://schemas.microsoft.com/office/drawing/2014/main" xmlns="" val="10002"/>
                   </a:ext>
                 </a:extLst>
               </a:tr>
@@ -16366,14 +16322,6 @@
                     <a:lstStyle/>
                     <a:p>
                       <a:pPr algn="ctr"/>
-                      <a:r>
-                        <a:rPr lang="en-US" sz="2000" b="0" strike="noStrike" dirty="0" smtClean="0">
-                          <a:solidFill>
-                            <a:schemeClr val="tx1"/>
-                          </a:solidFill>
-                        </a:rPr>
-                        <a:t>Next Class</a:t>
-                      </a:r>
                       <a:endParaRPr lang="en-US" sz="2000" b="0" strike="noStrike" dirty="0">
                         <a:solidFill>
                           <a:schemeClr val="tx1"/>
@@ -16388,12 +16336,7 @@
                     <a:bodyPr/>
                     <a:lstStyle/>
                     <a:p>
-                      <a:pPr algn="ctr"/>
-                      <a:endParaRPr lang="en-US" sz="2000" b="0" strike="noStrike" dirty="0">
-                        <a:solidFill>
-                          <a:schemeClr val="tx1"/>
-                        </a:solidFill>
-                      </a:endParaRPr>
+                      <a:endParaRPr lang="en-US"/>
                     </a:p>
                   </a:txBody>
                   <a:tcPr/>
@@ -16420,11 +16363,6 @@
                   </a:txBody>
                   <a:tcPr/>
                 </a:tc>
-                <a:extLst>
-                  <a:ext uri="{0D108BD9-81ED-4DB2-BD59-A6C34878D82A}">
-                    <a16:rowId xmlns="" xmlns:a16="http://schemas.microsoft.com/office/drawing/2014/main" val="10003"/>
-                  </a:ext>
-                </a:extLst>
               </a:tr>
               <a:tr h="370840">
                 <a:tc>
@@ -16468,7 +16406,7 @@
                             <a:schemeClr val="tx1"/>
                           </a:solidFill>
                         </a:rPr>
-                        <a:t>Non-Traditional Markets w/Daniel Chang</a:t>
+                        <a:t>Non-Traditional Markets</a:t>
                       </a:r>
                       <a:endParaRPr lang="en-US" sz="2000" b="0" strike="noStrike" dirty="0">
                         <a:solidFill>
@@ -16481,7 +16419,7 @@
                 </a:tc>
                 <a:extLst>
                   <a:ext uri="{0D108BD9-81ED-4DB2-BD59-A6C34878D82A}">
-                    <a16:rowId xmlns="" xmlns:a16="http://schemas.microsoft.com/office/drawing/2014/main" val="3853070941"/>
+                    <a16:rowId xmlns:a16="http://schemas.microsoft.com/office/drawing/2014/main" xmlns="" val="3853070941"/>
                   </a:ext>
                 </a:extLst>
               </a:tr>
@@ -16532,7 +16470,101 @@
                 </a:tc>
                 <a:extLst>
                   <a:ext uri="{0D108BD9-81ED-4DB2-BD59-A6C34878D82A}">
-                    <a16:rowId xmlns="" xmlns:a16="http://schemas.microsoft.com/office/drawing/2014/main" val="3086568558"/>
+                    <a16:rowId xmlns:a16="http://schemas.microsoft.com/office/drawing/2014/main" xmlns="" val="3086568558"/>
+                  </a:ext>
+                </a:extLst>
+              </a:tr>
+              <a:tr h="370840">
+                <a:tc>
+                  <a:txBody>
+                    <a:bodyPr/>
+                    <a:lstStyle/>
+                    <a:p>
+                      <a:pPr algn="ctr"/>
+                      <a:endParaRPr lang="en-US" sz="2000" b="0" strike="noStrike" dirty="0">
+                        <a:solidFill>
+                          <a:schemeClr val="tx1"/>
+                        </a:solidFill>
+                      </a:endParaRPr>
+                    </a:p>
+                  </a:txBody>
+                  <a:tcPr/>
+                </a:tc>
+                <a:tc>
+                  <a:txBody>
+                    <a:bodyPr/>
+                    <a:lstStyle/>
+                    <a:p>
+                      <a:pPr algn="ctr"/>
+                      <a:endParaRPr lang="en-US" sz="2000" b="0" strike="noStrike" dirty="0">
+                        <a:solidFill>
+                          <a:schemeClr val="tx1"/>
+                        </a:solidFill>
+                      </a:endParaRPr>
+                    </a:p>
+                  </a:txBody>
+                  <a:tcPr/>
+                </a:tc>
+                <a:tc>
+                  <a:txBody>
+                    <a:bodyPr/>
+                    <a:lstStyle/>
+                    <a:p>
+                      <a:endParaRPr lang="en-US"/>
+                    </a:p>
+                  </a:txBody>
+                  <a:tcPr/>
+                </a:tc>
+                <a:extLst>
+                  <a:ext uri="{0D108BD9-81ED-4DB2-BD59-A6C34878D82A}">
+                    <a16:rowId xmlns:a16="http://schemas.microsoft.com/office/drawing/2014/main" xmlns="" val="1739476882"/>
+                  </a:ext>
+                </a:extLst>
+              </a:tr>
+              <a:tr h="370840">
+                <a:tc>
+                  <a:txBody>
+                    <a:bodyPr/>
+                    <a:lstStyle/>
+                    <a:p>
+                      <a:pPr algn="ctr"/>
+                      <a:endParaRPr lang="en-US" sz="2000" b="0" strike="noStrike" dirty="0">
+                        <a:solidFill>
+                          <a:schemeClr val="tx1"/>
+                        </a:solidFill>
+                      </a:endParaRPr>
+                    </a:p>
+                  </a:txBody>
+                  <a:tcPr/>
+                </a:tc>
+                <a:tc>
+                  <a:txBody>
+                    <a:bodyPr/>
+                    <a:lstStyle/>
+                    <a:p>
+                      <a:pPr algn="ctr"/>
+                      <a:endParaRPr lang="en-US" sz="2000" b="0" strike="noStrike" dirty="0">
+                        <a:solidFill>
+                          <a:schemeClr val="tx1"/>
+                        </a:solidFill>
+                      </a:endParaRPr>
+                    </a:p>
+                  </a:txBody>
+                  <a:tcPr/>
+                </a:tc>
+                <a:tc>
+                  <a:txBody>
+                    <a:bodyPr/>
+                    <a:lstStyle/>
+                    <a:p>
+                      <a:endParaRPr lang="en-US" dirty="0"/>
+                    </a:p>
+                  </a:txBody>
+                  <a:tcPr/>
+                </a:tc>
+                <a:extLst>
+                  <a:ext uri="{0D108BD9-81ED-4DB2-BD59-A6C34878D82A}">
+                    <a16:rowId xmlns:a16="http://schemas.microsoft.com/office/drawing/2014/main" xmlns="" val="4176223156"/>
                   </a:ext>
                 </a:extLst>
               </a:tr>
@@ -16583,7 +16615,7 @@
                 </a:tc>
                 <a:extLst>
                   <a:ext uri="{0D108BD9-81ED-4DB2-BD59-A6C34878D82A}">
-                    <a16:rowId xmlns="" xmlns:a16="http://schemas.microsoft.com/office/drawing/2014/main" val="1739476882"/>
+                    <a16:rowId xmlns:a16="http://schemas.microsoft.com/office/drawing/2014/main" xmlns="" val="375788903"/>
                   </a:ext>
                 </a:extLst>
               </a:tr>
@@ -16634,109 +16666,7 @@
                 </a:tc>
                 <a:extLst>
                   <a:ext uri="{0D108BD9-81ED-4DB2-BD59-A6C34878D82A}">
-                    <a16:rowId xmlns="" xmlns:a16="http://schemas.microsoft.com/office/drawing/2014/main" val="4176223156"/>
-                  </a:ext>
-                </a:extLst>
-              </a:tr>
-              <a:tr h="370840">
-                <a:tc>
-                  <a:txBody>
-                    <a:bodyPr/>
-                    <a:lstStyle/>
-                    <a:p>
-                      <a:pPr algn="ctr"/>
-                      <a:endParaRPr lang="en-US" sz="2000" b="0" strike="noStrike" dirty="0">
-                        <a:solidFill>
-                          <a:schemeClr val="tx1"/>
-                        </a:solidFill>
-                      </a:endParaRPr>
-                    </a:p>
-                  </a:txBody>
-                  <a:tcPr/>
-                </a:tc>
-                <a:tc>
-                  <a:txBody>
-                    <a:bodyPr/>
-                    <a:lstStyle/>
-                    <a:p>
-                      <a:pPr algn="ctr"/>
-                      <a:endParaRPr lang="en-US" sz="2000" b="0" strike="noStrike" dirty="0">
-                        <a:solidFill>
-                          <a:schemeClr val="tx1"/>
-                        </a:solidFill>
-                      </a:endParaRPr>
-                    </a:p>
-                  </a:txBody>
-                  <a:tcPr/>
-                </a:tc>
-                <a:tc>
-                  <a:txBody>
-                    <a:bodyPr/>
-                    <a:lstStyle/>
-                    <a:p>
-                      <a:endParaRPr lang="en-US" sz="2000" b="0" strike="noStrike" dirty="0">
-                        <a:solidFill>
-                          <a:schemeClr val="tx1"/>
-                        </a:solidFill>
-                      </a:endParaRPr>
-                    </a:p>
-                  </a:txBody>
-                  <a:tcPr/>
-                </a:tc>
-                <a:extLst>
-                  <a:ext uri="{0D108BD9-81ED-4DB2-BD59-A6C34878D82A}">
-                    <a16:rowId xmlns="" xmlns:a16="http://schemas.microsoft.com/office/drawing/2014/main" val="375788903"/>
-                  </a:ext>
-                </a:extLst>
-              </a:tr>
-              <a:tr h="370840">
-                <a:tc>
-                  <a:txBody>
-                    <a:bodyPr/>
-                    <a:lstStyle/>
-                    <a:p>
-                      <a:pPr algn="ctr"/>
-                      <a:endParaRPr lang="en-US" sz="2000" b="0" strike="noStrike" dirty="0">
-                        <a:solidFill>
-                          <a:schemeClr val="tx1"/>
-                        </a:solidFill>
-                      </a:endParaRPr>
-                    </a:p>
-                  </a:txBody>
-                  <a:tcPr/>
-                </a:tc>
-                <a:tc>
-                  <a:txBody>
-                    <a:bodyPr/>
-                    <a:lstStyle/>
-                    <a:p>
-                      <a:pPr algn="ctr"/>
-                      <a:endParaRPr lang="en-US" sz="2000" b="0" strike="noStrike" dirty="0">
-                        <a:solidFill>
-                          <a:schemeClr val="tx1"/>
-                        </a:solidFill>
-                      </a:endParaRPr>
-                    </a:p>
-                  </a:txBody>
-                  <a:tcPr/>
-                </a:tc>
-                <a:tc>
-                  <a:txBody>
-                    <a:bodyPr/>
-                    <a:lstStyle/>
-                    <a:p>
-                      <a:endParaRPr lang="en-US" sz="2000" b="0" strike="noStrike" dirty="0">
-                        <a:solidFill>
-                          <a:schemeClr val="tx1"/>
-                        </a:solidFill>
-                      </a:endParaRPr>
-                    </a:p>
-                  </a:txBody>
-                  <a:tcPr/>
-                </a:tc>
-                <a:extLst>
-                  <a:ext uri="{0D108BD9-81ED-4DB2-BD59-A6C34878D82A}">
-                    <a16:rowId xmlns="" xmlns:a16="http://schemas.microsoft.com/office/drawing/2014/main" val="1479263652"/>
+                    <a16:rowId xmlns:a16="http://schemas.microsoft.com/office/drawing/2014/main" xmlns="" val="1479263652"/>
                   </a:ext>
                 </a:extLst>
               </a:tr>
@@ -16816,13 +16746,20 @@
     </p:spTree>
     <p:extLst>
       <p:ext uri="{BB962C8B-B14F-4D97-AF65-F5344CB8AC3E}">
-        <p14:creationId xmlns:p14="http://schemas.microsoft.com/office/powerpoint/2010/main" val="941389146"/>
+        <p14:creationId xmlns:p14="http://schemas.microsoft.com/office/powerpoint/2010/main" val="210775842"/>
       </p:ext>
     </p:extLst>
   </p:cSld>
   <p:clrMapOvr>
     <a:masterClrMapping/>
   </p:clrMapOvr>
+  <p:timing>
+    <p:tnLst>
+      <p:par>
+        <p:cTn id="1" dur="indefinite" restart="never" nodeType="tmRoot"/>
+      </p:par>
+    </p:tnLst>
+  </p:timing>
 </p:sld>
 </file>
 
@@ -16944,7 +16881,7 @@
         <p:spPr>
           <a:xfrm>
             <a:off x="565048" y="1208907"/>
-            <a:ext cx="8207477" cy="923330"/>
+            <a:ext cx="8207477" cy="646331"/>
           </a:xfrm>
           <a:prstGeom prst="rect">
             <a:avLst/>
@@ -16965,7 +16902,15 @@
                   <a:schemeClr val="bg1"/>
                 </a:solidFill>
               </a:rPr>
-              <a:t>The MACD stands for moving average convergence divergence indicator.  By measuring </a:t>
+              <a:t>By </a:t>
+            </a:r>
+            <a:r>
+              <a:rPr lang="en-US" dirty="0" smtClean="0">
+                <a:solidFill>
+                  <a:schemeClr val="bg1"/>
+                </a:solidFill>
+              </a:rPr>
+              <a:t>measuring </a:t>
             </a:r>
             <a:r>
               <a:rPr lang="en-US" i="1" u="sng" dirty="0" smtClean="0">
@@ -17089,7 +17034,7 @@
         </p:nvSpPr>
         <p:spPr>
           <a:xfrm>
-            <a:off x="677043" y="2289678"/>
+            <a:off x="677043" y="2154212"/>
             <a:ext cx="7424084" cy="1200329"/>
           </a:xfrm>
           <a:prstGeom prst="rect">
@@ -17215,7 +17160,7 @@
 </file>
 
 <file path=ppt/slides/slide37.xml><?xml version="1.0" encoding="utf-8"?>
-<p:sld xmlns:a="http://schemas.openxmlformats.org/drawingml/2006/main" xmlns:r="http://schemas.openxmlformats.org/officeDocument/2006/relationships" xmlns:p="http://schemas.openxmlformats.org/presentationml/2006/main" show="0">
+<p:sld xmlns:a="http://schemas.openxmlformats.org/drawingml/2006/main" xmlns:r="http://schemas.openxmlformats.org/officeDocument/2006/relationships" xmlns:p="http://schemas.openxmlformats.org/presentationml/2006/main">
   <p:cSld>
     <p:spTree>
       <p:nvGrpSpPr>
@@ -17499,7 +17444,7 @@
         <p:spPr>
           <a:xfrm>
             <a:off x="151627" y="4654415"/>
-            <a:ext cx="4572000" cy="1015663"/>
+            <a:ext cx="4572000" cy="1323439"/>
           </a:xfrm>
           <a:prstGeom prst="rect">
             <a:avLst/>
@@ -17549,7 +17494,27 @@
                 <a:latin typeface="Consolas" panose="020B0609020204030204" pitchFamily="49" charset="0"/>
                 <a:cs typeface="Consolas" panose="020B0609020204030204" pitchFamily="49" charset="0"/>
               </a:rPr>
-              <a:t>) #sum(</a:t>
+              <a:t>) </a:t>
+            </a:r>
+            <a:endParaRPr lang="en-US" sz="2000" dirty="0" smtClean="0">
+              <a:latin typeface="Consolas" panose="020B0609020204030204" pitchFamily="49" charset="0"/>
+              <a:cs typeface="Consolas" panose="020B0609020204030204" pitchFamily="49" charset="0"/>
+            </a:endParaRPr>
+          </a:p>
+          <a:p>
+            <a:r>
+              <a:rPr lang="en-US" sz="2000" dirty="0" smtClean="0">
+                <a:latin typeface="Consolas" panose="020B0609020204030204" pitchFamily="49" charset="0"/>
+                <a:cs typeface="Consolas" panose="020B0609020204030204" pitchFamily="49" charset="0"/>
+              </a:rPr>
+              <a:t>#</a:t>
+            </a:r>
+            <a:r>
+              <a:rPr lang="en-US" sz="2000" dirty="0">
+                <a:latin typeface="Consolas" panose="020B0609020204030204" pitchFamily="49" charset="0"/>
+                <a:cs typeface="Consolas" panose="020B0609020204030204" pitchFamily="49" charset="0"/>
+              </a:rPr>
+              <a:t>sum(</a:t>
             </a:r>
             <a:r>
               <a:rPr lang="en-US" sz="2000" dirty="0" err="1">
@@ -17710,11 +17675,11 @@
   <p:clrMapOvr>
     <a:masterClrMapping/>
   </p:clrMapOvr>
-  <mc:AlternateContent xmlns:mc="http://schemas.openxmlformats.org/markup-compatibility/2006" xmlns:p14="http://schemas.microsoft.com/office/powerpoint/2010/main">
-    <mc:Choice Requires="p14">
+  <mc:AlternateContent xmlns:mc="http://schemas.openxmlformats.org/markup-compatibility/2006">
+    <mc:Choice xmlns:p14="http://schemas.microsoft.com/office/powerpoint/2010/main" Requires="p14">
       <p:transition spd="slow" p14:dur="2000"/>
     </mc:Choice>
-    <mc:Fallback xmlns="">
+    <mc:Fallback>
       <p:transition spd="slow"/>
     </mc:Fallback>
   </mc:AlternateContent>
@@ -17829,6 +17794,113 @@
             <a:r>
               <a:rPr lang="en-US" smtClean="0"/>
               <a:t>Kwartler CSCI S-96</a:t>
+            </a:r>
+            <a:endParaRPr lang="en-US" dirty="0"/>
+          </a:p>
+        </p:txBody>
+      </p:sp>
+      <p:sp>
+        <p:nvSpPr>
+          <p:cNvPr id="6" name="TextBox 5"/>
+          <p:cNvSpPr txBox="1"/>
+          <p:nvPr/>
+        </p:nvSpPr>
+        <p:spPr>
+          <a:xfrm>
+            <a:off x="704850" y="1657350"/>
+            <a:ext cx="5497146" cy="2185214"/>
+          </a:xfrm>
+          <a:prstGeom prst="rect">
+            <a:avLst/>
+          </a:prstGeom>
+          <a:noFill/>
+        </p:spPr>
+        <p:txBody>
+          <a:bodyPr wrap="none" rtlCol="0">
+            <a:spAutoFit/>
+          </a:bodyPr>
+          <a:lstStyle/>
+          <a:p>
+            <a:r>
+              <a:rPr lang="en-US" sz="2800" u="sng" dirty="0" smtClean="0"/>
+              <a:t>Learning Objective:</a:t>
+            </a:r>
+          </a:p>
+          <a:p>
+            <a:pPr marL="285750" indent="-285750">
+              <a:buFont typeface="Arial" panose="020B0604020202020204" pitchFamily="34" charset="0"/>
+              <a:buChar char="•"/>
+            </a:pPr>
+            <a:r>
+              <a:rPr lang="en-US" dirty="0" smtClean="0"/>
+              <a:t>Get real stock data</a:t>
+            </a:r>
+          </a:p>
+          <a:p>
+            <a:pPr marL="285750" indent="-285750">
+              <a:buFont typeface="Arial" panose="020B0604020202020204" pitchFamily="34" charset="0"/>
+              <a:buChar char="•"/>
+            </a:pPr>
+            <a:r>
+              <a:rPr lang="en-US" dirty="0" smtClean="0"/>
+              <a:t>Subset an </a:t>
+            </a:r>
+            <a:r>
+              <a:rPr lang="en-US" dirty="0" err="1" smtClean="0"/>
+              <a:t>xts</a:t>
+            </a:r>
+            <a:r>
+              <a:rPr lang="en-US" dirty="0" smtClean="0"/>
+              <a:t> object</a:t>
+            </a:r>
+          </a:p>
+          <a:p>
+            <a:pPr marL="285750" indent="-285750">
+              <a:buFont typeface="Arial" panose="020B0604020202020204" pitchFamily="34" charset="0"/>
+              <a:buChar char="•"/>
+            </a:pPr>
+            <a:r>
+              <a:rPr lang="en-US" dirty="0" smtClean="0"/>
+              <a:t>Calculate </a:t>
+            </a:r>
+            <a:r>
+              <a:rPr lang="en-US" dirty="0" smtClean="0"/>
+              <a:t>MACD</a:t>
+            </a:r>
+            <a:r>
+              <a:rPr lang="en-US" dirty="0" smtClean="0"/>
+              <a:t> </a:t>
+            </a:r>
+            <a:endParaRPr lang="en-US" dirty="0" smtClean="0"/>
+          </a:p>
+          <a:p>
+            <a:pPr marL="285750" indent="-285750">
+              <a:buFont typeface="Arial" panose="020B0604020202020204" pitchFamily="34" charset="0"/>
+              <a:buChar char="•"/>
+            </a:pPr>
+            <a:r>
+              <a:rPr lang="en-US" dirty="0" smtClean="0"/>
+              <a:t>Plot a dynamic graph of the closing &amp; MACD indicator</a:t>
+            </a:r>
+          </a:p>
+          <a:p>
+            <a:pPr marL="285750" indent="-285750">
+              <a:buFont typeface="Arial" panose="020B0604020202020204" pitchFamily="34" charset="0"/>
+              <a:buChar char="•"/>
+            </a:pPr>
+            <a:r>
+              <a:rPr lang="en-US" dirty="0" smtClean="0"/>
+              <a:t>Visually inspect the results of buy/sell actions</a:t>
+            </a:r>
+          </a:p>
+          <a:p>
+            <a:pPr marL="285750" indent="-285750">
+              <a:buFont typeface="Arial" panose="020B0604020202020204" pitchFamily="34" charset="0"/>
+              <a:buChar char="•"/>
+            </a:pPr>
+            <a:r>
+              <a:rPr lang="en-US" dirty="0" smtClean="0"/>
+              <a:t>Calculate cumulative return for the indicator</a:t>
             </a:r>
             <a:endParaRPr lang="en-US" dirty="0"/>
           </a:p>
@@ -17918,21 +17990,21 @@
                 <a:gridCol w="1242805">
                   <a:extLst>
                     <a:ext uri="{9D8B030D-6E8A-4147-A177-3AD203B41FA5}">
-                      <a16:colId xmlns="" xmlns:a16="http://schemas.microsoft.com/office/drawing/2014/main" val="20000"/>
+                      <a16:colId xmlns:a16="http://schemas.microsoft.com/office/drawing/2014/main" xmlns="" val="20000"/>
                     </a:ext>
                   </a:extLst>
                 </a:gridCol>
                 <a:gridCol w="861296">
                   <a:extLst>
                     <a:ext uri="{9D8B030D-6E8A-4147-A177-3AD203B41FA5}">
-                      <a16:colId xmlns="" xmlns:a16="http://schemas.microsoft.com/office/drawing/2014/main" val="20001"/>
+                      <a16:colId xmlns:a16="http://schemas.microsoft.com/office/drawing/2014/main" xmlns="" val="20001"/>
                     </a:ext>
                   </a:extLst>
                 </a:gridCol>
                 <a:gridCol w="5811174">
                   <a:extLst>
                     <a:ext uri="{9D8B030D-6E8A-4147-A177-3AD203B41FA5}">
-                      <a16:colId xmlns="" xmlns:a16="http://schemas.microsoft.com/office/drawing/2014/main" val="20002"/>
+                      <a16:colId xmlns:a16="http://schemas.microsoft.com/office/drawing/2014/main" xmlns="" val="20002"/>
                     </a:ext>
                   </a:extLst>
                 </a:gridCol>
@@ -17993,7 +18065,7 @@
                 </a:tc>
                 <a:extLst>
                   <a:ext uri="{0D108BD9-81ED-4DB2-BD59-A6C34878D82A}">
-                    <a16:rowId xmlns="" xmlns:a16="http://schemas.microsoft.com/office/drawing/2014/main" val="10000"/>
+                    <a16:rowId xmlns:a16="http://schemas.microsoft.com/office/drawing/2014/main" xmlns="" val="10000"/>
                   </a:ext>
                 </a:extLst>
               </a:tr>
@@ -18114,7 +18186,7 @@
                 </a:tc>
                 <a:extLst>
                   <a:ext uri="{0D108BD9-81ED-4DB2-BD59-A6C34878D82A}">
-                    <a16:rowId xmlns="" xmlns:a16="http://schemas.microsoft.com/office/drawing/2014/main" val="10001"/>
+                    <a16:rowId xmlns:a16="http://schemas.microsoft.com/office/drawing/2014/main" xmlns="" val="10001"/>
                   </a:ext>
                 </a:extLst>
               </a:tr>
@@ -18227,7 +18299,7 @@
                 </a:tc>
                 <a:extLst>
                   <a:ext uri="{0D108BD9-81ED-4DB2-BD59-A6C34878D82A}">
-                    <a16:rowId xmlns="" xmlns:a16="http://schemas.microsoft.com/office/drawing/2014/main" val="10002"/>
+                    <a16:rowId xmlns:a16="http://schemas.microsoft.com/office/drawing/2014/main" xmlns="" val="10002"/>
                   </a:ext>
                 </a:extLst>
               </a:tr>
@@ -18238,14 +18310,6 @@
                     <a:lstStyle/>
                     <a:p>
                       <a:pPr algn="ctr"/>
-                      <a:r>
-                        <a:rPr lang="en-US" sz="2000" b="0" strike="noStrike" dirty="0" smtClean="0">
-                          <a:solidFill>
-                            <a:schemeClr val="tx1"/>
-                          </a:solidFill>
-                        </a:rPr>
-                        <a:t>Next Class</a:t>
-                      </a:r>
                       <a:endParaRPr lang="en-US" sz="2000" b="0" strike="noStrike" dirty="0">
                         <a:solidFill>
                           <a:schemeClr val="tx1"/>
@@ -18260,12 +18324,7 @@
                     <a:bodyPr/>
                     <a:lstStyle/>
                     <a:p>
-                      <a:pPr algn="ctr"/>
-                      <a:endParaRPr lang="en-US" sz="2000" b="0" strike="noStrike" dirty="0">
-                        <a:solidFill>
-                          <a:schemeClr val="tx1"/>
-                        </a:solidFill>
-                      </a:endParaRPr>
+                      <a:endParaRPr lang="en-US"/>
                     </a:p>
                   </a:txBody>
                   <a:tcPr/>
@@ -18292,11 +18351,6 @@
                   </a:txBody>
                   <a:tcPr/>
                 </a:tc>
-                <a:extLst>
-                  <a:ext uri="{0D108BD9-81ED-4DB2-BD59-A6C34878D82A}">
-                    <a16:rowId xmlns="" xmlns:a16="http://schemas.microsoft.com/office/drawing/2014/main" val="10003"/>
-                  </a:ext>
-                </a:extLst>
               </a:tr>
               <a:tr h="370840">
                 <a:tc>
@@ -18340,7 +18394,7 @@
                             <a:schemeClr val="tx1"/>
                           </a:solidFill>
                         </a:rPr>
-                        <a:t>Non-Traditional Markets w/Daniel Chang</a:t>
+                        <a:t>Non-Traditional Markets</a:t>
                       </a:r>
                       <a:endParaRPr lang="en-US" sz="2000" b="0" strike="noStrike" dirty="0">
                         <a:solidFill>
@@ -18353,7 +18407,7 @@
                 </a:tc>
                 <a:extLst>
                   <a:ext uri="{0D108BD9-81ED-4DB2-BD59-A6C34878D82A}">
-                    <a16:rowId xmlns="" xmlns:a16="http://schemas.microsoft.com/office/drawing/2014/main" val="3853070941"/>
+                    <a16:rowId xmlns:a16="http://schemas.microsoft.com/office/drawing/2014/main" xmlns="" val="3853070941"/>
                   </a:ext>
                 </a:extLst>
               </a:tr>
@@ -18404,7 +18458,101 @@
                 </a:tc>
                 <a:extLst>
                   <a:ext uri="{0D108BD9-81ED-4DB2-BD59-A6C34878D82A}">
-                    <a16:rowId xmlns="" xmlns:a16="http://schemas.microsoft.com/office/drawing/2014/main" val="3086568558"/>
+                    <a16:rowId xmlns:a16="http://schemas.microsoft.com/office/drawing/2014/main" xmlns="" val="3086568558"/>
+                  </a:ext>
+                </a:extLst>
+              </a:tr>
+              <a:tr h="370840">
+                <a:tc>
+                  <a:txBody>
+                    <a:bodyPr/>
+                    <a:lstStyle/>
+                    <a:p>
+                      <a:pPr algn="ctr"/>
+                      <a:endParaRPr lang="en-US" sz="2000" b="0" strike="noStrike" dirty="0">
+                        <a:solidFill>
+                          <a:schemeClr val="tx1"/>
+                        </a:solidFill>
+                      </a:endParaRPr>
+                    </a:p>
+                  </a:txBody>
+                  <a:tcPr/>
+                </a:tc>
+                <a:tc>
+                  <a:txBody>
+                    <a:bodyPr/>
+                    <a:lstStyle/>
+                    <a:p>
+                      <a:pPr algn="ctr"/>
+                      <a:endParaRPr lang="en-US" sz="2000" b="0" strike="noStrike" dirty="0">
+                        <a:solidFill>
+                          <a:schemeClr val="tx1"/>
+                        </a:solidFill>
+                      </a:endParaRPr>
+                    </a:p>
+                  </a:txBody>
+                  <a:tcPr/>
+                </a:tc>
+                <a:tc>
+                  <a:txBody>
+                    <a:bodyPr/>
+                    <a:lstStyle/>
+                    <a:p>
+                      <a:endParaRPr lang="en-US"/>
+                    </a:p>
+                  </a:txBody>
+                  <a:tcPr/>
+                </a:tc>
+                <a:extLst>
+                  <a:ext uri="{0D108BD9-81ED-4DB2-BD59-A6C34878D82A}">
+                    <a16:rowId xmlns:a16="http://schemas.microsoft.com/office/drawing/2014/main" xmlns="" val="1739476882"/>
+                  </a:ext>
+                </a:extLst>
+              </a:tr>
+              <a:tr h="370840">
+                <a:tc>
+                  <a:txBody>
+                    <a:bodyPr/>
+                    <a:lstStyle/>
+                    <a:p>
+                      <a:pPr algn="ctr"/>
+                      <a:endParaRPr lang="en-US" sz="2000" b="0" strike="noStrike" dirty="0">
+                        <a:solidFill>
+                          <a:schemeClr val="tx1"/>
+                        </a:solidFill>
+                      </a:endParaRPr>
+                    </a:p>
+                  </a:txBody>
+                  <a:tcPr/>
+                </a:tc>
+                <a:tc>
+                  <a:txBody>
+                    <a:bodyPr/>
+                    <a:lstStyle/>
+                    <a:p>
+                      <a:pPr algn="ctr"/>
+                      <a:endParaRPr lang="en-US" sz="2000" b="0" strike="noStrike" dirty="0">
+                        <a:solidFill>
+                          <a:schemeClr val="tx1"/>
+                        </a:solidFill>
+                      </a:endParaRPr>
+                    </a:p>
+                  </a:txBody>
+                  <a:tcPr/>
+                </a:tc>
+                <a:tc>
+                  <a:txBody>
+                    <a:bodyPr/>
+                    <a:lstStyle/>
+                    <a:p>
+                      <a:endParaRPr lang="en-US" dirty="0"/>
+                    </a:p>
+                  </a:txBody>
+                  <a:tcPr/>
+                </a:tc>
+                <a:extLst>
+                  <a:ext uri="{0D108BD9-81ED-4DB2-BD59-A6C34878D82A}">
+                    <a16:rowId xmlns:a16="http://schemas.microsoft.com/office/drawing/2014/main" xmlns="" val="4176223156"/>
                   </a:ext>
                 </a:extLst>
               </a:tr>
@@ -18455,7 +18603,7 @@
                 </a:tc>
                 <a:extLst>
                   <a:ext uri="{0D108BD9-81ED-4DB2-BD59-A6C34878D82A}">
-                    <a16:rowId xmlns="" xmlns:a16="http://schemas.microsoft.com/office/drawing/2014/main" val="1739476882"/>
+                    <a16:rowId xmlns:a16="http://schemas.microsoft.com/office/drawing/2014/main" xmlns="" val="375788903"/>
                   </a:ext>
                 </a:extLst>
               </a:tr>
@@ -18506,109 +18654,7 @@
                 </a:tc>
                 <a:extLst>
                   <a:ext uri="{0D108BD9-81ED-4DB2-BD59-A6C34878D82A}">
-                    <a16:rowId xmlns="" xmlns:a16="http://schemas.microsoft.com/office/drawing/2014/main" val="4176223156"/>
-                  </a:ext>
-                </a:extLst>
-              </a:tr>
-              <a:tr h="370840">
-                <a:tc>
-                  <a:txBody>
-                    <a:bodyPr/>
-                    <a:lstStyle/>
-                    <a:p>
-                      <a:pPr algn="ctr"/>
-                      <a:endParaRPr lang="en-US" sz="2000" b="0" strike="noStrike" dirty="0">
-                        <a:solidFill>
-                          <a:schemeClr val="tx1"/>
-                        </a:solidFill>
-                      </a:endParaRPr>
-                    </a:p>
-                  </a:txBody>
-                  <a:tcPr/>
-                </a:tc>
-                <a:tc>
-                  <a:txBody>
-                    <a:bodyPr/>
-                    <a:lstStyle/>
-                    <a:p>
-                      <a:pPr algn="ctr"/>
-                      <a:endParaRPr lang="en-US" sz="2000" b="0" strike="noStrike" dirty="0">
-                        <a:solidFill>
-                          <a:schemeClr val="tx1"/>
-                        </a:solidFill>
-                      </a:endParaRPr>
-                    </a:p>
-                  </a:txBody>
-                  <a:tcPr/>
-                </a:tc>
-                <a:tc>
-                  <a:txBody>
-                    <a:bodyPr/>
-                    <a:lstStyle/>
-                    <a:p>
-                      <a:endParaRPr lang="en-US" sz="2000" b="0" strike="noStrike" dirty="0">
-                        <a:solidFill>
-                          <a:schemeClr val="tx1"/>
-                        </a:solidFill>
-                      </a:endParaRPr>
-                    </a:p>
-                  </a:txBody>
-                  <a:tcPr/>
-                </a:tc>
-                <a:extLst>
-                  <a:ext uri="{0D108BD9-81ED-4DB2-BD59-A6C34878D82A}">
-                    <a16:rowId xmlns="" xmlns:a16="http://schemas.microsoft.com/office/drawing/2014/main" val="375788903"/>
-                  </a:ext>
-                </a:extLst>
-              </a:tr>
-              <a:tr h="370840">
-                <a:tc>
-                  <a:txBody>
-                    <a:bodyPr/>
-                    <a:lstStyle/>
-                    <a:p>
-                      <a:pPr algn="ctr"/>
-                      <a:endParaRPr lang="en-US" sz="2000" b="0" strike="noStrike" dirty="0">
-                        <a:solidFill>
-                          <a:schemeClr val="tx1"/>
-                        </a:solidFill>
-                      </a:endParaRPr>
-                    </a:p>
-                  </a:txBody>
-                  <a:tcPr/>
-                </a:tc>
-                <a:tc>
-                  <a:txBody>
-                    <a:bodyPr/>
-                    <a:lstStyle/>
-                    <a:p>
-                      <a:pPr algn="ctr"/>
-                      <a:endParaRPr lang="en-US" sz="2000" b="0" strike="noStrike" dirty="0">
-                        <a:solidFill>
-                          <a:schemeClr val="tx1"/>
-                        </a:solidFill>
-                      </a:endParaRPr>
-                    </a:p>
-                  </a:txBody>
-                  <a:tcPr/>
-                </a:tc>
-                <a:tc>
-                  <a:txBody>
-                    <a:bodyPr/>
-                    <a:lstStyle/>
-                    <a:p>
-                      <a:endParaRPr lang="en-US" sz="2000" b="0" strike="noStrike" dirty="0">
-                        <a:solidFill>
-                          <a:schemeClr val="tx1"/>
-                        </a:solidFill>
-                      </a:endParaRPr>
-                    </a:p>
-                  </a:txBody>
-                  <a:tcPr/>
-                </a:tc>
-                <a:extLst>
-                  <a:ext uri="{0D108BD9-81ED-4DB2-BD59-A6C34878D82A}">
-                    <a16:rowId xmlns="" xmlns:a16="http://schemas.microsoft.com/office/drawing/2014/main" val="1479263652"/>
+                    <a16:rowId xmlns:a16="http://schemas.microsoft.com/office/drawing/2014/main" xmlns="" val="1479263652"/>
                   </a:ext>
                 </a:extLst>
               </a:tr>
@@ -18688,13 +18734,20 @@
     </p:spTree>
     <p:extLst>
       <p:ext uri="{BB962C8B-B14F-4D97-AF65-F5344CB8AC3E}">
-        <p14:creationId xmlns:p14="http://schemas.microsoft.com/office/powerpoint/2010/main" val="1594076834"/>
+        <p14:creationId xmlns:p14="http://schemas.microsoft.com/office/powerpoint/2010/main" val="455826535"/>
       </p:ext>
     </p:extLst>
   </p:cSld>
   <p:clrMapOvr>
     <a:masterClrMapping/>
   </p:clrMapOvr>
+  <p:timing>
+    <p:tnLst>
+      <p:par>
+        <p:cTn id="1" dur="indefinite" restart="never" nodeType="tmRoot"/>
+      </p:par>
+    </p:tnLst>
+  </p:timing>
 </p:sld>
 </file>
 
@@ -21838,6 +21891,87 @@
           </a:p>
         </p:txBody>
       </p:sp>
+      <p:sp>
+        <p:nvSpPr>
+          <p:cNvPr id="6" name="TextBox 5"/>
+          <p:cNvSpPr txBox="1"/>
+          <p:nvPr/>
+        </p:nvSpPr>
+        <p:spPr>
+          <a:xfrm>
+            <a:off x="704850" y="1657350"/>
+            <a:ext cx="5641994" cy="1908215"/>
+          </a:xfrm>
+          <a:prstGeom prst="rect">
+            <a:avLst/>
+          </a:prstGeom>
+          <a:noFill/>
+        </p:spPr>
+        <p:txBody>
+          <a:bodyPr wrap="none" rtlCol="0">
+            <a:spAutoFit/>
+          </a:bodyPr>
+          <a:lstStyle/>
+          <a:p>
+            <a:r>
+              <a:rPr lang="en-US" sz="2800" u="sng" dirty="0" smtClean="0"/>
+              <a:t>Learning Objective:</a:t>
+            </a:r>
+          </a:p>
+          <a:p>
+            <a:pPr marL="285750" indent="-285750">
+              <a:buFont typeface="Arial" panose="020B0604020202020204" pitchFamily="34" charset="0"/>
+              <a:buChar char="•"/>
+            </a:pPr>
+            <a:r>
+              <a:rPr lang="en-US" dirty="0" smtClean="0"/>
+              <a:t>Get real stock data</a:t>
+            </a:r>
+          </a:p>
+          <a:p>
+            <a:pPr marL="285750" indent="-285750">
+              <a:buFont typeface="Arial" panose="020B0604020202020204" pitchFamily="34" charset="0"/>
+              <a:buChar char="•"/>
+            </a:pPr>
+            <a:r>
+              <a:rPr lang="en-US" dirty="0" smtClean="0"/>
+              <a:t>Calculate RSI</a:t>
+            </a:r>
+            <a:endParaRPr lang="en-US" dirty="0" smtClean="0"/>
+          </a:p>
+          <a:p>
+            <a:pPr marL="285750" indent="-285750">
+              <a:buFont typeface="Arial" panose="020B0604020202020204" pitchFamily="34" charset="0"/>
+              <a:buChar char="•"/>
+            </a:pPr>
+            <a:r>
+              <a:rPr lang="en-US" dirty="0" smtClean="0"/>
+              <a:t>Plot a dynamic graph of the closing &amp; RSI indicator</a:t>
+            </a:r>
+          </a:p>
+          <a:p>
+            <a:pPr marL="285750" indent="-285750">
+              <a:buFont typeface="Arial" panose="020B0604020202020204" pitchFamily="34" charset="0"/>
+              <a:buChar char="•"/>
+            </a:pPr>
+            <a:r>
+              <a:rPr lang="en-US" dirty="0" smtClean="0"/>
+              <a:t>Visually inspect the results of buy/sell actions</a:t>
+            </a:r>
+          </a:p>
+          <a:p>
+            <a:pPr marL="285750" indent="-285750">
+              <a:buFont typeface="Arial" panose="020B0604020202020204" pitchFamily="34" charset="0"/>
+              <a:buChar char="•"/>
+            </a:pPr>
+            <a:r>
+              <a:rPr lang="en-US" dirty="0" smtClean="0"/>
+              <a:t>Calculate cumulative return for RSI and MACD together</a:t>
+            </a:r>
+            <a:endParaRPr lang="en-US" dirty="0"/>
+          </a:p>
+        </p:txBody>
+      </p:sp>
     </p:spTree>
     <p:extLst>
       <p:ext uri="{BB962C8B-B14F-4D97-AF65-F5344CB8AC3E}">
@@ -21913,11 +22047,7 @@
           <a:p>
             <a:r>
               <a:rPr lang="en-US" dirty="0" smtClean="0"/>
-              <a:t>Securities Trading can be distilled into 4 </a:t>
-            </a:r>
-            <a:r>
-              <a:rPr lang="en-US" dirty="0" smtClean="0"/>
-              <a:t>categories</a:t>
+              <a:t>Securities Trading can be distilled into 4 categories</a:t>
             </a:r>
             <a:endParaRPr lang="en-US" dirty="0"/>
           </a:p>
@@ -22295,11 +22425,7 @@
           <a:p>
             <a:r>
               <a:rPr lang="en-US" dirty="0" smtClean="0"/>
-              <a:t>Securities Trading can be distilled into 4 </a:t>
-            </a:r>
-            <a:r>
-              <a:rPr lang="en-US" dirty="0" smtClean="0"/>
-              <a:t>categories</a:t>
+              <a:t>Securities Trading can be distilled into 4 categories</a:t>
             </a:r>
             <a:endParaRPr lang="en-US" dirty="0"/>
           </a:p>
@@ -22438,7 +22564,6 @@
               <a:rPr lang="en-US" dirty="0"/>
               <a:t>an action regardless of sector, or company product.   </a:t>
             </a:r>
-            <a:endParaRPr lang="en-US" dirty="0"/>
           </a:p>
         </p:txBody>
       </p:sp>
@@ -22594,11 +22719,7 @@
           <a:p>
             <a:r>
               <a:rPr lang="en-US" dirty="0" smtClean="0"/>
-              <a:t>Securities Trading can be distilled into 4 </a:t>
-            </a:r>
-            <a:r>
-              <a:rPr lang="en-US" dirty="0" smtClean="0"/>
-              <a:t>categories</a:t>
+              <a:t>Securities Trading can be distilled into 4 categories</a:t>
             </a:r>
             <a:endParaRPr lang="en-US" dirty="0"/>
           </a:p>
@@ -22884,11 +23005,7 @@
           <a:p>
             <a:r>
               <a:rPr lang="en-US" dirty="0" smtClean="0"/>
-              <a:t>Securities Trading can be distilled into 4 </a:t>
-            </a:r>
-            <a:r>
-              <a:rPr lang="en-US" dirty="0" smtClean="0"/>
-              <a:t>categories</a:t>
+              <a:t>Securities Trading can be distilled into 4 categories</a:t>
             </a:r>
             <a:endParaRPr lang="en-US" dirty="0"/>
           </a:p>
@@ -23031,7 +23148,6 @@
               <a:rPr lang="en-US" dirty="0"/>
               <a:t>-seconds. “scalping” small profits thousands of times per minute.</a:t>
             </a:r>
-            <a:endParaRPr lang="en-US" dirty="0"/>
           </a:p>
         </p:txBody>
       </p:sp>

--- a/Intro to Technical Financial Evaluation with R.pptx
+++ b/Intro to Technical Financial Evaluation with R.pptx
@@ -5,7 +5,7 @@
     <p:sldMasterId id="2147483660" r:id="rId1"/>
   </p:sldMasterIdLst>
   <p:notesMasterIdLst>
-    <p:notesMasterId r:id="rId72"/>
+    <p:notesMasterId r:id="rId67"/>
   </p:notesMasterIdLst>
   <p:sldIdLst>
     <p:sldId id="297" r:id="rId2"/>
@@ -57,27 +57,22 @@
     <p:sldId id="411" r:id="rId48"/>
     <p:sldId id="412" r:id="rId49"/>
     <p:sldId id="413" r:id="rId50"/>
-    <p:sldId id="414" r:id="rId51"/>
-    <p:sldId id="415" r:id="rId52"/>
-    <p:sldId id="416" r:id="rId53"/>
-    <p:sldId id="417" r:id="rId54"/>
-    <p:sldId id="420" r:id="rId55"/>
-    <p:sldId id="421" r:id="rId56"/>
-    <p:sldId id="446" r:id="rId57"/>
-    <p:sldId id="424" r:id="rId58"/>
-    <p:sldId id="425" r:id="rId59"/>
-    <p:sldId id="426" r:id="rId60"/>
-    <p:sldId id="427" r:id="rId61"/>
-    <p:sldId id="428" r:id="rId62"/>
-    <p:sldId id="429" r:id="rId63"/>
-    <p:sldId id="430" r:id="rId64"/>
-    <p:sldId id="431" r:id="rId65"/>
-    <p:sldId id="432" r:id="rId66"/>
-    <p:sldId id="433" r:id="rId67"/>
-    <p:sldId id="440" r:id="rId68"/>
-    <p:sldId id="441" r:id="rId69"/>
-    <p:sldId id="444" r:id="rId70"/>
-    <p:sldId id="445" r:id="rId71"/>
+    <p:sldId id="415" r:id="rId51"/>
+    <p:sldId id="416" r:id="rId52"/>
+    <p:sldId id="417" r:id="rId53"/>
+    <p:sldId id="420" r:id="rId54"/>
+    <p:sldId id="446" r:id="rId55"/>
+    <p:sldId id="447" r:id="rId56"/>
+    <p:sldId id="425" r:id="rId57"/>
+    <p:sldId id="426" r:id="rId58"/>
+    <p:sldId id="427" r:id="rId59"/>
+    <p:sldId id="428" r:id="rId60"/>
+    <p:sldId id="429" r:id="rId61"/>
+    <p:sldId id="430" r:id="rId62"/>
+    <p:sldId id="432" r:id="rId63"/>
+    <p:sldId id="440" r:id="rId64"/>
+    <p:sldId id="441" r:id="rId65"/>
+    <p:sldId id="445" r:id="rId66"/>
   </p:sldIdLst>
   <p:sldSz cx="9144000" cy="6858000" type="screen4x3"/>
   <p:notesSz cx="6858000" cy="9144000"/>
@@ -976,8 +971,6 @@
               <a:rPr lang="en-US" dirty="0" smtClean="0"/>
               <a:t>No Feature Engineering</a:t>
             </a:r>
-          </a:p>
-          <a:p>
             <a:endParaRPr lang="en-US" dirty="0"/>
           </a:p>
         </p:txBody>
@@ -1000,100 +993,6 @@
             <a:fld id="{24E9AA13-E3FC-4BB6-B68D-5F0F5803D716}" type="slidenum">
               <a:rPr lang="en-US" smtClean="0"/>
               <a:t>50</a:t>
-            </a:fld>
-            <a:endParaRPr lang="en-US"/>
-          </a:p>
-        </p:txBody>
-      </p:sp>
-    </p:spTree>
-    <p:extLst>
-      <p:ext uri="{BB962C8B-B14F-4D97-AF65-F5344CB8AC3E}">
-        <p14:creationId xmlns:p14="http://schemas.microsoft.com/office/powerpoint/2010/main" val="357818648"/>
-      </p:ext>
-    </p:extLst>
-  </p:cSld>
-  <p:clrMapOvr>
-    <a:masterClrMapping/>
-  </p:clrMapOvr>
-</p:notes>
-</file>
-
-<file path=ppt/notesSlides/notesSlide6.xml><?xml version="1.0" encoding="utf-8"?>
-<p:notes xmlns:a="http://schemas.openxmlformats.org/drawingml/2006/main" xmlns:r="http://schemas.openxmlformats.org/officeDocument/2006/relationships" xmlns:p="http://schemas.openxmlformats.org/presentationml/2006/main">
-  <p:cSld>
-    <p:spTree>
-      <p:nvGrpSpPr>
-        <p:cNvPr id="1" name=""/>
-        <p:cNvGrpSpPr/>
-        <p:nvPr/>
-      </p:nvGrpSpPr>
-      <p:grpSpPr>
-        <a:xfrm>
-          <a:off x="0" y="0"/>
-          <a:ext cx="0" cy="0"/>
-          <a:chOff x="0" y="0"/>
-          <a:chExt cx="0" cy="0"/>
-        </a:xfrm>
-      </p:grpSpPr>
-      <p:sp>
-        <p:nvSpPr>
-          <p:cNvPr id="2" name="Slide Image Placeholder 1"/>
-          <p:cNvSpPr>
-            <a:spLocks noGrp="1" noRot="1" noChangeAspect="1"/>
-          </p:cNvSpPr>
-          <p:nvPr>
-            <p:ph type="sldImg"/>
-          </p:nvPr>
-        </p:nvSpPr>
-        <p:spPr/>
-      </p:sp>
-      <p:sp>
-        <p:nvSpPr>
-          <p:cNvPr id="3" name="Notes Placeholder 2"/>
-          <p:cNvSpPr>
-            <a:spLocks noGrp="1"/>
-          </p:cNvSpPr>
-          <p:nvPr>
-            <p:ph type="body" idx="1"/>
-          </p:nvPr>
-        </p:nvSpPr>
-        <p:spPr/>
-        <p:txBody>
-          <a:bodyPr/>
-          <a:lstStyle/>
-          <a:p>
-            <a:r>
-              <a:rPr lang="en-US" dirty="0" smtClean="0"/>
-              <a:t>No Cross Validation</a:t>
-            </a:r>
-          </a:p>
-          <a:p>
-            <a:r>
-              <a:rPr lang="en-US" dirty="0" smtClean="0"/>
-              <a:t>No Feature Engineering</a:t>
-            </a:r>
-            <a:endParaRPr lang="en-US" dirty="0"/>
-          </a:p>
-        </p:txBody>
-      </p:sp>
-      <p:sp>
-        <p:nvSpPr>
-          <p:cNvPr id="4" name="Slide Number Placeholder 3"/>
-          <p:cNvSpPr>
-            <a:spLocks noGrp="1"/>
-          </p:cNvSpPr>
-          <p:nvPr>
-            <p:ph type="sldNum" sz="quarter" idx="10"/>
-          </p:nvPr>
-        </p:nvSpPr>
-        <p:spPr/>
-        <p:txBody>
-          <a:bodyPr/>
-          <a:lstStyle/>
-          <a:p>
-            <a:fld id="{24E9AA13-E3FC-4BB6-B68D-5F0F5803D716}" type="slidenum">
-              <a:rPr lang="en-US" smtClean="0"/>
-              <a:t>51</a:t>
             </a:fld>
             <a:endParaRPr lang="en-US"/>
           </a:p>
@@ -25616,7 +25515,7 @@
           <a:p>
             <a:r>
               <a:rPr lang="en-US" dirty="0" smtClean="0"/>
-              <a:t>                                           Plan</a:t>
+              <a:t>What is cross – validation?</a:t>
             </a:r>
             <a:endParaRPr lang="en-US" dirty="0"/>
           </a:p>
@@ -25668,61 +25567,22 @@
           </a:p>
         </p:txBody>
       </p:sp>
-      <p:pic>
-        <p:nvPicPr>
-          <p:cNvPr id="6" name="Picture 2" descr="Image result for lending club logo"/>
-          <p:cNvPicPr>
-            <a:picLocks noChangeAspect="1" noChangeArrowheads="1"/>
-          </p:cNvPicPr>
-          <p:nvPr/>
-        </p:nvPicPr>
-        <p:blipFill rotWithShape="1">
-          <a:blip r:embed="rId3" cstate="print">
-            <a:extLst>
-              <a:ext uri="{28A0092B-C50C-407E-A947-70E740481C1C}">
-                <a14:useLocalDpi xmlns:a14="http://schemas.microsoft.com/office/drawing/2010/main" val="0"/>
-              </a:ext>
-            </a:extLst>
-          </a:blip>
-          <a:srcRect l="8165" t="31759" r="8062" b="20741"/>
-          <a:stretch/>
-        </p:blipFill>
-        <p:spPr bwMode="auto">
-          <a:xfrm>
-            <a:off x="321349" y="300027"/>
-            <a:ext cx="4279226" cy="659233"/>
-          </a:xfrm>
-          <a:prstGeom prst="rect">
-            <a:avLst/>
-          </a:prstGeom>
-          <a:noFill/>
-          <a:extLst>
-            <a:ext uri="{909E8E84-426E-40DD-AFC4-6F175D3DCCD1}">
-              <a14:hiddenFill xmlns:a14="http://schemas.microsoft.com/office/drawing/2010/main">
-                <a:solidFill>
-                  <a:srgbClr val="FFFFFF"/>
-                </a:solidFill>
-              </a14:hiddenFill>
-            </a:ext>
-          </a:extLst>
-        </p:spPr>
-      </p:pic>
-      <p:sp>
-        <p:nvSpPr>
-          <p:cNvPr id="9" name="Rectangle 8"/>
+      <p:sp>
+        <p:nvSpPr>
+          <p:cNvPr id="6" name="Rectangle 5"/>
           <p:cNvSpPr/>
           <p:nvPr/>
         </p:nvSpPr>
         <p:spPr>
           <a:xfrm>
             <a:off x="328613" y="1243014"/>
-            <a:ext cx="8486775" cy="600075"/>
+            <a:ext cx="8658225" cy="400049"/>
           </a:xfrm>
           <a:prstGeom prst="rect">
             <a:avLst/>
           </a:prstGeom>
           <a:solidFill>
-            <a:schemeClr val="accent3"/>
+            <a:schemeClr val="accent2"/>
           </a:solidFill>
           <a:ln>
             <a:noFill/>
@@ -25750,32 +25610,34 @@
           <a:p>
             <a:pPr algn="ctr"/>
             <a:r>
-              <a:rPr lang="en-US" sz="2400" dirty="0" smtClean="0"/>
-              <a:t>We will model  0/1 probability of success (fully paid)</a:t>
-            </a:r>
-            <a:endParaRPr lang="en-US" sz="2400" dirty="0"/>
-          </a:p>
-        </p:txBody>
-      </p:sp>
-      <p:sp>
-        <p:nvSpPr>
-          <p:cNvPr id="11" name="Rectangle 10"/>
+              <a:rPr lang="en-US" sz="2000" dirty="0" smtClean="0"/>
+              <a:t>This is a typical partitioning schema to avoid overfitting.</a:t>
+            </a:r>
+            <a:endParaRPr lang="en-US" sz="2000" dirty="0"/>
+          </a:p>
+        </p:txBody>
+      </p:sp>
+      <p:sp>
+        <p:nvSpPr>
+          <p:cNvPr id="20" name="Flowchart: Magnetic Disk 19"/>
           <p:cNvSpPr/>
           <p:nvPr/>
         </p:nvSpPr>
         <p:spPr>
           <a:xfrm>
-            <a:off x="400050" y="2397913"/>
-            <a:ext cx="3328988" cy="285750"/>
-          </a:xfrm>
-          <a:prstGeom prst="rect">
+            <a:off x="2293158" y="5719772"/>
+            <a:ext cx="2000250" cy="609601"/>
+          </a:xfrm>
+          <a:prstGeom prst="flowChartMagneticDisk">
             <a:avLst/>
           </a:prstGeom>
           <a:solidFill>
-            <a:schemeClr val="accent2"/>
+            <a:schemeClr val="accent5"/>
           </a:solidFill>
           <a:ln>
-            <a:noFill/>
+            <a:solidFill>
+              <a:schemeClr val="accent5"/>
+            </a:solidFill>
           </a:ln>
         </p:spPr>
         <p:style>
@@ -25799,33 +25661,31 @@
           <a:lstStyle/>
           <a:p>
             <a:pPr algn="ctr"/>
-            <a:r>
-              <a:rPr lang="en-US" dirty="0" smtClean="0"/>
-              <a:t>Methods</a:t>
-            </a:r>
             <a:endParaRPr lang="en-US" dirty="0"/>
           </a:p>
         </p:txBody>
       </p:sp>
       <p:sp>
         <p:nvSpPr>
-          <p:cNvPr id="12" name="Rectangle 11"/>
+          <p:cNvPr id="21" name="Flowchart: Magnetic Disk 20"/>
           <p:cNvSpPr/>
           <p:nvPr/>
         </p:nvSpPr>
         <p:spPr>
           <a:xfrm>
-            <a:off x="5167312" y="2397913"/>
-            <a:ext cx="3328988" cy="285750"/>
-          </a:xfrm>
-          <a:prstGeom prst="rect">
+            <a:off x="2293158" y="5295381"/>
+            <a:ext cx="2000250" cy="609601"/>
+          </a:xfrm>
+          <a:prstGeom prst="flowChartMagneticDisk">
             <a:avLst/>
           </a:prstGeom>
           <a:solidFill>
-            <a:schemeClr val="accent2"/>
+            <a:schemeClr val="accent5"/>
           </a:solidFill>
           <a:ln>
-            <a:noFill/>
+            <a:solidFill>
+              <a:schemeClr val="accent5"/>
+            </a:solidFill>
           </a:ln>
         </p:spPr>
         <p:style>
@@ -25849,24 +25709,404 @@
           <a:lstStyle/>
           <a:p>
             <a:pPr algn="ctr"/>
-            <a:r>
-              <a:rPr lang="en-US" dirty="0" smtClean="0"/>
-              <a:t>Artifacts</a:t>
-            </a:r>
             <a:endParaRPr lang="en-US" dirty="0"/>
           </a:p>
         </p:txBody>
       </p:sp>
       <p:sp>
         <p:nvSpPr>
-          <p:cNvPr id="13" name="TextBox 12"/>
+          <p:cNvPr id="22" name="Flowchart: Magnetic Disk 21"/>
+          <p:cNvSpPr/>
+          <p:nvPr/>
+        </p:nvSpPr>
+        <p:spPr>
+          <a:xfrm>
+            <a:off x="2293158" y="4870988"/>
+            <a:ext cx="2000250" cy="609601"/>
+          </a:xfrm>
+          <a:prstGeom prst="flowChartMagneticDisk">
+            <a:avLst/>
+          </a:prstGeom>
+          <a:solidFill>
+            <a:schemeClr val="accent5"/>
+          </a:solidFill>
+          <a:ln>
+            <a:solidFill>
+              <a:schemeClr val="accent5"/>
+            </a:solidFill>
+          </a:ln>
+        </p:spPr>
+        <p:style>
+          <a:lnRef idx="2">
+            <a:schemeClr val="accent1">
+              <a:shade val="50000"/>
+            </a:schemeClr>
+          </a:lnRef>
+          <a:fillRef idx="1">
+            <a:schemeClr val="accent1"/>
+          </a:fillRef>
+          <a:effectRef idx="0">
+            <a:schemeClr val="accent1"/>
+          </a:effectRef>
+          <a:fontRef idx="minor">
+            <a:schemeClr val="lt1"/>
+          </a:fontRef>
+        </p:style>
+        <p:txBody>
+          <a:bodyPr rtlCol="0" anchor="ctr"/>
+          <a:lstStyle/>
+          <a:p>
+            <a:pPr algn="ctr"/>
+            <a:endParaRPr lang="en-US" dirty="0"/>
+          </a:p>
+        </p:txBody>
+      </p:sp>
+      <p:sp>
+        <p:nvSpPr>
+          <p:cNvPr id="23" name="Flowchart: Magnetic Disk 22"/>
+          <p:cNvSpPr/>
+          <p:nvPr/>
+        </p:nvSpPr>
+        <p:spPr>
+          <a:xfrm>
+            <a:off x="2293158" y="4446595"/>
+            <a:ext cx="2000250" cy="609601"/>
+          </a:xfrm>
+          <a:prstGeom prst="flowChartMagneticDisk">
+            <a:avLst/>
+          </a:prstGeom>
+          <a:solidFill>
+            <a:schemeClr val="accent5"/>
+          </a:solidFill>
+          <a:ln>
+            <a:solidFill>
+              <a:schemeClr val="accent5"/>
+            </a:solidFill>
+          </a:ln>
+        </p:spPr>
+        <p:style>
+          <a:lnRef idx="2">
+            <a:schemeClr val="accent1">
+              <a:shade val="50000"/>
+            </a:schemeClr>
+          </a:lnRef>
+          <a:fillRef idx="1">
+            <a:schemeClr val="accent1"/>
+          </a:fillRef>
+          <a:effectRef idx="0">
+            <a:schemeClr val="accent1"/>
+          </a:effectRef>
+          <a:fontRef idx="minor">
+            <a:schemeClr val="lt1"/>
+          </a:fontRef>
+        </p:style>
+        <p:txBody>
+          <a:bodyPr rtlCol="0" anchor="ctr"/>
+          <a:lstStyle/>
+          <a:p>
+            <a:pPr algn="ctr"/>
+            <a:endParaRPr lang="en-US" dirty="0"/>
+          </a:p>
+        </p:txBody>
+      </p:sp>
+      <p:sp>
+        <p:nvSpPr>
+          <p:cNvPr id="24" name="Flowchart: Magnetic Disk 23"/>
+          <p:cNvSpPr/>
+          <p:nvPr/>
+        </p:nvSpPr>
+        <p:spPr>
+          <a:xfrm>
+            <a:off x="2293158" y="4022202"/>
+            <a:ext cx="2000250" cy="609601"/>
+          </a:xfrm>
+          <a:prstGeom prst="flowChartMagneticDisk">
+            <a:avLst/>
+          </a:prstGeom>
+          <a:solidFill>
+            <a:schemeClr val="accent5"/>
+          </a:solidFill>
+          <a:ln>
+            <a:solidFill>
+              <a:schemeClr val="accent5"/>
+            </a:solidFill>
+          </a:ln>
+        </p:spPr>
+        <p:style>
+          <a:lnRef idx="2">
+            <a:schemeClr val="accent1">
+              <a:shade val="50000"/>
+            </a:schemeClr>
+          </a:lnRef>
+          <a:fillRef idx="1">
+            <a:schemeClr val="accent1"/>
+          </a:fillRef>
+          <a:effectRef idx="0">
+            <a:schemeClr val="accent1"/>
+          </a:effectRef>
+          <a:fontRef idx="minor">
+            <a:schemeClr val="lt1"/>
+          </a:fontRef>
+        </p:style>
+        <p:txBody>
+          <a:bodyPr rtlCol="0" anchor="ctr"/>
+          <a:lstStyle/>
+          <a:p>
+            <a:pPr algn="ctr"/>
+            <a:endParaRPr lang="en-US" dirty="0"/>
+          </a:p>
+        </p:txBody>
+      </p:sp>
+      <p:sp>
+        <p:nvSpPr>
+          <p:cNvPr id="25" name="Flowchart: Magnetic Disk 24"/>
+          <p:cNvSpPr/>
+          <p:nvPr/>
+        </p:nvSpPr>
+        <p:spPr>
+          <a:xfrm>
+            <a:off x="2293158" y="3597809"/>
+            <a:ext cx="2000250" cy="609601"/>
+          </a:xfrm>
+          <a:prstGeom prst="flowChartMagneticDisk">
+            <a:avLst/>
+          </a:prstGeom>
+          <a:solidFill>
+            <a:schemeClr val="accent5"/>
+          </a:solidFill>
+          <a:ln>
+            <a:solidFill>
+              <a:schemeClr val="accent5"/>
+            </a:solidFill>
+          </a:ln>
+        </p:spPr>
+        <p:style>
+          <a:lnRef idx="2">
+            <a:schemeClr val="accent1">
+              <a:shade val="50000"/>
+            </a:schemeClr>
+          </a:lnRef>
+          <a:fillRef idx="1">
+            <a:schemeClr val="accent1"/>
+          </a:fillRef>
+          <a:effectRef idx="0">
+            <a:schemeClr val="accent1"/>
+          </a:effectRef>
+          <a:fontRef idx="minor">
+            <a:schemeClr val="lt1"/>
+          </a:fontRef>
+        </p:style>
+        <p:txBody>
+          <a:bodyPr rtlCol="0" anchor="ctr"/>
+          <a:lstStyle/>
+          <a:p>
+            <a:pPr algn="ctr"/>
+            <a:endParaRPr lang="en-US" dirty="0"/>
+          </a:p>
+        </p:txBody>
+      </p:sp>
+      <p:sp>
+        <p:nvSpPr>
+          <p:cNvPr id="26" name="Flowchart: Magnetic Disk 25"/>
+          <p:cNvSpPr/>
+          <p:nvPr/>
+        </p:nvSpPr>
+        <p:spPr>
+          <a:xfrm>
+            <a:off x="2293158" y="3173416"/>
+            <a:ext cx="2000250" cy="609601"/>
+          </a:xfrm>
+          <a:prstGeom prst="flowChartMagneticDisk">
+            <a:avLst/>
+          </a:prstGeom>
+          <a:solidFill>
+            <a:schemeClr val="accent5"/>
+          </a:solidFill>
+          <a:ln>
+            <a:solidFill>
+              <a:schemeClr val="accent5"/>
+            </a:solidFill>
+          </a:ln>
+        </p:spPr>
+        <p:style>
+          <a:lnRef idx="2">
+            <a:schemeClr val="accent1">
+              <a:shade val="50000"/>
+            </a:schemeClr>
+          </a:lnRef>
+          <a:fillRef idx="1">
+            <a:schemeClr val="accent1"/>
+          </a:fillRef>
+          <a:effectRef idx="0">
+            <a:schemeClr val="accent1"/>
+          </a:effectRef>
+          <a:fontRef idx="minor">
+            <a:schemeClr val="lt1"/>
+          </a:fontRef>
+        </p:style>
+        <p:txBody>
+          <a:bodyPr rtlCol="0" anchor="ctr"/>
+          <a:lstStyle/>
+          <a:p>
+            <a:pPr algn="ctr"/>
+            <a:endParaRPr lang="en-US" dirty="0"/>
+          </a:p>
+        </p:txBody>
+      </p:sp>
+      <p:sp>
+        <p:nvSpPr>
+          <p:cNvPr id="27" name="Flowchart: Magnetic Disk 26"/>
+          <p:cNvSpPr/>
+          <p:nvPr/>
+        </p:nvSpPr>
+        <p:spPr>
+          <a:xfrm>
+            <a:off x="2293158" y="2749023"/>
+            <a:ext cx="2000250" cy="609601"/>
+          </a:xfrm>
+          <a:prstGeom prst="flowChartMagneticDisk">
+            <a:avLst/>
+          </a:prstGeom>
+          <a:solidFill>
+            <a:schemeClr val="accent5"/>
+          </a:solidFill>
+          <a:ln>
+            <a:solidFill>
+              <a:schemeClr val="accent5"/>
+            </a:solidFill>
+          </a:ln>
+        </p:spPr>
+        <p:style>
+          <a:lnRef idx="2">
+            <a:schemeClr val="accent1">
+              <a:shade val="50000"/>
+            </a:schemeClr>
+          </a:lnRef>
+          <a:fillRef idx="1">
+            <a:schemeClr val="accent1"/>
+          </a:fillRef>
+          <a:effectRef idx="0">
+            <a:schemeClr val="accent1"/>
+          </a:effectRef>
+          <a:fontRef idx="minor">
+            <a:schemeClr val="lt1"/>
+          </a:fontRef>
+        </p:style>
+        <p:txBody>
+          <a:bodyPr rtlCol="0" anchor="ctr"/>
+          <a:lstStyle/>
+          <a:p>
+            <a:pPr algn="ctr"/>
+            <a:endParaRPr lang="en-US" dirty="0"/>
+          </a:p>
+        </p:txBody>
+      </p:sp>
+      <p:sp>
+        <p:nvSpPr>
+          <p:cNvPr id="28" name="Flowchart: Magnetic Disk 27"/>
+          <p:cNvSpPr/>
+          <p:nvPr/>
+        </p:nvSpPr>
+        <p:spPr>
+          <a:xfrm>
+            <a:off x="2293158" y="2324630"/>
+            <a:ext cx="2000250" cy="609601"/>
+          </a:xfrm>
+          <a:prstGeom prst="flowChartMagneticDisk">
+            <a:avLst/>
+          </a:prstGeom>
+          <a:solidFill>
+            <a:schemeClr val="accent5"/>
+          </a:solidFill>
+          <a:ln>
+            <a:solidFill>
+              <a:schemeClr val="accent5"/>
+            </a:solidFill>
+          </a:ln>
+        </p:spPr>
+        <p:style>
+          <a:lnRef idx="2">
+            <a:schemeClr val="accent1">
+              <a:shade val="50000"/>
+            </a:schemeClr>
+          </a:lnRef>
+          <a:fillRef idx="1">
+            <a:schemeClr val="accent1"/>
+          </a:fillRef>
+          <a:effectRef idx="0">
+            <a:schemeClr val="accent1"/>
+          </a:effectRef>
+          <a:fontRef idx="minor">
+            <a:schemeClr val="lt1"/>
+          </a:fontRef>
+        </p:style>
+        <p:txBody>
+          <a:bodyPr rtlCol="0" anchor="ctr"/>
+          <a:lstStyle/>
+          <a:p>
+            <a:pPr algn="ctr"/>
+            <a:endParaRPr lang="en-US" dirty="0"/>
+          </a:p>
+        </p:txBody>
+      </p:sp>
+      <p:sp>
+        <p:nvSpPr>
+          <p:cNvPr id="29" name="Flowchart: Magnetic Disk 28"/>
+          <p:cNvSpPr/>
+          <p:nvPr/>
+        </p:nvSpPr>
+        <p:spPr>
+          <a:xfrm>
+            <a:off x="2293158" y="1900237"/>
+            <a:ext cx="2000250" cy="609601"/>
+          </a:xfrm>
+          <a:prstGeom prst="flowChartMagneticDisk">
+            <a:avLst/>
+          </a:prstGeom>
+          <a:solidFill>
+            <a:schemeClr val="accent5"/>
+          </a:solidFill>
+          <a:ln>
+            <a:solidFill>
+              <a:schemeClr val="accent5"/>
+            </a:solidFill>
+          </a:ln>
+        </p:spPr>
+        <p:style>
+          <a:lnRef idx="2">
+            <a:schemeClr val="accent1">
+              <a:shade val="50000"/>
+            </a:schemeClr>
+          </a:lnRef>
+          <a:fillRef idx="1">
+            <a:schemeClr val="accent1"/>
+          </a:fillRef>
+          <a:effectRef idx="0">
+            <a:schemeClr val="accent1"/>
+          </a:effectRef>
+          <a:fontRef idx="minor">
+            <a:schemeClr val="lt1"/>
+          </a:fontRef>
+        </p:style>
+        <p:txBody>
+          <a:bodyPr rtlCol="0" anchor="ctr"/>
+          <a:lstStyle/>
+          <a:p>
+            <a:pPr algn="ctr"/>
+            <a:endParaRPr lang="en-US" dirty="0"/>
+          </a:p>
+        </p:txBody>
+      </p:sp>
+      <p:sp>
+        <p:nvSpPr>
+          <p:cNvPr id="30" name="TextBox 29"/>
           <p:cNvSpPr txBox="1"/>
           <p:nvPr/>
         </p:nvSpPr>
         <p:spPr>
           <a:xfrm>
-            <a:off x="5186363" y="2857500"/>
-            <a:ext cx="3343275" cy="3416320"/>
+            <a:off x="2871801" y="4043363"/>
+            <a:ext cx="912301" cy="369332"/>
           </a:xfrm>
           <a:prstGeom prst="rect">
             <a:avLst/>
@@ -25874,90 +26114,555 @@
           <a:noFill/>
         </p:spPr>
         <p:txBody>
-          <a:bodyPr wrap="square" rtlCol="0">
+          <a:bodyPr wrap="none" rtlCol="0">
             <a:spAutoFit/>
           </a:bodyPr>
           <a:lstStyle/>
           <a:p>
-            <a:pPr marL="285750" indent="-285750">
-              <a:buFont typeface="Arial" panose="020B0604020202020204" pitchFamily="34" charset="0"/>
-              <a:buChar char="•"/>
-            </a:pPr>
             <a:r>
               <a:rPr lang="en-US" dirty="0" smtClean="0"/>
-              <a:t>Identify the most probable notes for being fully paid</a:t>
-            </a:r>
-          </a:p>
-          <a:p>
-            <a:pPr marL="285750" indent="-285750">
-              <a:buFont typeface="Arial" panose="020B0604020202020204" pitchFamily="34" charset="0"/>
-              <a:buChar char="•"/>
-            </a:pPr>
-            <a:endParaRPr lang="en-US" dirty="0" smtClean="0"/>
-          </a:p>
-          <a:p>
-            <a:pPr marL="285750" indent="-285750">
-              <a:buFont typeface="Arial" panose="020B0604020202020204" pitchFamily="34" charset="0"/>
-              <a:buChar char="•"/>
-            </a:pPr>
-            <a:r>
-              <a:rPr lang="en-US" dirty="0" smtClean="0"/>
-              <a:t>Understand important variables</a:t>
-            </a:r>
-          </a:p>
-          <a:p>
-            <a:pPr marL="285750" indent="-285750">
-              <a:buFont typeface="Arial" panose="020B0604020202020204" pitchFamily="34" charset="0"/>
-              <a:buChar char="•"/>
-            </a:pPr>
-            <a:endParaRPr lang="en-US" dirty="0" smtClean="0"/>
-          </a:p>
-          <a:p>
-            <a:pPr marL="285750" indent="-285750">
-              <a:buFont typeface="Arial" panose="020B0604020202020204" pitchFamily="34" charset="0"/>
-              <a:buChar char="•"/>
-            </a:pPr>
-            <a:r>
-              <a:rPr lang="en-US" dirty="0" smtClean="0"/>
-              <a:t>Visualize probability of success/interest rate (reward)</a:t>
-            </a:r>
-          </a:p>
-          <a:p>
-            <a:pPr marL="285750" indent="-285750">
-              <a:buFont typeface="Arial" panose="020B0604020202020204" pitchFamily="34" charset="0"/>
-              <a:buChar char="•"/>
-            </a:pPr>
-            <a:endParaRPr lang="en-US" dirty="0" smtClean="0"/>
-          </a:p>
-          <a:p>
-            <a:pPr marL="285750" indent="-285750">
-              <a:buFont typeface="Arial" panose="020B0604020202020204" pitchFamily="34" charset="0"/>
-              <a:buChar char="•"/>
-            </a:pPr>
-            <a:r>
-              <a:rPr lang="en-US" dirty="0" smtClean="0"/>
-              <a:t>Depending on risk propensity, purchase X notes.</a:t>
-            </a:r>
-          </a:p>
-          <a:p>
-            <a:pPr marL="285750" indent="-285750">
-              <a:buFont typeface="Arial" panose="020B0604020202020204" pitchFamily="34" charset="0"/>
-              <a:buChar char="•"/>
-            </a:pPr>
+              <a:t>All Data</a:t>
+            </a:r>
             <a:endParaRPr lang="en-US" dirty="0"/>
           </a:p>
         </p:txBody>
       </p:sp>
       <p:sp>
         <p:nvSpPr>
-          <p:cNvPr id="14" name="TextBox 13"/>
+          <p:cNvPr id="31" name="Isosceles Triangle 30"/>
+          <p:cNvSpPr/>
+          <p:nvPr/>
+        </p:nvSpPr>
+        <p:spPr>
+          <a:xfrm rot="5400000">
+            <a:off x="3014677" y="4071937"/>
+            <a:ext cx="3186112" cy="300038"/>
+          </a:xfrm>
+          <a:prstGeom prst="triangle">
+            <a:avLst/>
+          </a:prstGeom>
+          <a:solidFill>
+            <a:schemeClr val="accent6"/>
+          </a:solidFill>
+          <a:ln>
+            <a:noFill/>
+          </a:ln>
+        </p:spPr>
+        <p:style>
+          <a:lnRef idx="2">
+            <a:schemeClr val="accent1">
+              <a:shade val="50000"/>
+            </a:schemeClr>
+          </a:lnRef>
+          <a:fillRef idx="1">
+            <a:schemeClr val="accent1"/>
+          </a:fillRef>
+          <a:effectRef idx="0">
+            <a:schemeClr val="accent1"/>
+          </a:effectRef>
+          <a:fontRef idx="minor">
+            <a:schemeClr val="lt1"/>
+          </a:fontRef>
+        </p:style>
+        <p:txBody>
+          <a:bodyPr rtlCol="0" anchor="ctr"/>
+          <a:lstStyle/>
+          <a:p>
+            <a:pPr algn="ctr"/>
+            <a:endParaRPr lang="en-US"/>
+          </a:p>
+        </p:txBody>
+      </p:sp>
+      <p:sp>
+        <p:nvSpPr>
+          <p:cNvPr id="32" name="Flowchart: Magnetic Disk 31"/>
+          <p:cNvSpPr/>
+          <p:nvPr/>
+        </p:nvSpPr>
+        <p:spPr>
+          <a:xfrm>
+            <a:off x="4860146" y="5657860"/>
+            <a:ext cx="2000250" cy="609601"/>
+          </a:xfrm>
+          <a:prstGeom prst="flowChartMagneticDisk">
+            <a:avLst/>
+          </a:prstGeom>
+          <a:solidFill>
+            <a:schemeClr val="accent3"/>
+          </a:solidFill>
+          <a:ln>
+            <a:solidFill>
+              <a:schemeClr val="accent3"/>
+            </a:solidFill>
+          </a:ln>
+        </p:spPr>
+        <p:style>
+          <a:lnRef idx="2">
+            <a:schemeClr val="accent1">
+              <a:shade val="50000"/>
+            </a:schemeClr>
+          </a:lnRef>
+          <a:fillRef idx="1">
+            <a:schemeClr val="accent1"/>
+          </a:fillRef>
+          <a:effectRef idx="0">
+            <a:schemeClr val="accent1"/>
+          </a:effectRef>
+          <a:fontRef idx="minor">
+            <a:schemeClr val="lt1"/>
+          </a:fontRef>
+        </p:style>
+        <p:txBody>
+          <a:bodyPr rtlCol="0" anchor="ctr"/>
+          <a:lstStyle/>
+          <a:p>
+            <a:pPr algn="ctr"/>
+            <a:endParaRPr lang="en-US" dirty="0"/>
+          </a:p>
+        </p:txBody>
+      </p:sp>
+      <p:sp>
+        <p:nvSpPr>
+          <p:cNvPr id="33" name="Flowchart: Magnetic Disk 32"/>
+          <p:cNvSpPr/>
+          <p:nvPr/>
+        </p:nvSpPr>
+        <p:spPr>
+          <a:xfrm>
+            <a:off x="4860146" y="5233469"/>
+            <a:ext cx="2000250" cy="609601"/>
+          </a:xfrm>
+          <a:prstGeom prst="flowChartMagneticDisk">
+            <a:avLst/>
+          </a:prstGeom>
+          <a:solidFill>
+            <a:schemeClr val="accent3"/>
+          </a:solidFill>
+          <a:ln>
+            <a:solidFill>
+              <a:schemeClr val="accent3"/>
+            </a:solidFill>
+          </a:ln>
+        </p:spPr>
+        <p:style>
+          <a:lnRef idx="2">
+            <a:schemeClr val="accent1">
+              <a:shade val="50000"/>
+            </a:schemeClr>
+          </a:lnRef>
+          <a:fillRef idx="1">
+            <a:schemeClr val="accent1"/>
+          </a:fillRef>
+          <a:effectRef idx="0">
+            <a:schemeClr val="accent1"/>
+          </a:effectRef>
+          <a:fontRef idx="minor">
+            <a:schemeClr val="lt1"/>
+          </a:fontRef>
+        </p:style>
+        <p:txBody>
+          <a:bodyPr rtlCol="0" anchor="ctr"/>
+          <a:lstStyle/>
+          <a:p>
+            <a:pPr algn="ctr"/>
+            <a:endParaRPr lang="en-US" dirty="0"/>
+          </a:p>
+        </p:txBody>
+      </p:sp>
+      <p:sp>
+        <p:nvSpPr>
+          <p:cNvPr id="34" name="Flowchart: Magnetic Disk 33"/>
+          <p:cNvSpPr/>
+          <p:nvPr/>
+        </p:nvSpPr>
+        <p:spPr>
+          <a:xfrm>
+            <a:off x="4860146" y="4809076"/>
+            <a:ext cx="2000250" cy="609601"/>
+          </a:xfrm>
+          <a:prstGeom prst="flowChartMagneticDisk">
+            <a:avLst/>
+          </a:prstGeom>
+          <a:solidFill>
+            <a:schemeClr val="accent5"/>
+          </a:solidFill>
+          <a:ln>
+            <a:solidFill>
+              <a:schemeClr val="accent5"/>
+            </a:solidFill>
+          </a:ln>
+        </p:spPr>
+        <p:style>
+          <a:lnRef idx="2">
+            <a:schemeClr val="accent1">
+              <a:shade val="50000"/>
+            </a:schemeClr>
+          </a:lnRef>
+          <a:fillRef idx="1">
+            <a:schemeClr val="accent1"/>
+          </a:fillRef>
+          <a:effectRef idx="0">
+            <a:schemeClr val="accent1"/>
+          </a:effectRef>
+          <a:fontRef idx="minor">
+            <a:schemeClr val="lt1"/>
+          </a:fontRef>
+        </p:style>
+        <p:txBody>
+          <a:bodyPr rtlCol="0" anchor="ctr"/>
+          <a:lstStyle/>
+          <a:p>
+            <a:pPr algn="ctr"/>
+            <a:endParaRPr lang="en-US" dirty="0"/>
+          </a:p>
+        </p:txBody>
+      </p:sp>
+      <p:sp>
+        <p:nvSpPr>
+          <p:cNvPr id="35" name="Flowchart: Magnetic Disk 34"/>
+          <p:cNvSpPr/>
+          <p:nvPr/>
+        </p:nvSpPr>
+        <p:spPr>
+          <a:xfrm>
+            <a:off x="4860146" y="4384683"/>
+            <a:ext cx="2000250" cy="609601"/>
+          </a:xfrm>
+          <a:prstGeom prst="flowChartMagneticDisk">
+            <a:avLst/>
+          </a:prstGeom>
+          <a:solidFill>
+            <a:schemeClr val="accent5"/>
+          </a:solidFill>
+          <a:ln>
+            <a:solidFill>
+              <a:schemeClr val="accent5"/>
+            </a:solidFill>
+          </a:ln>
+        </p:spPr>
+        <p:style>
+          <a:lnRef idx="2">
+            <a:schemeClr val="accent1">
+              <a:shade val="50000"/>
+            </a:schemeClr>
+          </a:lnRef>
+          <a:fillRef idx="1">
+            <a:schemeClr val="accent1"/>
+          </a:fillRef>
+          <a:effectRef idx="0">
+            <a:schemeClr val="accent1"/>
+          </a:effectRef>
+          <a:fontRef idx="minor">
+            <a:schemeClr val="lt1"/>
+          </a:fontRef>
+        </p:style>
+        <p:txBody>
+          <a:bodyPr rtlCol="0" anchor="ctr"/>
+          <a:lstStyle/>
+          <a:p>
+            <a:pPr algn="ctr"/>
+            <a:endParaRPr lang="en-US" dirty="0"/>
+          </a:p>
+        </p:txBody>
+      </p:sp>
+      <p:sp>
+        <p:nvSpPr>
+          <p:cNvPr id="36" name="Flowchart: Magnetic Disk 35"/>
+          <p:cNvSpPr/>
+          <p:nvPr/>
+        </p:nvSpPr>
+        <p:spPr>
+          <a:xfrm>
+            <a:off x="4860146" y="3960290"/>
+            <a:ext cx="2000250" cy="609601"/>
+          </a:xfrm>
+          <a:prstGeom prst="flowChartMagneticDisk">
+            <a:avLst/>
+          </a:prstGeom>
+          <a:solidFill>
+            <a:schemeClr val="accent5"/>
+          </a:solidFill>
+          <a:ln>
+            <a:solidFill>
+              <a:schemeClr val="accent5"/>
+            </a:solidFill>
+          </a:ln>
+        </p:spPr>
+        <p:style>
+          <a:lnRef idx="2">
+            <a:schemeClr val="accent1">
+              <a:shade val="50000"/>
+            </a:schemeClr>
+          </a:lnRef>
+          <a:fillRef idx="1">
+            <a:schemeClr val="accent1"/>
+          </a:fillRef>
+          <a:effectRef idx="0">
+            <a:schemeClr val="accent1"/>
+          </a:effectRef>
+          <a:fontRef idx="minor">
+            <a:schemeClr val="lt1"/>
+          </a:fontRef>
+        </p:style>
+        <p:txBody>
+          <a:bodyPr rtlCol="0" anchor="ctr"/>
+          <a:lstStyle/>
+          <a:p>
+            <a:pPr algn="ctr"/>
+            <a:endParaRPr lang="en-US" dirty="0"/>
+          </a:p>
+        </p:txBody>
+      </p:sp>
+      <p:sp>
+        <p:nvSpPr>
+          <p:cNvPr id="37" name="Flowchart: Magnetic Disk 36"/>
+          <p:cNvSpPr/>
+          <p:nvPr/>
+        </p:nvSpPr>
+        <p:spPr>
+          <a:xfrm>
+            <a:off x="4860146" y="3535897"/>
+            <a:ext cx="2000250" cy="609601"/>
+          </a:xfrm>
+          <a:prstGeom prst="flowChartMagneticDisk">
+            <a:avLst/>
+          </a:prstGeom>
+          <a:solidFill>
+            <a:schemeClr val="accent5"/>
+          </a:solidFill>
+          <a:ln>
+            <a:solidFill>
+              <a:schemeClr val="accent5"/>
+            </a:solidFill>
+          </a:ln>
+        </p:spPr>
+        <p:style>
+          <a:lnRef idx="2">
+            <a:schemeClr val="accent1">
+              <a:shade val="50000"/>
+            </a:schemeClr>
+          </a:lnRef>
+          <a:fillRef idx="1">
+            <a:schemeClr val="accent1"/>
+          </a:fillRef>
+          <a:effectRef idx="0">
+            <a:schemeClr val="accent1"/>
+          </a:effectRef>
+          <a:fontRef idx="minor">
+            <a:schemeClr val="lt1"/>
+          </a:fontRef>
+        </p:style>
+        <p:txBody>
+          <a:bodyPr rtlCol="0" anchor="ctr"/>
+          <a:lstStyle/>
+          <a:p>
+            <a:pPr algn="ctr"/>
+            <a:endParaRPr lang="en-US" dirty="0"/>
+          </a:p>
+        </p:txBody>
+      </p:sp>
+      <p:sp>
+        <p:nvSpPr>
+          <p:cNvPr id="38" name="Flowchart: Magnetic Disk 37"/>
+          <p:cNvSpPr/>
+          <p:nvPr/>
+        </p:nvSpPr>
+        <p:spPr>
+          <a:xfrm>
+            <a:off x="4860146" y="3111504"/>
+            <a:ext cx="2000250" cy="609601"/>
+          </a:xfrm>
+          <a:prstGeom prst="flowChartMagneticDisk">
+            <a:avLst/>
+          </a:prstGeom>
+          <a:solidFill>
+            <a:schemeClr val="accent5"/>
+          </a:solidFill>
+          <a:ln>
+            <a:solidFill>
+              <a:schemeClr val="accent5"/>
+            </a:solidFill>
+          </a:ln>
+        </p:spPr>
+        <p:style>
+          <a:lnRef idx="2">
+            <a:schemeClr val="accent1">
+              <a:shade val="50000"/>
+            </a:schemeClr>
+          </a:lnRef>
+          <a:fillRef idx="1">
+            <a:schemeClr val="accent1"/>
+          </a:fillRef>
+          <a:effectRef idx="0">
+            <a:schemeClr val="accent1"/>
+          </a:effectRef>
+          <a:fontRef idx="minor">
+            <a:schemeClr val="lt1"/>
+          </a:fontRef>
+        </p:style>
+        <p:txBody>
+          <a:bodyPr rtlCol="0" anchor="ctr"/>
+          <a:lstStyle/>
+          <a:p>
+            <a:pPr algn="ctr"/>
+            <a:endParaRPr lang="en-US" dirty="0"/>
+          </a:p>
+        </p:txBody>
+      </p:sp>
+      <p:sp>
+        <p:nvSpPr>
+          <p:cNvPr id="39" name="Flowchart: Magnetic Disk 38"/>
+          <p:cNvSpPr/>
+          <p:nvPr/>
+        </p:nvSpPr>
+        <p:spPr>
+          <a:xfrm>
+            <a:off x="4860146" y="2687111"/>
+            <a:ext cx="2000250" cy="609601"/>
+          </a:xfrm>
+          <a:prstGeom prst="flowChartMagneticDisk">
+            <a:avLst/>
+          </a:prstGeom>
+          <a:solidFill>
+            <a:schemeClr val="accent5"/>
+          </a:solidFill>
+          <a:ln>
+            <a:solidFill>
+              <a:schemeClr val="accent5"/>
+            </a:solidFill>
+          </a:ln>
+        </p:spPr>
+        <p:style>
+          <a:lnRef idx="2">
+            <a:schemeClr val="accent1">
+              <a:shade val="50000"/>
+            </a:schemeClr>
+          </a:lnRef>
+          <a:fillRef idx="1">
+            <a:schemeClr val="accent1"/>
+          </a:fillRef>
+          <a:effectRef idx="0">
+            <a:schemeClr val="accent1"/>
+          </a:effectRef>
+          <a:fontRef idx="minor">
+            <a:schemeClr val="lt1"/>
+          </a:fontRef>
+        </p:style>
+        <p:txBody>
+          <a:bodyPr rtlCol="0" anchor="ctr"/>
+          <a:lstStyle/>
+          <a:p>
+            <a:pPr algn="ctr"/>
+            <a:endParaRPr lang="en-US" dirty="0"/>
+          </a:p>
+        </p:txBody>
+      </p:sp>
+      <p:sp>
+        <p:nvSpPr>
+          <p:cNvPr id="40" name="Flowchart: Magnetic Disk 39"/>
+          <p:cNvSpPr/>
+          <p:nvPr/>
+        </p:nvSpPr>
+        <p:spPr>
+          <a:xfrm>
+            <a:off x="4860146" y="2262718"/>
+            <a:ext cx="2000250" cy="609601"/>
+          </a:xfrm>
+          <a:prstGeom prst="flowChartMagneticDisk">
+            <a:avLst/>
+          </a:prstGeom>
+          <a:solidFill>
+            <a:schemeClr val="accent5"/>
+          </a:solidFill>
+          <a:ln>
+            <a:solidFill>
+              <a:schemeClr val="accent5"/>
+            </a:solidFill>
+          </a:ln>
+        </p:spPr>
+        <p:style>
+          <a:lnRef idx="2">
+            <a:schemeClr val="accent1">
+              <a:shade val="50000"/>
+            </a:schemeClr>
+          </a:lnRef>
+          <a:fillRef idx="1">
+            <a:schemeClr val="accent1"/>
+          </a:fillRef>
+          <a:effectRef idx="0">
+            <a:schemeClr val="accent1"/>
+          </a:effectRef>
+          <a:fontRef idx="minor">
+            <a:schemeClr val="lt1"/>
+          </a:fontRef>
+        </p:style>
+        <p:txBody>
+          <a:bodyPr rtlCol="0" anchor="ctr"/>
+          <a:lstStyle/>
+          <a:p>
+            <a:pPr algn="ctr"/>
+            <a:endParaRPr lang="en-US" dirty="0"/>
+          </a:p>
+        </p:txBody>
+      </p:sp>
+      <p:sp>
+        <p:nvSpPr>
+          <p:cNvPr id="41" name="Flowchart: Magnetic Disk 40"/>
+          <p:cNvSpPr/>
+          <p:nvPr/>
+        </p:nvSpPr>
+        <p:spPr>
+          <a:xfrm>
+            <a:off x="4860146" y="1838325"/>
+            <a:ext cx="2000250" cy="609601"/>
+          </a:xfrm>
+          <a:prstGeom prst="flowChartMagneticDisk">
+            <a:avLst/>
+          </a:prstGeom>
+          <a:solidFill>
+            <a:schemeClr val="accent5"/>
+          </a:solidFill>
+          <a:ln>
+            <a:solidFill>
+              <a:schemeClr val="accent5"/>
+            </a:solidFill>
+          </a:ln>
+        </p:spPr>
+        <p:style>
+          <a:lnRef idx="2">
+            <a:schemeClr val="accent1">
+              <a:shade val="50000"/>
+            </a:schemeClr>
+          </a:lnRef>
+          <a:fillRef idx="1">
+            <a:schemeClr val="accent1"/>
+          </a:fillRef>
+          <a:effectRef idx="0">
+            <a:schemeClr val="accent1"/>
+          </a:effectRef>
+          <a:fontRef idx="minor">
+            <a:schemeClr val="lt1"/>
+          </a:fontRef>
+        </p:style>
+        <p:txBody>
+          <a:bodyPr rtlCol="0" anchor="ctr"/>
+          <a:lstStyle/>
+          <a:p>
+            <a:pPr algn="ctr"/>
+            <a:endParaRPr lang="en-US" dirty="0"/>
+          </a:p>
+        </p:txBody>
+      </p:sp>
+      <p:sp>
+        <p:nvSpPr>
+          <p:cNvPr id="42" name="TextBox 41"/>
           <p:cNvSpPr txBox="1"/>
           <p:nvPr/>
         </p:nvSpPr>
         <p:spPr>
           <a:xfrm>
-            <a:off x="338139" y="2809875"/>
-            <a:ext cx="3343275" cy="3416320"/>
+            <a:off x="5138751" y="3895726"/>
+            <a:ext cx="1468735" cy="369332"/>
           </a:xfrm>
           <a:prstGeom prst="rect">
             <a:avLst/>
@@ -25965,139 +26670,61 @@
           <a:noFill/>
         </p:spPr>
         <p:txBody>
-          <a:bodyPr wrap="square" rtlCol="0">
+          <a:bodyPr wrap="none" rtlCol="0">
             <a:spAutoFit/>
           </a:bodyPr>
           <a:lstStyle/>
           <a:p>
-            <a:pPr marL="285750" indent="-285750">
-              <a:buFont typeface="Arial" panose="020B0604020202020204" pitchFamily="34" charset="0"/>
-              <a:buChar char="•"/>
-            </a:pPr>
             <a:r>
               <a:rPr lang="en-US" dirty="0" smtClean="0"/>
-              <a:t>Cross Validation for stability of results</a:t>
-            </a:r>
-          </a:p>
-          <a:p>
-            <a:pPr marL="285750" indent="-285750">
-              <a:buFont typeface="Arial" panose="020B0604020202020204" pitchFamily="34" charset="0"/>
-              <a:buChar char="•"/>
-            </a:pPr>
-            <a:endParaRPr lang="en-US" dirty="0" smtClean="0"/>
-          </a:p>
-          <a:p>
-            <a:pPr marL="285750" indent="-285750">
-              <a:buFont typeface="Arial" panose="020B0604020202020204" pitchFamily="34" charset="0"/>
-              <a:buChar char="•"/>
-            </a:pPr>
-            <a:r>
-              <a:rPr lang="en-US" dirty="0" err="1" smtClean="0"/>
-              <a:t>Rpart</a:t>
-            </a:r>
-            <a:r>
-              <a:rPr lang="en-US" dirty="0" smtClean="0"/>
-              <a:t> decision tree</a:t>
-            </a:r>
-          </a:p>
-          <a:p>
-            <a:pPr marL="285750" indent="-285750">
-              <a:buFont typeface="Arial" panose="020B0604020202020204" pitchFamily="34" charset="0"/>
-              <a:buChar char="•"/>
-            </a:pPr>
-            <a:endParaRPr lang="en-US" dirty="0" smtClean="0"/>
-          </a:p>
-          <a:p>
-            <a:pPr marL="285750" indent="-285750">
-              <a:buFont typeface="Arial" panose="020B0604020202020204" pitchFamily="34" charset="0"/>
-              <a:buChar char="•"/>
-            </a:pPr>
-            <a:r>
-              <a:rPr lang="en-US" dirty="0" smtClean="0"/>
-              <a:t>Random Forest</a:t>
-            </a:r>
-          </a:p>
-          <a:p>
-            <a:pPr marL="285750" indent="-285750">
-              <a:buFont typeface="Arial" panose="020B0604020202020204" pitchFamily="34" charset="0"/>
-              <a:buChar char="•"/>
-            </a:pPr>
+              <a:t>Training Data</a:t>
+            </a:r>
             <a:endParaRPr lang="en-US" dirty="0"/>
           </a:p>
-          <a:p>
-            <a:pPr marL="285750" indent="-285750">
-              <a:buFont typeface="Arial" panose="020B0604020202020204" pitchFamily="34" charset="0"/>
-              <a:buChar char="•"/>
-            </a:pPr>
-            <a:r>
-              <a:rPr lang="en-US" dirty="0" smtClean="0"/>
-              <a:t>Logistic Regression </a:t>
-            </a:r>
-            <a:r>
-              <a:rPr lang="en-US" u="sng" dirty="0" smtClean="0"/>
-              <a:t>with CV</a:t>
-            </a:r>
-          </a:p>
-          <a:p>
-            <a:pPr marL="285750" indent="-285750">
-              <a:buFont typeface="Arial" panose="020B0604020202020204" pitchFamily="34" charset="0"/>
-              <a:buChar char="•"/>
-            </a:pPr>
-            <a:endParaRPr lang="en-US" dirty="0"/>
-          </a:p>
-          <a:p>
-            <a:pPr marL="285750" indent="-285750">
-              <a:buFont typeface="Arial" panose="020B0604020202020204" pitchFamily="34" charset="0"/>
-              <a:buChar char="•"/>
-            </a:pPr>
-            <a:r>
-              <a:rPr lang="en-US" dirty="0" smtClean="0"/>
-              <a:t>Compare results – Choose method &amp; score new notes</a:t>
-            </a:r>
-          </a:p>
-          <a:p>
-            <a:pPr marL="285750" indent="-285750">
-              <a:buFont typeface="Arial" panose="020B0604020202020204" pitchFamily="34" charset="0"/>
-              <a:buChar char="•"/>
-            </a:pPr>
-            <a:endParaRPr lang="en-US" dirty="0"/>
-          </a:p>
-        </p:txBody>
-      </p:sp>
-      <p:cxnSp>
-        <p:nvCxnSpPr>
-          <p:cNvPr id="16" name="Straight Connector 15"/>
-          <p:cNvCxnSpPr/>
+        </p:txBody>
+      </p:sp>
+      <p:sp>
+        <p:nvSpPr>
+          <p:cNvPr id="43" name="TextBox 42"/>
+          <p:cNvSpPr txBox="1"/>
           <p:nvPr/>
-        </p:nvCxnSpPr>
-        <p:spPr>
-          <a:xfrm>
-            <a:off x="4448175" y="2386013"/>
-            <a:ext cx="0" cy="3571875"/>
-          </a:xfrm>
-          <a:prstGeom prst="line">
-            <a:avLst/>
-          </a:prstGeom>
-        </p:spPr>
-        <p:style>
-          <a:lnRef idx="1">
-            <a:schemeClr val="accent1"/>
-          </a:lnRef>
-          <a:fillRef idx="0">
-            <a:schemeClr val="accent1"/>
-          </a:fillRef>
-          <a:effectRef idx="0">
-            <a:schemeClr val="accent1"/>
-          </a:effectRef>
-          <a:fontRef idx="minor">
-            <a:schemeClr val="tx1"/>
-          </a:fontRef>
-        </p:style>
-      </p:cxnSp>
+        </p:nvSpPr>
+        <p:spPr>
+          <a:xfrm>
+            <a:off x="5419739" y="5619751"/>
+            <a:ext cx="1044710" cy="369332"/>
+          </a:xfrm>
+          <a:prstGeom prst="rect">
+            <a:avLst/>
+          </a:prstGeom>
+          <a:noFill/>
+        </p:spPr>
+        <p:txBody>
+          <a:bodyPr wrap="none" rtlCol="0">
+            <a:spAutoFit/>
+          </a:bodyPr>
+          <a:lstStyle/>
+          <a:p>
+            <a:r>
+              <a:rPr lang="en-US" dirty="0" smtClean="0">
+                <a:solidFill>
+                  <a:schemeClr val="bg1"/>
+                </a:solidFill>
+              </a:rPr>
+              <a:t>Test Data</a:t>
+            </a:r>
+            <a:endParaRPr lang="en-US" dirty="0">
+              <a:solidFill>
+                <a:schemeClr val="bg1"/>
+              </a:solidFill>
+            </a:endParaRPr>
+          </a:p>
+        </p:txBody>
+      </p:sp>
     </p:spTree>
     <p:extLst>
       <p:ext uri="{BB962C8B-B14F-4D97-AF65-F5344CB8AC3E}">
-        <p14:creationId xmlns:p14="http://schemas.microsoft.com/office/powerpoint/2010/main" val="4277492190"/>
+        <p14:creationId xmlns:p14="http://schemas.microsoft.com/office/powerpoint/2010/main" val="517976591"/>
       </p:ext>
     </p:extLst>
   </p:cSld>
@@ -26224,8 +26851,8 @@
         </p:nvSpPr>
         <p:spPr>
           <a:xfrm>
-            <a:off x="328613" y="1243014"/>
-            <a:ext cx="8658225" cy="400049"/>
+            <a:off x="78581" y="1219200"/>
+            <a:ext cx="8986838" cy="423864"/>
           </a:xfrm>
           <a:prstGeom prst="rect">
             <a:avLst/>
@@ -26259,1121 +26886,47 @@
           <a:p>
             <a:pPr algn="ctr"/>
             <a:r>
-              <a:rPr lang="en-US" sz="2000" dirty="0" smtClean="0"/>
-              <a:t>This is a typical partitioning schema to avoid overfitting.</a:t>
-            </a:r>
-            <a:endParaRPr lang="en-US" sz="2000" dirty="0"/>
-          </a:p>
-        </p:txBody>
-      </p:sp>
-      <p:sp>
-        <p:nvSpPr>
-          <p:cNvPr id="20" name="Flowchart: Magnetic Disk 19"/>
-          <p:cNvSpPr/>
+              <a:rPr lang="en-US" dirty="0" smtClean="0"/>
+              <a:t>In this example we will perform cross validation because the data set is 20k records.</a:t>
+            </a:r>
+            <a:endParaRPr lang="en-US" dirty="0"/>
+          </a:p>
+        </p:txBody>
+      </p:sp>
+      <p:pic>
+        <p:nvPicPr>
+          <p:cNvPr id="7" name="Picture 6"/>
+          <p:cNvPicPr>
+            <a:picLocks noChangeAspect="1"/>
+          </p:cNvPicPr>
           <p:nvPr/>
-        </p:nvSpPr>
-        <p:spPr>
-          <a:xfrm>
-            <a:off x="2293158" y="5719772"/>
-            <a:ext cx="2000250" cy="609601"/>
-          </a:xfrm>
-          <a:prstGeom prst="flowChartMagneticDisk">
-            <a:avLst/>
-          </a:prstGeom>
-          <a:solidFill>
-            <a:schemeClr val="accent5"/>
-          </a:solidFill>
-          <a:ln>
-            <a:solidFill>
-              <a:schemeClr val="accent5"/>
-            </a:solidFill>
-          </a:ln>
-        </p:spPr>
-        <p:style>
-          <a:lnRef idx="2">
-            <a:schemeClr val="accent1">
-              <a:shade val="50000"/>
-            </a:schemeClr>
-          </a:lnRef>
-          <a:fillRef idx="1">
-            <a:schemeClr val="accent1"/>
-          </a:fillRef>
-          <a:effectRef idx="0">
-            <a:schemeClr val="accent1"/>
-          </a:effectRef>
-          <a:fontRef idx="minor">
-            <a:schemeClr val="lt1"/>
-          </a:fontRef>
-        </p:style>
-        <p:txBody>
-          <a:bodyPr rtlCol="0" anchor="ctr"/>
-          <a:lstStyle/>
-          <a:p>
-            <a:pPr algn="ctr"/>
-            <a:endParaRPr lang="en-US" dirty="0"/>
-          </a:p>
-        </p:txBody>
-      </p:sp>
-      <p:sp>
-        <p:nvSpPr>
-          <p:cNvPr id="21" name="Flowchart: Magnetic Disk 20"/>
-          <p:cNvSpPr/>
-          <p:nvPr/>
-        </p:nvSpPr>
-        <p:spPr>
-          <a:xfrm>
-            <a:off x="2293158" y="5295381"/>
-            <a:ext cx="2000250" cy="609601"/>
-          </a:xfrm>
-          <a:prstGeom prst="flowChartMagneticDisk">
-            <a:avLst/>
-          </a:prstGeom>
-          <a:solidFill>
-            <a:schemeClr val="accent5"/>
-          </a:solidFill>
-          <a:ln>
-            <a:solidFill>
-              <a:schemeClr val="accent5"/>
-            </a:solidFill>
-          </a:ln>
-        </p:spPr>
-        <p:style>
-          <a:lnRef idx="2">
-            <a:schemeClr val="accent1">
-              <a:shade val="50000"/>
-            </a:schemeClr>
-          </a:lnRef>
-          <a:fillRef idx="1">
-            <a:schemeClr val="accent1"/>
-          </a:fillRef>
-          <a:effectRef idx="0">
-            <a:schemeClr val="accent1"/>
-          </a:effectRef>
-          <a:fontRef idx="minor">
-            <a:schemeClr val="lt1"/>
-          </a:fontRef>
-        </p:style>
-        <p:txBody>
-          <a:bodyPr rtlCol="0" anchor="ctr"/>
-          <a:lstStyle/>
-          <a:p>
-            <a:pPr algn="ctr"/>
-            <a:endParaRPr lang="en-US" dirty="0"/>
-          </a:p>
-        </p:txBody>
-      </p:sp>
-      <p:sp>
-        <p:nvSpPr>
-          <p:cNvPr id="22" name="Flowchart: Magnetic Disk 21"/>
-          <p:cNvSpPr/>
-          <p:nvPr/>
-        </p:nvSpPr>
-        <p:spPr>
-          <a:xfrm>
-            <a:off x="2293158" y="4870988"/>
-            <a:ext cx="2000250" cy="609601"/>
-          </a:xfrm>
-          <a:prstGeom prst="flowChartMagneticDisk">
-            <a:avLst/>
-          </a:prstGeom>
-          <a:solidFill>
-            <a:schemeClr val="accent5"/>
-          </a:solidFill>
-          <a:ln>
-            <a:solidFill>
-              <a:schemeClr val="accent5"/>
-            </a:solidFill>
-          </a:ln>
-        </p:spPr>
-        <p:style>
-          <a:lnRef idx="2">
-            <a:schemeClr val="accent1">
-              <a:shade val="50000"/>
-            </a:schemeClr>
-          </a:lnRef>
-          <a:fillRef idx="1">
-            <a:schemeClr val="accent1"/>
-          </a:fillRef>
-          <a:effectRef idx="0">
-            <a:schemeClr val="accent1"/>
-          </a:effectRef>
-          <a:fontRef idx="minor">
-            <a:schemeClr val="lt1"/>
-          </a:fontRef>
-        </p:style>
-        <p:txBody>
-          <a:bodyPr rtlCol="0" anchor="ctr"/>
-          <a:lstStyle/>
-          <a:p>
-            <a:pPr algn="ctr"/>
-            <a:endParaRPr lang="en-US" dirty="0"/>
-          </a:p>
-        </p:txBody>
-      </p:sp>
-      <p:sp>
-        <p:nvSpPr>
-          <p:cNvPr id="23" name="Flowchart: Magnetic Disk 22"/>
-          <p:cNvSpPr/>
-          <p:nvPr/>
-        </p:nvSpPr>
-        <p:spPr>
-          <a:xfrm>
-            <a:off x="2293158" y="4446595"/>
-            <a:ext cx="2000250" cy="609601"/>
-          </a:xfrm>
-          <a:prstGeom prst="flowChartMagneticDisk">
-            <a:avLst/>
-          </a:prstGeom>
-          <a:solidFill>
-            <a:schemeClr val="accent5"/>
-          </a:solidFill>
-          <a:ln>
-            <a:solidFill>
-              <a:schemeClr val="accent5"/>
-            </a:solidFill>
-          </a:ln>
-        </p:spPr>
-        <p:style>
-          <a:lnRef idx="2">
-            <a:schemeClr val="accent1">
-              <a:shade val="50000"/>
-            </a:schemeClr>
-          </a:lnRef>
-          <a:fillRef idx="1">
-            <a:schemeClr val="accent1"/>
-          </a:fillRef>
-          <a:effectRef idx="0">
-            <a:schemeClr val="accent1"/>
-          </a:effectRef>
-          <a:fontRef idx="minor">
-            <a:schemeClr val="lt1"/>
-          </a:fontRef>
-        </p:style>
-        <p:txBody>
-          <a:bodyPr rtlCol="0" anchor="ctr"/>
-          <a:lstStyle/>
-          <a:p>
-            <a:pPr algn="ctr"/>
-            <a:endParaRPr lang="en-US" dirty="0"/>
-          </a:p>
-        </p:txBody>
-      </p:sp>
-      <p:sp>
-        <p:nvSpPr>
-          <p:cNvPr id="24" name="Flowchart: Magnetic Disk 23"/>
-          <p:cNvSpPr/>
-          <p:nvPr/>
-        </p:nvSpPr>
-        <p:spPr>
-          <a:xfrm>
-            <a:off x="2293158" y="4022202"/>
-            <a:ext cx="2000250" cy="609601"/>
-          </a:xfrm>
-          <a:prstGeom prst="flowChartMagneticDisk">
-            <a:avLst/>
-          </a:prstGeom>
-          <a:solidFill>
-            <a:schemeClr val="accent5"/>
-          </a:solidFill>
-          <a:ln>
-            <a:solidFill>
-              <a:schemeClr val="accent5"/>
-            </a:solidFill>
-          </a:ln>
-        </p:spPr>
-        <p:style>
-          <a:lnRef idx="2">
-            <a:schemeClr val="accent1">
-              <a:shade val="50000"/>
-            </a:schemeClr>
-          </a:lnRef>
-          <a:fillRef idx="1">
-            <a:schemeClr val="accent1"/>
-          </a:fillRef>
-          <a:effectRef idx="0">
-            <a:schemeClr val="accent1"/>
-          </a:effectRef>
-          <a:fontRef idx="minor">
-            <a:schemeClr val="lt1"/>
-          </a:fontRef>
-        </p:style>
-        <p:txBody>
-          <a:bodyPr rtlCol="0" anchor="ctr"/>
-          <a:lstStyle/>
-          <a:p>
-            <a:pPr algn="ctr"/>
-            <a:endParaRPr lang="en-US" dirty="0"/>
-          </a:p>
-        </p:txBody>
-      </p:sp>
-      <p:sp>
-        <p:nvSpPr>
-          <p:cNvPr id="25" name="Flowchart: Magnetic Disk 24"/>
-          <p:cNvSpPr/>
-          <p:nvPr/>
-        </p:nvSpPr>
-        <p:spPr>
-          <a:xfrm>
-            <a:off x="2293158" y="3597809"/>
-            <a:ext cx="2000250" cy="609601"/>
-          </a:xfrm>
-          <a:prstGeom prst="flowChartMagneticDisk">
-            <a:avLst/>
-          </a:prstGeom>
-          <a:solidFill>
-            <a:schemeClr val="accent5"/>
-          </a:solidFill>
-          <a:ln>
-            <a:solidFill>
-              <a:schemeClr val="accent5"/>
-            </a:solidFill>
-          </a:ln>
-        </p:spPr>
-        <p:style>
-          <a:lnRef idx="2">
-            <a:schemeClr val="accent1">
-              <a:shade val="50000"/>
-            </a:schemeClr>
-          </a:lnRef>
-          <a:fillRef idx="1">
-            <a:schemeClr val="accent1"/>
-          </a:fillRef>
-          <a:effectRef idx="0">
-            <a:schemeClr val="accent1"/>
-          </a:effectRef>
-          <a:fontRef idx="minor">
-            <a:schemeClr val="lt1"/>
-          </a:fontRef>
-        </p:style>
-        <p:txBody>
-          <a:bodyPr rtlCol="0" anchor="ctr"/>
-          <a:lstStyle/>
-          <a:p>
-            <a:pPr algn="ctr"/>
-            <a:endParaRPr lang="en-US" dirty="0"/>
-          </a:p>
-        </p:txBody>
-      </p:sp>
-      <p:sp>
-        <p:nvSpPr>
-          <p:cNvPr id="26" name="Flowchart: Magnetic Disk 25"/>
-          <p:cNvSpPr/>
-          <p:nvPr/>
-        </p:nvSpPr>
-        <p:spPr>
-          <a:xfrm>
-            <a:off x="2293158" y="3173416"/>
-            <a:ext cx="2000250" cy="609601"/>
-          </a:xfrm>
-          <a:prstGeom prst="flowChartMagneticDisk">
-            <a:avLst/>
-          </a:prstGeom>
-          <a:solidFill>
-            <a:schemeClr val="accent5"/>
-          </a:solidFill>
-          <a:ln>
-            <a:solidFill>
-              <a:schemeClr val="accent5"/>
-            </a:solidFill>
-          </a:ln>
-        </p:spPr>
-        <p:style>
-          <a:lnRef idx="2">
-            <a:schemeClr val="accent1">
-              <a:shade val="50000"/>
-            </a:schemeClr>
-          </a:lnRef>
-          <a:fillRef idx="1">
-            <a:schemeClr val="accent1"/>
-          </a:fillRef>
-          <a:effectRef idx="0">
-            <a:schemeClr val="accent1"/>
-          </a:effectRef>
-          <a:fontRef idx="minor">
-            <a:schemeClr val="lt1"/>
-          </a:fontRef>
-        </p:style>
-        <p:txBody>
-          <a:bodyPr rtlCol="0" anchor="ctr"/>
-          <a:lstStyle/>
-          <a:p>
-            <a:pPr algn="ctr"/>
-            <a:endParaRPr lang="en-US" dirty="0"/>
-          </a:p>
-        </p:txBody>
-      </p:sp>
-      <p:sp>
-        <p:nvSpPr>
-          <p:cNvPr id="27" name="Flowchart: Magnetic Disk 26"/>
-          <p:cNvSpPr/>
-          <p:nvPr/>
-        </p:nvSpPr>
-        <p:spPr>
-          <a:xfrm>
-            <a:off x="2293158" y="2749023"/>
-            <a:ext cx="2000250" cy="609601"/>
-          </a:xfrm>
-          <a:prstGeom prst="flowChartMagneticDisk">
-            <a:avLst/>
-          </a:prstGeom>
-          <a:solidFill>
-            <a:schemeClr val="accent5"/>
-          </a:solidFill>
-          <a:ln>
-            <a:solidFill>
-              <a:schemeClr val="accent5"/>
-            </a:solidFill>
-          </a:ln>
-        </p:spPr>
-        <p:style>
-          <a:lnRef idx="2">
-            <a:schemeClr val="accent1">
-              <a:shade val="50000"/>
-            </a:schemeClr>
-          </a:lnRef>
-          <a:fillRef idx="1">
-            <a:schemeClr val="accent1"/>
-          </a:fillRef>
-          <a:effectRef idx="0">
-            <a:schemeClr val="accent1"/>
-          </a:effectRef>
-          <a:fontRef idx="minor">
-            <a:schemeClr val="lt1"/>
-          </a:fontRef>
-        </p:style>
-        <p:txBody>
-          <a:bodyPr rtlCol="0" anchor="ctr"/>
-          <a:lstStyle/>
-          <a:p>
-            <a:pPr algn="ctr"/>
-            <a:endParaRPr lang="en-US" dirty="0"/>
-          </a:p>
-        </p:txBody>
-      </p:sp>
-      <p:sp>
-        <p:nvSpPr>
-          <p:cNvPr id="28" name="Flowchart: Magnetic Disk 27"/>
-          <p:cNvSpPr/>
-          <p:nvPr/>
-        </p:nvSpPr>
-        <p:spPr>
-          <a:xfrm>
-            <a:off x="2293158" y="2324630"/>
-            <a:ext cx="2000250" cy="609601"/>
-          </a:xfrm>
-          <a:prstGeom prst="flowChartMagneticDisk">
-            <a:avLst/>
-          </a:prstGeom>
-          <a:solidFill>
-            <a:schemeClr val="accent5"/>
-          </a:solidFill>
-          <a:ln>
-            <a:solidFill>
-              <a:schemeClr val="accent5"/>
-            </a:solidFill>
-          </a:ln>
-        </p:spPr>
-        <p:style>
-          <a:lnRef idx="2">
-            <a:schemeClr val="accent1">
-              <a:shade val="50000"/>
-            </a:schemeClr>
-          </a:lnRef>
-          <a:fillRef idx="1">
-            <a:schemeClr val="accent1"/>
-          </a:fillRef>
-          <a:effectRef idx="0">
-            <a:schemeClr val="accent1"/>
-          </a:effectRef>
-          <a:fontRef idx="minor">
-            <a:schemeClr val="lt1"/>
-          </a:fontRef>
-        </p:style>
-        <p:txBody>
-          <a:bodyPr rtlCol="0" anchor="ctr"/>
-          <a:lstStyle/>
-          <a:p>
-            <a:pPr algn="ctr"/>
-            <a:endParaRPr lang="en-US" dirty="0"/>
-          </a:p>
-        </p:txBody>
-      </p:sp>
-      <p:sp>
-        <p:nvSpPr>
-          <p:cNvPr id="29" name="Flowchart: Magnetic Disk 28"/>
-          <p:cNvSpPr/>
-          <p:nvPr/>
-        </p:nvSpPr>
-        <p:spPr>
-          <a:xfrm>
-            <a:off x="2293158" y="1900237"/>
-            <a:ext cx="2000250" cy="609601"/>
-          </a:xfrm>
-          <a:prstGeom prst="flowChartMagneticDisk">
-            <a:avLst/>
-          </a:prstGeom>
-          <a:solidFill>
-            <a:schemeClr val="accent5"/>
-          </a:solidFill>
-          <a:ln>
-            <a:solidFill>
-              <a:schemeClr val="accent5"/>
-            </a:solidFill>
-          </a:ln>
-        </p:spPr>
-        <p:style>
-          <a:lnRef idx="2">
-            <a:schemeClr val="accent1">
-              <a:shade val="50000"/>
-            </a:schemeClr>
-          </a:lnRef>
-          <a:fillRef idx="1">
-            <a:schemeClr val="accent1"/>
-          </a:fillRef>
-          <a:effectRef idx="0">
-            <a:schemeClr val="accent1"/>
-          </a:effectRef>
-          <a:fontRef idx="minor">
-            <a:schemeClr val="lt1"/>
-          </a:fontRef>
-        </p:style>
-        <p:txBody>
-          <a:bodyPr rtlCol="0" anchor="ctr"/>
-          <a:lstStyle/>
-          <a:p>
-            <a:pPr algn="ctr"/>
-            <a:endParaRPr lang="en-US" dirty="0"/>
-          </a:p>
-        </p:txBody>
-      </p:sp>
-      <p:sp>
-        <p:nvSpPr>
-          <p:cNvPr id="30" name="TextBox 29"/>
-          <p:cNvSpPr txBox="1"/>
-          <p:nvPr/>
-        </p:nvSpPr>
-        <p:spPr>
-          <a:xfrm>
-            <a:off x="2871801" y="4043363"/>
-            <a:ext cx="912301" cy="369332"/>
+        </p:nvPicPr>
+        <p:blipFill>
+          <a:blip r:embed="rId2">
+            <a:extLst>
+              <a:ext uri="{28A0092B-C50C-407E-A947-70E740481C1C}">
+                <a14:useLocalDpi xmlns:a14="http://schemas.microsoft.com/office/drawing/2010/main" val="0"/>
+              </a:ext>
+            </a:extLst>
+          </a:blip>
+          <a:stretch>
+            <a:fillRect/>
+          </a:stretch>
+        </p:blipFill>
+        <p:spPr>
+          <a:xfrm>
+            <a:off x="342899" y="1784906"/>
+            <a:ext cx="8143875" cy="3895627"/>
           </a:xfrm>
           <a:prstGeom prst="rect">
             <a:avLst/>
           </a:prstGeom>
-          <a:noFill/>
-        </p:spPr>
-        <p:txBody>
-          <a:bodyPr wrap="none" rtlCol="0">
-            <a:spAutoFit/>
-          </a:bodyPr>
-          <a:lstStyle/>
-          <a:p>
-            <a:r>
-              <a:rPr lang="en-US" dirty="0" smtClean="0"/>
-              <a:t>All Data</a:t>
-            </a:r>
-            <a:endParaRPr lang="en-US" dirty="0"/>
-          </a:p>
-        </p:txBody>
-      </p:sp>
-      <p:sp>
-        <p:nvSpPr>
-          <p:cNvPr id="31" name="Isosceles Triangle 30"/>
-          <p:cNvSpPr/>
-          <p:nvPr/>
-        </p:nvSpPr>
-        <p:spPr>
-          <a:xfrm rot="5400000">
-            <a:off x="3014677" y="4071937"/>
-            <a:ext cx="3186112" cy="300038"/>
-          </a:xfrm>
-          <a:prstGeom prst="triangle">
-            <a:avLst/>
-          </a:prstGeom>
-          <a:solidFill>
-            <a:schemeClr val="accent6"/>
-          </a:solidFill>
-          <a:ln>
-            <a:noFill/>
-          </a:ln>
-        </p:spPr>
-        <p:style>
-          <a:lnRef idx="2">
-            <a:schemeClr val="accent1">
-              <a:shade val="50000"/>
-            </a:schemeClr>
-          </a:lnRef>
-          <a:fillRef idx="1">
-            <a:schemeClr val="accent1"/>
-          </a:fillRef>
-          <a:effectRef idx="0">
-            <a:schemeClr val="accent1"/>
-          </a:effectRef>
-          <a:fontRef idx="minor">
-            <a:schemeClr val="lt1"/>
-          </a:fontRef>
-        </p:style>
-        <p:txBody>
-          <a:bodyPr rtlCol="0" anchor="ctr"/>
-          <a:lstStyle/>
-          <a:p>
-            <a:pPr algn="ctr"/>
-            <a:endParaRPr lang="en-US"/>
-          </a:p>
-        </p:txBody>
-      </p:sp>
-      <p:sp>
-        <p:nvSpPr>
-          <p:cNvPr id="32" name="Flowchart: Magnetic Disk 31"/>
-          <p:cNvSpPr/>
-          <p:nvPr/>
-        </p:nvSpPr>
-        <p:spPr>
-          <a:xfrm>
-            <a:off x="4860146" y="5657860"/>
-            <a:ext cx="2000250" cy="609601"/>
-          </a:xfrm>
-          <a:prstGeom prst="flowChartMagneticDisk">
-            <a:avLst/>
-          </a:prstGeom>
-          <a:solidFill>
-            <a:schemeClr val="accent3"/>
-          </a:solidFill>
-          <a:ln>
-            <a:solidFill>
-              <a:schemeClr val="accent3"/>
-            </a:solidFill>
-          </a:ln>
-        </p:spPr>
-        <p:style>
-          <a:lnRef idx="2">
-            <a:schemeClr val="accent1">
-              <a:shade val="50000"/>
-            </a:schemeClr>
-          </a:lnRef>
-          <a:fillRef idx="1">
-            <a:schemeClr val="accent1"/>
-          </a:fillRef>
-          <a:effectRef idx="0">
-            <a:schemeClr val="accent1"/>
-          </a:effectRef>
-          <a:fontRef idx="minor">
-            <a:schemeClr val="lt1"/>
-          </a:fontRef>
-        </p:style>
-        <p:txBody>
-          <a:bodyPr rtlCol="0" anchor="ctr"/>
-          <a:lstStyle/>
-          <a:p>
-            <a:pPr algn="ctr"/>
-            <a:endParaRPr lang="en-US" dirty="0"/>
-          </a:p>
-        </p:txBody>
-      </p:sp>
-      <p:sp>
-        <p:nvSpPr>
-          <p:cNvPr id="33" name="Flowchart: Magnetic Disk 32"/>
-          <p:cNvSpPr/>
-          <p:nvPr/>
-        </p:nvSpPr>
-        <p:spPr>
-          <a:xfrm>
-            <a:off x="4860146" y="5233469"/>
-            <a:ext cx="2000250" cy="609601"/>
-          </a:xfrm>
-          <a:prstGeom prst="flowChartMagneticDisk">
-            <a:avLst/>
-          </a:prstGeom>
-          <a:solidFill>
-            <a:schemeClr val="accent3"/>
-          </a:solidFill>
-          <a:ln>
-            <a:solidFill>
-              <a:schemeClr val="accent3"/>
-            </a:solidFill>
-          </a:ln>
-        </p:spPr>
-        <p:style>
-          <a:lnRef idx="2">
-            <a:schemeClr val="accent1">
-              <a:shade val="50000"/>
-            </a:schemeClr>
-          </a:lnRef>
-          <a:fillRef idx="1">
-            <a:schemeClr val="accent1"/>
-          </a:fillRef>
-          <a:effectRef idx="0">
-            <a:schemeClr val="accent1"/>
-          </a:effectRef>
-          <a:fontRef idx="minor">
-            <a:schemeClr val="lt1"/>
-          </a:fontRef>
-        </p:style>
-        <p:txBody>
-          <a:bodyPr rtlCol="0" anchor="ctr"/>
-          <a:lstStyle/>
-          <a:p>
-            <a:pPr algn="ctr"/>
-            <a:endParaRPr lang="en-US" dirty="0"/>
-          </a:p>
-        </p:txBody>
-      </p:sp>
-      <p:sp>
-        <p:nvSpPr>
-          <p:cNvPr id="34" name="Flowchart: Magnetic Disk 33"/>
-          <p:cNvSpPr/>
-          <p:nvPr/>
-        </p:nvSpPr>
-        <p:spPr>
-          <a:xfrm>
-            <a:off x="4860146" y="4809076"/>
-            <a:ext cx="2000250" cy="609601"/>
-          </a:xfrm>
-          <a:prstGeom prst="flowChartMagneticDisk">
-            <a:avLst/>
-          </a:prstGeom>
-          <a:solidFill>
-            <a:schemeClr val="accent5"/>
-          </a:solidFill>
-          <a:ln>
-            <a:solidFill>
-              <a:schemeClr val="accent5"/>
-            </a:solidFill>
-          </a:ln>
-        </p:spPr>
-        <p:style>
-          <a:lnRef idx="2">
-            <a:schemeClr val="accent1">
-              <a:shade val="50000"/>
-            </a:schemeClr>
-          </a:lnRef>
-          <a:fillRef idx="1">
-            <a:schemeClr val="accent1"/>
-          </a:fillRef>
-          <a:effectRef idx="0">
-            <a:schemeClr val="accent1"/>
-          </a:effectRef>
-          <a:fontRef idx="minor">
-            <a:schemeClr val="lt1"/>
-          </a:fontRef>
-        </p:style>
-        <p:txBody>
-          <a:bodyPr rtlCol="0" anchor="ctr"/>
-          <a:lstStyle/>
-          <a:p>
-            <a:pPr algn="ctr"/>
-            <a:endParaRPr lang="en-US" dirty="0"/>
-          </a:p>
-        </p:txBody>
-      </p:sp>
-      <p:sp>
-        <p:nvSpPr>
-          <p:cNvPr id="35" name="Flowchart: Magnetic Disk 34"/>
-          <p:cNvSpPr/>
-          <p:nvPr/>
-        </p:nvSpPr>
-        <p:spPr>
-          <a:xfrm>
-            <a:off x="4860146" y="4384683"/>
-            <a:ext cx="2000250" cy="609601"/>
-          </a:xfrm>
-          <a:prstGeom prst="flowChartMagneticDisk">
-            <a:avLst/>
-          </a:prstGeom>
-          <a:solidFill>
-            <a:schemeClr val="accent5"/>
-          </a:solidFill>
-          <a:ln>
-            <a:solidFill>
-              <a:schemeClr val="accent5"/>
-            </a:solidFill>
-          </a:ln>
-        </p:spPr>
-        <p:style>
-          <a:lnRef idx="2">
-            <a:schemeClr val="accent1">
-              <a:shade val="50000"/>
-            </a:schemeClr>
-          </a:lnRef>
-          <a:fillRef idx="1">
-            <a:schemeClr val="accent1"/>
-          </a:fillRef>
-          <a:effectRef idx="0">
-            <a:schemeClr val="accent1"/>
-          </a:effectRef>
-          <a:fontRef idx="minor">
-            <a:schemeClr val="lt1"/>
-          </a:fontRef>
-        </p:style>
-        <p:txBody>
-          <a:bodyPr rtlCol="0" anchor="ctr"/>
-          <a:lstStyle/>
-          <a:p>
-            <a:pPr algn="ctr"/>
-            <a:endParaRPr lang="en-US" dirty="0"/>
-          </a:p>
-        </p:txBody>
-      </p:sp>
-      <p:sp>
-        <p:nvSpPr>
-          <p:cNvPr id="36" name="Flowchart: Magnetic Disk 35"/>
-          <p:cNvSpPr/>
-          <p:nvPr/>
-        </p:nvSpPr>
-        <p:spPr>
-          <a:xfrm>
-            <a:off x="4860146" y="3960290"/>
-            <a:ext cx="2000250" cy="609601"/>
-          </a:xfrm>
-          <a:prstGeom prst="flowChartMagneticDisk">
-            <a:avLst/>
-          </a:prstGeom>
-          <a:solidFill>
-            <a:schemeClr val="accent5"/>
-          </a:solidFill>
-          <a:ln>
-            <a:solidFill>
-              <a:schemeClr val="accent5"/>
-            </a:solidFill>
-          </a:ln>
-        </p:spPr>
-        <p:style>
-          <a:lnRef idx="2">
-            <a:schemeClr val="accent1">
-              <a:shade val="50000"/>
-            </a:schemeClr>
-          </a:lnRef>
-          <a:fillRef idx="1">
-            <a:schemeClr val="accent1"/>
-          </a:fillRef>
-          <a:effectRef idx="0">
-            <a:schemeClr val="accent1"/>
-          </a:effectRef>
-          <a:fontRef idx="minor">
-            <a:schemeClr val="lt1"/>
-          </a:fontRef>
-        </p:style>
-        <p:txBody>
-          <a:bodyPr rtlCol="0" anchor="ctr"/>
-          <a:lstStyle/>
-          <a:p>
-            <a:pPr algn="ctr"/>
-            <a:endParaRPr lang="en-US" dirty="0"/>
-          </a:p>
-        </p:txBody>
-      </p:sp>
-      <p:sp>
-        <p:nvSpPr>
-          <p:cNvPr id="37" name="Flowchart: Magnetic Disk 36"/>
-          <p:cNvSpPr/>
-          <p:nvPr/>
-        </p:nvSpPr>
-        <p:spPr>
-          <a:xfrm>
-            <a:off x="4860146" y="3535897"/>
-            <a:ext cx="2000250" cy="609601"/>
-          </a:xfrm>
-          <a:prstGeom prst="flowChartMagneticDisk">
-            <a:avLst/>
-          </a:prstGeom>
-          <a:solidFill>
-            <a:schemeClr val="accent5"/>
-          </a:solidFill>
-          <a:ln>
-            <a:solidFill>
-              <a:schemeClr val="accent5"/>
-            </a:solidFill>
-          </a:ln>
-        </p:spPr>
-        <p:style>
-          <a:lnRef idx="2">
-            <a:schemeClr val="accent1">
-              <a:shade val="50000"/>
-            </a:schemeClr>
-          </a:lnRef>
-          <a:fillRef idx="1">
-            <a:schemeClr val="accent1"/>
-          </a:fillRef>
-          <a:effectRef idx="0">
-            <a:schemeClr val="accent1"/>
-          </a:effectRef>
-          <a:fontRef idx="minor">
-            <a:schemeClr val="lt1"/>
-          </a:fontRef>
-        </p:style>
-        <p:txBody>
-          <a:bodyPr rtlCol="0" anchor="ctr"/>
-          <a:lstStyle/>
-          <a:p>
-            <a:pPr algn="ctr"/>
-            <a:endParaRPr lang="en-US" dirty="0"/>
-          </a:p>
-        </p:txBody>
-      </p:sp>
-      <p:sp>
-        <p:nvSpPr>
-          <p:cNvPr id="38" name="Flowchart: Magnetic Disk 37"/>
-          <p:cNvSpPr/>
-          <p:nvPr/>
-        </p:nvSpPr>
-        <p:spPr>
-          <a:xfrm>
-            <a:off x="4860146" y="3111504"/>
-            <a:ext cx="2000250" cy="609601"/>
-          </a:xfrm>
-          <a:prstGeom prst="flowChartMagneticDisk">
-            <a:avLst/>
-          </a:prstGeom>
-          <a:solidFill>
-            <a:schemeClr val="accent5"/>
-          </a:solidFill>
-          <a:ln>
-            <a:solidFill>
-              <a:schemeClr val="accent5"/>
-            </a:solidFill>
-          </a:ln>
-        </p:spPr>
-        <p:style>
-          <a:lnRef idx="2">
-            <a:schemeClr val="accent1">
-              <a:shade val="50000"/>
-            </a:schemeClr>
-          </a:lnRef>
-          <a:fillRef idx="1">
-            <a:schemeClr val="accent1"/>
-          </a:fillRef>
-          <a:effectRef idx="0">
-            <a:schemeClr val="accent1"/>
-          </a:effectRef>
-          <a:fontRef idx="minor">
-            <a:schemeClr val="lt1"/>
-          </a:fontRef>
-        </p:style>
-        <p:txBody>
-          <a:bodyPr rtlCol="0" anchor="ctr"/>
-          <a:lstStyle/>
-          <a:p>
-            <a:pPr algn="ctr"/>
-            <a:endParaRPr lang="en-US" dirty="0"/>
-          </a:p>
-        </p:txBody>
-      </p:sp>
-      <p:sp>
-        <p:nvSpPr>
-          <p:cNvPr id="39" name="Flowchart: Magnetic Disk 38"/>
-          <p:cNvSpPr/>
-          <p:nvPr/>
-        </p:nvSpPr>
-        <p:spPr>
-          <a:xfrm>
-            <a:off x="4860146" y="2687111"/>
-            <a:ext cx="2000250" cy="609601"/>
-          </a:xfrm>
-          <a:prstGeom prst="flowChartMagneticDisk">
-            <a:avLst/>
-          </a:prstGeom>
-          <a:solidFill>
-            <a:schemeClr val="accent5"/>
-          </a:solidFill>
-          <a:ln>
-            <a:solidFill>
-              <a:schemeClr val="accent5"/>
-            </a:solidFill>
-          </a:ln>
-        </p:spPr>
-        <p:style>
-          <a:lnRef idx="2">
-            <a:schemeClr val="accent1">
-              <a:shade val="50000"/>
-            </a:schemeClr>
-          </a:lnRef>
-          <a:fillRef idx="1">
-            <a:schemeClr val="accent1"/>
-          </a:fillRef>
-          <a:effectRef idx="0">
-            <a:schemeClr val="accent1"/>
-          </a:effectRef>
-          <a:fontRef idx="minor">
-            <a:schemeClr val="lt1"/>
-          </a:fontRef>
-        </p:style>
-        <p:txBody>
-          <a:bodyPr rtlCol="0" anchor="ctr"/>
-          <a:lstStyle/>
-          <a:p>
-            <a:pPr algn="ctr"/>
-            <a:endParaRPr lang="en-US" dirty="0"/>
-          </a:p>
-        </p:txBody>
-      </p:sp>
-      <p:sp>
-        <p:nvSpPr>
-          <p:cNvPr id="40" name="Flowchart: Magnetic Disk 39"/>
-          <p:cNvSpPr/>
-          <p:nvPr/>
-        </p:nvSpPr>
-        <p:spPr>
-          <a:xfrm>
-            <a:off x="4860146" y="2262718"/>
-            <a:ext cx="2000250" cy="609601"/>
-          </a:xfrm>
-          <a:prstGeom prst="flowChartMagneticDisk">
-            <a:avLst/>
-          </a:prstGeom>
-          <a:solidFill>
-            <a:schemeClr val="accent5"/>
-          </a:solidFill>
-          <a:ln>
-            <a:solidFill>
-              <a:schemeClr val="accent5"/>
-            </a:solidFill>
-          </a:ln>
-        </p:spPr>
-        <p:style>
-          <a:lnRef idx="2">
-            <a:schemeClr val="accent1">
-              <a:shade val="50000"/>
-            </a:schemeClr>
-          </a:lnRef>
-          <a:fillRef idx="1">
-            <a:schemeClr val="accent1"/>
-          </a:fillRef>
-          <a:effectRef idx="0">
-            <a:schemeClr val="accent1"/>
-          </a:effectRef>
-          <a:fontRef idx="minor">
-            <a:schemeClr val="lt1"/>
-          </a:fontRef>
-        </p:style>
-        <p:txBody>
-          <a:bodyPr rtlCol="0" anchor="ctr"/>
-          <a:lstStyle/>
-          <a:p>
-            <a:pPr algn="ctr"/>
-            <a:endParaRPr lang="en-US" dirty="0"/>
-          </a:p>
-        </p:txBody>
-      </p:sp>
-      <p:sp>
-        <p:nvSpPr>
-          <p:cNvPr id="41" name="Flowchart: Magnetic Disk 40"/>
-          <p:cNvSpPr/>
-          <p:nvPr/>
-        </p:nvSpPr>
-        <p:spPr>
-          <a:xfrm>
-            <a:off x="4860146" y="1838325"/>
-            <a:ext cx="2000250" cy="609601"/>
-          </a:xfrm>
-          <a:prstGeom prst="flowChartMagneticDisk">
-            <a:avLst/>
-          </a:prstGeom>
-          <a:solidFill>
-            <a:schemeClr val="accent5"/>
-          </a:solidFill>
-          <a:ln>
-            <a:solidFill>
-              <a:schemeClr val="accent5"/>
-            </a:solidFill>
-          </a:ln>
-        </p:spPr>
-        <p:style>
-          <a:lnRef idx="2">
-            <a:schemeClr val="accent1">
-              <a:shade val="50000"/>
-            </a:schemeClr>
-          </a:lnRef>
-          <a:fillRef idx="1">
-            <a:schemeClr val="accent1"/>
-          </a:fillRef>
-          <a:effectRef idx="0">
-            <a:schemeClr val="accent1"/>
-          </a:effectRef>
-          <a:fontRef idx="minor">
-            <a:schemeClr val="lt1"/>
-          </a:fontRef>
-        </p:style>
-        <p:txBody>
-          <a:bodyPr rtlCol="0" anchor="ctr"/>
-          <a:lstStyle/>
-          <a:p>
-            <a:pPr algn="ctr"/>
-            <a:endParaRPr lang="en-US" dirty="0"/>
-          </a:p>
-        </p:txBody>
-      </p:sp>
-      <p:sp>
-        <p:nvSpPr>
-          <p:cNvPr id="42" name="TextBox 41"/>
-          <p:cNvSpPr txBox="1"/>
-          <p:nvPr/>
-        </p:nvSpPr>
-        <p:spPr>
-          <a:xfrm>
-            <a:off x="5138751" y="3895726"/>
-            <a:ext cx="1468735" cy="369332"/>
-          </a:xfrm>
-          <a:prstGeom prst="rect">
-            <a:avLst/>
-          </a:prstGeom>
-          <a:noFill/>
-        </p:spPr>
-        <p:txBody>
-          <a:bodyPr wrap="none" rtlCol="0">
-            <a:spAutoFit/>
-          </a:bodyPr>
-          <a:lstStyle/>
-          <a:p>
-            <a:r>
-              <a:rPr lang="en-US" dirty="0" smtClean="0"/>
-              <a:t>Training Data</a:t>
-            </a:r>
-            <a:endParaRPr lang="en-US" dirty="0"/>
-          </a:p>
-        </p:txBody>
-      </p:sp>
-      <p:sp>
-        <p:nvSpPr>
-          <p:cNvPr id="43" name="TextBox 42"/>
-          <p:cNvSpPr txBox="1"/>
-          <p:nvPr/>
-        </p:nvSpPr>
-        <p:spPr>
-          <a:xfrm>
-            <a:off x="5419739" y="5619751"/>
-            <a:ext cx="1044710" cy="369332"/>
-          </a:xfrm>
-          <a:prstGeom prst="rect">
-            <a:avLst/>
-          </a:prstGeom>
-          <a:noFill/>
-        </p:spPr>
-        <p:txBody>
-          <a:bodyPr wrap="none" rtlCol="0">
-            <a:spAutoFit/>
-          </a:bodyPr>
-          <a:lstStyle/>
-          <a:p>
-            <a:r>
-              <a:rPr lang="en-US" dirty="0" smtClean="0">
-                <a:solidFill>
-                  <a:schemeClr val="bg1"/>
-                </a:solidFill>
-              </a:rPr>
-              <a:t>Test Data</a:t>
-            </a:r>
-            <a:endParaRPr lang="en-US" dirty="0">
-              <a:solidFill>
-                <a:schemeClr val="bg1"/>
-              </a:solidFill>
-            </a:endParaRPr>
-          </a:p>
-        </p:txBody>
-      </p:sp>
+        </p:spPr>
+      </p:pic>
     </p:spTree>
     <p:extLst>
       <p:ext uri="{BB962C8B-B14F-4D97-AF65-F5344CB8AC3E}">
-        <p14:creationId xmlns:p14="http://schemas.microsoft.com/office/powerpoint/2010/main" val="517976591"/>
+        <p14:creationId xmlns:p14="http://schemas.microsoft.com/office/powerpoint/2010/main" val="1046249267"/>
       </p:ext>
     </p:extLst>
   </p:cSld>
@@ -27439,8 +26992,12 @@
           <a:lstStyle/>
           <a:p>
             <a:r>
+              <a:rPr lang="en-US" dirty="0"/>
+              <a:t>Open </a:t>
+            </a:r>
+            <a:r>
               <a:rPr lang="en-US" dirty="0" smtClean="0"/>
-              <a:t>What is cross – validation?</a:t>
+              <a:t>2_CreditModeling_A.R</a:t>
             </a:r>
             <a:endParaRPr lang="en-US" dirty="0"/>
           </a:p>
@@ -27494,88 +27051,77 @@
       </p:sp>
       <p:sp>
         <p:nvSpPr>
-          <p:cNvPr id="6" name="Rectangle 5"/>
-          <p:cNvSpPr/>
+          <p:cNvPr id="7" name="TextBox 6"/>
+          <p:cNvSpPr txBox="1"/>
           <p:nvPr/>
         </p:nvSpPr>
         <p:spPr>
           <a:xfrm>
-            <a:off x="78581" y="1219200"/>
-            <a:ext cx="8986838" cy="423864"/>
+            <a:off x="704850" y="1657350"/>
+            <a:ext cx="5276573" cy="1631216"/>
           </a:xfrm>
           <a:prstGeom prst="rect">
             <a:avLst/>
           </a:prstGeom>
-          <a:solidFill>
-            <a:schemeClr val="accent2"/>
-          </a:solidFill>
-          <a:ln>
-            <a:noFill/>
-          </a:ln>
-        </p:spPr>
-        <p:style>
-          <a:lnRef idx="2">
-            <a:schemeClr val="accent1">
-              <a:shade val="50000"/>
-            </a:schemeClr>
-          </a:lnRef>
-          <a:fillRef idx="1">
-            <a:schemeClr val="accent1"/>
-          </a:fillRef>
-          <a:effectRef idx="0">
-            <a:schemeClr val="accent1"/>
-          </a:effectRef>
-          <a:fontRef idx="minor">
-            <a:schemeClr val="lt1"/>
-          </a:fontRef>
-        </p:style>
-        <p:txBody>
-          <a:bodyPr rtlCol="0" anchor="ctr"/>
-          <a:lstStyle/>
-          <a:p>
-            <a:pPr algn="ctr"/>
+          <a:noFill/>
+        </p:spPr>
+        <p:txBody>
+          <a:bodyPr wrap="none" rtlCol="0">
+            <a:spAutoFit/>
+          </a:bodyPr>
+          <a:lstStyle/>
+          <a:p>
+            <a:r>
+              <a:rPr lang="en-US" sz="2800" u="sng" dirty="0" smtClean="0"/>
+              <a:t>Learning Objective:</a:t>
+            </a:r>
+          </a:p>
+          <a:p>
+            <a:pPr marL="285750" indent="-285750">
+              <a:buFont typeface="Arial" panose="020B0604020202020204" pitchFamily="34" charset="0"/>
+              <a:buChar char="•"/>
+            </a:pPr>
             <a:r>
               <a:rPr lang="en-US" dirty="0" smtClean="0"/>
-              <a:t>In this example we will perform cross validation because the data set is 20k records.</a:t>
-            </a:r>
-            <a:endParaRPr lang="en-US" dirty="0"/>
-          </a:p>
-        </p:txBody>
-      </p:sp>
-      <p:pic>
-        <p:nvPicPr>
-          <p:cNvPr id="7" name="Picture 6"/>
-          <p:cNvPicPr>
-            <a:picLocks noChangeAspect="1"/>
-          </p:cNvPicPr>
-          <p:nvPr/>
-        </p:nvPicPr>
-        <p:blipFill>
-          <a:blip r:embed="rId2">
-            <a:extLst>
-              <a:ext uri="{28A0092B-C50C-407E-A947-70E740481C1C}">
-                <a14:useLocalDpi xmlns:a14="http://schemas.microsoft.com/office/drawing/2010/main" val="0"/>
-              </a:ext>
-            </a:extLst>
-          </a:blip>
-          <a:stretch>
-            <a:fillRect/>
-          </a:stretch>
-        </p:blipFill>
-        <p:spPr>
-          <a:xfrm>
-            <a:off x="342899" y="1784906"/>
-            <a:ext cx="8143875" cy="3895627"/>
-          </a:xfrm>
-          <a:prstGeom prst="rect">
-            <a:avLst/>
-          </a:prstGeom>
-        </p:spPr>
-      </p:pic>
+              <a:t>Load in real lending club data</a:t>
+            </a:r>
+          </a:p>
+          <a:p>
+            <a:pPr marL="285750" indent="-285750">
+              <a:buFont typeface="Arial" panose="020B0604020202020204" pitchFamily="34" charset="0"/>
+              <a:buChar char="•"/>
+            </a:pPr>
+            <a:r>
+              <a:rPr lang="en-US" dirty="0" smtClean="0"/>
+              <a:t>Treat the variables for modeling</a:t>
+            </a:r>
+          </a:p>
+          <a:p>
+            <a:pPr marL="285750" indent="-285750">
+              <a:buFont typeface="Arial" panose="020B0604020202020204" pitchFamily="34" charset="0"/>
+              <a:buChar char="•"/>
+            </a:pPr>
+            <a:r>
+              <a:rPr lang="en-US" dirty="0" smtClean="0"/>
+              <a:t>Build a cross validated logistic regression with caret</a:t>
+            </a:r>
+          </a:p>
+          <a:p>
+            <a:pPr marL="285750" indent="-285750">
+              <a:buFont typeface="Arial" panose="020B0604020202020204" pitchFamily="34" charset="0"/>
+              <a:buChar char="•"/>
+            </a:pPr>
+            <a:r>
+              <a:rPr lang="en-US" dirty="0" smtClean="0"/>
+              <a:t>Save model object &amp; variable treatment plan</a:t>
+            </a:r>
+          </a:p>
+        </p:txBody>
+      </p:sp>
     </p:spTree>
     <p:extLst>
       <p:ext uri="{BB962C8B-B14F-4D97-AF65-F5344CB8AC3E}">
-        <p14:creationId xmlns:p14="http://schemas.microsoft.com/office/powerpoint/2010/main" val="1046249267"/>
+        <p14:creationId xmlns:p14="http://schemas.microsoft.com/office/powerpoint/2010/main" val="2162130616"/>
       </p:ext>
     </p:extLst>
   </p:cSld>
@@ -27641,12 +27187,8 @@
           <a:lstStyle/>
           <a:p>
             <a:r>
-              <a:rPr lang="en-US" dirty="0"/>
-              <a:t>Open </a:t>
-            </a:r>
-            <a:r>
               <a:rPr lang="en-US" dirty="0" smtClean="0"/>
-              <a:t>2_CreditModeling_A.R</a:t>
+              <a:t>Cutoff Threshold</a:t>
             </a:r>
             <a:endParaRPr lang="en-US" dirty="0"/>
           </a:p>
@@ -27700,14 +27242,14 @@
       </p:sp>
       <p:sp>
         <p:nvSpPr>
-          <p:cNvPr id="7" name="TextBox 6"/>
+          <p:cNvPr id="6" name="TextBox 5"/>
           <p:cNvSpPr txBox="1"/>
           <p:nvPr/>
         </p:nvSpPr>
         <p:spPr>
           <a:xfrm>
-            <a:off x="704850" y="1657350"/>
-            <a:ext cx="5276573" cy="1631216"/>
+            <a:off x="1078171" y="3135787"/>
+            <a:ext cx="7000378" cy="646331"/>
           </a:xfrm>
           <a:prstGeom prst="rect">
             <a:avLst/>
@@ -27720,62 +27262,84 @@
           </a:bodyPr>
           <a:lstStyle/>
           <a:p>
-            <a:r>
-              <a:rPr lang="en-US" sz="2800" u="sng" dirty="0" smtClean="0"/>
-              <a:t>Learning Objective:</a:t>
-            </a:r>
-          </a:p>
-          <a:p>
-            <a:pPr marL="285750" indent="-285750">
+            <a:pPr marL="109538" indent="-109538">
               <a:buFont typeface="Arial" panose="020B0604020202020204" pitchFamily="34" charset="0"/>
               <a:buChar char="•"/>
             </a:pPr>
             <a:r>
               <a:rPr lang="en-US" dirty="0" smtClean="0"/>
-              <a:t>Load in real lending club data</a:t>
-            </a:r>
-          </a:p>
-          <a:p>
-            <a:pPr marL="285750" indent="-285750">
+              <a:t>Should we be equal weighted?  </a:t>
+            </a:r>
+          </a:p>
+          <a:p>
+            <a:pPr marL="109538" indent="-109538">
               <a:buFont typeface="Arial" panose="020B0604020202020204" pitchFamily="34" charset="0"/>
               <a:buChar char="•"/>
             </a:pPr>
             <a:r>
               <a:rPr lang="en-US" dirty="0" smtClean="0"/>
-              <a:t>Treat the variables for </a:t>
+              <a:t>Do we care </a:t>
+            </a:r>
+            <a:r>
+              <a:rPr lang="en-US" u="sng" dirty="0" smtClean="0"/>
+              <a:t>equally</a:t>
             </a:r>
             <a:r>
               <a:rPr lang="en-US" dirty="0" smtClean="0"/>
-              <a:t>modeling</a:t>
-            </a:r>
-            <a:endParaRPr lang="en-US" dirty="0" smtClean="0"/>
-          </a:p>
-          <a:p>
-            <a:pPr marL="285750" indent="-285750">
-              <a:buFont typeface="Arial" panose="020B0604020202020204" pitchFamily="34" charset="0"/>
-              <a:buChar char="•"/>
-            </a:pPr>
+              <a:t> about picking paying notes and charged off loans?</a:t>
+            </a:r>
+            <a:endParaRPr lang="en-US" dirty="0"/>
+          </a:p>
+        </p:txBody>
+      </p:sp>
+      <p:sp>
+        <p:nvSpPr>
+          <p:cNvPr id="7" name="Rectangle 6"/>
+          <p:cNvSpPr/>
+          <p:nvPr/>
+        </p:nvSpPr>
+        <p:spPr>
+          <a:xfrm>
+            <a:off x="1456542" y="1243013"/>
+            <a:ext cx="6243636" cy="531196"/>
+          </a:xfrm>
+          <a:prstGeom prst="rect">
+            <a:avLst/>
+          </a:prstGeom>
+        </p:spPr>
+        <p:style>
+          <a:lnRef idx="2">
+            <a:schemeClr val="accent1">
+              <a:shade val="50000"/>
+            </a:schemeClr>
+          </a:lnRef>
+          <a:fillRef idx="1">
+            <a:schemeClr val="accent1"/>
+          </a:fillRef>
+          <a:effectRef idx="0">
+            <a:schemeClr val="accent1"/>
+          </a:effectRef>
+          <a:fontRef idx="minor">
+            <a:schemeClr val="lt1"/>
+          </a:fontRef>
+        </p:style>
+        <p:txBody>
+          <a:bodyPr rtlCol="0" anchor="ctr"/>
+          <a:lstStyle/>
+          <a:p>
+            <a:pPr algn="ctr"/>
             <a:r>
               <a:rPr lang="en-US" dirty="0" smtClean="0"/>
-              <a:t>Build a cross validated logistic regression with caret</a:t>
-            </a:r>
-          </a:p>
-          <a:p>
-            <a:pPr marL="285750" indent="-285750">
-              <a:buFont typeface="Arial" panose="020B0604020202020204" pitchFamily="34" charset="0"/>
-              <a:buChar char="•"/>
-            </a:pPr>
-            <a:r>
-              <a:rPr lang="en-US" dirty="0" smtClean="0"/>
-              <a:t>Save model object &amp; variable treatment plan</a:t>
-            </a:r>
+              <a:t>Is 0.50 the optimal cutoff?</a:t>
+            </a:r>
+            <a:endParaRPr lang="en-US" dirty="0"/>
           </a:p>
         </p:txBody>
       </p:sp>
     </p:spTree>
     <p:extLst>
       <p:ext uri="{BB962C8B-B14F-4D97-AF65-F5344CB8AC3E}">
-        <p14:creationId xmlns:p14="http://schemas.microsoft.com/office/powerpoint/2010/main" val="2162130616"/>
+        <p14:creationId xmlns:p14="http://schemas.microsoft.com/office/powerpoint/2010/main" val="3162702282"/>
       </p:ext>
     </p:extLst>
   </p:cSld>
@@ -27841,8 +27405,12 @@
           <a:lstStyle/>
           <a:p>
             <a:r>
+              <a:rPr lang="en-US" dirty="0"/>
+              <a:t>Open </a:t>
+            </a:r>
+            <a:r>
               <a:rPr lang="en-US" dirty="0" smtClean="0"/>
-              <a:t>Cutoff Threshold</a:t>
+              <a:t>2_CreditModeling_B.R</a:t>
             </a:r>
             <a:endParaRPr lang="en-US" dirty="0"/>
           </a:p>
@@ -27896,14 +27464,14 @@
       </p:sp>
       <p:sp>
         <p:nvSpPr>
-          <p:cNvPr id="6" name="TextBox 5"/>
+          <p:cNvPr id="7" name="TextBox 6"/>
           <p:cNvSpPr txBox="1"/>
           <p:nvPr/>
         </p:nvSpPr>
         <p:spPr>
           <a:xfrm>
-            <a:off x="1078171" y="3135787"/>
-            <a:ext cx="7000378" cy="646331"/>
+            <a:off x="704850" y="1657350"/>
+            <a:ext cx="3187026" cy="1354217"/>
           </a:xfrm>
           <a:prstGeom prst="rect">
             <a:avLst/>
@@ -27916,75 +27484,43 @@
           </a:bodyPr>
           <a:lstStyle/>
           <a:p>
-            <a:pPr marL="109538" indent="-109538">
+            <a:r>
+              <a:rPr lang="en-US" sz="2800" u="sng" dirty="0" smtClean="0"/>
+              <a:t>Learning Objective:</a:t>
+            </a:r>
+          </a:p>
+          <a:p>
+            <a:pPr marL="285750" indent="-285750">
               <a:buFont typeface="Arial" panose="020B0604020202020204" pitchFamily="34" charset="0"/>
               <a:buChar char="•"/>
             </a:pPr>
             <a:r>
               <a:rPr lang="en-US" dirty="0" smtClean="0"/>
-              <a:t>Should we be equal weighted?  </a:t>
-            </a:r>
-          </a:p>
-          <a:p>
-            <a:pPr marL="109538" indent="-109538">
+              <a:t>Score new notes</a:t>
+            </a:r>
+          </a:p>
+          <a:p>
+            <a:pPr marL="285750" indent="-285750">
               <a:buFont typeface="Arial" panose="020B0604020202020204" pitchFamily="34" charset="0"/>
               <a:buChar char="•"/>
             </a:pPr>
             <a:r>
+              <a:rPr lang="en-US" dirty="0"/>
+              <a:t>Make a plot similar to CAPM </a:t>
+            </a:r>
+          </a:p>
+          <a:p>
+            <a:pPr marL="285750" indent="-285750">
+              <a:buFont typeface="Arial" panose="020B0604020202020204" pitchFamily="34" charset="0"/>
+              <a:buChar char="•"/>
+            </a:pPr>
+            <a:r>
+              <a:rPr lang="en-US" dirty="0"/>
+              <a:t>Identify top loans to </a:t>
+            </a:r>
+            <a:r>
               <a:rPr lang="en-US" dirty="0" smtClean="0"/>
-              <a:t>Do we care </a:t>
-            </a:r>
-            <a:r>
-              <a:rPr lang="en-US" u="sng" dirty="0" smtClean="0"/>
-              <a:t>equally</a:t>
-            </a:r>
-            <a:r>
-              <a:rPr lang="en-US" dirty="0" smtClean="0"/>
-              <a:t> about picking paying notes and charged off loans?</a:t>
-            </a:r>
-            <a:endParaRPr lang="en-US" dirty="0"/>
-          </a:p>
-        </p:txBody>
-      </p:sp>
-      <p:sp>
-        <p:nvSpPr>
-          <p:cNvPr id="7" name="Rectangle 6"/>
-          <p:cNvSpPr/>
-          <p:nvPr/>
-        </p:nvSpPr>
-        <p:spPr>
-          <a:xfrm>
-            <a:off x="1456542" y="1243013"/>
-            <a:ext cx="6243636" cy="531196"/>
-          </a:xfrm>
-          <a:prstGeom prst="rect">
-            <a:avLst/>
-          </a:prstGeom>
-        </p:spPr>
-        <p:style>
-          <a:lnRef idx="2">
-            <a:schemeClr val="accent1">
-              <a:shade val="50000"/>
-            </a:schemeClr>
-          </a:lnRef>
-          <a:fillRef idx="1">
-            <a:schemeClr val="accent1"/>
-          </a:fillRef>
-          <a:effectRef idx="0">
-            <a:schemeClr val="accent1"/>
-          </a:effectRef>
-          <a:fontRef idx="minor">
-            <a:schemeClr val="lt1"/>
-          </a:fontRef>
-        </p:style>
-        <p:txBody>
-          <a:bodyPr rtlCol="0" anchor="ctr"/>
-          <a:lstStyle/>
-          <a:p>
-            <a:pPr algn="ctr"/>
-            <a:r>
-              <a:rPr lang="en-US" dirty="0" smtClean="0"/>
-              <a:t>Is 0.50 the optimal cutoff?</a:t>
+              <a:t>fund</a:t>
             </a:r>
             <a:endParaRPr lang="en-US" dirty="0"/>
           </a:p>
@@ -27993,7 +27529,7 @@
     </p:spTree>
     <p:extLst>
       <p:ext uri="{BB962C8B-B14F-4D97-AF65-F5344CB8AC3E}">
-        <p14:creationId xmlns:p14="http://schemas.microsoft.com/office/powerpoint/2010/main" val="3162702282"/>
+        <p14:creationId xmlns:p14="http://schemas.microsoft.com/office/powerpoint/2010/main" val="711646884"/>
       </p:ext>
     </p:extLst>
   </p:cSld>
@@ -28022,482 +27558,6 @@
       </p:grpSpPr>
       <p:sp>
         <p:nvSpPr>
-          <p:cNvPr id="2" name="Date Placeholder 1"/>
-          <p:cNvSpPr>
-            <a:spLocks noGrp="1"/>
-          </p:cNvSpPr>
-          <p:nvPr>
-            <p:ph type="dt" sz="half" idx="10"/>
-          </p:nvPr>
-        </p:nvSpPr>
-        <p:spPr/>
-        <p:txBody>
-          <a:bodyPr/>
-          <a:lstStyle/>
-          <a:p>
-            <a:fld id="{6700A58B-DD98-43D0-B791-721480A02982}" type="datetime1">
-              <a:rPr lang="en-US" smtClean="0"/>
-              <a:t>11/1/2018</a:t>
-            </a:fld>
-            <a:endParaRPr lang="en-US"/>
-          </a:p>
-        </p:txBody>
-      </p:sp>
-      <p:sp>
-        <p:nvSpPr>
-          <p:cNvPr id="3" name="Title 2"/>
-          <p:cNvSpPr>
-            <a:spLocks noGrp="1"/>
-          </p:cNvSpPr>
-          <p:nvPr>
-            <p:ph type="title"/>
-          </p:nvPr>
-        </p:nvSpPr>
-        <p:spPr/>
-        <p:txBody>
-          <a:bodyPr/>
-          <a:lstStyle/>
-          <a:p>
-            <a:r>
-              <a:rPr lang="en-US" dirty="0" smtClean="0"/>
-              <a:t>The cost of getting it wrong is high!</a:t>
-            </a:r>
-            <a:endParaRPr lang="en-US" dirty="0"/>
-          </a:p>
-        </p:txBody>
-      </p:sp>
-      <p:sp>
-        <p:nvSpPr>
-          <p:cNvPr id="4" name="Slide Number Placeholder 3"/>
-          <p:cNvSpPr>
-            <a:spLocks noGrp="1"/>
-          </p:cNvSpPr>
-          <p:nvPr>
-            <p:ph type="sldNum" sz="quarter" idx="12"/>
-          </p:nvPr>
-        </p:nvSpPr>
-        <p:spPr/>
-        <p:txBody>
-          <a:bodyPr/>
-          <a:lstStyle/>
-          <a:p>
-            <a:fld id="{37290FF7-652B-4475-AEAB-8B1A5D23AE09}" type="slidenum">
-              <a:rPr lang="en-US" smtClean="0"/>
-              <a:t>55</a:t>
-            </a:fld>
-            <a:endParaRPr lang="en-US"/>
-          </a:p>
-        </p:txBody>
-      </p:sp>
-      <p:sp>
-        <p:nvSpPr>
-          <p:cNvPr id="5" name="Footer Placeholder 4"/>
-          <p:cNvSpPr>
-            <a:spLocks noGrp="1"/>
-          </p:cNvSpPr>
-          <p:nvPr>
-            <p:ph type="ftr" sz="quarter" idx="3"/>
-          </p:nvPr>
-        </p:nvSpPr>
-        <p:spPr/>
-        <p:txBody>
-          <a:bodyPr/>
-          <a:lstStyle/>
-          <a:p>
-            <a:r>
-              <a:rPr lang="en-US" smtClean="0"/>
-              <a:t>Kwartler CSCI S-96</a:t>
-            </a:r>
-            <a:endParaRPr lang="en-US" dirty="0"/>
-          </a:p>
-        </p:txBody>
-      </p:sp>
-      <p:sp>
-        <p:nvSpPr>
-          <p:cNvPr id="6" name="TextBox 5"/>
-          <p:cNvSpPr txBox="1"/>
-          <p:nvPr/>
-        </p:nvSpPr>
-        <p:spPr>
-          <a:xfrm>
-            <a:off x="1307211" y="1734968"/>
-            <a:ext cx="6536301" cy="923330"/>
-          </a:xfrm>
-          <a:prstGeom prst="rect">
-            <a:avLst/>
-          </a:prstGeom>
-          <a:noFill/>
-        </p:spPr>
-        <p:txBody>
-          <a:bodyPr wrap="square" rtlCol="0">
-            <a:spAutoFit/>
-          </a:bodyPr>
-          <a:lstStyle/>
-          <a:p>
-            <a:r>
-              <a:rPr lang="en-US" dirty="0" smtClean="0"/>
-              <a:t>We have ample opportunity to pick high probability notes so it best to be precise, throwing out many hundreds of notes that are still likely to be paid fully.</a:t>
-            </a:r>
-            <a:endParaRPr lang="en-US" dirty="0"/>
-          </a:p>
-        </p:txBody>
-      </p:sp>
-      <p:sp>
-        <p:nvSpPr>
-          <p:cNvPr id="7" name="TextBox 6"/>
-          <p:cNvSpPr txBox="1"/>
-          <p:nvPr/>
-        </p:nvSpPr>
-        <p:spPr>
-          <a:xfrm>
-            <a:off x="1307211" y="3959185"/>
-            <a:ext cx="6536301" cy="923330"/>
-          </a:xfrm>
-          <a:prstGeom prst="rect">
-            <a:avLst/>
-          </a:prstGeom>
-          <a:noFill/>
-        </p:spPr>
-        <p:txBody>
-          <a:bodyPr wrap="square" rtlCol="0">
-            <a:spAutoFit/>
-          </a:bodyPr>
-          <a:lstStyle/>
-          <a:p>
-            <a:r>
-              <a:rPr lang="en-US" dirty="0" smtClean="0"/>
-              <a:t>Disease Detection? High or Low?  </a:t>
-            </a:r>
-          </a:p>
-          <a:p>
-            <a:r>
-              <a:rPr lang="en-US" dirty="0" smtClean="0"/>
-              <a:t>What if the idea is to save lives?  What about saving costly medical tests and procedures?</a:t>
-            </a:r>
-            <a:endParaRPr lang="en-US" dirty="0"/>
-          </a:p>
-        </p:txBody>
-      </p:sp>
-      <p:sp>
-        <p:nvSpPr>
-          <p:cNvPr id="9" name="Rectangle 8"/>
-          <p:cNvSpPr/>
-          <p:nvPr/>
-        </p:nvSpPr>
-        <p:spPr>
-          <a:xfrm>
-            <a:off x="1453543" y="3290184"/>
-            <a:ext cx="6243636" cy="531196"/>
-          </a:xfrm>
-          <a:prstGeom prst="rect">
-            <a:avLst/>
-          </a:prstGeom>
-          <a:solidFill>
-            <a:schemeClr val="accent4"/>
-          </a:solidFill>
-          <a:ln>
-            <a:noFill/>
-          </a:ln>
-        </p:spPr>
-        <p:style>
-          <a:lnRef idx="2">
-            <a:schemeClr val="accent1">
-              <a:shade val="50000"/>
-            </a:schemeClr>
-          </a:lnRef>
-          <a:fillRef idx="1">
-            <a:schemeClr val="accent1"/>
-          </a:fillRef>
-          <a:effectRef idx="0">
-            <a:schemeClr val="accent1"/>
-          </a:effectRef>
-          <a:fontRef idx="minor">
-            <a:schemeClr val="lt1"/>
-          </a:fontRef>
-        </p:style>
-        <p:txBody>
-          <a:bodyPr rtlCol="0" anchor="ctr"/>
-          <a:lstStyle/>
-          <a:p>
-            <a:pPr algn="ctr"/>
-            <a:r>
-              <a:rPr lang="en-US" dirty="0" smtClean="0"/>
-              <a:t>Another example where adjusting the cutoff may be good.</a:t>
-            </a:r>
-            <a:endParaRPr lang="en-US" dirty="0"/>
-          </a:p>
-        </p:txBody>
-      </p:sp>
-      <p:sp>
-        <p:nvSpPr>
-          <p:cNvPr id="10" name="Rectangle 9"/>
-          <p:cNvSpPr/>
-          <p:nvPr/>
-        </p:nvSpPr>
-        <p:spPr>
-          <a:xfrm>
-            <a:off x="1453543" y="1243013"/>
-            <a:ext cx="6243636" cy="531196"/>
-          </a:xfrm>
-          <a:prstGeom prst="rect">
-            <a:avLst/>
-          </a:prstGeom>
-        </p:spPr>
-        <p:style>
-          <a:lnRef idx="2">
-            <a:schemeClr val="accent1">
-              <a:shade val="50000"/>
-            </a:schemeClr>
-          </a:lnRef>
-          <a:fillRef idx="1">
-            <a:schemeClr val="accent1"/>
-          </a:fillRef>
-          <a:effectRef idx="0">
-            <a:schemeClr val="accent1"/>
-          </a:effectRef>
-          <a:fontRef idx="minor">
-            <a:schemeClr val="lt1"/>
-          </a:fontRef>
-        </p:style>
-        <p:txBody>
-          <a:bodyPr rtlCol="0" anchor="ctr"/>
-          <a:lstStyle/>
-          <a:p>
-            <a:pPr algn="ctr"/>
-            <a:r>
-              <a:rPr lang="en-US" dirty="0" smtClean="0"/>
-              <a:t>Is 0.50 the optimal cutoff?</a:t>
-            </a:r>
-            <a:endParaRPr lang="en-US" dirty="0"/>
-          </a:p>
-        </p:txBody>
-      </p:sp>
-    </p:spTree>
-    <p:extLst>
-      <p:ext uri="{BB962C8B-B14F-4D97-AF65-F5344CB8AC3E}">
-        <p14:creationId xmlns:p14="http://schemas.microsoft.com/office/powerpoint/2010/main" val="942484640"/>
-      </p:ext>
-    </p:extLst>
-  </p:cSld>
-  <p:clrMapOvr>
-    <a:masterClrMapping/>
-  </p:clrMapOvr>
-</p:sld>
-</file>
-
-<file path=ppt/slides/slide56.xml><?xml version="1.0" encoding="utf-8"?>
-<p:sld xmlns:a="http://schemas.openxmlformats.org/drawingml/2006/main" xmlns:r="http://schemas.openxmlformats.org/officeDocument/2006/relationships" xmlns:p="http://schemas.openxmlformats.org/presentationml/2006/main">
-  <p:cSld>
-    <p:spTree>
-      <p:nvGrpSpPr>
-        <p:cNvPr id="1" name=""/>
-        <p:cNvGrpSpPr/>
-        <p:nvPr/>
-      </p:nvGrpSpPr>
-      <p:grpSpPr>
-        <a:xfrm>
-          <a:off x="0" y="0"/>
-          <a:ext cx="0" cy="0"/>
-          <a:chOff x="0" y="0"/>
-          <a:chExt cx="0" cy="0"/>
-        </a:xfrm>
-      </p:grpSpPr>
-      <p:sp>
-        <p:nvSpPr>
-          <p:cNvPr id="2" name="Date Placeholder 1"/>
-          <p:cNvSpPr>
-            <a:spLocks noGrp="1"/>
-          </p:cNvSpPr>
-          <p:nvPr>
-            <p:ph type="dt" sz="half" idx="10"/>
-          </p:nvPr>
-        </p:nvSpPr>
-        <p:spPr/>
-        <p:txBody>
-          <a:bodyPr/>
-          <a:lstStyle/>
-          <a:p>
-            <a:fld id="{6700A58B-DD98-43D0-B791-721480A02982}" type="datetime1">
-              <a:rPr lang="en-US" smtClean="0"/>
-              <a:t>11/1/2018</a:t>
-            </a:fld>
-            <a:endParaRPr lang="en-US"/>
-          </a:p>
-        </p:txBody>
-      </p:sp>
-      <p:sp>
-        <p:nvSpPr>
-          <p:cNvPr id="3" name="Title 2"/>
-          <p:cNvSpPr>
-            <a:spLocks noGrp="1"/>
-          </p:cNvSpPr>
-          <p:nvPr>
-            <p:ph type="title"/>
-          </p:nvPr>
-        </p:nvSpPr>
-        <p:spPr/>
-        <p:txBody>
-          <a:bodyPr/>
-          <a:lstStyle/>
-          <a:p>
-            <a:r>
-              <a:rPr lang="en-US" dirty="0"/>
-              <a:t>Open </a:t>
-            </a:r>
-            <a:r>
-              <a:rPr lang="en-US" dirty="0" smtClean="0"/>
-              <a:t>2_CreditModeling_B.R</a:t>
-            </a:r>
-            <a:endParaRPr lang="en-US" dirty="0"/>
-          </a:p>
-        </p:txBody>
-      </p:sp>
-      <p:sp>
-        <p:nvSpPr>
-          <p:cNvPr id="4" name="Slide Number Placeholder 3"/>
-          <p:cNvSpPr>
-            <a:spLocks noGrp="1"/>
-          </p:cNvSpPr>
-          <p:nvPr>
-            <p:ph type="sldNum" sz="quarter" idx="12"/>
-          </p:nvPr>
-        </p:nvSpPr>
-        <p:spPr/>
-        <p:txBody>
-          <a:bodyPr/>
-          <a:lstStyle/>
-          <a:p>
-            <a:fld id="{37290FF7-652B-4475-AEAB-8B1A5D23AE09}" type="slidenum">
-              <a:rPr lang="en-US" smtClean="0"/>
-              <a:t>56</a:t>
-            </a:fld>
-            <a:endParaRPr lang="en-US"/>
-          </a:p>
-        </p:txBody>
-      </p:sp>
-      <p:sp>
-        <p:nvSpPr>
-          <p:cNvPr id="5" name="Footer Placeholder 4"/>
-          <p:cNvSpPr>
-            <a:spLocks noGrp="1"/>
-          </p:cNvSpPr>
-          <p:nvPr>
-            <p:ph type="ftr" sz="quarter" idx="3"/>
-          </p:nvPr>
-        </p:nvSpPr>
-        <p:spPr/>
-        <p:txBody>
-          <a:bodyPr/>
-          <a:lstStyle/>
-          <a:p>
-            <a:r>
-              <a:rPr lang="en-US" smtClean="0"/>
-              <a:t>Kwartler CSCI S-96</a:t>
-            </a:r>
-            <a:endParaRPr lang="en-US" dirty="0"/>
-          </a:p>
-        </p:txBody>
-      </p:sp>
-      <p:sp>
-        <p:nvSpPr>
-          <p:cNvPr id="7" name="TextBox 6"/>
-          <p:cNvSpPr txBox="1"/>
-          <p:nvPr/>
-        </p:nvSpPr>
-        <p:spPr>
-          <a:xfrm>
-            <a:off x="704850" y="1657350"/>
-            <a:ext cx="3187026" cy="1354217"/>
-          </a:xfrm>
-          <a:prstGeom prst="rect">
-            <a:avLst/>
-          </a:prstGeom>
-          <a:noFill/>
-        </p:spPr>
-        <p:txBody>
-          <a:bodyPr wrap="none" rtlCol="0">
-            <a:spAutoFit/>
-          </a:bodyPr>
-          <a:lstStyle/>
-          <a:p>
-            <a:r>
-              <a:rPr lang="en-US" sz="2800" u="sng" dirty="0" smtClean="0"/>
-              <a:t>Learning Objective:</a:t>
-            </a:r>
-          </a:p>
-          <a:p>
-            <a:pPr marL="285750" indent="-285750">
-              <a:buFont typeface="Arial" panose="020B0604020202020204" pitchFamily="34" charset="0"/>
-              <a:buChar char="•"/>
-            </a:pPr>
-            <a:r>
-              <a:rPr lang="en-US" dirty="0" smtClean="0"/>
-              <a:t>Score </a:t>
-            </a:r>
-            <a:r>
-              <a:rPr lang="en-US" dirty="0" smtClean="0"/>
-              <a:t>new notes</a:t>
-            </a:r>
-          </a:p>
-          <a:p>
-            <a:pPr marL="285750" indent="-285750">
-              <a:buFont typeface="Arial" panose="020B0604020202020204" pitchFamily="34" charset="0"/>
-              <a:buChar char="•"/>
-            </a:pPr>
-            <a:r>
-              <a:rPr lang="en-US" dirty="0"/>
-              <a:t>Make a plot similar to CAPM </a:t>
-            </a:r>
-          </a:p>
-          <a:p>
-            <a:pPr marL="285750" indent="-285750">
-              <a:buFont typeface="Arial" panose="020B0604020202020204" pitchFamily="34" charset="0"/>
-              <a:buChar char="•"/>
-            </a:pPr>
-            <a:r>
-              <a:rPr lang="en-US" dirty="0"/>
-              <a:t>Identify top loans to </a:t>
-            </a:r>
-            <a:r>
-              <a:rPr lang="en-US" dirty="0" smtClean="0"/>
-              <a:t>fund</a:t>
-            </a:r>
-            <a:endParaRPr lang="en-US" dirty="0"/>
-          </a:p>
-        </p:txBody>
-      </p:sp>
-    </p:spTree>
-    <p:extLst>
-      <p:ext uri="{BB962C8B-B14F-4D97-AF65-F5344CB8AC3E}">
-        <p14:creationId xmlns:p14="http://schemas.microsoft.com/office/powerpoint/2010/main" val="711646884"/>
-      </p:ext>
-    </p:extLst>
-  </p:cSld>
-  <p:clrMapOvr>
-    <a:masterClrMapping/>
-  </p:clrMapOvr>
-</p:sld>
-</file>
-
-<file path=ppt/slides/slide57.xml><?xml version="1.0" encoding="utf-8"?>
-<p:sld xmlns:a="http://schemas.openxmlformats.org/drawingml/2006/main" xmlns:r="http://schemas.openxmlformats.org/officeDocument/2006/relationships" xmlns:p="http://schemas.openxmlformats.org/presentationml/2006/main">
-  <p:cSld>
-    <p:spTree>
-      <p:nvGrpSpPr>
-        <p:cNvPr id="1" name=""/>
-        <p:cNvGrpSpPr/>
-        <p:nvPr/>
-      </p:nvGrpSpPr>
-      <p:grpSpPr>
-        <a:xfrm>
-          <a:off x="0" y="0"/>
-          <a:ext cx="0" cy="0"/>
-          <a:chOff x="0" y="0"/>
-          <a:chExt cx="0" cy="0"/>
-        </a:xfrm>
-      </p:grpSpPr>
-      <p:sp>
-        <p:nvSpPr>
           <p:cNvPr id="2" name="Title 1"/>
           <p:cNvSpPr>
             <a:spLocks noGrp="1"/>
@@ -28531,7 +27591,7 @@
         </p:nvGraphicFramePr>
         <p:xfrm>
           <a:off x="614363" y="1111250"/>
-          <a:ext cx="7915275" cy="3962400"/>
+          <a:ext cx="7915275" cy="4754880"/>
         </p:xfrm>
         <a:graphic>
           <a:graphicData uri="http://schemas.openxmlformats.org/drawingml/2006/table">
@@ -28666,6 +27726,68 @@
                         </a:rPr>
                         <a:t>Securities</a:t>
                       </a:r>
+                      <a:r>
+                        <a:rPr lang="en-US" sz="2000" b="0" strike="noStrike" baseline="0" dirty="0" smtClean="0">
+                          <a:solidFill>
+                            <a:schemeClr val="tx1"/>
+                          </a:solidFill>
+                        </a:rPr>
+                        <a:t> Summary</a:t>
+                      </a:r>
+                      <a:endParaRPr lang="en-US" sz="2000" b="0" strike="noStrike" dirty="0">
+                        <a:solidFill>
+                          <a:schemeClr val="tx1"/>
+                        </a:solidFill>
+                      </a:endParaRPr>
+                    </a:p>
+                  </a:txBody>
+                  <a:tcPr/>
+                </a:tc>
+              </a:tr>
+              <a:tr h="370840">
+                <a:tc>
+                  <a:txBody>
+                    <a:bodyPr/>
+                    <a:lstStyle/>
+                    <a:p>
+                      <a:pPr algn="ctr"/>
+                      <a:endParaRPr lang="en-US" sz="2000" b="0" strike="noStrike" dirty="0">
+                        <a:solidFill>
+                          <a:schemeClr val="tx1"/>
+                        </a:solidFill>
+                      </a:endParaRPr>
+                    </a:p>
+                  </a:txBody>
+                  <a:tcPr/>
+                </a:tc>
+                <a:tc>
+                  <a:txBody>
+                    <a:bodyPr/>
+                    <a:lstStyle/>
+                    <a:p>
+                      <a:pPr algn="ctr"/>
+                      <a:endParaRPr lang="en-US" sz="2000" b="0" strike="noStrike" dirty="0">
+                        <a:solidFill>
+                          <a:schemeClr val="tx1"/>
+                        </a:solidFill>
+                      </a:endParaRPr>
+                    </a:p>
+                  </a:txBody>
+                  <a:tcPr/>
+                </a:tc>
+                <a:tc>
+                  <a:txBody>
+                    <a:bodyPr/>
+                    <a:lstStyle/>
+                    <a:p>
+                      <a:r>
+                        <a:rPr lang="en-US" sz="2000" b="0" strike="noStrike" dirty="0" smtClean="0">
+                          <a:solidFill>
+                            <a:schemeClr val="tx1"/>
+                          </a:solidFill>
+                        </a:rPr>
+                        <a:t>Securities Technical Trading Indicator- SMA</a:t>
+                      </a:r>
                       <a:endParaRPr lang="en-US" sz="2000" b="0" strike="noStrike" dirty="0">
                         <a:solidFill>
                           <a:schemeClr val="tx1"/>
@@ -28723,7 +27845,61 @@
                             <a:schemeClr val="tx1"/>
                           </a:solidFill>
                         </a:rPr>
-                        <a:t>Financial Risk Modeling</a:t>
+                        <a:t>Securities Technical Trading Indicator- MACD</a:t>
+                      </a:r>
+                      <a:endParaRPr lang="en-US" sz="2000" b="0" strike="noStrike" dirty="0">
+                        <a:solidFill>
+                          <a:schemeClr val="tx1"/>
+                        </a:solidFill>
+                      </a:endParaRPr>
+                    </a:p>
+                  </a:txBody>
+                  <a:tcPr/>
+                </a:tc>
+              </a:tr>
+              <a:tr h="370840">
+                <a:tc>
+                  <a:txBody>
+                    <a:bodyPr/>
+                    <a:lstStyle/>
+                    <a:p>
+                      <a:pPr algn="ctr"/>
+                      <a:endParaRPr lang="en-US" sz="2000" b="0" strike="noStrike" dirty="0">
+                        <a:solidFill>
+                          <a:schemeClr val="tx1"/>
+                        </a:solidFill>
+                      </a:endParaRPr>
+                    </a:p>
+                  </a:txBody>
+                  <a:tcPr/>
+                </a:tc>
+                <a:tc>
+                  <a:txBody>
+                    <a:bodyPr/>
+                    <a:lstStyle/>
+                    <a:p>
+                      <a:pPr algn="ctr"/>
+                      <a:endParaRPr lang="en-US" sz="2000" b="0" strike="noStrike" dirty="0">
+                        <a:solidFill>
+                          <a:schemeClr val="tx1"/>
+                        </a:solidFill>
+                      </a:endParaRPr>
+                    </a:p>
+                  </a:txBody>
+                  <a:tcPr/>
+                </a:tc>
+                <a:tc>
+                  <a:txBody>
+                    <a:bodyPr/>
+                    <a:lstStyle/>
+                    <a:p>
+                      <a:r>
+                        <a:rPr lang="en-US" sz="2000" b="0" strike="noStrike" dirty="0" smtClean="0">
+                          <a:solidFill>
+                            <a:schemeClr val="tx1"/>
+                          </a:solidFill>
+                        </a:rPr>
+                        <a:t>Securities Technical Trading Indicator- RSI</a:t>
                       </a:r>
                       <a:endParaRPr lang="en-US" sz="2000" b="0" strike="noStrike" dirty="0">
                         <a:solidFill>
@@ -28739,6 +27915,55 @@
                     <a16:rowId xmlns:a16="http://schemas.microsoft.com/office/drawing/2014/main" xmlns="" val="10002"/>
                   </a:ext>
                 </a:extLst>
+              </a:tr>
+              <a:tr h="370840">
+                <a:tc gridSpan="2">
+                  <a:txBody>
+                    <a:bodyPr/>
+                    <a:lstStyle/>
+                    <a:p>
+                      <a:pPr algn="ctr"/>
+                      <a:endParaRPr lang="en-US" sz="2000" b="0" strike="noStrike" dirty="0">
+                        <a:solidFill>
+                          <a:schemeClr val="tx1"/>
+                        </a:solidFill>
+                      </a:endParaRPr>
+                    </a:p>
+                  </a:txBody>
+                  <a:tcPr/>
+                </a:tc>
+                <a:tc hMerge="1">
+                  <a:txBody>
+                    <a:bodyPr/>
+                    <a:lstStyle/>
+                    <a:p>
+                      <a:endParaRPr lang="en-US"/>
+                    </a:p>
+                  </a:txBody>
+                  <a:tcPr/>
+                </a:tc>
+                <a:tc>
+                  <a:txBody>
+                    <a:bodyPr/>
+                    <a:lstStyle/>
+                    <a:p>
+                      <a:r>
+                        <a:rPr lang="en-US" sz="2000" b="0" strike="noStrike" dirty="0" smtClean="0">
+                          <a:solidFill>
+                            <a:schemeClr val="tx1"/>
+                          </a:solidFill>
+                        </a:rPr>
+                        <a:t>Financial Risk Modeling</a:t>
+                      </a:r>
+                      <a:endParaRPr lang="en-US" sz="2000" b="0" strike="noStrike" dirty="0">
+                        <a:solidFill>
+                          <a:schemeClr val="tx1"/>
+                        </a:solidFill>
+                      </a:endParaRPr>
+                    </a:p>
+                  </a:txBody>
+                  <a:tcPr/>
+                </a:tc>
               </a:tr>
               <a:tr h="370840">
                 <a:tc>
@@ -28784,57 +28009,6 @@
                         </a:rPr>
                         <a:t>Non-Traditional Markets</a:t>
                       </a:r>
-                      <a:endParaRPr lang="en-US" sz="2000" b="0" strike="noStrike" dirty="0">
-                        <a:solidFill>
-                          <a:schemeClr val="tx1"/>
-                        </a:solidFill>
-                      </a:endParaRPr>
-                    </a:p>
-                  </a:txBody>
-                  <a:tcPr/>
-                </a:tc>
-                <a:extLst>
-                  <a:ext uri="{0D108BD9-81ED-4DB2-BD59-A6C34878D82A}">
-                    <a16:rowId xmlns:a16="http://schemas.microsoft.com/office/drawing/2014/main" xmlns="" val="10003"/>
-                  </a:ext>
-                </a:extLst>
-              </a:tr>
-              <a:tr h="370840">
-                <a:tc>
-                  <a:txBody>
-                    <a:bodyPr/>
-                    <a:lstStyle/>
-                    <a:p>
-                      <a:pPr algn="ctr"/>
-                      <a:endParaRPr lang="en-US" sz="2000" b="0" strike="noStrike" dirty="0">
-                        <a:solidFill>
-                          <a:schemeClr val="tx1"/>
-                        </a:solidFill>
-                      </a:endParaRPr>
-                    </a:p>
-                  </a:txBody>
-                  <a:tcPr/>
-                </a:tc>
-                <a:tc>
-                  <a:txBody>
-                    <a:bodyPr/>
-                    <a:lstStyle/>
-                    <a:p>
-                      <a:pPr algn="ctr"/>
-                      <a:endParaRPr lang="en-US" sz="2000" b="0" strike="noStrike" dirty="0">
-                        <a:solidFill>
-                          <a:schemeClr val="tx1"/>
-                        </a:solidFill>
-                      </a:endParaRPr>
-                    </a:p>
-                  </a:txBody>
-                  <a:tcPr/>
-                </a:tc>
-                <a:tc>
-                  <a:txBody>
-                    <a:bodyPr/>
-                    <a:lstStyle/>
-                    <a:p>
                       <a:endParaRPr lang="en-US" sz="2000" b="0" strike="noStrike" dirty="0">
                         <a:solidFill>
                           <a:schemeClr val="tx1"/>
@@ -28937,11 +28111,7 @@
                     <a:bodyPr/>
                     <a:lstStyle/>
                     <a:p>
-                      <a:endParaRPr lang="en-US" sz="2000" b="0" strike="noStrike" dirty="0">
-                        <a:solidFill>
-                          <a:schemeClr val="tx1"/>
-                        </a:solidFill>
-                      </a:endParaRPr>
+                      <a:endParaRPr lang="en-US"/>
                     </a:p>
                   </a:txBody>
                   <a:tcPr/>
@@ -28988,11 +28158,7 @@
                     <a:bodyPr/>
                     <a:lstStyle/>
                     <a:p>
-                      <a:endParaRPr lang="en-US" sz="2000" b="0" strike="noStrike" dirty="0">
-                        <a:solidFill>
-                          <a:schemeClr val="tx1"/>
-                        </a:solidFill>
-                      </a:endParaRPr>
+                      <a:endParaRPr lang="en-US" dirty="0"/>
                     </a:p>
                   </a:txBody>
                   <a:tcPr/>
@@ -29172,16 +28338,722 @@
           <a:p>
             <a:fld id="{37290FF7-652B-4475-AEAB-8B1A5D23AE09}" type="slidenum">
               <a:rPr lang="en-US" smtClean="0"/>
+              <a:t>55</a:t>
+            </a:fld>
+            <a:endParaRPr lang="en-US"/>
+          </a:p>
+        </p:txBody>
+      </p:sp>
+    </p:spTree>
+    <p:extLst>
+      <p:ext uri="{BB962C8B-B14F-4D97-AF65-F5344CB8AC3E}">
+        <p14:creationId xmlns:p14="http://schemas.microsoft.com/office/powerpoint/2010/main" val="661307465"/>
+      </p:ext>
+    </p:extLst>
+  </p:cSld>
+  <p:clrMapOvr>
+    <a:masterClrMapping/>
+  </p:clrMapOvr>
+  <p:timing>
+    <p:tnLst>
+      <p:par>
+        <p:cTn id="1" dur="indefinite" restart="never" nodeType="tmRoot"/>
+      </p:par>
+    </p:tnLst>
+  </p:timing>
+</p:sld>
+</file>
+
+<file path=ppt/slides/slide56.xml><?xml version="1.0" encoding="utf-8"?>
+<p:sld xmlns:a="http://schemas.openxmlformats.org/drawingml/2006/main" xmlns:r="http://schemas.openxmlformats.org/officeDocument/2006/relationships" xmlns:p="http://schemas.openxmlformats.org/presentationml/2006/main">
+  <p:cSld>
+    <p:spTree>
+      <p:nvGrpSpPr>
+        <p:cNvPr id="1" name=""/>
+        <p:cNvGrpSpPr/>
+        <p:nvPr/>
+      </p:nvGrpSpPr>
+      <p:grpSpPr>
+        <a:xfrm>
+          <a:off x="0" y="0"/>
+          <a:ext cx="0" cy="0"/>
+          <a:chOff x="0" y="0"/>
+          <a:chExt cx="0" cy="0"/>
+        </a:xfrm>
+      </p:grpSpPr>
+      <p:sp>
+        <p:nvSpPr>
+          <p:cNvPr id="2" name="Date Placeholder 1"/>
+          <p:cNvSpPr>
+            <a:spLocks noGrp="1"/>
+          </p:cNvSpPr>
+          <p:nvPr>
+            <p:ph type="dt" sz="half" idx="10"/>
+          </p:nvPr>
+        </p:nvSpPr>
+        <p:spPr/>
+        <p:txBody>
+          <a:bodyPr/>
+          <a:lstStyle/>
+          <a:p>
+            <a:fld id="{6700A58B-DD98-43D0-B791-721480A02982}" type="datetime1">
+              <a:rPr lang="en-US" smtClean="0"/>
+              <a:t>11/1/2018</a:t>
+            </a:fld>
+            <a:endParaRPr lang="en-US"/>
+          </a:p>
+        </p:txBody>
+      </p:sp>
+      <p:sp>
+        <p:nvSpPr>
+          <p:cNvPr id="3" name="Title 2"/>
+          <p:cNvSpPr>
+            <a:spLocks noGrp="1"/>
+          </p:cNvSpPr>
+          <p:nvPr>
+            <p:ph type="title"/>
+          </p:nvPr>
+        </p:nvSpPr>
+        <p:spPr/>
+        <p:txBody>
+          <a:bodyPr/>
+          <a:lstStyle/>
+          <a:p>
+            <a:r>
+              <a:rPr lang="en-US" dirty="0" smtClean="0"/>
+              <a:t>Non-Traditional Markets</a:t>
+            </a:r>
+            <a:endParaRPr lang="en-US" dirty="0"/>
+          </a:p>
+        </p:txBody>
+      </p:sp>
+      <p:sp>
+        <p:nvSpPr>
+          <p:cNvPr id="4" name="Slide Number Placeholder 3"/>
+          <p:cNvSpPr>
+            <a:spLocks noGrp="1"/>
+          </p:cNvSpPr>
+          <p:nvPr>
+            <p:ph type="sldNum" sz="quarter" idx="12"/>
+          </p:nvPr>
+        </p:nvSpPr>
+        <p:spPr/>
+        <p:txBody>
+          <a:bodyPr/>
+          <a:lstStyle/>
+          <a:p>
+            <a:fld id="{37290FF7-652B-4475-AEAB-8B1A5D23AE09}" type="slidenum">
+              <a:rPr lang="en-US" smtClean="0"/>
+              <a:t>56</a:t>
+            </a:fld>
+            <a:endParaRPr lang="en-US"/>
+          </a:p>
+        </p:txBody>
+      </p:sp>
+      <p:sp>
+        <p:nvSpPr>
+          <p:cNvPr id="5" name="Footer Placeholder 4"/>
+          <p:cNvSpPr>
+            <a:spLocks noGrp="1"/>
+          </p:cNvSpPr>
+          <p:nvPr>
+            <p:ph type="ftr" sz="quarter" idx="3"/>
+          </p:nvPr>
+        </p:nvSpPr>
+        <p:spPr/>
+        <p:txBody>
+          <a:bodyPr/>
+          <a:lstStyle/>
+          <a:p>
+            <a:r>
+              <a:rPr lang="en-US" smtClean="0"/>
+              <a:t>Kwartler CSCI S-96</a:t>
+            </a:r>
+            <a:endParaRPr lang="en-US" dirty="0"/>
+          </a:p>
+        </p:txBody>
+      </p:sp>
+      <p:sp>
+        <p:nvSpPr>
+          <p:cNvPr id="6" name="Rectangle 5"/>
+          <p:cNvSpPr/>
+          <p:nvPr/>
+        </p:nvSpPr>
+        <p:spPr>
+          <a:xfrm>
+            <a:off x="185738" y="5457824"/>
+            <a:ext cx="8686799" cy="728663"/>
+          </a:xfrm>
+          <a:prstGeom prst="rect">
+            <a:avLst/>
+          </a:prstGeom>
+          <a:solidFill>
+            <a:schemeClr val="accent2"/>
+          </a:solidFill>
+          <a:ln>
+            <a:noFill/>
+          </a:ln>
+        </p:spPr>
+        <p:style>
+          <a:lnRef idx="2">
+            <a:schemeClr val="accent1">
+              <a:shade val="50000"/>
+            </a:schemeClr>
+          </a:lnRef>
+          <a:fillRef idx="1">
+            <a:schemeClr val="accent1"/>
+          </a:fillRef>
+          <a:effectRef idx="0">
+            <a:schemeClr val="accent1"/>
+          </a:effectRef>
+          <a:fontRef idx="minor">
+            <a:schemeClr val="lt1"/>
+          </a:fontRef>
+        </p:style>
+        <p:txBody>
+          <a:bodyPr rtlCol="0" anchor="ctr"/>
+          <a:lstStyle/>
+          <a:p>
+            <a:pPr algn="ctr"/>
+            <a:r>
+              <a:rPr lang="en-US" dirty="0" smtClean="0"/>
+              <a:t>In contrast to traditional markets, emerging or non traditional markets lack transparency, regulations and can often be manipulated more easily.    </a:t>
+            </a:r>
+            <a:endParaRPr lang="en-US" dirty="0"/>
+          </a:p>
+        </p:txBody>
+      </p:sp>
+      <p:cxnSp>
+        <p:nvCxnSpPr>
+          <p:cNvPr id="8" name="Straight Connector 7"/>
+          <p:cNvCxnSpPr/>
+          <p:nvPr/>
+        </p:nvCxnSpPr>
+        <p:spPr>
+          <a:xfrm>
+            <a:off x="4543425" y="1743075"/>
+            <a:ext cx="0" cy="2628900"/>
+          </a:xfrm>
+          <a:prstGeom prst="line">
+            <a:avLst/>
+          </a:prstGeom>
+          <a:ln>
+            <a:solidFill>
+              <a:schemeClr val="accent2"/>
+            </a:solidFill>
+          </a:ln>
+        </p:spPr>
+        <p:style>
+          <a:lnRef idx="1">
+            <a:schemeClr val="accent1"/>
+          </a:lnRef>
+          <a:fillRef idx="0">
+            <a:schemeClr val="accent1"/>
+          </a:fillRef>
+          <a:effectRef idx="0">
+            <a:schemeClr val="accent1"/>
+          </a:effectRef>
+          <a:fontRef idx="minor">
+            <a:schemeClr val="tx1"/>
+          </a:fontRef>
+        </p:style>
+      </p:cxnSp>
+      <p:sp>
+        <p:nvSpPr>
+          <p:cNvPr id="9" name="TextBox 8"/>
+          <p:cNvSpPr txBox="1"/>
+          <p:nvPr/>
+        </p:nvSpPr>
+        <p:spPr>
+          <a:xfrm>
+            <a:off x="428625" y="2371725"/>
+            <a:ext cx="3398816" cy="1754326"/>
+          </a:xfrm>
+          <a:prstGeom prst="rect">
+            <a:avLst/>
+          </a:prstGeom>
+          <a:noFill/>
+        </p:spPr>
+        <p:txBody>
+          <a:bodyPr wrap="none" rtlCol="0">
+            <a:spAutoFit/>
+          </a:bodyPr>
+          <a:lstStyle/>
+          <a:p>
+            <a:pPr marL="285750" indent="-285750">
+              <a:buFont typeface="Arial" panose="020B0604020202020204" pitchFamily="34" charset="0"/>
+              <a:buChar char="•"/>
+            </a:pPr>
+            <a:r>
+              <a:rPr lang="en-US" dirty="0" smtClean="0"/>
+              <a:t>Stock Markets</a:t>
+            </a:r>
+          </a:p>
+          <a:p>
+            <a:pPr marL="285750" indent="-285750">
+              <a:buFont typeface="Arial" panose="020B0604020202020204" pitchFamily="34" charset="0"/>
+              <a:buChar char="•"/>
+            </a:pPr>
+            <a:r>
+              <a:rPr lang="en-US" dirty="0" smtClean="0"/>
+              <a:t>Bond Markets</a:t>
+            </a:r>
+          </a:p>
+          <a:p>
+            <a:pPr marL="285750" indent="-285750">
+              <a:buFont typeface="Arial" panose="020B0604020202020204" pitchFamily="34" charset="0"/>
+              <a:buChar char="•"/>
+            </a:pPr>
+            <a:r>
+              <a:rPr lang="en-US" dirty="0" smtClean="0"/>
+              <a:t>Housing/Mortgages</a:t>
+            </a:r>
+          </a:p>
+          <a:p>
+            <a:pPr marL="285750" indent="-285750">
+              <a:buFont typeface="Arial" panose="020B0604020202020204" pitchFamily="34" charset="0"/>
+              <a:buChar char="•"/>
+            </a:pPr>
+            <a:r>
+              <a:rPr lang="en-US" dirty="0" smtClean="0"/>
+              <a:t>Commodities – Gold, Silver etc.</a:t>
+            </a:r>
+          </a:p>
+          <a:p>
+            <a:pPr marL="285750" indent="-285750">
+              <a:buFont typeface="Arial" panose="020B0604020202020204" pitchFamily="34" charset="0"/>
+              <a:buChar char="•"/>
+            </a:pPr>
+            <a:r>
+              <a:rPr lang="en-US" dirty="0" smtClean="0"/>
+              <a:t>Crop Futures</a:t>
+            </a:r>
+          </a:p>
+          <a:p>
+            <a:pPr marL="285750" indent="-285750">
+              <a:buFont typeface="Arial" panose="020B0604020202020204" pitchFamily="34" charset="0"/>
+              <a:buChar char="•"/>
+            </a:pPr>
+            <a:r>
+              <a:rPr lang="en-US" dirty="0" smtClean="0"/>
+              <a:t>Consumer Credit</a:t>
+            </a:r>
+            <a:endParaRPr lang="en-US" dirty="0"/>
+          </a:p>
+        </p:txBody>
+      </p:sp>
+      <p:sp>
+        <p:nvSpPr>
+          <p:cNvPr id="10" name="TextBox 9"/>
+          <p:cNvSpPr txBox="1"/>
+          <p:nvPr/>
+        </p:nvSpPr>
+        <p:spPr>
+          <a:xfrm>
+            <a:off x="4953000" y="2238375"/>
+            <a:ext cx="2563779" cy="1477328"/>
+          </a:xfrm>
+          <a:prstGeom prst="rect">
+            <a:avLst/>
+          </a:prstGeom>
+          <a:noFill/>
+        </p:spPr>
+        <p:txBody>
+          <a:bodyPr wrap="none" rtlCol="0">
+            <a:spAutoFit/>
+          </a:bodyPr>
+          <a:lstStyle/>
+          <a:p>
+            <a:pPr marL="285750" indent="-285750">
+              <a:buFont typeface="Arial" panose="020B0604020202020204" pitchFamily="34" charset="0"/>
+              <a:buChar char="•"/>
+            </a:pPr>
+            <a:r>
+              <a:rPr lang="en-US" dirty="0" smtClean="0"/>
+              <a:t>Crypto-currencies</a:t>
+            </a:r>
+          </a:p>
+          <a:p>
+            <a:pPr marL="285750" indent="-285750">
+              <a:buFont typeface="Arial" panose="020B0604020202020204" pitchFamily="34" charset="0"/>
+              <a:buChar char="•"/>
+            </a:pPr>
+            <a:r>
+              <a:rPr lang="en-US" dirty="0" smtClean="0"/>
+              <a:t>Beanie Babies</a:t>
+            </a:r>
+          </a:p>
+          <a:p>
+            <a:pPr marL="285750" indent="-285750">
+              <a:buFont typeface="Arial" panose="020B0604020202020204" pitchFamily="34" charset="0"/>
+              <a:buChar char="•"/>
+            </a:pPr>
+            <a:r>
+              <a:rPr lang="en-US" dirty="0" smtClean="0"/>
+              <a:t>Derivatives (originally)</a:t>
+            </a:r>
+          </a:p>
+          <a:p>
+            <a:pPr marL="285750" indent="-285750">
+              <a:buFont typeface="Arial" panose="020B0604020202020204" pitchFamily="34" charset="0"/>
+              <a:buChar char="•"/>
+            </a:pPr>
+            <a:r>
+              <a:rPr lang="en-US" dirty="0" smtClean="0"/>
+              <a:t>Web Domains</a:t>
+            </a:r>
+          </a:p>
+          <a:p>
+            <a:pPr marL="285750" indent="-285750">
+              <a:buFont typeface="Arial" panose="020B0604020202020204" pitchFamily="34" charset="0"/>
+              <a:buChar char="•"/>
+            </a:pPr>
+            <a:r>
+              <a:rPr lang="en-US" dirty="0" smtClean="0"/>
+              <a:t>…</a:t>
+            </a:r>
+            <a:endParaRPr lang="en-US" dirty="0"/>
+          </a:p>
+        </p:txBody>
+      </p:sp>
+      <p:sp>
+        <p:nvSpPr>
+          <p:cNvPr id="11" name="Rectangle 10"/>
+          <p:cNvSpPr/>
+          <p:nvPr/>
+        </p:nvSpPr>
+        <p:spPr>
+          <a:xfrm>
+            <a:off x="671513" y="1457325"/>
+            <a:ext cx="3186112" cy="400050"/>
+          </a:xfrm>
+          <a:prstGeom prst="rect">
+            <a:avLst/>
+          </a:prstGeom>
+          <a:solidFill>
+            <a:schemeClr val="accent3"/>
+          </a:solidFill>
+          <a:ln>
+            <a:noFill/>
+          </a:ln>
+        </p:spPr>
+        <p:style>
+          <a:lnRef idx="2">
+            <a:schemeClr val="accent1">
+              <a:shade val="50000"/>
+            </a:schemeClr>
+          </a:lnRef>
+          <a:fillRef idx="1">
+            <a:schemeClr val="accent1"/>
+          </a:fillRef>
+          <a:effectRef idx="0">
+            <a:schemeClr val="accent1"/>
+          </a:effectRef>
+          <a:fontRef idx="minor">
+            <a:schemeClr val="lt1"/>
+          </a:fontRef>
+        </p:style>
+        <p:txBody>
+          <a:bodyPr rtlCol="0" anchor="ctr"/>
+          <a:lstStyle/>
+          <a:p>
+            <a:pPr algn="ctr"/>
+            <a:r>
+              <a:rPr lang="en-US" dirty="0" smtClean="0"/>
+              <a:t>Traditional</a:t>
+            </a:r>
+            <a:endParaRPr lang="en-US" dirty="0"/>
+          </a:p>
+        </p:txBody>
+      </p:sp>
+      <p:sp>
+        <p:nvSpPr>
+          <p:cNvPr id="12" name="Rectangle 11"/>
+          <p:cNvSpPr/>
+          <p:nvPr/>
+        </p:nvSpPr>
+        <p:spPr>
+          <a:xfrm>
+            <a:off x="4938713" y="1395413"/>
+            <a:ext cx="3186112" cy="400050"/>
+          </a:xfrm>
+          <a:prstGeom prst="rect">
+            <a:avLst/>
+          </a:prstGeom>
+          <a:solidFill>
+            <a:schemeClr val="accent3"/>
+          </a:solidFill>
+          <a:ln>
+            <a:noFill/>
+          </a:ln>
+        </p:spPr>
+        <p:style>
+          <a:lnRef idx="2">
+            <a:schemeClr val="accent1">
+              <a:shade val="50000"/>
+            </a:schemeClr>
+          </a:lnRef>
+          <a:fillRef idx="1">
+            <a:schemeClr val="accent1"/>
+          </a:fillRef>
+          <a:effectRef idx="0">
+            <a:schemeClr val="accent1"/>
+          </a:effectRef>
+          <a:fontRef idx="minor">
+            <a:schemeClr val="lt1"/>
+          </a:fontRef>
+        </p:style>
+        <p:txBody>
+          <a:bodyPr rtlCol="0" anchor="ctr"/>
+          <a:lstStyle/>
+          <a:p>
+            <a:pPr algn="ctr"/>
+            <a:r>
+              <a:rPr lang="en-US" dirty="0" smtClean="0"/>
+              <a:t>Non-Traditional</a:t>
+            </a:r>
+            <a:endParaRPr lang="en-US" dirty="0"/>
+          </a:p>
+        </p:txBody>
+      </p:sp>
+    </p:spTree>
+    <p:extLst>
+      <p:ext uri="{BB962C8B-B14F-4D97-AF65-F5344CB8AC3E}">
+        <p14:creationId xmlns:p14="http://schemas.microsoft.com/office/powerpoint/2010/main" val="2701792987"/>
+      </p:ext>
+    </p:extLst>
+  </p:cSld>
+  <p:clrMapOvr>
+    <a:masterClrMapping/>
+  </p:clrMapOvr>
+</p:sld>
+</file>
+
+<file path=ppt/slides/slide57.xml><?xml version="1.0" encoding="utf-8"?>
+<p:sld xmlns:a="http://schemas.openxmlformats.org/drawingml/2006/main" xmlns:r="http://schemas.openxmlformats.org/officeDocument/2006/relationships" xmlns:p="http://schemas.openxmlformats.org/presentationml/2006/main">
+  <p:cSld>
+    <p:spTree>
+      <p:nvGrpSpPr>
+        <p:cNvPr id="1" name=""/>
+        <p:cNvGrpSpPr/>
+        <p:nvPr/>
+      </p:nvGrpSpPr>
+      <p:grpSpPr>
+        <a:xfrm>
+          <a:off x="0" y="0"/>
+          <a:ext cx="0" cy="0"/>
+          <a:chOff x="0" y="0"/>
+          <a:chExt cx="0" cy="0"/>
+        </a:xfrm>
+      </p:grpSpPr>
+      <p:sp>
+        <p:nvSpPr>
+          <p:cNvPr id="2" name="Date Placeholder 1"/>
+          <p:cNvSpPr>
+            <a:spLocks noGrp="1"/>
+          </p:cNvSpPr>
+          <p:nvPr>
+            <p:ph type="dt" sz="half" idx="10"/>
+          </p:nvPr>
+        </p:nvSpPr>
+        <p:spPr/>
+        <p:txBody>
+          <a:bodyPr/>
+          <a:lstStyle/>
+          <a:p>
+            <a:fld id="{6700A58B-DD98-43D0-B791-721480A02982}" type="datetime1">
+              <a:rPr lang="en-US" smtClean="0"/>
+              <a:t>11/1/2018</a:t>
+            </a:fld>
+            <a:endParaRPr lang="en-US"/>
+          </a:p>
+        </p:txBody>
+      </p:sp>
+      <p:sp>
+        <p:nvSpPr>
+          <p:cNvPr id="3" name="Title 2"/>
+          <p:cNvSpPr>
+            <a:spLocks noGrp="1"/>
+          </p:cNvSpPr>
+          <p:nvPr>
+            <p:ph type="title"/>
+          </p:nvPr>
+        </p:nvSpPr>
+        <p:spPr/>
+        <p:txBody>
+          <a:bodyPr/>
+          <a:lstStyle/>
+          <a:p>
+            <a:r>
+              <a:rPr lang="en-US" dirty="0" smtClean="0"/>
+              <a:t>A non-traditional Market - Example</a:t>
+            </a:r>
+            <a:endParaRPr lang="en-US" dirty="0"/>
+          </a:p>
+        </p:txBody>
+      </p:sp>
+      <p:sp>
+        <p:nvSpPr>
+          <p:cNvPr id="4" name="Slide Number Placeholder 3"/>
+          <p:cNvSpPr>
+            <a:spLocks noGrp="1"/>
+          </p:cNvSpPr>
+          <p:nvPr>
+            <p:ph type="sldNum" sz="quarter" idx="12"/>
+          </p:nvPr>
+        </p:nvSpPr>
+        <p:spPr/>
+        <p:txBody>
+          <a:bodyPr/>
+          <a:lstStyle/>
+          <a:p>
+            <a:fld id="{37290FF7-652B-4475-AEAB-8B1A5D23AE09}" type="slidenum">
+              <a:rPr lang="en-US" smtClean="0"/>
               <a:t>57</a:t>
             </a:fld>
             <a:endParaRPr lang="en-US"/>
           </a:p>
         </p:txBody>
       </p:sp>
+      <p:sp>
+        <p:nvSpPr>
+          <p:cNvPr id="5" name="Footer Placeholder 4"/>
+          <p:cNvSpPr>
+            <a:spLocks noGrp="1"/>
+          </p:cNvSpPr>
+          <p:nvPr>
+            <p:ph type="ftr" sz="quarter" idx="3"/>
+          </p:nvPr>
+        </p:nvSpPr>
+        <p:spPr/>
+        <p:txBody>
+          <a:bodyPr/>
+          <a:lstStyle/>
+          <a:p>
+            <a:r>
+              <a:rPr lang="en-US" smtClean="0"/>
+              <a:t>Kwartler CSCI S-96</a:t>
+            </a:r>
+            <a:endParaRPr lang="en-US" dirty="0"/>
+          </a:p>
+        </p:txBody>
+      </p:sp>
+      <p:pic>
+        <p:nvPicPr>
+          <p:cNvPr id="2050" name="Picture 2" descr="Image result for magic the gathering"/>
+          <p:cNvPicPr>
+            <a:picLocks noChangeAspect="1" noChangeArrowheads="1"/>
+          </p:cNvPicPr>
+          <p:nvPr/>
+        </p:nvPicPr>
+        <p:blipFill>
+          <a:blip r:embed="rId2" cstate="print">
+            <a:extLst>
+              <a:ext uri="{28A0092B-C50C-407E-A947-70E740481C1C}">
+                <a14:useLocalDpi xmlns:a14="http://schemas.microsoft.com/office/drawing/2010/main" val="0"/>
+              </a:ext>
+            </a:extLst>
+          </a:blip>
+          <a:srcRect/>
+          <a:stretch>
+            <a:fillRect/>
+          </a:stretch>
+        </p:blipFill>
+        <p:spPr bwMode="auto">
+          <a:xfrm>
+            <a:off x="415016" y="2130927"/>
+            <a:ext cx="3804058" cy="2139783"/>
+          </a:xfrm>
+          <a:prstGeom prst="rect">
+            <a:avLst/>
+          </a:prstGeom>
+          <a:noFill/>
+          <a:extLst>
+            <a:ext uri="{909E8E84-426E-40DD-AFC4-6F175D3DCCD1}">
+              <a14:hiddenFill xmlns:a14="http://schemas.microsoft.com/office/drawing/2010/main">
+                <a:solidFill>
+                  <a:srgbClr val="FFFFFF"/>
+                </a:solidFill>
+              </a14:hiddenFill>
+            </a:ext>
+          </a:extLst>
+        </p:spPr>
+      </p:pic>
+      <p:sp>
+        <p:nvSpPr>
+          <p:cNvPr id="6" name="TextBox 5"/>
+          <p:cNvSpPr txBox="1"/>
+          <p:nvPr/>
+        </p:nvSpPr>
+        <p:spPr>
+          <a:xfrm>
+            <a:off x="642939" y="5157788"/>
+            <a:ext cx="7986712" cy="923330"/>
+          </a:xfrm>
+          <a:prstGeom prst="rect">
+            <a:avLst/>
+          </a:prstGeom>
+          <a:noFill/>
+        </p:spPr>
+        <p:txBody>
+          <a:bodyPr wrap="square" rtlCol="0">
+            <a:spAutoFit/>
+          </a:bodyPr>
+          <a:lstStyle/>
+          <a:p>
+            <a:r>
+              <a:rPr lang="en-US" dirty="0" smtClean="0"/>
+              <a:t>Owned by Hasbro, MTG is a 25 year old collectible trading card game.  It is estimated that there are 8-12million players worldwide.  Thus is it popular and has demonstrated longevity unlike other non-traditional markets.  </a:t>
+            </a:r>
+            <a:endParaRPr lang="en-US" dirty="0"/>
+          </a:p>
+        </p:txBody>
+      </p:sp>
+      <p:pic>
+        <p:nvPicPr>
+          <p:cNvPr id="1026" name="Picture 2" descr="Image result for magic the gathering meme"/>
+          <p:cNvPicPr>
+            <a:picLocks noChangeAspect="1" noChangeArrowheads="1"/>
+          </p:cNvPicPr>
+          <p:nvPr/>
+        </p:nvPicPr>
+        <p:blipFill>
+          <a:blip r:embed="rId3">
+            <a:extLst>
+              <a:ext uri="{28A0092B-C50C-407E-A947-70E740481C1C}">
+                <a14:useLocalDpi xmlns:a14="http://schemas.microsoft.com/office/drawing/2010/main" val="0"/>
+              </a:ext>
+            </a:extLst>
+          </a:blip>
+          <a:srcRect/>
+          <a:stretch>
+            <a:fillRect/>
+          </a:stretch>
+        </p:blipFill>
+        <p:spPr bwMode="auto">
+          <a:xfrm>
+            <a:off x="5200650" y="1614487"/>
+            <a:ext cx="3270250" cy="3270250"/>
+          </a:xfrm>
+          <a:prstGeom prst="rect">
+            <a:avLst/>
+          </a:prstGeom>
+          <a:noFill/>
+          <a:extLst>
+            <a:ext uri="{909E8E84-426E-40DD-AFC4-6F175D3DCCD1}">
+              <a14:hiddenFill xmlns:a14="http://schemas.microsoft.com/office/drawing/2010/main">
+                <a:solidFill>
+                  <a:srgbClr val="FFFFFF"/>
+                </a:solidFill>
+              </a14:hiddenFill>
+            </a:ext>
+          </a:extLst>
+        </p:spPr>
+      </p:pic>
     </p:spTree>
     <p:extLst>
       <p:ext uri="{BB962C8B-B14F-4D97-AF65-F5344CB8AC3E}">
-        <p14:creationId xmlns:p14="http://schemas.microsoft.com/office/powerpoint/2010/main" val="1360817524"/>
+        <p14:creationId xmlns:p14="http://schemas.microsoft.com/office/powerpoint/2010/main" val="303334220"/>
       </p:ext>
     </p:extLst>
   </p:cSld>
@@ -29248,7 +29120,7 @@
           <a:p>
             <a:r>
               <a:rPr lang="en-US" dirty="0" smtClean="0"/>
-              <a:t>Non-Traditional Markets</a:t>
+              <a:t>Magic The Gathering</a:t>
             </a:r>
             <a:endParaRPr lang="en-US" dirty="0"/>
           </a:p>
@@ -29302,99 +29174,14 @@
       </p:sp>
       <p:sp>
         <p:nvSpPr>
-          <p:cNvPr id="6" name="Rectangle 5"/>
-          <p:cNvSpPr/>
-          <p:nvPr/>
-        </p:nvSpPr>
-        <p:spPr>
-          <a:xfrm>
-            <a:off x="185738" y="5457824"/>
-            <a:ext cx="8686799" cy="728663"/>
-          </a:xfrm>
-          <a:prstGeom prst="rect">
-            <a:avLst/>
-          </a:prstGeom>
-          <a:solidFill>
-            <a:schemeClr val="accent5"/>
-          </a:solidFill>
-          <a:ln>
-            <a:noFill/>
-          </a:ln>
-        </p:spPr>
-        <p:style>
-          <a:lnRef idx="2">
-            <a:schemeClr val="accent1">
-              <a:shade val="50000"/>
-            </a:schemeClr>
-          </a:lnRef>
-          <a:fillRef idx="1">
-            <a:schemeClr val="accent1"/>
-          </a:fillRef>
-          <a:effectRef idx="0">
-            <a:schemeClr val="accent1"/>
-          </a:effectRef>
-          <a:fontRef idx="minor">
-            <a:schemeClr val="lt1"/>
-          </a:fontRef>
-        </p:style>
-        <p:txBody>
-          <a:bodyPr rtlCol="0" anchor="ctr"/>
-          <a:lstStyle/>
-          <a:p>
-            <a:pPr algn="ctr"/>
-            <a:r>
-              <a:rPr lang="en-US" dirty="0" smtClean="0"/>
-              <a:t>In contrast to traditional markets, emerging or non traditional markets lack transparency, regulations and can often be manipulated more easily.    </a:t>
-            </a:r>
-            <a:endParaRPr lang="en-US" dirty="0"/>
-          </a:p>
-        </p:txBody>
-      </p:sp>
-      <p:cxnSp>
-        <p:nvCxnSpPr>
-          <p:cNvPr id="8" name="Straight Connector 7"/>
-          <p:cNvCxnSpPr/>
-          <p:nvPr/>
-        </p:nvCxnSpPr>
-        <p:spPr>
-          <a:xfrm>
-            <a:off x="4543425" y="1743075"/>
-            <a:ext cx="0" cy="2628900"/>
-          </a:xfrm>
-          <a:prstGeom prst="line">
-            <a:avLst/>
-          </a:prstGeom>
-          <a:ln>
-            <a:solidFill>
-              <a:schemeClr val="accent2"/>
-            </a:solidFill>
-          </a:ln>
-        </p:spPr>
-        <p:style>
-          <a:lnRef idx="1">
-            <a:schemeClr val="accent1"/>
-          </a:lnRef>
-          <a:fillRef idx="0">
-            <a:schemeClr val="accent1"/>
-          </a:fillRef>
-          <a:effectRef idx="0">
-            <a:schemeClr val="accent1"/>
-          </a:effectRef>
-          <a:fontRef idx="minor">
-            <a:schemeClr val="tx1"/>
-          </a:fontRef>
-        </p:style>
-      </p:cxnSp>
-      <p:sp>
-        <p:nvSpPr>
-          <p:cNvPr id="9" name="TextBox 8"/>
+          <p:cNvPr id="6" name="TextBox 5"/>
           <p:cNvSpPr txBox="1"/>
           <p:nvPr/>
         </p:nvSpPr>
         <p:spPr>
           <a:xfrm>
-            <a:off x="428625" y="2371725"/>
-            <a:ext cx="3398816" cy="1754326"/>
+            <a:off x="52601" y="1414462"/>
+            <a:ext cx="8805650" cy="646331"/>
           </a:xfrm>
           <a:prstGeom prst="rect">
             <a:avLst/>
@@ -29402,251 +29189,63 @@
           <a:noFill/>
         </p:spPr>
         <p:txBody>
-          <a:bodyPr wrap="none" rtlCol="0">
+          <a:bodyPr wrap="square" rtlCol="0">
             <a:spAutoFit/>
           </a:bodyPr>
           <a:lstStyle/>
           <a:p>
-            <a:pPr marL="285750" indent="-285750">
-              <a:buFont typeface="Arial" panose="020B0604020202020204" pitchFamily="34" charset="0"/>
-              <a:buChar char="•"/>
-            </a:pPr>
             <a:r>
               <a:rPr lang="en-US" dirty="0" smtClean="0"/>
-              <a:t>Stock Markets</a:t>
-            </a:r>
-          </a:p>
-          <a:p>
-            <a:pPr marL="285750" indent="-285750">
-              <a:buFont typeface="Arial" panose="020B0604020202020204" pitchFamily="34" charset="0"/>
-              <a:buChar char="•"/>
-            </a:pPr>
-            <a:r>
-              <a:rPr lang="en-US" dirty="0" smtClean="0"/>
-              <a:t>Bond Markets</a:t>
-            </a:r>
-          </a:p>
-          <a:p>
-            <a:pPr marL="285750" indent="-285750">
-              <a:buFont typeface="Arial" panose="020B0604020202020204" pitchFamily="34" charset="0"/>
-              <a:buChar char="•"/>
-            </a:pPr>
-            <a:r>
-              <a:rPr lang="en-US" dirty="0" smtClean="0"/>
-              <a:t>Housing/Mortgages</a:t>
-            </a:r>
-          </a:p>
-          <a:p>
-            <a:pPr marL="285750" indent="-285750">
-              <a:buFont typeface="Arial" panose="020B0604020202020204" pitchFamily="34" charset="0"/>
-              <a:buChar char="•"/>
-            </a:pPr>
-            <a:r>
-              <a:rPr lang="en-US" dirty="0" smtClean="0"/>
-              <a:t>Commodities – Gold, Silver etc.</a:t>
-            </a:r>
-          </a:p>
-          <a:p>
-            <a:pPr marL="285750" indent="-285750">
-              <a:buFont typeface="Arial" panose="020B0604020202020204" pitchFamily="34" charset="0"/>
-              <a:buChar char="•"/>
-            </a:pPr>
-            <a:r>
-              <a:rPr lang="en-US" dirty="0" smtClean="0"/>
-              <a:t>Crop Futures</a:t>
-            </a:r>
-          </a:p>
-          <a:p>
-            <a:pPr marL="285750" indent="-285750">
-              <a:buFont typeface="Arial" panose="020B0604020202020204" pitchFamily="34" charset="0"/>
-              <a:buChar char="•"/>
-            </a:pPr>
-            <a:r>
-              <a:rPr lang="en-US" dirty="0" smtClean="0"/>
-              <a:t>Consumer Credit</a:t>
-            </a:r>
-            <a:endParaRPr lang="en-US" dirty="0"/>
-          </a:p>
-        </p:txBody>
-      </p:sp>
-      <p:sp>
-        <p:nvSpPr>
-          <p:cNvPr id="10" name="TextBox 9"/>
-          <p:cNvSpPr txBox="1"/>
+              <a:t>Players create 60 card decks with cards of different abilities for a duel.  Cards are fantasy based with creatures, sorceries, and mythical artifacts.</a:t>
+            </a:r>
+          </a:p>
+        </p:txBody>
+      </p:sp>
+      <p:pic>
+        <p:nvPicPr>
+          <p:cNvPr id="3074" name="Picture 2" descr="Image result for magic the gathering"/>
+          <p:cNvPicPr>
+            <a:picLocks noChangeAspect="1" noChangeArrowheads="1"/>
+          </p:cNvPicPr>
           <p:nvPr/>
-        </p:nvSpPr>
-        <p:spPr>
-          <a:xfrm>
-            <a:off x="4953000" y="2238375"/>
-            <a:ext cx="2563779" cy="1477328"/>
+        </p:nvPicPr>
+        <p:blipFill>
+          <a:blip r:embed="rId2" cstate="print">
+            <a:extLst>
+              <a:ext uri="{28A0092B-C50C-407E-A947-70E740481C1C}">
+                <a14:useLocalDpi xmlns:a14="http://schemas.microsoft.com/office/drawing/2010/main" val="0"/>
+              </a:ext>
+            </a:extLst>
+          </a:blip>
+          <a:srcRect/>
+          <a:stretch>
+            <a:fillRect/>
+          </a:stretch>
+        </p:blipFill>
+        <p:spPr bwMode="auto">
+          <a:xfrm>
+            <a:off x="1870075" y="2208212"/>
+            <a:ext cx="4613276" cy="2306638"/>
           </a:xfrm>
           <a:prstGeom prst="rect">
             <a:avLst/>
           </a:prstGeom>
           <a:noFill/>
-        </p:spPr>
-        <p:txBody>
-          <a:bodyPr wrap="none" rtlCol="0">
-            <a:spAutoFit/>
-          </a:bodyPr>
-          <a:lstStyle/>
-          <a:p>
-            <a:pPr marL="285750" indent="-285750">
-              <a:buFont typeface="Arial" panose="020B0604020202020204" pitchFamily="34" charset="0"/>
-              <a:buChar char="•"/>
-            </a:pPr>
-            <a:r>
-              <a:rPr lang="en-US" dirty="0" smtClean="0"/>
-              <a:t>Crypto-currencies</a:t>
-            </a:r>
-          </a:p>
-          <a:p>
-            <a:pPr marL="285750" indent="-285750">
-              <a:buFont typeface="Arial" panose="020B0604020202020204" pitchFamily="34" charset="0"/>
-              <a:buChar char="•"/>
-            </a:pPr>
-            <a:r>
-              <a:rPr lang="en-US" dirty="0" smtClean="0"/>
-              <a:t>Beanie Babies</a:t>
-            </a:r>
-          </a:p>
-          <a:p>
-            <a:pPr marL="285750" indent="-285750">
-              <a:buFont typeface="Arial" panose="020B0604020202020204" pitchFamily="34" charset="0"/>
-              <a:buChar char="•"/>
-            </a:pPr>
-            <a:r>
-              <a:rPr lang="en-US" dirty="0" smtClean="0"/>
-              <a:t>Derivatives (originally)</a:t>
-            </a:r>
-          </a:p>
-          <a:p>
-            <a:pPr marL="285750" indent="-285750">
-              <a:buFont typeface="Arial" panose="020B0604020202020204" pitchFamily="34" charset="0"/>
-              <a:buChar char="•"/>
-            </a:pPr>
-            <a:r>
-              <a:rPr lang="en-US" dirty="0" smtClean="0"/>
-              <a:t>Web Domains</a:t>
-            </a:r>
-          </a:p>
-          <a:p>
-            <a:pPr marL="285750" indent="-285750">
-              <a:buFont typeface="Arial" panose="020B0604020202020204" pitchFamily="34" charset="0"/>
-              <a:buChar char="•"/>
-            </a:pPr>
-            <a:r>
-              <a:rPr lang="en-US" dirty="0" smtClean="0"/>
-              <a:t>…</a:t>
-            </a:r>
-            <a:endParaRPr lang="en-US" dirty="0"/>
-          </a:p>
-        </p:txBody>
-      </p:sp>
-      <p:sp>
-        <p:nvSpPr>
-          <p:cNvPr id="11" name="Rectangle 10"/>
-          <p:cNvSpPr/>
-          <p:nvPr/>
-        </p:nvSpPr>
-        <p:spPr>
-          <a:xfrm>
-            <a:off x="671513" y="1457325"/>
-            <a:ext cx="3186112" cy="400050"/>
-          </a:xfrm>
-          <a:prstGeom prst="rect">
-            <a:avLst/>
-          </a:prstGeom>
-          <a:solidFill>
-            <a:schemeClr val="accent3"/>
-          </a:solidFill>
-          <a:ln>
-            <a:noFill/>
-          </a:ln>
-        </p:spPr>
-        <p:style>
-          <a:lnRef idx="2">
-            <a:schemeClr val="accent1">
-              <a:shade val="50000"/>
-            </a:schemeClr>
-          </a:lnRef>
-          <a:fillRef idx="1">
-            <a:schemeClr val="accent1"/>
-          </a:fillRef>
-          <a:effectRef idx="0">
-            <a:schemeClr val="accent1"/>
-          </a:effectRef>
-          <a:fontRef idx="minor">
-            <a:schemeClr val="lt1"/>
-          </a:fontRef>
-        </p:style>
-        <p:txBody>
-          <a:bodyPr rtlCol="0" anchor="ctr"/>
-          <a:lstStyle/>
-          <a:p>
-            <a:pPr algn="ctr"/>
-            <a:r>
-              <a:rPr lang="en-US" dirty="0" smtClean="0"/>
-              <a:t>Traditional</a:t>
-            </a:r>
-            <a:endParaRPr lang="en-US" dirty="0"/>
-          </a:p>
-        </p:txBody>
-      </p:sp>
-      <p:sp>
-        <p:nvSpPr>
-          <p:cNvPr id="12" name="Rectangle 11"/>
-          <p:cNvSpPr/>
-          <p:nvPr/>
-        </p:nvSpPr>
-        <p:spPr>
-          <a:xfrm>
-            <a:off x="4938713" y="1395413"/>
-            <a:ext cx="3186112" cy="400050"/>
-          </a:xfrm>
-          <a:prstGeom prst="rect">
-            <a:avLst/>
-          </a:prstGeom>
-          <a:solidFill>
-            <a:schemeClr val="accent3"/>
-          </a:solidFill>
-          <a:ln>
-            <a:noFill/>
-          </a:ln>
-        </p:spPr>
-        <p:style>
-          <a:lnRef idx="2">
-            <a:schemeClr val="accent1">
-              <a:shade val="50000"/>
-            </a:schemeClr>
-          </a:lnRef>
-          <a:fillRef idx="1">
-            <a:schemeClr val="accent1"/>
-          </a:fillRef>
-          <a:effectRef idx="0">
-            <a:schemeClr val="accent1"/>
-          </a:effectRef>
-          <a:fontRef idx="minor">
-            <a:schemeClr val="lt1"/>
-          </a:fontRef>
-        </p:style>
-        <p:txBody>
-          <a:bodyPr rtlCol="0" anchor="ctr"/>
-          <a:lstStyle/>
-          <a:p>
-            <a:pPr algn="ctr"/>
-            <a:r>
-              <a:rPr lang="en-US" dirty="0" smtClean="0"/>
-              <a:t>Non-Traditional</a:t>
-            </a:r>
-            <a:endParaRPr lang="en-US" dirty="0"/>
-          </a:p>
-        </p:txBody>
-      </p:sp>
+          <a:extLst>
+            <a:ext uri="{909E8E84-426E-40DD-AFC4-6F175D3DCCD1}">
+              <a14:hiddenFill xmlns:a14="http://schemas.microsoft.com/office/drawing/2010/main">
+                <a:solidFill>
+                  <a:srgbClr val="FFFFFF"/>
+                </a:solidFill>
+              </a14:hiddenFill>
+            </a:ext>
+          </a:extLst>
+        </p:spPr>
+      </p:pic>
     </p:spTree>
     <p:extLst>
       <p:ext uri="{BB962C8B-B14F-4D97-AF65-F5344CB8AC3E}">
-        <p14:creationId xmlns:p14="http://schemas.microsoft.com/office/powerpoint/2010/main" val="2701792987"/>
+        <p14:creationId xmlns:p14="http://schemas.microsoft.com/office/powerpoint/2010/main" val="2449568952"/>
       </p:ext>
     </p:extLst>
   </p:cSld>
@@ -29713,7 +29312,7 @@
           <a:p>
             <a:r>
               <a:rPr lang="en-US" dirty="0" smtClean="0"/>
-              <a:t>A non-traditional Market - Example</a:t>
+              <a:t>Magic The Gathering</a:t>
             </a:r>
             <a:endParaRPr lang="en-US" dirty="0"/>
           </a:p>
@@ -29767,7 +29366,7 @@
       </p:sp>
       <p:pic>
         <p:nvPicPr>
-          <p:cNvPr id="2050" name="Picture 2" descr="Image result for magic the gathering"/>
+          <p:cNvPr id="4098" name="Picture 2" descr="Image result for magic the gathering tournament"/>
           <p:cNvPicPr>
             <a:picLocks noChangeAspect="1" noChangeArrowheads="1"/>
           </p:cNvPicPr>
@@ -29788,8 +29387,8 @@
         </p:blipFill>
         <p:spPr bwMode="auto">
           <a:xfrm>
-            <a:off x="415016" y="2130927"/>
-            <a:ext cx="3804058" cy="2139783"/>
+            <a:off x="428290" y="2630904"/>
+            <a:ext cx="3122865" cy="2342149"/>
           </a:xfrm>
           <a:prstGeom prst="rect">
             <a:avLst/>
@@ -29806,39 +29405,9 @@
           </a:extLst>
         </p:spPr>
       </p:pic>
-      <p:sp>
-        <p:nvSpPr>
-          <p:cNvPr id="6" name="TextBox 5"/>
-          <p:cNvSpPr txBox="1"/>
-          <p:nvPr/>
-        </p:nvSpPr>
-        <p:spPr>
-          <a:xfrm>
-            <a:off x="642939" y="5157788"/>
-            <a:ext cx="7986712" cy="923330"/>
-          </a:xfrm>
-          <a:prstGeom prst="rect">
-            <a:avLst/>
-          </a:prstGeom>
-          <a:noFill/>
-        </p:spPr>
-        <p:txBody>
-          <a:bodyPr wrap="square" rtlCol="0">
-            <a:spAutoFit/>
-          </a:bodyPr>
-          <a:lstStyle/>
-          <a:p>
-            <a:r>
-              <a:rPr lang="en-US" dirty="0" smtClean="0"/>
-              <a:t>Owned by Hasbro, MTG is a 25 year old collectible trading card game.  It is estimated that there are 8-12million players worldwide.  Thus is it popular and has demonstrated longevity unlike other non-traditional markets.  </a:t>
-            </a:r>
-            <a:endParaRPr lang="en-US" dirty="0"/>
-          </a:p>
-        </p:txBody>
-      </p:sp>
       <p:pic>
         <p:nvPicPr>
-          <p:cNvPr id="1026" name="Picture 2" descr="Image result for magic the gathering meme"/>
+          <p:cNvPr id="4100" name="Picture 4" descr="Image result for magic the gathering tournament"/>
           <p:cNvPicPr>
             <a:picLocks noChangeAspect="1" noChangeArrowheads="1"/>
           </p:cNvPicPr>
@@ -29859,8 +29428,8 @@
         </p:blipFill>
         <p:spPr bwMode="auto">
           <a:xfrm>
-            <a:off x="5200650" y="1614487"/>
-            <a:ext cx="3270250" cy="3270250"/>
+            <a:off x="3989639" y="2253915"/>
+            <a:ext cx="4762500" cy="2867025"/>
           </a:xfrm>
           <a:prstGeom prst="rect">
             <a:avLst/>
@@ -29877,10 +29446,50 @@
           </a:extLst>
         </p:spPr>
       </p:pic>
+      <p:sp>
+        <p:nvSpPr>
+          <p:cNvPr id="6" name="TextBox 5"/>
+          <p:cNvSpPr txBox="1"/>
+          <p:nvPr/>
+        </p:nvSpPr>
+        <p:spPr>
+          <a:xfrm>
+            <a:off x="192505" y="1283368"/>
+            <a:ext cx="8839200" cy="646331"/>
+          </a:xfrm>
+          <a:prstGeom prst="rect">
+            <a:avLst/>
+          </a:prstGeom>
+          <a:noFill/>
+        </p:spPr>
+        <p:txBody>
+          <a:bodyPr wrap="square" rtlCol="0">
+            <a:spAutoFit/>
+          </a:bodyPr>
+          <a:lstStyle/>
+          <a:p>
+            <a:r>
+              <a:rPr lang="en-US" dirty="0" smtClean="0"/>
+              <a:t>Limited Print Runs</a:t>
+            </a:r>
+          </a:p>
+          <a:p>
+            <a:r>
+              <a:rPr lang="en-US" dirty="0" smtClean="0"/>
+              <a:t>Specific Card Rarities</a:t>
+            </a:r>
+            <a:r>
+              <a:rPr lang="en-US" dirty="0" smtClean="0"/>
+              <a:t> </a:t>
+            </a:r>
+            <a:endParaRPr lang="en-US" dirty="0"/>
+          </a:p>
+        </p:txBody>
+      </p:sp>
     </p:spTree>
     <p:extLst>
       <p:ext uri="{BB962C8B-B14F-4D97-AF65-F5344CB8AC3E}">
-        <p14:creationId xmlns:p14="http://schemas.microsoft.com/office/powerpoint/2010/main" val="303334220"/>
+        <p14:creationId xmlns:p14="http://schemas.microsoft.com/office/powerpoint/2010/main" val="2122559490"/>
       </p:ext>
     </p:extLst>
   </p:cSld>
@@ -30258,7 +29867,7 @@
           <a:p>
             <a:r>
               <a:rPr lang="en-US" dirty="0" smtClean="0"/>
-              <a:t>Magic The Gathering</a:t>
+              <a:t>And that’s why it’s a market…</a:t>
             </a:r>
             <a:endParaRPr lang="en-US" dirty="0"/>
           </a:p>
@@ -30310,86 +29919,40 @@
           </a:p>
         </p:txBody>
       </p:sp>
-      <p:sp>
-        <p:nvSpPr>
-          <p:cNvPr id="6" name="TextBox 5"/>
-          <p:cNvSpPr txBox="1"/>
-          <p:nvPr/>
-        </p:nvSpPr>
-        <p:spPr>
-          <a:xfrm>
-            <a:off x="52601" y="1414462"/>
-            <a:ext cx="8805650" cy="646331"/>
-          </a:xfrm>
-          <a:prstGeom prst="rect">
-            <a:avLst/>
-          </a:prstGeom>
-          <a:noFill/>
-        </p:spPr>
-        <p:txBody>
-          <a:bodyPr wrap="square" rtlCol="0">
-            <a:spAutoFit/>
-          </a:bodyPr>
-          <a:lstStyle/>
-          <a:p>
-            <a:r>
-              <a:rPr lang="en-US" dirty="0" smtClean="0"/>
-              <a:t>Players create 60 card decks with cards of different abilities for a duel.  Cards are fantasy based with creatures, sorceries, and mythical artifacts.</a:t>
-            </a:r>
-          </a:p>
-        </p:txBody>
-      </p:sp>
       <p:pic>
         <p:nvPicPr>
-          <p:cNvPr id="3074" name="Picture 2" descr="Image result for magic the gathering"/>
+          <p:cNvPr id="6" name="Picture 5"/>
           <p:cNvPicPr>
-            <a:picLocks noChangeAspect="1" noChangeArrowheads="1"/>
+            <a:picLocks noChangeAspect="1"/>
           </p:cNvPicPr>
           <p:nvPr/>
         </p:nvPicPr>
         <p:blipFill>
-          <a:blip r:embed="rId2" cstate="print">
-            <a:extLst>
-              <a:ext uri="{28A0092B-C50C-407E-A947-70E740481C1C}">
-                <a14:useLocalDpi xmlns:a14="http://schemas.microsoft.com/office/drawing/2010/main" val="0"/>
-              </a:ext>
-            </a:extLst>
-          </a:blip>
-          <a:srcRect/>
+          <a:blip r:embed="rId2"/>
           <a:stretch>
             <a:fillRect/>
           </a:stretch>
         </p:blipFill>
-        <p:spPr bwMode="auto">
-          <a:xfrm>
-            <a:off x="1870075" y="2208212"/>
-            <a:ext cx="4613276" cy="2306638"/>
+        <p:spPr>
+          <a:xfrm>
+            <a:off x="617370" y="1202155"/>
+            <a:ext cx="7740567" cy="3080016"/>
           </a:xfrm>
           <a:prstGeom prst="rect">
             <a:avLst/>
           </a:prstGeom>
-          <a:noFill/>
-          <a:extLst>
-            <a:ext uri="{909E8E84-426E-40DD-AFC4-6F175D3DCCD1}">
-              <a14:hiddenFill xmlns:a14="http://schemas.microsoft.com/office/drawing/2010/main">
-                <a:solidFill>
-                  <a:srgbClr val="FFFFFF"/>
-                </a:solidFill>
-              </a14:hiddenFill>
-            </a:ext>
-          </a:extLst>
         </p:spPr>
       </p:pic>
       <p:sp>
         <p:nvSpPr>
-          <p:cNvPr id="8" name="TextBox 7"/>
+          <p:cNvPr id="7" name="TextBox 6"/>
           <p:cNvSpPr txBox="1"/>
           <p:nvPr/>
         </p:nvSpPr>
         <p:spPr>
           <a:xfrm>
-            <a:off x="338350" y="5081587"/>
-            <a:ext cx="8805650" cy="923330"/>
+            <a:off x="802105" y="4748462"/>
+            <a:ext cx="7828548" cy="923330"/>
           </a:xfrm>
           <a:prstGeom prst="rect">
             <a:avLst/>
@@ -30403,16 +29966,49 @@
           <a:lstStyle/>
           <a:p>
             <a:r>
+              <a:rPr lang="en-US" dirty="0" err="1" smtClean="0"/>
+              <a:t>Karn</a:t>
+            </a:r>
+            <a:r>
               <a:rPr lang="en-US" dirty="0" smtClean="0"/>
-              <a:t>Cards are released in expansion sets with themes, such as vampires, dinosaurs or Egyptian.  Further, cards have varying frequency, listed as “common”, “uncommon”, “rare” and “mythic.”  Typically, the game play of the rare and mythic cards is more powerful.</a:t>
-            </a:r>
+              <a:t>, Scion of </a:t>
+            </a:r>
+            <a:r>
+              <a:rPr lang="en-US" dirty="0" err="1" smtClean="0"/>
+              <a:t>Urza</a:t>
+            </a:r>
+            <a:r>
+              <a:rPr lang="en-US" dirty="0" smtClean="0"/>
+              <a:t> is a popular card selling for ~$50 but has been as much as $65.  Websites such as </a:t>
+            </a:r>
+            <a:r>
+              <a:rPr lang="en-US" dirty="0" smtClean="0">
+                <a:hlinkClick r:id="rId3" action="ppaction://hlinkfile"/>
+              </a:rPr>
+              <a:t>mtggoldfish.com</a:t>
+            </a:r>
+            <a:r>
+              <a:rPr lang="en-US" dirty="0" smtClean="0"/>
+              <a:t> and </a:t>
+            </a:r>
+            <a:r>
+              <a:rPr lang="en-US" dirty="0" smtClean="0">
+                <a:hlinkClick r:id="rId4" action="ppaction://hlinkfile"/>
+              </a:rPr>
+              <a:t>mtgstocks.com</a:t>
+            </a:r>
+            <a:r>
+              <a:rPr lang="en-US" dirty="0" smtClean="0"/>
+              <a:t> track prices on various market sites.  </a:t>
+            </a:r>
+            <a:endParaRPr lang="en-US" dirty="0"/>
           </a:p>
         </p:txBody>
       </p:sp>
     </p:spTree>
     <p:extLst>
       <p:ext uri="{BB962C8B-B14F-4D97-AF65-F5344CB8AC3E}">
-        <p14:creationId xmlns:p14="http://schemas.microsoft.com/office/powerpoint/2010/main" val="2449568952"/>
+        <p14:creationId xmlns:p14="http://schemas.microsoft.com/office/powerpoint/2010/main" val="3581252079"/>
       </p:ext>
     </p:extLst>
   </p:cSld>
@@ -30479,7 +30075,7 @@
           <a:p>
             <a:r>
               <a:rPr lang="en-US" dirty="0" smtClean="0"/>
-              <a:t>Magic The Gathering</a:t>
+              <a:t>So how do you get cards?</a:t>
             </a:r>
             <a:endParaRPr lang="en-US" dirty="0"/>
           </a:p>
@@ -30531,98 +30127,76 @@
           </a:p>
         </p:txBody>
       </p:sp>
-      <p:pic>
-        <p:nvPicPr>
-          <p:cNvPr id="4098" name="Picture 2" descr="Image result for magic the gathering tournament"/>
-          <p:cNvPicPr>
-            <a:picLocks noChangeAspect="1" noChangeArrowheads="1"/>
-          </p:cNvPicPr>
+      <p:sp>
+        <p:nvSpPr>
+          <p:cNvPr id="7" name="Rectangle 6"/>
+          <p:cNvSpPr/>
           <p:nvPr/>
-        </p:nvPicPr>
-        <p:blipFill>
-          <a:blip r:embed="rId2" cstate="print">
-            <a:extLst>
-              <a:ext uri="{28A0092B-C50C-407E-A947-70E740481C1C}">
-                <a14:useLocalDpi xmlns:a14="http://schemas.microsoft.com/office/drawing/2010/main" val="0"/>
-              </a:ext>
-            </a:extLst>
-          </a:blip>
-          <a:srcRect/>
-          <a:stretch>
-            <a:fillRect/>
-          </a:stretch>
-        </p:blipFill>
-        <p:spPr bwMode="auto">
-          <a:xfrm>
-            <a:off x="428290" y="2630904"/>
-            <a:ext cx="3122865" cy="2342149"/>
+        </p:nvSpPr>
+        <p:spPr>
+          <a:xfrm>
+            <a:off x="357188" y="1314450"/>
+            <a:ext cx="8229600" cy="628650"/>
           </a:xfrm>
           <a:prstGeom prst="rect">
             <a:avLst/>
           </a:prstGeom>
-          <a:noFill/>
-          <a:extLst>
-            <a:ext uri="{909E8E84-426E-40DD-AFC4-6F175D3DCCD1}">
-              <a14:hiddenFill xmlns:a14="http://schemas.microsoft.com/office/drawing/2010/main">
-                <a:solidFill>
-                  <a:srgbClr val="FFFFFF"/>
-                </a:solidFill>
-              </a14:hiddenFill>
-            </a:ext>
-          </a:extLst>
-        </p:spPr>
-      </p:pic>
-      <p:pic>
-        <p:nvPicPr>
-          <p:cNvPr id="4100" name="Picture 4" descr="Image result for magic the gathering tournament"/>
-          <p:cNvPicPr>
-            <a:picLocks noChangeAspect="1" noChangeArrowheads="1"/>
-          </p:cNvPicPr>
-          <p:nvPr/>
-        </p:nvPicPr>
-        <p:blipFill>
-          <a:blip r:embed="rId3">
-            <a:extLst>
-              <a:ext uri="{28A0092B-C50C-407E-A947-70E740481C1C}">
-                <a14:useLocalDpi xmlns:a14="http://schemas.microsoft.com/office/drawing/2010/main" val="0"/>
-              </a:ext>
-            </a:extLst>
-          </a:blip>
-          <a:srcRect/>
-          <a:stretch>
-            <a:fillRect/>
-          </a:stretch>
-        </p:blipFill>
-        <p:spPr bwMode="auto">
-          <a:xfrm>
-            <a:off x="3989639" y="2253915"/>
-            <a:ext cx="4762500" cy="2867025"/>
-          </a:xfrm>
-          <a:prstGeom prst="rect">
-            <a:avLst/>
-          </a:prstGeom>
-          <a:noFill/>
-          <a:extLst>
-            <a:ext uri="{909E8E84-426E-40DD-AFC4-6F175D3DCCD1}">
-              <a14:hiddenFill xmlns:a14="http://schemas.microsoft.com/office/drawing/2010/main">
-                <a:solidFill>
-                  <a:srgbClr val="FFFFFF"/>
-                </a:solidFill>
-              </a14:hiddenFill>
-            </a:ext>
-          </a:extLst>
-        </p:spPr>
-      </p:pic>
-      <p:sp>
-        <p:nvSpPr>
-          <p:cNvPr id="6" name="TextBox 5"/>
+        </p:spPr>
+        <p:style>
+          <a:lnRef idx="2">
+            <a:schemeClr val="accent1">
+              <a:shade val="50000"/>
+            </a:schemeClr>
+          </a:lnRef>
+          <a:fillRef idx="1">
+            <a:schemeClr val="accent1"/>
+          </a:fillRef>
+          <a:effectRef idx="0">
+            <a:schemeClr val="accent1"/>
+          </a:effectRef>
+          <a:fontRef idx="minor">
+            <a:schemeClr val="lt1"/>
+          </a:fontRef>
+        </p:style>
+        <p:txBody>
+          <a:bodyPr rtlCol="0" anchor="ctr"/>
+          <a:lstStyle/>
+          <a:p>
+            <a:pPr algn="ctr"/>
+            <a:r>
+              <a:rPr lang="en-US" dirty="0" smtClean="0"/>
+              <a:t>Say you are a player that needs to get </a:t>
+            </a:r>
+            <a:r>
+              <a:rPr lang="en-US" dirty="0" err="1" smtClean="0"/>
+              <a:t>Karn</a:t>
+            </a:r>
+            <a:r>
+              <a:rPr lang="en-US" dirty="0" smtClean="0"/>
+              <a:t>, Scion of </a:t>
+            </a:r>
+            <a:r>
+              <a:rPr lang="en-US" dirty="0" err="1" smtClean="0"/>
+              <a:t>Urza</a:t>
+            </a:r>
+            <a:r>
+              <a:rPr lang="en-US" dirty="0" smtClean="0"/>
+              <a:t> to complete a deck.</a:t>
+            </a:r>
+            <a:endParaRPr lang="en-US" dirty="0"/>
+          </a:p>
+        </p:txBody>
+      </p:sp>
+      <p:sp>
+        <p:nvSpPr>
+          <p:cNvPr id="8" name="TextBox 7"/>
           <p:cNvSpPr txBox="1"/>
           <p:nvPr/>
         </p:nvSpPr>
         <p:spPr>
           <a:xfrm>
-            <a:off x="192505" y="1283368"/>
-            <a:ext cx="8839200" cy="646331"/>
+            <a:off x="342900" y="2185988"/>
+            <a:ext cx="8143875" cy="3416320"/>
           </a:xfrm>
           <a:prstGeom prst="rect">
             <a:avLst/>
@@ -30635,9 +30209,136 @@
           </a:bodyPr>
           <a:lstStyle/>
           <a:p>
+            <a:pPr marL="285750" indent="-285750">
+              <a:buFont typeface="Arial" panose="020B0604020202020204" pitchFamily="34" charset="0"/>
+              <a:buChar char="•"/>
+            </a:pPr>
             <a:r>
               <a:rPr lang="en-US" dirty="0" smtClean="0"/>
-              <a:t>Due to the popularity and the fact that rare cards are generally more powerful, players are willing to spend a lot of money to obtain the cards. </a:t>
+              <a:t>For $50</a:t>
+            </a:r>
+          </a:p>
+          <a:p>
+            <a:r>
+              <a:rPr lang="en-US" dirty="0" smtClean="0"/>
+              <a:t>You could buy </a:t>
+            </a:r>
+            <a:r>
+              <a:rPr lang="en-US" dirty="0" err="1" smtClean="0"/>
+              <a:t>Karn</a:t>
+            </a:r>
+            <a:r>
+              <a:rPr lang="en-US" dirty="0" smtClean="0"/>
+              <a:t> from an online marketplace.</a:t>
+            </a:r>
+          </a:p>
+          <a:p>
+            <a:endParaRPr lang="en-US" dirty="0" smtClean="0"/>
+          </a:p>
+          <a:p>
+            <a:pPr marL="285750" indent="-285750">
+              <a:buFont typeface="Arial" panose="020B0604020202020204" pitchFamily="34" charset="0"/>
+              <a:buChar char="•"/>
+            </a:pPr>
+            <a:r>
+              <a:rPr lang="en-US" dirty="0" smtClean="0"/>
+              <a:t>For $3  </a:t>
+            </a:r>
+          </a:p>
+          <a:p>
+            <a:r>
+              <a:rPr lang="en-US" dirty="0" smtClean="0"/>
+              <a:t>You can open a booster pack from the appropriate expansion set and hope you get it.</a:t>
+            </a:r>
+          </a:p>
+          <a:p>
+            <a:endParaRPr lang="en-US" dirty="0" smtClean="0"/>
+          </a:p>
+          <a:p>
+            <a:pPr marL="285750" indent="-285750">
+              <a:buFont typeface="Arial" panose="020B0604020202020204" pitchFamily="34" charset="0"/>
+              <a:buChar char="•"/>
+            </a:pPr>
+            <a:r>
+              <a:rPr lang="en-US" dirty="0" smtClean="0"/>
+              <a:t>For $90</a:t>
+            </a:r>
+          </a:p>
+          <a:p>
+            <a:r>
+              <a:rPr lang="en-US" dirty="0" smtClean="0"/>
+              <a:t>You can buy a booster box of 36 packs from the set and increase your odds of getting it while also getting many other potential valuable cards.  </a:t>
+            </a:r>
+          </a:p>
+          <a:p>
+            <a:endParaRPr lang="en-US" dirty="0"/>
+          </a:p>
+          <a:p>
+            <a:pPr marL="285750" indent="-285750">
+              <a:buFont typeface="Arial" panose="020B0604020202020204" pitchFamily="34" charset="0"/>
+              <a:buChar char="•"/>
+            </a:pPr>
+            <a:r>
+              <a:rPr lang="en-US" dirty="0" smtClean="0"/>
+              <a:t>For $540 </a:t>
+            </a:r>
+          </a:p>
+          <a:p>
+            <a:r>
+              <a:rPr lang="en-US" dirty="0" smtClean="0"/>
+              <a:t>You can buy 6 of the booster boxes in a case.</a:t>
+            </a:r>
+            <a:endParaRPr lang="en-US" dirty="0"/>
+          </a:p>
+        </p:txBody>
+      </p:sp>
+      <p:sp>
+        <p:nvSpPr>
+          <p:cNvPr id="9" name="Rectangle 8"/>
+          <p:cNvSpPr/>
+          <p:nvPr/>
+        </p:nvSpPr>
+        <p:spPr>
+          <a:xfrm>
+            <a:off x="130969" y="5808133"/>
+            <a:ext cx="8843963" cy="445029"/>
+          </a:xfrm>
+          <a:prstGeom prst="rect">
+            <a:avLst/>
+          </a:prstGeom>
+          <a:solidFill>
+            <a:schemeClr val="accent6"/>
+          </a:solidFill>
+          <a:ln>
+            <a:solidFill>
+              <a:schemeClr val="accent6"/>
+            </a:solidFill>
+          </a:ln>
+        </p:spPr>
+        <p:style>
+          <a:lnRef idx="2">
+            <a:schemeClr val="accent1">
+              <a:shade val="50000"/>
+            </a:schemeClr>
+          </a:lnRef>
+          <a:fillRef idx="1">
+            <a:schemeClr val="accent1"/>
+          </a:fillRef>
+          <a:effectRef idx="0">
+            <a:schemeClr val="accent1"/>
+          </a:effectRef>
+          <a:fontRef idx="minor">
+            <a:schemeClr val="lt1"/>
+          </a:fontRef>
+        </p:style>
+        <p:txBody>
+          <a:bodyPr rtlCol="0" anchor="ctr"/>
+          <a:lstStyle/>
+          <a:p>
+            <a:pPr algn="ctr"/>
+            <a:r>
+              <a:rPr lang="en-US" dirty="0" smtClean="0"/>
+              <a:t>Cards go out of print limiting the supply.</a:t>
             </a:r>
             <a:endParaRPr lang="en-US" dirty="0"/>
           </a:p>
@@ -30646,7 +30347,7 @@
     </p:spTree>
     <p:extLst>
       <p:ext uri="{BB962C8B-B14F-4D97-AF65-F5344CB8AC3E}">
-        <p14:creationId xmlns:p14="http://schemas.microsoft.com/office/powerpoint/2010/main" val="2122559490"/>
+        <p14:creationId xmlns:p14="http://schemas.microsoft.com/office/powerpoint/2010/main" val="316752218"/>
       </p:ext>
     </p:extLst>
   </p:cSld>
@@ -30713,7 +30414,7 @@
           <a:p>
             <a:r>
               <a:rPr lang="en-US" dirty="0" smtClean="0"/>
-              <a:t>And that’s why it’s a market…</a:t>
+              <a:t>People Speculate as Supply Diminishes</a:t>
             </a:r>
             <a:endParaRPr lang="en-US" dirty="0"/>
           </a:p>
@@ -30767,7 +30468,7 @@
       </p:sp>
       <p:pic>
         <p:nvPicPr>
-          <p:cNvPr id="6" name="Picture 5"/>
+          <p:cNvPr id="8" name="Picture 7"/>
           <p:cNvPicPr>
             <a:picLocks noChangeAspect="1"/>
           </p:cNvPicPr>
@@ -30781,86 +30482,77 @@
         </p:blipFill>
         <p:spPr>
           <a:xfrm>
-            <a:off x="617370" y="1202155"/>
-            <a:ext cx="7740567" cy="3080016"/>
+            <a:off x="171450" y="1371600"/>
+            <a:ext cx="4931297" cy="3457576"/>
           </a:xfrm>
           <a:prstGeom prst="rect">
             <a:avLst/>
           </a:prstGeom>
+          <a:ln>
+            <a:solidFill>
+              <a:schemeClr val="tx1"/>
+            </a:solidFill>
+          </a:ln>
         </p:spPr>
       </p:pic>
-      <p:sp>
-        <p:nvSpPr>
-          <p:cNvPr id="7" name="TextBox 6"/>
-          <p:cNvSpPr txBox="1"/>
+      <p:pic>
+        <p:nvPicPr>
+          <p:cNvPr id="1026" name="Picture 2" descr="Image result for speculation meme"/>
+          <p:cNvPicPr>
+            <a:picLocks noChangeAspect="1" noChangeArrowheads="1"/>
+          </p:cNvPicPr>
           <p:nvPr/>
-        </p:nvSpPr>
-        <p:spPr>
-          <a:xfrm>
-            <a:off x="802105" y="4748462"/>
-            <a:ext cx="7828548" cy="923330"/>
+        </p:nvPicPr>
+        <p:blipFill>
+          <a:blip r:embed="rId3">
+            <a:extLst>
+              <a:ext uri="{28A0092B-C50C-407E-A947-70E740481C1C}">
+                <a14:useLocalDpi xmlns:a14="http://schemas.microsoft.com/office/drawing/2010/main" val="0"/>
+              </a:ext>
+            </a:extLst>
+          </a:blip>
+          <a:srcRect/>
+          <a:stretch>
+            <a:fillRect/>
+          </a:stretch>
+        </p:blipFill>
+        <p:spPr bwMode="auto">
+          <a:xfrm>
+            <a:off x="4253442" y="2941108"/>
+            <a:ext cx="4336812" cy="3171825"/>
           </a:xfrm>
           <a:prstGeom prst="rect">
             <a:avLst/>
           </a:prstGeom>
           <a:noFill/>
-        </p:spPr>
-        <p:txBody>
-          <a:bodyPr wrap="square" rtlCol="0">
-            <a:spAutoFit/>
-          </a:bodyPr>
-          <a:lstStyle/>
-          <a:p>
-            <a:r>
-              <a:rPr lang="en-US" dirty="0" err="1" smtClean="0"/>
-              <a:t>Karn</a:t>
-            </a:r>
-            <a:r>
-              <a:rPr lang="en-US" dirty="0" smtClean="0"/>
-              <a:t>, Scion of </a:t>
-            </a:r>
-            <a:r>
-              <a:rPr lang="en-US" dirty="0" err="1" smtClean="0"/>
-              <a:t>Urza</a:t>
-            </a:r>
-            <a:r>
-              <a:rPr lang="en-US" dirty="0" smtClean="0"/>
-              <a:t> is a popular card selling for ~$50 but has been as much as $65.  Websites such as </a:t>
-            </a:r>
-            <a:r>
-              <a:rPr lang="en-US" dirty="0" smtClean="0">
-                <a:hlinkClick r:id="rId3" action="ppaction://hlinkfile"/>
-              </a:rPr>
-              <a:t>mtggoldfish.com</a:t>
-            </a:r>
-            <a:r>
-              <a:rPr lang="en-US" dirty="0" smtClean="0"/>
-              <a:t> and </a:t>
-            </a:r>
-            <a:r>
-              <a:rPr lang="en-US" dirty="0" smtClean="0">
-                <a:hlinkClick r:id="rId4" action="ppaction://hlinkfile"/>
-              </a:rPr>
-              <a:t>mtgstocks.com</a:t>
-            </a:r>
-            <a:r>
-              <a:rPr lang="en-US" dirty="0" smtClean="0"/>
-              <a:t> track prices on various market sites.  </a:t>
-            </a:r>
-            <a:endParaRPr lang="en-US" dirty="0"/>
-          </a:p>
-        </p:txBody>
-      </p:sp>
+          <a:extLst>
+            <a:ext uri="{909E8E84-426E-40DD-AFC4-6F175D3DCCD1}">
+              <a14:hiddenFill xmlns:a14="http://schemas.microsoft.com/office/drawing/2010/main">
+                <a:solidFill>
+                  <a:srgbClr val="FFFFFF"/>
+                </a:solidFill>
+              </a14:hiddenFill>
+            </a:ext>
+          </a:extLst>
+        </p:spPr>
+      </p:pic>
     </p:spTree>
     <p:extLst>
       <p:ext uri="{BB962C8B-B14F-4D97-AF65-F5344CB8AC3E}">
-        <p14:creationId xmlns:p14="http://schemas.microsoft.com/office/powerpoint/2010/main" val="3581252079"/>
+        <p14:creationId xmlns:p14="http://schemas.microsoft.com/office/powerpoint/2010/main" val="1875602693"/>
       </p:ext>
     </p:extLst>
   </p:cSld>
   <p:clrMapOvr>
     <a:masterClrMapping/>
   </p:clrMapOvr>
+  <p:timing>
+    <p:tnLst>
+      <p:par>
+        <p:cTn id="1" dur="indefinite" restart="never" nodeType="tmRoot"/>
+      </p:par>
+    </p:tnLst>
+  </p:timing>
 </p:sld>
 </file>
 
@@ -30921,7 +30613,7 @@
           <a:p>
             <a:r>
               <a:rPr lang="en-US" dirty="0" smtClean="0"/>
-              <a:t>So how do you get cards?</a:t>
+              <a:t>Regardless of the Reserved List</a:t>
             </a:r>
             <a:endParaRPr lang="en-US" dirty="0"/>
           </a:p>
@@ -30975,18 +30667,24 @@
       </p:sp>
       <p:sp>
         <p:nvSpPr>
-          <p:cNvPr id="7" name="Rectangle 6"/>
+          <p:cNvPr id="6" name="Rectangle 5"/>
           <p:cNvSpPr/>
           <p:nvPr/>
         </p:nvSpPr>
         <p:spPr>
           <a:xfrm>
-            <a:off x="357188" y="1314450"/>
-            <a:ext cx="8229600" cy="628650"/>
+            <a:off x="898356" y="1219199"/>
+            <a:ext cx="7267073" cy="609600"/>
           </a:xfrm>
           <a:prstGeom prst="rect">
             <a:avLst/>
           </a:prstGeom>
+          <a:solidFill>
+            <a:schemeClr val="accent3"/>
+          </a:solidFill>
+          <a:ln>
+            <a:noFill/>
+          </a:ln>
         </p:spPr>
         <p:style>
           <a:lnRef idx="2">
@@ -31011,23 +30709,7 @@
             <a:pPr algn="ctr"/>
             <a:r>
               <a:rPr lang="en-US" dirty="0" smtClean="0"/>
-              <a:t>Say you are a player that needs to get </a:t>
-            </a:r>
-            <a:r>
-              <a:rPr lang="en-US" dirty="0" err="1" smtClean="0"/>
-              <a:t>Karn</a:t>
-            </a:r>
-            <a:r>
-              <a:rPr lang="en-US" dirty="0" smtClean="0"/>
-              <a:t>, Scion of </a:t>
-            </a:r>
-            <a:r>
-              <a:rPr lang="en-US" dirty="0" err="1" smtClean="0"/>
-              <a:t>Urza</a:t>
-            </a:r>
-            <a:r>
-              <a:rPr lang="en-US" dirty="0" smtClean="0"/>
-              <a:t> to complete a deck.</a:t>
+              <a:t>Newly printed cards are sold in 15 card packs.  </a:t>
             </a:r>
             <a:endParaRPr lang="en-US" dirty="0"/>
           </a:p>
@@ -31035,14 +30717,14 @@
       </p:sp>
       <p:sp>
         <p:nvSpPr>
-          <p:cNvPr id="8" name="TextBox 7"/>
+          <p:cNvPr id="7" name="TextBox 6"/>
           <p:cNvSpPr txBox="1"/>
           <p:nvPr/>
         </p:nvSpPr>
         <p:spPr>
           <a:xfrm>
-            <a:off x="342900" y="2185988"/>
-            <a:ext cx="8143875" cy="3416320"/>
+            <a:off x="4924926" y="2053390"/>
+            <a:ext cx="3176337" cy="2585323"/>
           </a:xfrm>
           <a:prstGeom prst="rect">
             <a:avLst/>
@@ -31057,75 +30739,111 @@
           <a:p>
             <a:r>
               <a:rPr lang="en-US" dirty="0" smtClean="0"/>
-              <a:t>For $50</a:t>
-            </a:r>
-          </a:p>
-          <a:p>
+              <a:t>Usually a pack contains</a:t>
+            </a:r>
+          </a:p>
+          <a:p>
+            <a:pPr marL="285750" indent="-285750">
+              <a:buFont typeface="Arial" panose="020B0604020202020204" pitchFamily="34" charset="0"/>
+              <a:buChar char="•"/>
+            </a:pPr>
             <a:r>
               <a:rPr lang="en-US" dirty="0" smtClean="0"/>
-              <a:t>You could buy </a:t>
+              <a:t>11 Commons</a:t>
+            </a:r>
+          </a:p>
+          <a:p>
+            <a:pPr marL="285750" indent="-285750">
+              <a:buFont typeface="Arial" panose="020B0604020202020204" pitchFamily="34" charset="0"/>
+              <a:buChar char="•"/>
+            </a:pPr>
+            <a:r>
+              <a:rPr lang="en-US" dirty="0" smtClean="0"/>
+              <a:t>3 </a:t>
             </a:r>
             <a:r>
               <a:rPr lang="en-US" dirty="0" err="1" smtClean="0"/>
-              <a:t>Karn</a:t>
-            </a:r>
+              <a:t>Uncommons</a:t>
+            </a:r>
+            <a:endParaRPr lang="en-US" dirty="0" smtClean="0"/>
+          </a:p>
+          <a:p>
+            <a:pPr marL="285750" indent="-285750">
+              <a:buFont typeface="Arial" panose="020B0604020202020204" pitchFamily="34" charset="0"/>
+              <a:buChar char="•"/>
+            </a:pPr>
             <a:r>
               <a:rPr lang="en-US" dirty="0" smtClean="0"/>
-              <a:t> from an online marketplace.</a:t>
-            </a:r>
-          </a:p>
-          <a:p>
-            <a:endParaRPr lang="en-US" dirty="0" smtClean="0"/>
-          </a:p>
-          <a:p>
+              <a:t>1 Rare</a:t>
+            </a:r>
+          </a:p>
+          <a:p>
+            <a:pPr marL="742950" lvl="1" indent="-285750">
+              <a:buFont typeface="Arial" panose="020B0604020202020204" pitchFamily="34" charset="0"/>
+              <a:buChar char="•"/>
+            </a:pPr>
             <a:r>
               <a:rPr lang="en-US" dirty="0" smtClean="0"/>
-              <a:t>For $3  </a:t>
-            </a:r>
-          </a:p>
-          <a:p>
+              <a:t>1 in 8 packs will replace the rare with a mythic</a:t>
+            </a:r>
+          </a:p>
+          <a:p>
+            <a:pPr marL="285750" indent="-285750">
+              <a:buFont typeface="Arial" panose="020B0604020202020204" pitchFamily="34" charset="0"/>
+              <a:buChar char="•"/>
+            </a:pPr>
             <a:r>
               <a:rPr lang="en-US" dirty="0" smtClean="0"/>
-              <a:t>You can open a booster pack from the appropriate expansion set and hope you get it.</a:t>
-            </a:r>
-          </a:p>
-          <a:p>
-            <a:endParaRPr lang="en-US" dirty="0" smtClean="0"/>
-          </a:p>
-          <a:p>
-            <a:r>
-              <a:rPr lang="en-US" dirty="0" smtClean="0"/>
-              <a:t>For $90</a:t>
-            </a:r>
-          </a:p>
-          <a:p>
-            <a:r>
-              <a:rPr lang="en-US" dirty="0" smtClean="0"/>
-              <a:t>You can buy a booster box of 36 packs from the set and increase your odds of getting it while also getting many other potential valuable cards.  </a:t>
-            </a:r>
-          </a:p>
-          <a:p>
-            <a:endParaRPr lang="en-US" dirty="0"/>
-          </a:p>
-          <a:p>
-            <a:r>
-              <a:rPr lang="en-US" dirty="0" smtClean="0"/>
-              <a:t>For $540 </a:t>
-            </a:r>
-          </a:p>
-          <a:p>
-            <a:r>
-              <a:rPr lang="en-US" dirty="0" smtClean="0"/>
-              <a:t>You can buy 6 of the booster boxes in a case.</a:t>
-            </a:r>
-            <a:endParaRPr lang="en-US" dirty="0"/>
-          </a:p>
-        </p:txBody>
-      </p:sp>
+              <a:t>1 in 6 packs will have a random premium foil card replacing a common. </a:t>
+            </a:r>
+          </a:p>
+        </p:txBody>
+      </p:sp>
+      <p:pic>
+        <p:nvPicPr>
+          <p:cNvPr id="2050" name="Picture 2" descr="Magic the Gathering MtG Guilds of Ravnica Booster Box [Sealed]"/>
+          <p:cNvPicPr>
+            <a:picLocks noChangeAspect="1" noChangeArrowheads="1"/>
+          </p:cNvPicPr>
+          <p:nvPr/>
+        </p:nvPicPr>
+        <p:blipFill>
+          <a:blip r:embed="rId2">
+            <a:extLst>
+              <a:ext uri="{28A0092B-C50C-407E-A947-70E740481C1C}">
+                <a14:useLocalDpi xmlns:a14="http://schemas.microsoft.com/office/drawing/2010/main" val="0"/>
+              </a:ext>
+            </a:extLst>
+          </a:blip>
+          <a:srcRect/>
+          <a:stretch>
+            <a:fillRect/>
+          </a:stretch>
+        </p:blipFill>
+        <p:spPr bwMode="auto">
+          <a:xfrm>
+            <a:off x="186266" y="2072964"/>
+            <a:ext cx="4707467" cy="3942602"/>
+          </a:xfrm>
+          <a:prstGeom prst="rect">
+            <a:avLst/>
+          </a:prstGeom>
+          <a:noFill/>
+          <a:extLst>
+            <a:ext uri="{909E8E84-426E-40DD-AFC4-6F175D3DCCD1}">
+              <a14:hiddenFill xmlns:a14="http://schemas.microsoft.com/office/drawing/2010/main">
+                <a:solidFill>
+                  <a:srgbClr val="FFFFFF"/>
+                </a:solidFill>
+              </a14:hiddenFill>
+            </a:ext>
+          </a:extLst>
+        </p:spPr>
+      </p:pic>
     </p:spTree>
     <p:extLst>
       <p:ext uri="{BB962C8B-B14F-4D97-AF65-F5344CB8AC3E}">
-        <p14:creationId xmlns:p14="http://schemas.microsoft.com/office/powerpoint/2010/main" val="316752218"/>
+        <p14:creationId xmlns:p14="http://schemas.microsoft.com/office/powerpoint/2010/main" val="3020555422"/>
       </p:ext>
     </p:extLst>
   </p:cSld>
@@ -31185,14 +30903,19 @@
             <p:ph type="title"/>
           </p:nvPr>
         </p:nvSpPr>
-        <p:spPr/>
+        <p:spPr>
+          <a:xfrm>
+            <a:off x="144379" y="365126"/>
+            <a:ext cx="8823158" cy="591477"/>
+          </a:xfrm>
+        </p:spPr>
         <p:txBody>
           <a:bodyPr/>
           <a:lstStyle/>
           <a:p>
             <a:r>
               <a:rPr lang="en-US" dirty="0" smtClean="0"/>
-              <a:t>Limited Supply</a:t>
+              <a:t>Modeling Risk/Reward outside of the Reserved List</a:t>
             </a:r>
             <a:endParaRPr lang="en-US" dirty="0"/>
           </a:p>
@@ -31246,18 +30969,167 @@
       </p:sp>
       <p:sp>
         <p:nvSpPr>
-          <p:cNvPr id="6" name="Rectangle 5"/>
+          <p:cNvPr id="6" name="TextBox 5"/>
+          <p:cNvSpPr txBox="1"/>
+          <p:nvPr/>
+        </p:nvSpPr>
+        <p:spPr>
+          <a:xfrm>
+            <a:off x="529389" y="2149642"/>
+            <a:ext cx="7844590" cy="923330"/>
+          </a:xfrm>
+          <a:prstGeom prst="rect">
+            <a:avLst/>
+          </a:prstGeom>
+          <a:noFill/>
+        </p:spPr>
+        <p:txBody>
+          <a:bodyPr wrap="square" rtlCol="0">
+            <a:spAutoFit/>
+          </a:bodyPr>
+          <a:lstStyle/>
+          <a:p>
+            <a:r>
+              <a:rPr lang="en-US" u="sng" dirty="0" smtClean="0"/>
+              <a:t>Risk:</a:t>
+            </a:r>
+          </a:p>
+          <a:p>
+            <a:r>
+              <a:rPr lang="en-US" dirty="0" smtClean="0"/>
+              <a:t>Each expansion set has varying prices.  Some cards are worthless while other </a:t>
+            </a:r>
+            <a:r>
+              <a:rPr lang="en-US" dirty="0" smtClean="0"/>
+              <a:t>cards </a:t>
+            </a:r>
+            <a:r>
+              <a:rPr lang="en-US" dirty="0" smtClean="0"/>
+              <a:t>can be </a:t>
+            </a:r>
+            <a:r>
+              <a:rPr lang="en-US" dirty="0" smtClean="0"/>
+              <a:t>expensive..</a:t>
+            </a:r>
+            <a:endParaRPr lang="en-US" dirty="0"/>
+          </a:p>
+        </p:txBody>
+      </p:sp>
+      <p:sp>
+        <p:nvSpPr>
+          <p:cNvPr id="7" name="TextBox 6"/>
+          <p:cNvSpPr txBox="1"/>
+          <p:nvPr/>
+        </p:nvSpPr>
+        <p:spPr>
+          <a:xfrm>
+            <a:off x="465221" y="1507958"/>
+            <a:ext cx="3612464" cy="523220"/>
+          </a:xfrm>
+          <a:prstGeom prst="rect">
+            <a:avLst/>
+          </a:prstGeom>
+          <a:noFill/>
+        </p:spPr>
+        <p:txBody>
+          <a:bodyPr wrap="none" rtlCol="0">
+            <a:spAutoFit/>
+          </a:bodyPr>
+          <a:lstStyle/>
+          <a:p>
+            <a:r>
+              <a:rPr lang="en-US" sz="2800" dirty="0" smtClean="0"/>
+              <a:t>When you open a pack:</a:t>
+            </a:r>
+            <a:endParaRPr lang="en-US" sz="2800" dirty="0"/>
+          </a:p>
+        </p:txBody>
+      </p:sp>
+      <p:sp>
+        <p:nvSpPr>
+          <p:cNvPr id="8" name="TextBox 7"/>
+          <p:cNvSpPr txBox="1"/>
+          <p:nvPr/>
+        </p:nvSpPr>
+        <p:spPr>
+          <a:xfrm>
+            <a:off x="457200" y="3761873"/>
+            <a:ext cx="7844590" cy="923330"/>
+          </a:xfrm>
+          <a:prstGeom prst="rect">
+            <a:avLst/>
+          </a:prstGeom>
+          <a:noFill/>
+        </p:spPr>
+        <p:txBody>
+          <a:bodyPr wrap="square" rtlCol="0">
+            <a:spAutoFit/>
+          </a:bodyPr>
+          <a:lstStyle/>
+          <a:p>
+            <a:r>
+              <a:rPr lang="en-US" u="sng" dirty="0" smtClean="0"/>
+              <a:t>Reward:</a:t>
+            </a:r>
+          </a:p>
+          <a:p>
+            <a:r>
+              <a:rPr lang="en-US" dirty="0" smtClean="0"/>
+              <a:t>Some packs will contain expensive cards which you can immediately sell for more than the cost of the pack.</a:t>
+            </a:r>
+          </a:p>
+        </p:txBody>
+      </p:sp>
+      <p:sp>
+        <p:nvSpPr>
+          <p:cNvPr id="9" name="TextBox 8"/>
+          <p:cNvSpPr txBox="1"/>
+          <p:nvPr/>
+        </p:nvSpPr>
+        <p:spPr>
+          <a:xfrm>
+            <a:off x="1588169" y="5903495"/>
+            <a:ext cx="7312708" cy="338554"/>
+          </a:xfrm>
+          <a:prstGeom prst="rect">
+            <a:avLst/>
+          </a:prstGeom>
+          <a:noFill/>
+        </p:spPr>
+        <p:txBody>
+          <a:bodyPr wrap="none" rtlCol="0">
+            <a:spAutoFit/>
+          </a:bodyPr>
+          <a:lstStyle/>
+          <a:p>
+            <a:r>
+              <a:rPr lang="en-US" sz="1600" i="1" dirty="0" smtClean="0"/>
+              <a:t>*Keep in mind there are friction costs, shipping a physical good takes time and money.</a:t>
+            </a:r>
+            <a:endParaRPr lang="en-US" sz="1600" i="1" dirty="0"/>
+          </a:p>
+        </p:txBody>
+      </p:sp>
+      <p:sp>
+        <p:nvSpPr>
+          <p:cNvPr id="10" name="Rectangle 9"/>
           <p:cNvSpPr/>
           <p:nvPr/>
         </p:nvSpPr>
         <p:spPr>
           <a:xfrm>
-            <a:off x="150019" y="1105469"/>
-            <a:ext cx="8843963" cy="837631"/>
+            <a:off x="465222" y="5197640"/>
+            <a:ext cx="8325852" cy="609600"/>
           </a:xfrm>
           <a:prstGeom prst="rect">
             <a:avLst/>
           </a:prstGeom>
+          <a:solidFill>
+            <a:schemeClr val="accent3"/>
+          </a:solidFill>
+          <a:ln>
+            <a:noFill/>
+          </a:ln>
         </p:spPr>
         <p:style>
           <a:lnRef idx="2">
@@ -31282,147 +31154,7 @@
             <a:pPr algn="ctr"/>
             <a:r>
               <a:rPr lang="en-US" dirty="0" smtClean="0"/>
-              <a:t>Unfortunately, the set with </a:t>
-            </a:r>
-            <a:r>
-              <a:rPr lang="en-US" dirty="0" err="1" smtClean="0"/>
-              <a:t>Karn</a:t>
-            </a:r>
-            <a:r>
-              <a:rPr lang="en-US" dirty="0" smtClean="0"/>
-              <a:t>, Scion of </a:t>
-            </a:r>
-            <a:r>
-              <a:rPr lang="en-US" dirty="0" err="1" smtClean="0"/>
-              <a:t>Urza</a:t>
-            </a:r>
-            <a:r>
-              <a:rPr lang="en-US" dirty="0" smtClean="0"/>
-              <a:t> will not be printed after 2018 so supply could dry up.  If the card remains popular prices could rise… So in the future the only way to get the card could be to: </a:t>
-            </a:r>
-            <a:endParaRPr lang="en-US" dirty="0"/>
-          </a:p>
-        </p:txBody>
-      </p:sp>
-      <p:sp>
-        <p:nvSpPr>
-          <p:cNvPr id="7" name="TextBox 6"/>
-          <p:cNvSpPr txBox="1"/>
-          <p:nvPr/>
-        </p:nvSpPr>
-        <p:spPr>
-          <a:xfrm>
-            <a:off x="315604" y="2360636"/>
-            <a:ext cx="8143875" cy="2585323"/>
-          </a:xfrm>
-          <a:prstGeom prst="rect">
-            <a:avLst/>
-          </a:prstGeom>
-          <a:noFill/>
-        </p:spPr>
-        <p:txBody>
-          <a:bodyPr wrap="square" rtlCol="0">
-            <a:spAutoFit/>
-          </a:bodyPr>
-          <a:lstStyle/>
-          <a:p>
-            <a:r>
-              <a:rPr lang="en-US" dirty="0" smtClean="0"/>
-              <a:t>For $75</a:t>
-            </a:r>
-          </a:p>
-          <a:p>
-            <a:r>
-              <a:rPr lang="en-US" dirty="0" smtClean="0"/>
-              <a:t>You could buy it from an online marketplace.</a:t>
-            </a:r>
-          </a:p>
-          <a:p>
-            <a:endParaRPr lang="en-US" dirty="0" smtClean="0"/>
-          </a:p>
-          <a:p>
-            <a:r>
-              <a:rPr lang="en-US" dirty="0" smtClean="0"/>
-              <a:t>For $6-10 </a:t>
-            </a:r>
-          </a:p>
-          <a:p>
-            <a:r>
-              <a:rPr lang="en-US" dirty="0" smtClean="0"/>
-              <a:t>You can open a booster pack from the appropriate expansion set and hope you get it.</a:t>
-            </a:r>
-          </a:p>
-          <a:p>
-            <a:endParaRPr lang="en-US" dirty="0" smtClean="0"/>
-          </a:p>
-          <a:p>
-            <a:r>
-              <a:rPr lang="en-US" dirty="0" smtClean="0"/>
-              <a:t>For $100-150</a:t>
-            </a:r>
-          </a:p>
-          <a:p>
-            <a:r>
-              <a:rPr lang="en-US" dirty="0" smtClean="0"/>
-              <a:t>You can buy a booster box of 36 packs from the set and increase your odds of getting it while also getting many other potential valuable cards.  </a:t>
-            </a:r>
-          </a:p>
-        </p:txBody>
-      </p:sp>
-      <p:sp>
-        <p:nvSpPr>
-          <p:cNvPr id="8" name="Rectangle 7"/>
-          <p:cNvSpPr/>
-          <p:nvPr/>
-        </p:nvSpPr>
-        <p:spPr>
-          <a:xfrm>
-            <a:off x="130969" y="5514975"/>
-            <a:ext cx="8843963" cy="738187"/>
-          </a:xfrm>
-          <a:prstGeom prst="rect">
-            <a:avLst/>
-          </a:prstGeom>
-          <a:solidFill>
-            <a:schemeClr val="accent6"/>
-          </a:solidFill>
-          <a:ln>
-            <a:solidFill>
-              <a:schemeClr val="accent6"/>
-            </a:solidFill>
-          </a:ln>
-        </p:spPr>
-        <p:style>
-          <a:lnRef idx="2">
-            <a:schemeClr val="accent1">
-              <a:shade val="50000"/>
-            </a:schemeClr>
-          </a:lnRef>
-          <a:fillRef idx="1">
-            <a:schemeClr val="accent1"/>
-          </a:fillRef>
-          <a:effectRef idx="0">
-            <a:schemeClr val="accent1"/>
-          </a:effectRef>
-          <a:fontRef idx="minor">
-            <a:schemeClr val="lt1"/>
-          </a:fontRef>
-        </p:style>
-        <p:txBody>
-          <a:bodyPr rtlCol="0" anchor="ctr"/>
-          <a:lstStyle/>
-          <a:p>
-            <a:pPr algn="ctr"/>
-            <a:r>
-              <a:rPr lang="en-US" dirty="0" smtClean="0"/>
-              <a:t>With time, the fact the sealed product could contain one of the out of print cards means the prices include a “gamblers premium”.</a:t>
-            </a:r>
-          </a:p>
-          <a:p>
-            <a:pPr algn="ctr"/>
-            <a:r>
-              <a:rPr lang="en-US" dirty="0" smtClean="0"/>
-              <a:t>As a result, sealed boxes are often sold for many thousands the older they get.</a:t>
+              <a:t>Since we know the cards in a set, their prices, and the probabilities of getting specific cards, we can simulate pack openings.  </a:t>
             </a:r>
             <a:endParaRPr lang="en-US" dirty="0"/>
           </a:p>
@@ -31431,7 +31163,7 @@
     </p:spTree>
     <p:extLst>
       <p:ext uri="{BB962C8B-B14F-4D97-AF65-F5344CB8AC3E}">
-        <p14:creationId xmlns:p14="http://schemas.microsoft.com/office/powerpoint/2010/main" val="3490375403"/>
+        <p14:creationId xmlns:p14="http://schemas.microsoft.com/office/powerpoint/2010/main" val="198569766"/>
       </p:ext>
     </p:extLst>
   </p:cSld>
@@ -31498,7 +31230,7 @@
           <a:p>
             <a:r>
               <a:rPr lang="en-US" dirty="0" smtClean="0"/>
-              <a:t>Sealed product costs for old sets is high.</a:t>
+              <a:t>Open 3_SimulateBoosters.R</a:t>
             </a:r>
             <a:endParaRPr lang="en-US" dirty="0"/>
           </a:p>
@@ -31550,35 +31282,6 @@
           </a:p>
         </p:txBody>
       </p:sp>
-      <p:pic>
-        <p:nvPicPr>
-          <p:cNvPr id="6" name="Picture 5"/>
-          <p:cNvPicPr>
-            <a:picLocks noChangeAspect="1"/>
-          </p:cNvPicPr>
-          <p:nvPr/>
-        </p:nvPicPr>
-        <p:blipFill>
-          <a:blip r:embed="rId2"/>
-          <a:stretch>
-            <a:fillRect/>
-          </a:stretch>
-        </p:blipFill>
-        <p:spPr>
-          <a:xfrm>
-            <a:off x="7308266" y="1371600"/>
-            <a:ext cx="1688095" cy="3062288"/>
-          </a:xfrm>
-          <a:prstGeom prst="rect">
-            <a:avLst/>
-          </a:prstGeom>
-          <a:ln>
-            <a:solidFill>
-              <a:schemeClr val="tx1"/>
-            </a:solidFill>
-          </a:ln>
-        </p:spPr>
-      </p:pic>
       <p:pic>
         <p:nvPicPr>
           <p:cNvPr id="7" name="Picture 6"/>
@@ -31588,1673 +31291,31 @@
           <p:nvPr/>
         </p:nvPicPr>
         <p:blipFill>
-          <a:blip r:embed="rId3"/>
-          <a:stretch>
-            <a:fillRect/>
-          </a:stretch>
-        </p:blipFill>
-        <p:spPr>
-          <a:xfrm>
-            <a:off x="5221917" y="1371600"/>
-            <a:ext cx="1940882" cy="3400425"/>
-          </a:xfrm>
-          <a:prstGeom prst="rect">
-            <a:avLst/>
-          </a:prstGeom>
-          <a:ln>
-            <a:solidFill>
-              <a:schemeClr val="tx1"/>
-            </a:solidFill>
-          </a:ln>
-        </p:spPr>
-      </p:pic>
-      <p:pic>
-        <p:nvPicPr>
-          <p:cNvPr id="8" name="Picture 7"/>
-          <p:cNvPicPr>
-            <a:picLocks noChangeAspect="1"/>
-          </p:cNvPicPr>
-          <p:nvPr/>
-        </p:nvPicPr>
-        <p:blipFill>
-          <a:blip r:embed="rId4"/>
-          <a:stretch>
-            <a:fillRect/>
-          </a:stretch>
-        </p:blipFill>
-        <p:spPr>
-          <a:xfrm>
-            <a:off x="171450" y="1371600"/>
-            <a:ext cx="4931297" cy="3457576"/>
-          </a:xfrm>
-          <a:prstGeom prst="rect">
-            <a:avLst/>
-          </a:prstGeom>
-          <a:ln>
-            <a:solidFill>
-              <a:schemeClr val="tx1"/>
-            </a:solidFill>
-          </a:ln>
-        </p:spPr>
-      </p:pic>
-    </p:spTree>
-    <p:extLst>
-      <p:ext uri="{BB962C8B-B14F-4D97-AF65-F5344CB8AC3E}">
-        <p14:creationId xmlns:p14="http://schemas.microsoft.com/office/powerpoint/2010/main" val="1875602693"/>
-      </p:ext>
-    </p:extLst>
-  </p:cSld>
-  <p:clrMapOvr>
-    <a:masterClrMapping/>
-  </p:clrMapOvr>
-  <p:timing>
-    <p:tnLst>
-      <p:par>
-        <p:cTn id="1" dur="indefinite" restart="never" nodeType="tmRoot"/>
-      </p:par>
-    </p:tnLst>
-  </p:timing>
-</p:sld>
-</file>
-
-<file path=ppt/slides/slide66.xml><?xml version="1.0" encoding="utf-8"?>
-<p:sld xmlns:a="http://schemas.openxmlformats.org/drawingml/2006/main" xmlns:r="http://schemas.openxmlformats.org/officeDocument/2006/relationships" xmlns:p="http://schemas.openxmlformats.org/presentationml/2006/main">
-  <p:cSld>
-    <p:spTree>
-      <p:nvGrpSpPr>
-        <p:cNvPr id="1" name=""/>
-        <p:cNvGrpSpPr/>
-        <p:nvPr/>
-      </p:nvGrpSpPr>
-      <p:grpSpPr>
-        <a:xfrm>
-          <a:off x="0" y="0"/>
-          <a:ext cx="0" cy="0"/>
-          <a:chOff x="0" y="0"/>
-          <a:chExt cx="0" cy="0"/>
-        </a:xfrm>
-      </p:grpSpPr>
-      <p:sp>
-        <p:nvSpPr>
-          <p:cNvPr id="2" name="Date Placeholder 1"/>
-          <p:cNvSpPr>
-            <a:spLocks noGrp="1"/>
-          </p:cNvSpPr>
-          <p:nvPr>
-            <p:ph type="dt" sz="half" idx="10"/>
-          </p:nvPr>
-        </p:nvSpPr>
-        <p:spPr/>
-        <p:txBody>
-          <a:bodyPr/>
-          <a:lstStyle/>
-          <a:p>
-            <a:fld id="{6700A58B-DD98-43D0-B791-721480A02982}" type="datetime1">
-              <a:rPr lang="en-US" smtClean="0"/>
-              <a:t>11/1/2018</a:t>
-            </a:fld>
-            <a:endParaRPr lang="en-US"/>
-          </a:p>
-        </p:txBody>
-      </p:sp>
-      <p:sp>
-        <p:nvSpPr>
-          <p:cNvPr id="3" name="Title 2"/>
-          <p:cNvSpPr>
-            <a:spLocks noGrp="1"/>
-          </p:cNvSpPr>
-          <p:nvPr>
-            <p:ph type="title"/>
-          </p:nvPr>
-        </p:nvSpPr>
-        <p:spPr>
-          <a:xfrm>
-            <a:off x="185738" y="365126"/>
-            <a:ext cx="8958262" cy="591477"/>
-          </a:xfrm>
-        </p:spPr>
-        <p:txBody>
-          <a:bodyPr/>
-          <a:lstStyle/>
-          <a:p>
-            <a:r>
-              <a:rPr lang="en-US" dirty="0" smtClean="0"/>
-              <a:t>So, real investing and speculation occurs.</a:t>
-            </a:r>
-            <a:endParaRPr lang="en-US" dirty="0"/>
-          </a:p>
-        </p:txBody>
-      </p:sp>
-      <p:sp>
-        <p:nvSpPr>
-          <p:cNvPr id="4" name="Slide Number Placeholder 3"/>
-          <p:cNvSpPr>
-            <a:spLocks noGrp="1"/>
-          </p:cNvSpPr>
-          <p:nvPr>
-            <p:ph type="sldNum" sz="quarter" idx="12"/>
-          </p:nvPr>
-        </p:nvSpPr>
-        <p:spPr/>
-        <p:txBody>
-          <a:bodyPr/>
-          <a:lstStyle/>
-          <a:p>
-            <a:fld id="{37290FF7-652B-4475-AEAB-8B1A5D23AE09}" type="slidenum">
-              <a:rPr lang="en-US" smtClean="0"/>
-              <a:t>66</a:t>
-            </a:fld>
-            <a:endParaRPr lang="en-US"/>
-          </a:p>
-        </p:txBody>
-      </p:sp>
-      <p:sp>
-        <p:nvSpPr>
-          <p:cNvPr id="5" name="Footer Placeholder 4"/>
-          <p:cNvSpPr>
-            <a:spLocks noGrp="1"/>
-          </p:cNvSpPr>
-          <p:nvPr>
-            <p:ph type="ftr" sz="quarter" idx="3"/>
-          </p:nvPr>
-        </p:nvSpPr>
-        <p:spPr/>
-        <p:txBody>
-          <a:bodyPr/>
-          <a:lstStyle/>
-          <a:p>
-            <a:r>
-              <a:rPr lang="en-US" smtClean="0"/>
-              <a:t>Kwartler CSCI S-96</a:t>
-            </a:r>
-            <a:endParaRPr lang="en-US" dirty="0"/>
-          </a:p>
-        </p:txBody>
-      </p:sp>
-      <p:sp>
-        <p:nvSpPr>
-          <p:cNvPr id="6" name="Rectangle 5"/>
-          <p:cNvSpPr/>
-          <p:nvPr/>
-        </p:nvSpPr>
-        <p:spPr>
-          <a:xfrm>
-            <a:off x="3382082" y="5536834"/>
-            <a:ext cx="4872042" cy="646331"/>
-          </a:xfrm>
-          <a:prstGeom prst="rect">
-            <a:avLst/>
-          </a:prstGeom>
-        </p:spPr>
-        <p:txBody>
-          <a:bodyPr wrap="square">
-            <a:spAutoFit/>
-          </a:bodyPr>
-          <a:lstStyle/>
-          <a:p>
-            <a:r>
-              <a:rPr lang="en-US" dirty="0">
-                <a:hlinkClick r:id="rId2"/>
-              </a:rPr>
-              <a:t>https://</a:t>
-            </a:r>
-            <a:r>
-              <a:rPr lang="en-US" dirty="0" smtClean="0">
-                <a:hlinkClick r:id="rId2"/>
-              </a:rPr>
-              <a:t>www.youtube.com/watch?v=9OnBQt-8ntk</a:t>
-            </a:r>
-            <a:endParaRPr lang="en-US" dirty="0" smtClean="0"/>
-          </a:p>
-          <a:p>
-            <a:endParaRPr lang="en-US" dirty="0"/>
-          </a:p>
-        </p:txBody>
-      </p:sp>
-      <p:pic>
-        <p:nvPicPr>
-          <p:cNvPr id="7" name="Picture 6">
-            <a:hlinkClick r:id="rId2"/>
-          </p:cNvPr>
-          <p:cNvPicPr>
-            <a:picLocks noChangeAspect="1"/>
-          </p:cNvPicPr>
-          <p:nvPr/>
-        </p:nvPicPr>
-        <p:blipFill>
-          <a:blip r:embed="rId3"/>
-          <a:stretch>
-            <a:fillRect/>
-          </a:stretch>
-        </p:blipFill>
-        <p:spPr>
-          <a:xfrm>
-            <a:off x="1255593" y="1721843"/>
-            <a:ext cx="6871861" cy="3849850"/>
-          </a:xfrm>
-          <a:prstGeom prst="rect">
-            <a:avLst/>
-          </a:prstGeom>
-        </p:spPr>
-      </p:pic>
-      <p:sp>
-        <p:nvSpPr>
-          <p:cNvPr id="8" name="TextBox 7"/>
-          <p:cNvSpPr txBox="1"/>
-          <p:nvPr/>
-        </p:nvSpPr>
-        <p:spPr>
-          <a:xfrm>
-            <a:off x="285752" y="5872162"/>
-            <a:ext cx="8343900" cy="338554"/>
-          </a:xfrm>
-          <a:prstGeom prst="rect">
-            <a:avLst/>
-          </a:prstGeom>
-          <a:noFill/>
-        </p:spPr>
-        <p:txBody>
-          <a:bodyPr wrap="square" rtlCol="0">
-            <a:spAutoFit/>
-          </a:bodyPr>
-          <a:lstStyle/>
-          <a:p>
-            <a:r>
-              <a:rPr lang="en-US" sz="1600" dirty="0" smtClean="0">
-                <a:solidFill>
-                  <a:srgbClr val="FF0000"/>
-                </a:solidFill>
-              </a:rPr>
-              <a:t>* Apologies for the brief profanity.  Please leave the room if you are offended this isn’t my content.</a:t>
-            </a:r>
-            <a:endParaRPr lang="en-US" sz="1600" dirty="0">
-              <a:solidFill>
-                <a:srgbClr val="FF0000"/>
-              </a:solidFill>
-            </a:endParaRPr>
-          </a:p>
-        </p:txBody>
-      </p:sp>
-      <p:sp>
-        <p:nvSpPr>
-          <p:cNvPr id="9" name="TextBox 8"/>
-          <p:cNvSpPr txBox="1"/>
-          <p:nvPr/>
-        </p:nvSpPr>
-        <p:spPr>
-          <a:xfrm>
-            <a:off x="3501835" y="1187355"/>
-            <a:ext cx="2140330" cy="584775"/>
-          </a:xfrm>
-          <a:prstGeom prst="rect">
-            <a:avLst/>
-          </a:prstGeom>
-          <a:noFill/>
-        </p:spPr>
-        <p:txBody>
-          <a:bodyPr wrap="none" rtlCol="0">
-            <a:spAutoFit/>
-          </a:bodyPr>
-          <a:lstStyle/>
-          <a:p>
-            <a:r>
-              <a:rPr lang="en-US" sz="3200" dirty="0" smtClean="0"/>
-              <a:t>6:30 – 8:30 </a:t>
-            </a:r>
-            <a:endParaRPr lang="en-US" sz="3200" dirty="0"/>
-          </a:p>
-        </p:txBody>
-      </p:sp>
-    </p:spTree>
-    <p:extLst>
-      <p:ext uri="{BB962C8B-B14F-4D97-AF65-F5344CB8AC3E}">
-        <p14:creationId xmlns:p14="http://schemas.microsoft.com/office/powerpoint/2010/main" val="1916090530"/>
-      </p:ext>
-    </p:extLst>
-  </p:cSld>
-  <p:clrMapOvr>
-    <a:masterClrMapping/>
-  </p:clrMapOvr>
-  <p:timing>
-    <p:tnLst>
-      <p:par>
-        <p:cTn id="1" dur="indefinite" restart="never" nodeType="tmRoot"/>
-      </p:par>
-    </p:tnLst>
-  </p:timing>
-</p:sld>
-</file>
-
-<file path=ppt/slides/slide67.xml><?xml version="1.0" encoding="utf-8"?>
-<p:sld xmlns:a="http://schemas.openxmlformats.org/drawingml/2006/main" xmlns:r="http://schemas.openxmlformats.org/officeDocument/2006/relationships" xmlns:p="http://schemas.openxmlformats.org/presentationml/2006/main">
-  <p:cSld>
-    <p:spTree>
-      <p:nvGrpSpPr>
-        <p:cNvPr id="1" name=""/>
-        <p:cNvGrpSpPr/>
-        <p:nvPr/>
-      </p:nvGrpSpPr>
-      <p:grpSpPr>
-        <a:xfrm>
-          <a:off x="0" y="0"/>
-          <a:ext cx="0" cy="0"/>
-          <a:chOff x="0" y="0"/>
-          <a:chExt cx="0" cy="0"/>
-        </a:xfrm>
-      </p:grpSpPr>
-      <p:sp>
-        <p:nvSpPr>
-          <p:cNvPr id="2" name="Date Placeholder 1"/>
-          <p:cNvSpPr>
-            <a:spLocks noGrp="1"/>
-          </p:cNvSpPr>
-          <p:nvPr>
-            <p:ph type="dt" sz="half" idx="10"/>
-          </p:nvPr>
-        </p:nvSpPr>
-        <p:spPr/>
-        <p:txBody>
-          <a:bodyPr/>
-          <a:lstStyle/>
-          <a:p>
-            <a:fld id="{6700A58B-DD98-43D0-B791-721480A02982}" type="datetime1">
-              <a:rPr lang="en-US" smtClean="0"/>
-              <a:t>11/1/2018</a:t>
-            </a:fld>
-            <a:endParaRPr lang="en-US"/>
-          </a:p>
-        </p:txBody>
-      </p:sp>
-      <p:sp>
-        <p:nvSpPr>
-          <p:cNvPr id="3" name="Title 2"/>
-          <p:cNvSpPr>
-            <a:spLocks noGrp="1"/>
-          </p:cNvSpPr>
-          <p:nvPr>
-            <p:ph type="title"/>
-          </p:nvPr>
-        </p:nvSpPr>
-        <p:spPr/>
-        <p:txBody>
-          <a:bodyPr/>
-          <a:lstStyle/>
-          <a:p>
-            <a:r>
-              <a:rPr lang="en-US" dirty="0" smtClean="0"/>
-              <a:t>Regardless of the Reserved List</a:t>
-            </a:r>
-            <a:endParaRPr lang="en-US" dirty="0"/>
-          </a:p>
-        </p:txBody>
-      </p:sp>
-      <p:sp>
-        <p:nvSpPr>
-          <p:cNvPr id="4" name="Slide Number Placeholder 3"/>
-          <p:cNvSpPr>
-            <a:spLocks noGrp="1"/>
-          </p:cNvSpPr>
-          <p:nvPr>
-            <p:ph type="sldNum" sz="quarter" idx="12"/>
-          </p:nvPr>
-        </p:nvSpPr>
-        <p:spPr/>
-        <p:txBody>
-          <a:bodyPr/>
-          <a:lstStyle/>
-          <a:p>
-            <a:fld id="{37290FF7-652B-4475-AEAB-8B1A5D23AE09}" type="slidenum">
-              <a:rPr lang="en-US" smtClean="0"/>
-              <a:t>67</a:t>
-            </a:fld>
-            <a:endParaRPr lang="en-US"/>
-          </a:p>
-        </p:txBody>
-      </p:sp>
-      <p:sp>
-        <p:nvSpPr>
-          <p:cNvPr id="5" name="Footer Placeholder 4"/>
-          <p:cNvSpPr>
-            <a:spLocks noGrp="1"/>
-          </p:cNvSpPr>
-          <p:nvPr>
-            <p:ph type="ftr" sz="quarter" idx="3"/>
-          </p:nvPr>
-        </p:nvSpPr>
-        <p:spPr/>
-        <p:txBody>
-          <a:bodyPr/>
-          <a:lstStyle/>
-          <a:p>
-            <a:r>
-              <a:rPr lang="en-US" smtClean="0"/>
-              <a:t>Kwartler CSCI S-96</a:t>
-            </a:r>
-            <a:endParaRPr lang="en-US" dirty="0"/>
-          </a:p>
-        </p:txBody>
-      </p:sp>
-      <p:sp>
-        <p:nvSpPr>
-          <p:cNvPr id="6" name="Rectangle 5"/>
-          <p:cNvSpPr/>
-          <p:nvPr/>
-        </p:nvSpPr>
-        <p:spPr>
-          <a:xfrm>
-            <a:off x="898356" y="1219199"/>
-            <a:ext cx="7267073" cy="609600"/>
-          </a:xfrm>
-          <a:prstGeom prst="rect">
-            <a:avLst/>
-          </a:prstGeom>
-          <a:solidFill>
-            <a:schemeClr val="accent3"/>
-          </a:solidFill>
-          <a:ln>
-            <a:noFill/>
-          </a:ln>
-        </p:spPr>
-        <p:style>
-          <a:lnRef idx="2">
-            <a:schemeClr val="accent1">
-              <a:shade val="50000"/>
-            </a:schemeClr>
-          </a:lnRef>
-          <a:fillRef idx="1">
-            <a:schemeClr val="accent1"/>
-          </a:fillRef>
-          <a:effectRef idx="0">
-            <a:schemeClr val="accent1"/>
-          </a:effectRef>
-          <a:fontRef idx="minor">
-            <a:schemeClr val="lt1"/>
-          </a:fontRef>
-        </p:style>
-        <p:txBody>
-          <a:bodyPr rtlCol="0" anchor="ctr"/>
-          <a:lstStyle/>
-          <a:p>
-            <a:pPr algn="ctr"/>
-            <a:r>
-              <a:rPr lang="en-US" dirty="0" smtClean="0"/>
-              <a:t>Newly printed cards are sold in 15 card packs.  </a:t>
-            </a:r>
-            <a:endParaRPr lang="en-US" dirty="0"/>
-          </a:p>
-        </p:txBody>
-      </p:sp>
-      <p:pic>
-        <p:nvPicPr>
-          <p:cNvPr id="7170" name="Picture 2" descr="Image result for mtg iconic masters booster pack"/>
-          <p:cNvPicPr>
-            <a:picLocks noChangeAspect="1" noChangeArrowheads="1"/>
-          </p:cNvPicPr>
-          <p:nvPr/>
-        </p:nvPicPr>
-        <p:blipFill>
-          <a:blip r:embed="rId2">
+          <a:blip r:embed="rId2" cstate="print">
             <a:extLst>
               <a:ext uri="{28A0092B-C50C-407E-A947-70E740481C1C}">
                 <a14:useLocalDpi xmlns:a14="http://schemas.microsoft.com/office/drawing/2010/main" val="0"/>
               </a:ext>
             </a:extLst>
           </a:blip>
-          <a:srcRect/>
           <a:stretch>
             <a:fillRect/>
           </a:stretch>
         </p:blipFill>
-        <p:spPr bwMode="auto">
-          <a:xfrm>
-            <a:off x="219744" y="2013367"/>
-            <a:ext cx="4048125" cy="3829051"/>
+        <p:spPr>
+          <a:xfrm>
+            <a:off x="480577" y="1253066"/>
+            <a:ext cx="5596089" cy="4197067"/>
           </a:xfrm>
           <a:prstGeom prst="rect">
             <a:avLst/>
           </a:prstGeom>
-          <a:noFill/>
-          <a:extLst>
-            <a:ext uri="{909E8E84-426E-40DD-AFC4-6F175D3DCCD1}">
-              <a14:hiddenFill xmlns:a14="http://schemas.microsoft.com/office/drawing/2010/main">
-                <a:solidFill>
-                  <a:srgbClr val="FFFFFF"/>
-                </a:solidFill>
-              </a14:hiddenFill>
-            </a:ext>
-          </a:extLst>
         </p:spPr>
       </p:pic>
-      <p:sp>
-        <p:nvSpPr>
-          <p:cNvPr id="7" name="TextBox 6"/>
-          <p:cNvSpPr txBox="1"/>
-          <p:nvPr/>
-        </p:nvSpPr>
-        <p:spPr>
-          <a:xfrm>
-            <a:off x="4924926" y="2053390"/>
-            <a:ext cx="3176337" cy="2585323"/>
-          </a:xfrm>
-          <a:prstGeom prst="rect">
-            <a:avLst/>
-          </a:prstGeom>
-          <a:noFill/>
-        </p:spPr>
-        <p:txBody>
-          <a:bodyPr wrap="square" rtlCol="0">
-            <a:spAutoFit/>
-          </a:bodyPr>
-          <a:lstStyle/>
-          <a:p>
-            <a:r>
-              <a:rPr lang="en-US" dirty="0" smtClean="0"/>
-              <a:t>Usually a pack contains</a:t>
-            </a:r>
-          </a:p>
-          <a:p>
-            <a:pPr marL="285750" indent="-285750">
-              <a:buFont typeface="Arial" panose="020B0604020202020204" pitchFamily="34" charset="0"/>
-              <a:buChar char="•"/>
-            </a:pPr>
-            <a:r>
-              <a:rPr lang="en-US" dirty="0" smtClean="0"/>
-              <a:t>11 Commons</a:t>
-            </a:r>
-          </a:p>
-          <a:p>
-            <a:pPr marL="285750" indent="-285750">
-              <a:buFont typeface="Arial" panose="020B0604020202020204" pitchFamily="34" charset="0"/>
-              <a:buChar char="•"/>
-            </a:pPr>
-            <a:r>
-              <a:rPr lang="en-US" dirty="0" smtClean="0"/>
-              <a:t>3 </a:t>
-            </a:r>
-            <a:r>
-              <a:rPr lang="en-US" dirty="0" err="1" smtClean="0"/>
-              <a:t>Uncommons</a:t>
-            </a:r>
-            <a:endParaRPr lang="en-US" dirty="0" smtClean="0"/>
-          </a:p>
-          <a:p>
-            <a:pPr marL="285750" indent="-285750">
-              <a:buFont typeface="Arial" panose="020B0604020202020204" pitchFamily="34" charset="0"/>
-              <a:buChar char="•"/>
-            </a:pPr>
-            <a:r>
-              <a:rPr lang="en-US" dirty="0" smtClean="0"/>
-              <a:t>1 Rare</a:t>
-            </a:r>
-          </a:p>
-          <a:p>
-            <a:pPr marL="742950" lvl="1" indent="-285750">
-              <a:buFont typeface="Arial" panose="020B0604020202020204" pitchFamily="34" charset="0"/>
-              <a:buChar char="•"/>
-            </a:pPr>
-            <a:r>
-              <a:rPr lang="en-US" dirty="0" smtClean="0"/>
-              <a:t>1 in 8 packs will replace the rare with a mythic</a:t>
-            </a:r>
-          </a:p>
-          <a:p>
-            <a:pPr marL="285750" indent="-285750">
-              <a:buFont typeface="Arial" panose="020B0604020202020204" pitchFamily="34" charset="0"/>
-              <a:buChar char="•"/>
-            </a:pPr>
-            <a:r>
-              <a:rPr lang="en-US" dirty="0" smtClean="0"/>
-              <a:t>1 in 6 packs will have a random premium foil card replacing a common. </a:t>
-            </a:r>
-          </a:p>
-        </p:txBody>
-      </p:sp>
     </p:spTree>
     <p:extLst>
       <p:ext uri="{BB962C8B-B14F-4D97-AF65-F5344CB8AC3E}">
-        <p14:creationId xmlns:p14="http://schemas.microsoft.com/office/powerpoint/2010/main" val="3020555422"/>
-      </p:ext>
-    </p:extLst>
-  </p:cSld>
-  <p:clrMapOvr>
-    <a:masterClrMapping/>
-  </p:clrMapOvr>
-</p:sld>
-</file>
-
-<file path=ppt/slides/slide68.xml><?xml version="1.0" encoding="utf-8"?>
-<p:sld xmlns:a="http://schemas.openxmlformats.org/drawingml/2006/main" xmlns:r="http://schemas.openxmlformats.org/officeDocument/2006/relationships" xmlns:p="http://schemas.openxmlformats.org/presentationml/2006/main">
-  <p:cSld>
-    <p:spTree>
-      <p:nvGrpSpPr>
-        <p:cNvPr id="1" name=""/>
-        <p:cNvGrpSpPr/>
-        <p:nvPr/>
-      </p:nvGrpSpPr>
-      <p:grpSpPr>
-        <a:xfrm>
-          <a:off x="0" y="0"/>
-          <a:ext cx="0" cy="0"/>
-          <a:chOff x="0" y="0"/>
-          <a:chExt cx="0" cy="0"/>
-        </a:xfrm>
-      </p:grpSpPr>
-      <p:sp>
-        <p:nvSpPr>
-          <p:cNvPr id="2" name="Date Placeholder 1"/>
-          <p:cNvSpPr>
-            <a:spLocks noGrp="1"/>
-          </p:cNvSpPr>
-          <p:nvPr>
-            <p:ph type="dt" sz="half" idx="10"/>
-          </p:nvPr>
-        </p:nvSpPr>
-        <p:spPr/>
-        <p:txBody>
-          <a:bodyPr/>
-          <a:lstStyle/>
-          <a:p>
-            <a:fld id="{6700A58B-DD98-43D0-B791-721480A02982}" type="datetime1">
-              <a:rPr lang="en-US" smtClean="0"/>
-              <a:t>11/1/2018</a:t>
-            </a:fld>
-            <a:endParaRPr lang="en-US"/>
-          </a:p>
-        </p:txBody>
-      </p:sp>
-      <p:sp>
-        <p:nvSpPr>
-          <p:cNvPr id="3" name="Title 2"/>
-          <p:cNvSpPr>
-            <a:spLocks noGrp="1"/>
-          </p:cNvSpPr>
-          <p:nvPr>
-            <p:ph type="title"/>
-          </p:nvPr>
-        </p:nvSpPr>
-        <p:spPr>
-          <a:xfrm>
-            <a:off x="144379" y="365126"/>
-            <a:ext cx="8823158" cy="591477"/>
-          </a:xfrm>
-        </p:spPr>
-        <p:txBody>
-          <a:bodyPr/>
-          <a:lstStyle/>
-          <a:p>
-            <a:r>
-              <a:rPr lang="en-US" dirty="0" smtClean="0"/>
-              <a:t>Modeling Risk/Reward outside of the Reserved List</a:t>
-            </a:r>
-            <a:endParaRPr lang="en-US" dirty="0"/>
-          </a:p>
-        </p:txBody>
-      </p:sp>
-      <p:sp>
-        <p:nvSpPr>
-          <p:cNvPr id="4" name="Slide Number Placeholder 3"/>
-          <p:cNvSpPr>
-            <a:spLocks noGrp="1"/>
-          </p:cNvSpPr>
-          <p:nvPr>
-            <p:ph type="sldNum" sz="quarter" idx="12"/>
-          </p:nvPr>
-        </p:nvSpPr>
-        <p:spPr/>
-        <p:txBody>
-          <a:bodyPr/>
-          <a:lstStyle/>
-          <a:p>
-            <a:fld id="{37290FF7-652B-4475-AEAB-8B1A5D23AE09}" type="slidenum">
-              <a:rPr lang="en-US" smtClean="0"/>
-              <a:t>68</a:t>
-            </a:fld>
-            <a:endParaRPr lang="en-US"/>
-          </a:p>
-        </p:txBody>
-      </p:sp>
-      <p:sp>
-        <p:nvSpPr>
-          <p:cNvPr id="5" name="Footer Placeholder 4"/>
-          <p:cNvSpPr>
-            <a:spLocks noGrp="1"/>
-          </p:cNvSpPr>
-          <p:nvPr>
-            <p:ph type="ftr" sz="quarter" idx="3"/>
-          </p:nvPr>
-        </p:nvSpPr>
-        <p:spPr/>
-        <p:txBody>
-          <a:bodyPr/>
-          <a:lstStyle/>
-          <a:p>
-            <a:r>
-              <a:rPr lang="en-US" smtClean="0"/>
-              <a:t>Kwartler CSCI S-96</a:t>
-            </a:r>
-            <a:endParaRPr lang="en-US" dirty="0"/>
-          </a:p>
-        </p:txBody>
-      </p:sp>
-      <p:sp>
-        <p:nvSpPr>
-          <p:cNvPr id="6" name="TextBox 5"/>
-          <p:cNvSpPr txBox="1"/>
-          <p:nvPr/>
-        </p:nvSpPr>
-        <p:spPr>
-          <a:xfrm>
-            <a:off x="529389" y="2149642"/>
-            <a:ext cx="7844590" cy="1200329"/>
-          </a:xfrm>
-          <a:prstGeom prst="rect">
-            <a:avLst/>
-          </a:prstGeom>
-          <a:noFill/>
-        </p:spPr>
-        <p:txBody>
-          <a:bodyPr wrap="square" rtlCol="0">
-            <a:spAutoFit/>
-          </a:bodyPr>
-          <a:lstStyle/>
-          <a:p>
-            <a:r>
-              <a:rPr lang="en-US" u="sng" dirty="0" smtClean="0"/>
-              <a:t>Risk:</a:t>
-            </a:r>
-          </a:p>
-          <a:p>
-            <a:r>
-              <a:rPr lang="en-US" dirty="0" smtClean="0"/>
-              <a:t>Each expansion set has varying prices.  Some cards are worthless while other modern cards can be expensive (not reserved list prices though).  You could buy a pack and receive nothing of value.</a:t>
-            </a:r>
-            <a:endParaRPr lang="en-US" dirty="0"/>
-          </a:p>
-        </p:txBody>
-      </p:sp>
-      <p:sp>
-        <p:nvSpPr>
-          <p:cNvPr id="7" name="TextBox 6"/>
-          <p:cNvSpPr txBox="1"/>
-          <p:nvPr/>
-        </p:nvSpPr>
-        <p:spPr>
-          <a:xfrm>
-            <a:off x="465221" y="1507958"/>
-            <a:ext cx="3612464" cy="523220"/>
-          </a:xfrm>
-          <a:prstGeom prst="rect">
-            <a:avLst/>
-          </a:prstGeom>
-          <a:noFill/>
-        </p:spPr>
-        <p:txBody>
-          <a:bodyPr wrap="none" rtlCol="0">
-            <a:spAutoFit/>
-          </a:bodyPr>
-          <a:lstStyle/>
-          <a:p>
-            <a:r>
-              <a:rPr lang="en-US" sz="2800" dirty="0" smtClean="0"/>
-              <a:t>When you open a pack:</a:t>
-            </a:r>
-            <a:endParaRPr lang="en-US" sz="2800" dirty="0"/>
-          </a:p>
-        </p:txBody>
-      </p:sp>
-      <p:sp>
-        <p:nvSpPr>
-          <p:cNvPr id="8" name="TextBox 7"/>
-          <p:cNvSpPr txBox="1"/>
-          <p:nvPr/>
-        </p:nvSpPr>
-        <p:spPr>
-          <a:xfrm>
-            <a:off x="457200" y="3761873"/>
-            <a:ext cx="7844590" cy="923330"/>
-          </a:xfrm>
-          <a:prstGeom prst="rect">
-            <a:avLst/>
-          </a:prstGeom>
-          <a:noFill/>
-        </p:spPr>
-        <p:txBody>
-          <a:bodyPr wrap="square" rtlCol="0">
-            <a:spAutoFit/>
-          </a:bodyPr>
-          <a:lstStyle/>
-          <a:p>
-            <a:r>
-              <a:rPr lang="en-US" u="sng" dirty="0" smtClean="0"/>
-              <a:t>Reward:</a:t>
-            </a:r>
-          </a:p>
-          <a:p>
-            <a:r>
-              <a:rPr lang="en-US" dirty="0" smtClean="0"/>
-              <a:t>Some packs will contain expensive cards which you can immediately sell for more than the cost of the pack.</a:t>
-            </a:r>
-          </a:p>
-        </p:txBody>
-      </p:sp>
-      <p:sp>
-        <p:nvSpPr>
-          <p:cNvPr id="9" name="TextBox 8"/>
-          <p:cNvSpPr txBox="1"/>
-          <p:nvPr/>
-        </p:nvSpPr>
-        <p:spPr>
-          <a:xfrm>
-            <a:off x="1588169" y="5903495"/>
-            <a:ext cx="7312708" cy="338554"/>
-          </a:xfrm>
-          <a:prstGeom prst="rect">
-            <a:avLst/>
-          </a:prstGeom>
-          <a:noFill/>
-        </p:spPr>
-        <p:txBody>
-          <a:bodyPr wrap="none" rtlCol="0">
-            <a:spAutoFit/>
-          </a:bodyPr>
-          <a:lstStyle/>
-          <a:p>
-            <a:r>
-              <a:rPr lang="en-US" sz="1600" i="1" dirty="0" smtClean="0"/>
-              <a:t>*Keep in mind there are friction costs, shipping a physical good takes time and money.</a:t>
-            </a:r>
-            <a:endParaRPr lang="en-US" sz="1600" i="1" dirty="0"/>
-          </a:p>
-        </p:txBody>
-      </p:sp>
-      <p:sp>
-        <p:nvSpPr>
-          <p:cNvPr id="10" name="Rectangle 9"/>
-          <p:cNvSpPr/>
-          <p:nvPr/>
-        </p:nvSpPr>
-        <p:spPr>
-          <a:xfrm>
-            <a:off x="465222" y="5197640"/>
-            <a:ext cx="8325852" cy="609600"/>
-          </a:xfrm>
-          <a:prstGeom prst="rect">
-            <a:avLst/>
-          </a:prstGeom>
-          <a:solidFill>
-            <a:schemeClr val="accent3"/>
-          </a:solidFill>
-          <a:ln>
-            <a:noFill/>
-          </a:ln>
-        </p:spPr>
-        <p:style>
-          <a:lnRef idx="2">
-            <a:schemeClr val="accent1">
-              <a:shade val="50000"/>
-            </a:schemeClr>
-          </a:lnRef>
-          <a:fillRef idx="1">
-            <a:schemeClr val="accent1"/>
-          </a:fillRef>
-          <a:effectRef idx="0">
-            <a:schemeClr val="accent1"/>
-          </a:effectRef>
-          <a:fontRef idx="minor">
-            <a:schemeClr val="lt1"/>
-          </a:fontRef>
-        </p:style>
-        <p:txBody>
-          <a:bodyPr rtlCol="0" anchor="ctr"/>
-          <a:lstStyle/>
-          <a:p>
-            <a:pPr algn="ctr"/>
-            <a:r>
-              <a:rPr lang="en-US" dirty="0" smtClean="0"/>
-              <a:t>Since we know the cards in a set, their prices, and the probabilities of getting specific cards, we can simulate pack openings.  </a:t>
-            </a:r>
-            <a:endParaRPr lang="en-US" dirty="0"/>
-          </a:p>
-        </p:txBody>
-      </p:sp>
-    </p:spTree>
-    <p:extLst>
-      <p:ext uri="{BB962C8B-B14F-4D97-AF65-F5344CB8AC3E}">
-        <p14:creationId xmlns:p14="http://schemas.microsoft.com/office/powerpoint/2010/main" val="198569766"/>
-      </p:ext>
-    </p:extLst>
-  </p:cSld>
-  <p:clrMapOvr>
-    <a:masterClrMapping/>
-  </p:clrMapOvr>
-</p:sld>
-</file>
-
-<file path=ppt/slides/slide69.xml><?xml version="1.0" encoding="utf-8"?>
-<p:sld xmlns:a="http://schemas.openxmlformats.org/drawingml/2006/main" xmlns:r="http://schemas.openxmlformats.org/officeDocument/2006/relationships" xmlns:p="http://schemas.openxmlformats.org/presentationml/2006/main">
-  <p:cSld>
-    <p:spTree>
-      <p:nvGrpSpPr>
-        <p:cNvPr id="1" name=""/>
-        <p:cNvGrpSpPr/>
-        <p:nvPr/>
-      </p:nvGrpSpPr>
-      <p:grpSpPr>
-        <a:xfrm>
-          <a:off x="0" y="0"/>
-          <a:ext cx="0" cy="0"/>
-          <a:chOff x="0" y="0"/>
-          <a:chExt cx="0" cy="0"/>
-        </a:xfrm>
-      </p:grpSpPr>
-      <p:sp>
-        <p:nvSpPr>
-          <p:cNvPr id="29" name="Rounded Rectangle 28"/>
-          <p:cNvSpPr/>
-          <p:nvPr/>
-        </p:nvSpPr>
-        <p:spPr>
-          <a:xfrm>
-            <a:off x="1282891" y="5240740"/>
-            <a:ext cx="682388" cy="750627"/>
-          </a:xfrm>
-          <a:prstGeom prst="roundRect">
-            <a:avLst/>
-          </a:prstGeom>
-          <a:solidFill>
-            <a:srgbClr val="92D050"/>
-          </a:solidFill>
-          <a:ln>
-            <a:noFill/>
-          </a:ln>
-        </p:spPr>
-        <p:style>
-          <a:lnRef idx="2">
-            <a:schemeClr val="accent1">
-              <a:shade val="50000"/>
-            </a:schemeClr>
-          </a:lnRef>
-          <a:fillRef idx="1">
-            <a:schemeClr val="accent1"/>
-          </a:fillRef>
-          <a:effectRef idx="0">
-            <a:schemeClr val="accent1"/>
-          </a:effectRef>
-          <a:fontRef idx="minor">
-            <a:schemeClr val="lt1"/>
-          </a:fontRef>
-        </p:style>
-        <p:txBody>
-          <a:bodyPr rtlCol="0" anchor="ctr"/>
-          <a:lstStyle/>
-          <a:p>
-            <a:pPr algn="ctr"/>
-            <a:r>
-              <a:rPr lang="en-US" dirty="0" smtClean="0"/>
-              <a:t>$$$</a:t>
-            </a:r>
-            <a:endParaRPr lang="en-US" dirty="0"/>
-          </a:p>
-        </p:txBody>
-      </p:sp>
-      <p:sp>
-        <p:nvSpPr>
-          <p:cNvPr id="2" name="Date Placeholder 1"/>
-          <p:cNvSpPr>
-            <a:spLocks noGrp="1"/>
-          </p:cNvSpPr>
-          <p:nvPr>
-            <p:ph type="dt" sz="half" idx="10"/>
-          </p:nvPr>
-        </p:nvSpPr>
-        <p:spPr/>
-        <p:txBody>
-          <a:bodyPr/>
-          <a:lstStyle/>
-          <a:p>
-            <a:fld id="{6700A58B-DD98-43D0-B791-721480A02982}" type="datetime1">
-              <a:rPr lang="en-US" smtClean="0"/>
-              <a:t>11/1/2018</a:t>
-            </a:fld>
-            <a:endParaRPr lang="en-US"/>
-          </a:p>
-        </p:txBody>
-      </p:sp>
-      <p:sp>
-        <p:nvSpPr>
-          <p:cNvPr id="3" name="Title 2"/>
-          <p:cNvSpPr>
-            <a:spLocks noGrp="1"/>
-          </p:cNvSpPr>
-          <p:nvPr>
-            <p:ph type="title"/>
-          </p:nvPr>
-        </p:nvSpPr>
-        <p:spPr>
-          <a:xfrm>
-            <a:off x="157163" y="365126"/>
-            <a:ext cx="8715375" cy="591477"/>
-          </a:xfrm>
-        </p:spPr>
-        <p:txBody>
-          <a:bodyPr/>
-          <a:lstStyle/>
-          <a:p>
-            <a:r>
-              <a:rPr lang="en-US" sz="3200" dirty="0" smtClean="0"/>
-              <a:t>Custom Package Simulating Opening Packs &amp; Boxes </a:t>
-            </a:r>
-            <a:endParaRPr lang="en-US" sz="3200" dirty="0"/>
-          </a:p>
-        </p:txBody>
-      </p:sp>
-      <p:sp>
-        <p:nvSpPr>
-          <p:cNvPr id="4" name="Slide Number Placeholder 3"/>
-          <p:cNvSpPr>
-            <a:spLocks noGrp="1"/>
-          </p:cNvSpPr>
-          <p:nvPr>
-            <p:ph type="sldNum" sz="quarter" idx="12"/>
-          </p:nvPr>
-        </p:nvSpPr>
-        <p:spPr/>
-        <p:txBody>
-          <a:bodyPr/>
-          <a:lstStyle/>
-          <a:p>
-            <a:fld id="{37290FF7-652B-4475-AEAB-8B1A5D23AE09}" type="slidenum">
-              <a:rPr lang="en-US" smtClean="0"/>
-              <a:t>69</a:t>
-            </a:fld>
-            <a:endParaRPr lang="en-US"/>
-          </a:p>
-        </p:txBody>
-      </p:sp>
-      <p:sp>
-        <p:nvSpPr>
-          <p:cNvPr id="5" name="Footer Placeholder 4"/>
-          <p:cNvSpPr>
-            <a:spLocks noGrp="1"/>
-          </p:cNvSpPr>
-          <p:nvPr>
-            <p:ph type="ftr" sz="quarter" idx="3"/>
-          </p:nvPr>
-        </p:nvSpPr>
-        <p:spPr/>
-        <p:txBody>
-          <a:bodyPr/>
-          <a:lstStyle/>
-          <a:p>
-            <a:r>
-              <a:rPr lang="en-US" smtClean="0"/>
-              <a:t>Kwartler CSCI S-96</a:t>
-            </a:r>
-            <a:endParaRPr lang="en-US" dirty="0"/>
-          </a:p>
-        </p:txBody>
-      </p:sp>
-      <p:grpSp>
-        <p:nvGrpSpPr>
-          <p:cNvPr id="19" name="Group 18"/>
-          <p:cNvGrpSpPr/>
-          <p:nvPr/>
-        </p:nvGrpSpPr>
-        <p:grpSpPr>
-          <a:xfrm>
-            <a:off x="1337484" y="1364771"/>
-            <a:ext cx="4468621" cy="1009934"/>
-            <a:chOff x="3283424" y="1542197"/>
-            <a:chExt cx="4468621" cy="1009934"/>
-          </a:xfrm>
-        </p:grpSpPr>
-        <p:sp>
-          <p:nvSpPr>
-            <p:cNvPr id="11" name="TextBox 10"/>
-            <p:cNvSpPr txBox="1"/>
-            <p:nvPr/>
-          </p:nvSpPr>
-          <p:spPr>
-            <a:xfrm>
-              <a:off x="4024230" y="1542197"/>
-              <a:ext cx="3727815" cy="369332"/>
-            </a:xfrm>
-            <a:prstGeom prst="rect">
-              <a:avLst/>
-            </a:prstGeom>
-            <a:noFill/>
-          </p:spPr>
-          <p:txBody>
-            <a:bodyPr wrap="none" rtlCol="0">
-              <a:spAutoFit/>
-            </a:bodyPr>
-            <a:lstStyle/>
-            <a:p>
-              <a:r>
-                <a:rPr lang="en-US" dirty="0" smtClean="0"/>
-                <a:t>Get Set’s card and pricing information</a:t>
-              </a:r>
-              <a:endParaRPr lang="en-US" dirty="0"/>
-            </a:p>
-          </p:txBody>
-        </p:sp>
-        <p:sp>
-          <p:nvSpPr>
-            <p:cNvPr id="6" name="Chevron 5"/>
-            <p:cNvSpPr/>
-            <p:nvPr/>
-          </p:nvSpPr>
-          <p:spPr>
-            <a:xfrm rot="5400000">
-              <a:off x="3078708" y="1746913"/>
-              <a:ext cx="1009934" cy="600502"/>
-            </a:xfrm>
-            <a:prstGeom prst="chevron">
-              <a:avLst/>
-            </a:prstGeom>
-            <a:solidFill>
-              <a:schemeClr val="accent4"/>
-            </a:solidFill>
-            <a:ln>
-              <a:noFill/>
-            </a:ln>
-          </p:spPr>
-          <p:style>
-            <a:lnRef idx="2">
-              <a:schemeClr val="accent1">
-                <a:shade val="50000"/>
-              </a:schemeClr>
-            </a:lnRef>
-            <a:fillRef idx="1">
-              <a:schemeClr val="accent1"/>
-            </a:fillRef>
-            <a:effectRef idx="0">
-              <a:schemeClr val="accent1"/>
-            </a:effectRef>
-            <a:fontRef idx="minor">
-              <a:schemeClr val="lt1"/>
-            </a:fontRef>
-          </p:style>
-          <p:txBody>
-            <a:bodyPr rtlCol="0" anchor="ctr"/>
-            <a:lstStyle/>
-            <a:p>
-              <a:pPr algn="ctr"/>
-              <a:endParaRPr lang="en-US" dirty="0">
-                <a:solidFill>
-                  <a:schemeClr val="tx1"/>
-                </a:solidFill>
-              </a:endParaRPr>
-            </a:p>
-          </p:txBody>
-        </p:sp>
-      </p:grpSp>
-      <p:grpSp>
-        <p:nvGrpSpPr>
-          <p:cNvPr id="20" name="Group 19"/>
-          <p:cNvGrpSpPr/>
-          <p:nvPr/>
-        </p:nvGrpSpPr>
-        <p:grpSpPr>
-          <a:xfrm>
-            <a:off x="1337484" y="2431570"/>
-            <a:ext cx="3955084" cy="1009934"/>
-            <a:chOff x="3283424" y="1542197"/>
-            <a:chExt cx="3955084" cy="1009934"/>
-          </a:xfrm>
-        </p:grpSpPr>
-        <p:sp>
-          <p:nvSpPr>
-            <p:cNvPr id="21" name="TextBox 20"/>
-            <p:cNvSpPr txBox="1"/>
-            <p:nvPr/>
-          </p:nvSpPr>
-          <p:spPr>
-            <a:xfrm>
-              <a:off x="4024230" y="1542197"/>
-              <a:ext cx="3214278" cy="369332"/>
-            </a:xfrm>
-            <a:prstGeom prst="rect">
-              <a:avLst/>
-            </a:prstGeom>
-            <a:noFill/>
-          </p:spPr>
-          <p:txBody>
-            <a:bodyPr wrap="none" rtlCol="0">
-              <a:spAutoFit/>
-            </a:bodyPr>
-            <a:lstStyle/>
-            <a:p>
-              <a:r>
-                <a:rPr lang="en-US" dirty="0" smtClean="0"/>
-                <a:t>Simulate opening a 15 card pack</a:t>
-              </a:r>
-              <a:endParaRPr lang="en-US" dirty="0"/>
-            </a:p>
-          </p:txBody>
-        </p:sp>
-        <p:sp>
-          <p:nvSpPr>
-            <p:cNvPr id="22" name="Chevron 21"/>
-            <p:cNvSpPr/>
-            <p:nvPr/>
-          </p:nvSpPr>
-          <p:spPr>
-            <a:xfrm rot="5400000">
-              <a:off x="3078708" y="1746913"/>
-              <a:ext cx="1009934" cy="600502"/>
-            </a:xfrm>
-            <a:prstGeom prst="chevron">
-              <a:avLst/>
-            </a:prstGeom>
-            <a:solidFill>
-              <a:schemeClr val="accent4"/>
-            </a:solidFill>
-            <a:ln>
-              <a:noFill/>
-            </a:ln>
-          </p:spPr>
-          <p:style>
-            <a:lnRef idx="2">
-              <a:schemeClr val="accent1">
-                <a:shade val="50000"/>
-              </a:schemeClr>
-            </a:lnRef>
-            <a:fillRef idx="1">
-              <a:schemeClr val="accent1"/>
-            </a:fillRef>
-            <a:effectRef idx="0">
-              <a:schemeClr val="accent1"/>
-            </a:effectRef>
-            <a:fontRef idx="minor">
-              <a:schemeClr val="lt1"/>
-            </a:fontRef>
-          </p:style>
-          <p:txBody>
-            <a:bodyPr rtlCol="0" anchor="ctr"/>
-            <a:lstStyle/>
-            <a:p>
-              <a:pPr algn="ctr"/>
-              <a:endParaRPr lang="en-US">
-                <a:solidFill>
-                  <a:schemeClr val="tx1"/>
-                </a:solidFill>
-              </a:endParaRPr>
-            </a:p>
-          </p:txBody>
-        </p:sp>
-      </p:grpSp>
-      <p:grpSp>
-        <p:nvGrpSpPr>
-          <p:cNvPr id="23" name="Group 22"/>
-          <p:cNvGrpSpPr/>
-          <p:nvPr/>
-        </p:nvGrpSpPr>
-        <p:grpSpPr>
-          <a:xfrm>
-            <a:off x="1337484" y="3427856"/>
-            <a:ext cx="3998795" cy="1009934"/>
-            <a:chOff x="3283424" y="1542197"/>
-            <a:chExt cx="3998795" cy="1009934"/>
-          </a:xfrm>
-        </p:grpSpPr>
-        <p:sp>
-          <p:nvSpPr>
-            <p:cNvPr id="24" name="TextBox 23"/>
-            <p:cNvSpPr txBox="1"/>
-            <p:nvPr/>
-          </p:nvSpPr>
-          <p:spPr>
-            <a:xfrm>
-              <a:off x="4024231" y="1542197"/>
-              <a:ext cx="3257988" cy="923330"/>
-            </a:xfrm>
-            <a:prstGeom prst="rect">
-              <a:avLst/>
-            </a:prstGeom>
-            <a:noFill/>
-          </p:spPr>
-          <p:txBody>
-            <a:bodyPr wrap="square" rtlCol="0">
-              <a:spAutoFit/>
-            </a:bodyPr>
-            <a:lstStyle/>
-            <a:p>
-              <a:r>
-                <a:rPr lang="en-US" dirty="0" smtClean="0"/>
-                <a:t>Depending on rarity, and “foil” distributions are made with the H/M/L prices</a:t>
-              </a:r>
-              <a:endParaRPr lang="en-US" dirty="0"/>
-            </a:p>
-          </p:txBody>
-        </p:sp>
-        <p:sp>
-          <p:nvSpPr>
-            <p:cNvPr id="25" name="Chevron 24"/>
-            <p:cNvSpPr/>
-            <p:nvPr/>
-          </p:nvSpPr>
-          <p:spPr>
-            <a:xfrm rot="5400000">
-              <a:off x="3078708" y="1746913"/>
-              <a:ext cx="1009934" cy="600502"/>
-            </a:xfrm>
-            <a:prstGeom prst="chevron">
-              <a:avLst/>
-            </a:prstGeom>
-            <a:solidFill>
-              <a:schemeClr val="accent4"/>
-            </a:solidFill>
-            <a:ln>
-              <a:noFill/>
-            </a:ln>
-          </p:spPr>
-          <p:style>
-            <a:lnRef idx="2">
-              <a:schemeClr val="accent1">
-                <a:shade val="50000"/>
-              </a:schemeClr>
-            </a:lnRef>
-            <a:fillRef idx="1">
-              <a:schemeClr val="accent1"/>
-            </a:fillRef>
-            <a:effectRef idx="0">
-              <a:schemeClr val="accent1"/>
-            </a:effectRef>
-            <a:fontRef idx="minor">
-              <a:schemeClr val="lt1"/>
-            </a:fontRef>
-          </p:style>
-          <p:txBody>
-            <a:bodyPr rtlCol="0" anchor="ctr"/>
-            <a:lstStyle/>
-            <a:p>
-              <a:pPr algn="ctr"/>
-              <a:endParaRPr lang="en-US">
-                <a:solidFill>
-                  <a:schemeClr val="tx1"/>
-                </a:solidFill>
-              </a:endParaRPr>
-            </a:p>
-          </p:txBody>
-        </p:sp>
-      </p:grpSp>
-      <p:grpSp>
-        <p:nvGrpSpPr>
-          <p:cNvPr id="26" name="Group 25"/>
-          <p:cNvGrpSpPr/>
-          <p:nvPr/>
-        </p:nvGrpSpPr>
-        <p:grpSpPr>
-          <a:xfrm>
-            <a:off x="1337484" y="4424143"/>
-            <a:ext cx="7570240" cy="1009934"/>
-            <a:chOff x="3283424" y="1542197"/>
-            <a:chExt cx="7570240" cy="1009934"/>
-          </a:xfrm>
-        </p:grpSpPr>
-        <p:sp>
-          <p:nvSpPr>
-            <p:cNvPr id="27" name="TextBox 26"/>
-            <p:cNvSpPr txBox="1"/>
-            <p:nvPr/>
-          </p:nvSpPr>
-          <p:spPr>
-            <a:xfrm>
-              <a:off x="4024230" y="1542197"/>
-              <a:ext cx="6829434" cy="369332"/>
-            </a:xfrm>
-            <a:prstGeom prst="rect">
-              <a:avLst/>
-            </a:prstGeom>
-            <a:noFill/>
-          </p:spPr>
-          <p:txBody>
-            <a:bodyPr wrap="none" rtlCol="0">
-              <a:spAutoFit/>
-            </a:bodyPr>
-            <a:lstStyle/>
-            <a:p>
-              <a:r>
-                <a:rPr lang="en-US" dirty="0" smtClean="0"/>
-                <a:t>Simulate 1000 pack openings to arrive at an average expected value.</a:t>
-              </a:r>
-              <a:endParaRPr lang="en-US" dirty="0"/>
-            </a:p>
-          </p:txBody>
-        </p:sp>
-        <p:sp>
-          <p:nvSpPr>
-            <p:cNvPr id="28" name="Chevron 27"/>
-            <p:cNvSpPr/>
-            <p:nvPr/>
-          </p:nvSpPr>
-          <p:spPr>
-            <a:xfrm rot="5400000">
-              <a:off x="3078708" y="1746913"/>
-              <a:ext cx="1009934" cy="600502"/>
-            </a:xfrm>
-            <a:prstGeom prst="chevron">
-              <a:avLst/>
-            </a:prstGeom>
-            <a:solidFill>
-              <a:schemeClr val="accent4"/>
-            </a:solidFill>
-            <a:ln>
-              <a:noFill/>
-            </a:ln>
-          </p:spPr>
-          <p:style>
-            <a:lnRef idx="2">
-              <a:schemeClr val="accent1">
-                <a:shade val="50000"/>
-              </a:schemeClr>
-            </a:lnRef>
-            <a:fillRef idx="1">
-              <a:schemeClr val="accent1"/>
-            </a:fillRef>
-            <a:effectRef idx="0">
-              <a:schemeClr val="accent1"/>
-            </a:effectRef>
-            <a:fontRef idx="minor">
-              <a:schemeClr val="lt1"/>
-            </a:fontRef>
-          </p:style>
-          <p:txBody>
-            <a:bodyPr rtlCol="0" anchor="ctr"/>
-            <a:lstStyle/>
-            <a:p>
-              <a:pPr algn="ctr"/>
-              <a:endParaRPr lang="en-US">
-                <a:solidFill>
-                  <a:schemeClr val="tx1"/>
-                </a:solidFill>
-              </a:endParaRPr>
-            </a:p>
-          </p:txBody>
-        </p:sp>
-      </p:grpSp>
-      <p:sp>
-        <p:nvSpPr>
-          <p:cNvPr id="30" name="TextBox 29"/>
-          <p:cNvSpPr txBox="1"/>
-          <p:nvPr/>
-        </p:nvSpPr>
-        <p:spPr>
-          <a:xfrm>
-            <a:off x="1483057" y="1746913"/>
-            <a:ext cx="301686" cy="369332"/>
-          </a:xfrm>
-          <a:prstGeom prst="rect">
-            <a:avLst/>
-          </a:prstGeom>
-          <a:noFill/>
-        </p:spPr>
-        <p:txBody>
-          <a:bodyPr wrap="none" rtlCol="0">
-            <a:spAutoFit/>
-          </a:bodyPr>
-          <a:lstStyle/>
-          <a:p>
-            <a:r>
-              <a:rPr lang="en-US" dirty="0" smtClean="0">
-                <a:solidFill>
-                  <a:schemeClr val="bg1"/>
-                </a:solidFill>
-              </a:rPr>
-              <a:t>1</a:t>
-            </a:r>
-            <a:endParaRPr lang="en-US" dirty="0">
-              <a:solidFill>
-                <a:schemeClr val="bg1"/>
-              </a:solidFill>
-            </a:endParaRPr>
-          </a:p>
-        </p:txBody>
-      </p:sp>
-      <p:sp>
-        <p:nvSpPr>
-          <p:cNvPr id="31" name="TextBox 30"/>
-          <p:cNvSpPr txBox="1"/>
-          <p:nvPr/>
-        </p:nvSpPr>
-        <p:spPr>
-          <a:xfrm>
-            <a:off x="1483057" y="2786417"/>
-            <a:ext cx="301686" cy="369332"/>
-          </a:xfrm>
-          <a:prstGeom prst="rect">
-            <a:avLst/>
-          </a:prstGeom>
-          <a:noFill/>
-        </p:spPr>
-        <p:txBody>
-          <a:bodyPr wrap="none" rtlCol="0">
-            <a:spAutoFit/>
-          </a:bodyPr>
-          <a:lstStyle/>
-          <a:p>
-            <a:r>
-              <a:rPr lang="en-US" dirty="0">
-                <a:solidFill>
-                  <a:schemeClr val="bg1"/>
-                </a:solidFill>
-              </a:rPr>
-              <a:t>2</a:t>
-            </a:r>
-          </a:p>
-        </p:txBody>
-      </p:sp>
-      <p:sp>
-        <p:nvSpPr>
-          <p:cNvPr id="32" name="TextBox 31"/>
-          <p:cNvSpPr txBox="1"/>
-          <p:nvPr/>
-        </p:nvSpPr>
-        <p:spPr>
-          <a:xfrm>
-            <a:off x="1483057" y="3714465"/>
-            <a:ext cx="301686" cy="369332"/>
-          </a:xfrm>
-          <a:prstGeom prst="rect">
-            <a:avLst/>
-          </a:prstGeom>
-          <a:noFill/>
-        </p:spPr>
-        <p:txBody>
-          <a:bodyPr wrap="none" rtlCol="0">
-            <a:spAutoFit/>
-          </a:bodyPr>
-          <a:lstStyle/>
-          <a:p>
-            <a:r>
-              <a:rPr lang="en-US" dirty="0" smtClean="0">
-                <a:solidFill>
-                  <a:schemeClr val="bg1"/>
-                </a:solidFill>
-              </a:rPr>
-              <a:t>3</a:t>
-            </a:r>
-            <a:endParaRPr lang="en-US" dirty="0">
-              <a:solidFill>
-                <a:schemeClr val="bg1"/>
-              </a:solidFill>
-            </a:endParaRPr>
-          </a:p>
-        </p:txBody>
-      </p:sp>
-      <p:sp>
-        <p:nvSpPr>
-          <p:cNvPr id="33" name="TextBox 32"/>
-          <p:cNvSpPr txBox="1"/>
-          <p:nvPr/>
-        </p:nvSpPr>
-        <p:spPr>
-          <a:xfrm>
-            <a:off x="1483057" y="4738047"/>
-            <a:ext cx="301686" cy="369332"/>
-          </a:xfrm>
-          <a:prstGeom prst="rect">
-            <a:avLst/>
-          </a:prstGeom>
-          <a:noFill/>
-        </p:spPr>
-        <p:txBody>
-          <a:bodyPr wrap="none" rtlCol="0">
-            <a:spAutoFit/>
-          </a:bodyPr>
-          <a:lstStyle/>
-          <a:p>
-            <a:r>
-              <a:rPr lang="en-US" dirty="0" smtClean="0">
-                <a:solidFill>
-                  <a:schemeClr val="bg1"/>
-                </a:solidFill>
-              </a:rPr>
-              <a:t>4</a:t>
-            </a:r>
-            <a:endParaRPr lang="en-US" dirty="0">
-              <a:solidFill>
-                <a:schemeClr val="bg1"/>
-              </a:solidFill>
-            </a:endParaRPr>
-          </a:p>
-        </p:txBody>
-      </p:sp>
-      <p:sp>
-        <p:nvSpPr>
-          <p:cNvPr id="34" name="TextBox 33"/>
-          <p:cNvSpPr txBox="1"/>
-          <p:nvPr/>
-        </p:nvSpPr>
-        <p:spPr>
-          <a:xfrm>
-            <a:off x="2019868" y="5445456"/>
-            <a:ext cx="7188378" cy="369332"/>
-          </a:xfrm>
-          <a:prstGeom prst="rect">
-            <a:avLst/>
-          </a:prstGeom>
-          <a:noFill/>
-        </p:spPr>
-        <p:txBody>
-          <a:bodyPr wrap="none" rtlCol="0">
-            <a:spAutoFit/>
-          </a:bodyPr>
-          <a:lstStyle/>
-          <a:p>
-            <a:r>
-              <a:rPr lang="en-US" b="1" u="sng" dirty="0" smtClean="0"/>
-              <a:t>No such thing as a bad set, only a bad price to pay for a pack, box or case.</a:t>
-            </a:r>
-            <a:endParaRPr lang="en-US" b="1" u="sng" dirty="0"/>
-          </a:p>
-        </p:txBody>
-      </p:sp>
-    </p:spTree>
-    <p:extLst>
-      <p:ext uri="{BB962C8B-B14F-4D97-AF65-F5344CB8AC3E}">
-        <p14:creationId xmlns:p14="http://schemas.microsoft.com/office/powerpoint/2010/main" val="1034444409"/>
+        <p14:creationId xmlns:p14="http://schemas.microsoft.com/office/powerpoint/2010/main" val="1110123195"/>
       </p:ext>
     </p:extLst>
   </p:cSld>
@@ -33565,128 +31626,6 @@
     <p:extLst>
       <p:ext uri="{BB962C8B-B14F-4D97-AF65-F5344CB8AC3E}">
         <p14:creationId xmlns:p14="http://schemas.microsoft.com/office/powerpoint/2010/main" val="1775280698"/>
-      </p:ext>
-    </p:extLst>
-  </p:cSld>
-  <p:clrMapOvr>
-    <a:masterClrMapping/>
-  </p:clrMapOvr>
-</p:sld>
-</file>
-
-<file path=ppt/slides/slide70.xml><?xml version="1.0" encoding="utf-8"?>
-<p:sld xmlns:a="http://schemas.openxmlformats.org/drawingml/2006/main" xmlns:r="http://schemas.openxmlformats.org/officeDocument/2006/relationships" xmlns:p="http://schemas.openxmlformats.org/presentationml/2006/main">
-  <p:cSld>
-    <p:spTree>
-      <p:nvGrpSpPr>
-        <p:cNvPr id="1" name=""/>
-        <p:cNvGrpSpPr/>
-        <p:nvPr/>
-      </p:nvGrpSpPr>
-      <p:grpSpPr>
-        <a:xfrm>
-          <a:off x="0" y="0"/>
-          <a:ext cx="0" cy="0"/>
-          <a:chOff x="0" y="0"/>
-          <a:chExt cx="0" cy="0"/>
-        </a:xfrm>
-      </p:grpSpPr>
-      <p:sp>
-        <p:nvSpPr>
-          <p:cNvPr id="2" name="Date Placeholder 1"/>
-          <p:cNvSpPr>
-            <a:spLocks noGrp="1"/>
-          </p:cNvSpPr>
-          <p:nvPr>
-            <p:ph type="dt" sz="half" idx="10"/>
-          </p:nvPr>
-        </p:nvSpPr>
-        <p:spPr/>
-        <p:txBody>
-          <a:bodyPr/>
-          <a:lstStyle/>
-          <a:p>
-            <a:fld id="{6700A58B-DD98-43D0-B791-721480A02982}" type="datetime1">
-              <a:rPr lang="en-US" smtClean="0"/>
-              <a:t>11/1/2018</a:t>
-            </a:fld>
-            <a:endParaRPr lang="en-US"/>
-          </a:p>
-        </p:txBody>
-      </p:sp>
-      <p:sp>
-        <p:nvSpPr>
-          <p:cNvPr id="3" name="Title 2"/>
-          <p:cNvSpPr>
-            <a:spLocks noGrp="1"/>
-          </p:cNvSpPr>
-          <p:nvPr>
-            <p:ph type="title"/>
-          </p:nvPr>
-        </p:nvSpPr>
-        <p:spPr/>
-        <p:txBody>
-          <a:bodyPr/>
-          <a:lstStyle/>
-          <a:p>
-            <a:r>
-              <a:rPr lang="en-US" dirty="0" smtClean="0"/>
-              <a:t>Open 3_SimulateBoosters.R</a:t>
-            </a:r>
-            <a:endParaRPr lang="en-US" dirty="0"/>
-          </a:p>
-        </p:txBody>
-      </p:sp>
-      <p:sp>
-        <p:nvSpPr>
-          <p:cNvPr id="4" name="Slide Number Placeholder 3"/>
-          <p:cNvSpPr>
-            <a:spLocks noGrp="1"/>
-          </p:cNvSpPr>
-          <p:nvPr>
-            <p:ph type="sldNum" sz="quarter" idx="12"/>
-          </p:nvPr>
-        </p:nvSpPr>
-        <p:spPr/>
-        <p:txBody>
-          <a:bodyPr/>
-          <a:lstStyle/>
-          <a:p>
-            <a:fld id="{37290FF7-652B-4475-AEAB-8B1A5D23AE09}" type="slidenum">
-              <a:rPr lang="en-US" smtClean="0"/>
-              <a:t>70</a:t>
-            </a:fld>
-            <a:endParaRPr lang="en-US"/>
-          </a:p>
-        </p:txBody>
-      </p:sp>
-      <p:sp>
-        <p:nvSpPr>
-          <p:cNvPr id="5" name="Footer Placeholder 4"/>
-          <p:cNvSpPr>
-            <a:spLocks noGrp="1"/>
-          </p:cNvSpPr>
-          <p:nvPr>
-            <p:ph type="ftr" sz="quarter" idx="3"/>
-          </p:nvPr>
-        </p:nvSpPr>
-        <p:spPr/>
-        <p:txBody>
-          <a:bodyPr/>
-          <a:lstStyle/>
-          <a:p>
-            <a:r>
-              <a:rPr lang="en-US" smtClean="0"/>
-              <a:t>Kwartler CSCI S-96</a:t>
-            </a:r>
-            <a:endParaRPr lang="en-US" dirty="0"/>
-          </a:p>
-        </p:txBody>
-      </p:sp>
-    </p:spTree>
-    <p:extLst>
-      <p:ext uri="{BB962C8B-B14F-4D97-AF65-F5344CB8AC3E}">
-        <p14:creationId xmlns:p14="http://schemas.microsoft.com/office/powerpoint/2010/main" val="1110123195"/>
       </p:ext>
     </p:extLst>
   </p:cSld>

--- a/Intro to Technical Financial Evaluation with R.pptx
+++ b/Intro to Technical Financial Evaluation with R.pptx
@@ -276,7 +276,7 @@
           <a:p>
             <a:fld id="{B0C0A60C-850A-4EA4-9C14-A8FE98B94505}" type="datetimeFigureOut">
               <a:rPr lang="en-US" smtClean="0"/>
-              <a:t>11/1/2018</a:t>
+              <a:t>11/2/2018</a:t>
             </a:fld>
             <a:endParaRPr lang="en-US"/>
           </a:p>
@@ -1143,7 +1143,7 @@
           <a:p>
             <a:fld id="{5738B90E-0779-4C36-915C-6F05FCD89456}" type="datetime1">
               <a:rPr lang="en-US" smtClean="0"/>
-              <a:t>11/1/2018</a:t>
+              <a:t>11/2/2018</a:t>
             </a:fld>
             <a:endParaRPr lang="en-US"/>
           </a:p>
@@ -1320,7 +1320,7 @@
           <a:p>
             <a:fld id="{7B9EA29D-D431-42FE-B7B6-AAE4454C77D3}" type="datetime1">
               <a:rPr lang="en-US" smtClean="0"/>
-              <a:t>11/1/2018</a:t>
+              <a:t>11/2/2018</a:t>
             </a:fld>
             <a:endParaRPr lang="en-US"/>
           </a:p>
@@ -1580,7 +1580,7 @@
           <a:p>
             <a:fld id="{690D8A1E-EA8F-46C1-B891-AE0C00D9C314}" type="datetime1">
               <a:rPr lang="en-US" smtClean="0"/>
-              <a:t>11/1/2018</a:t>
+              <a:t>11/2/2018</a:t>
             </a:fld>
             <a:endParaRPr lang="en-US"/>
           </a:p>
@@ -1874,7 +1874,7 @@
           <a:p>
             <a:fld id="{D753EFC8-4232-4598-94F6-94C0EBAFC469}" type="datetime1">
               <a:rPr lang="en-US" smtClean="0"/>
-              <a:t>11/1/2018</a:t>
+              <a:t>11/2/2018</a:t>
             </a:fld>
             <a:endParaRPr lang="en-US"/>
           </a:p>
@@ -2148,7 +2148,7 @@
           <a:p>
             <a:fld id="{F3161074-1C18-4AE7-957D-F18524378C85}" type="datetime1">
               <a:rPr lang="en-US" smtClean="0"/>
-              <a:t>11/1/2018</a:t>
+              <a:t>11/2/2018</a:t>
             </a:fld>
             <a:endParaRPr lang="en-US"/>
           </a:p>
@@ -2381,7 +2381,7 @@
           <a:p>
             <a:fld id="{69BE256C-8D9A-4404-B47D-41A1AE514425}" type="datetime1">
               <a:rPr lang="en-US" smtClean="0"/>
-              <a:t>11/1/2018</a:t>
+              <a:t>11/2/2018</a:t>
             </a:fld>
             <a:endParaRPr lang="en-US"/>
           </a:p>
@@ -2774,7 +2774,7 @@
           <a:p>
             <a:fld id="{66CB2154-9035-4012-8189-BAAB61C5A5EE}" type="datetime1">
               <a:rPr lang="en-US" smtClean="0"/>
-              <a:t>11/1/2018</a:t>
+              <a:t>11/2/2018</a:t>
             </a:fld>
             <a:endParaRPr lang="en-US"/>
           </a:p>
@@ -2907,7 +2907,7 @@
           <a:p>
             <a:fld id="{6700A58B-DD98-43D0-B791-721480A02982}" type="datetime1">
               <a:rPr lang="en-US" smtClean="0"/>
-              <a:t>11/1/2018</a:t>
+              <a:t>11/2/2018</a:t>
             </a:fld>
             <a:endParaRPr lang="en-US"/>
           </a:p>
@@ -3100,7 +3100,7 @@
           <a:p>
             <a:fld id="{7DB6E382-4F61-4E24-BE1A-377EC83D0E3A}" type="datetime1">
               <a:rPr lang="en-US" smtClean="0"/>
-              <a:t>11/1/2018</a:t>
+              <a:t>11/2/2018</a:t>
             </a:fld>
             <a:endParaRPr lang="en-US"/>
           </a:p>
@@ -3411,7 +3411,7 @@
           <a:p>
             <a:fld id="{4142EED6-FC16-45B9-B8C4-2BC5DBA88325}" type="datetime1">
               <a:rPr lang="en-US" smtClean="0"/>
-              <a:t>11/1/2018</a:t>
+              <a:t>11/2/2018</a:t>
             </a:fld>
             <a:endParaRPr lang="en-US"/>
           </a:p>
@@ -3729,7 +3729,7 @@
           <a:p>
             <a:fld id="{DF59512B-4F1D-43D7-8819-2F53FEF69650}" type="datetime1">
               <a:rPr lang="en-US" smtClean="0"/>
-              <a:t>11/1/2018</a:t>
+              <a:t>11/2/2018</a:t>
             </a:fld>
             <a:endParaRPr lang="en-US"/>
           </a:p>
@@ -4005,7 +4005,7 @@
           <a:p>
             <a:fld id="{08437B94-E2BF-44DC-ADC5-B05FC9934E9D}" type="datetime1">
               <a:rPr lang="en-US" smtClean="0"/>
-              <a:t>11/1/2018</a:t>
+              <a:t>11/2/2018</a:t>
             </a:fld>
             <a:endParaRPr lang="en-US"/>
           </a:p>
@@ -4495,7 +4495,7 @@
           <p:cNvPr id="2" name="Title 1">
             <a:extLst>
               <a:ext uri="{FF2B5EF4-FFF2-40B4-BE49-F238E27FC236}">
-                <a16:creationId xmlns:a16="http://schemas.microsoft.com/office/drawing/2014/main" xmlns="" id="{167A20D1-C38F-40A5-B020-EBD3D0FC1155}"/>
+                <a16:creationId xmlns="" xmlns:a16="http://schemas.microsoft.com/office/drawing/2014/main" id="{167A20D1-C38F-40A5-B020-EBD3D0FC1155}"/>
               </a:ext>
             </a:extLst>
           </p:cNvPr>
@@ -4523,7 +4523,7 @@
           <p:cNvPr id="3" name="Subtitle 2">
             <a:extLst>
               <a:ext uri="{FF2B5EF4-FFF2-40B4-BE49-F238E27FC236}">
-                <a16:creationId xmlns:a16="http://schemas.microsoft.com/office/drawing/2014/main" xmlns="" id="{629F9E77-3FDD-40CA-82E9-3C67E139D3A1}"/>
+                <a16:creationId xmlns="" xmlns:a16="http://schemas.microsoft.com/office/drawing/2014/main" id="{629F9E77-3FDD-40CA-82E9-3C67E139D3A1}"/>
               </a:ext>
             </a:extLst>
           </p:cNvPr>
@@ -4552,7 +4552,7 @@
           <p:cNvPr id="4" name="Date Placeholder 3">
             <a:extLst>
               <a:ext uri="{FF2B5EF4-FFF2-40B4-BE49-F238E27FC236}">
-                <a16:creationId xmlns:a16="http://schemas.microsoft.com/office/drawing/2014/main" xmlns="" id="{8909B2EE-DD66-4058-A696-AC289906954A}"/>
+                <a16:creationId xmlns="" xmlns:a16="http://schemas.microsoft.com/office/drawing/2014/main" id="{8909B2EE-DD66-4058-A696-AC289906954A}"/>
               </a:ext>
             </a:extLst>
           </p:cNvPr>
@@ -4570,7 +4570,7 @@
           <a:p>
             <a:fld id="{5738B90E-0779-4C36-915C-6F05FCD89456}" type="datetime1">
               <a:rPr lang="en-US" smtClean="0"/>
-              <a:t>11/1/2018</a:t>
+              <a:t>11/2/2018</a:t>
             </a:fld>
             <a:endParaRPr lang="en-US"/>
           </a:p>
@@ -4581,7 +4581,7 @@
           <p:cNvPr id="5" name="Slide Number Placeholder 4">
             <a:extLst>
               <a:ext uri="{FF2B5EF4-FFF2-40B4-BE49-F238E27FC236}">
-                <a16:creationId xmlns:a16="http://schemas.microsoft.com/office/drawing/2014/main" xmlns="" id="{A46ACE7D-882D-448A-8D8E-544494B44B9F}"/>
+                <a16:creationId xmlns="" xmlns:a16="http://schemas.microsoft.com/office/drawing/2014/main" id="{A46ACE7D-882D-448A-8D8E-544494B44B9F}"/>
               </a:ext>
             </a:extLst>
           </p:cNvPr>
@@ -4610,7 +4610,7 @@
           <p:cNvPr id="6" name="Footer Placeholder 5">
             <a:extLst>
               <a:ext uri="{FF2B5EF4-FFF2-40B4-BE49-F238E27FC236}">
-                <a16:creationId xmlns:a16="http://schemas.microsoft.com/office/drawing/2014/main" xmlns="" id="{31E96655-E1DA-41A3-90E3-F63E0ECB1AE6}"/>
+                <a16:creationId xmlns="" xmlns:a16="http://schemas.microsoft.com/office/drawing/2014/main" id="{31E96655-E1DA-41A3-90E3-F63E0ECB1AE6}"/>
               </a:ext>
             </a:extLst>
           </p:cNvPr>
@@ -4631,6 +4631,43 @@
               <a:t>Kwartler CSCI S-96</a:t>
             </a:r>
             <a:endParaRPr lang="en-US" dirty="0"/>
+          </a:p>
+        </p:txBody>
+      </p:sp>
+      <p:sp>
+        <p:nvSpPr>
+          <p:cNvPr id="7" name="Rectangle 6"/>
+          <p:cNvSpPr/>
+          <p:nvPr/>
+        </p:nvSpPr>
+        <p:spPr>
+          <a:xfrm>
+            <a:off x="2216932" y="4988467"/>
+            <a:ext cx="4710136" cy="369332"/>
+          </a:xfrm>
+          <a:prstGeom prst="rect">
+            <a:avLst/>
+          </a:prstGeom>
+        </p:spPr>
+        <p:txBody>
+          <a:bodyPr wrap="none">
+            <a:spAutoFit/>
+          </a:bodyPr>
+          <a:lstStyle/>
+          <a:p>
+            <a:r>
+              <a:rPr lang="en-US" b="1" dirty="0">
+                <a:hlinkClick r:id="rId2"/>
+              </a:rPr>
+              <a:t>https://</a:t>
+            </a:r>
+            <a:r>
+              <a:rPr lang="en-US" b="1" dirty="0" smtClean="0">
+                <a:hlinkClick r:id="rId2"/>
+              </a:rPr>
+              <a:t>github.com/kwartler/ODSC_west_2018</a:t>
+            </a:r>
+            <a:endParaRPr lang="en-US" b="1" dirty="0"/>
           </a:p>
         </p:txBody>
       </p:sp>
@@ -4688,7 +4725,7 @@
           <a:p>
             <a:fld id="{6700A58B-DD98-43D0-B791-721480A02982}" type="datetime1">
               <a:rPr lang="en-US" smtClean="0"/>
-              <a:t>11/1/2018</a:t>
+              <a:t>11/2/2018</a:t>
             </a:fld>
             <a:endParaRPr lang="en-US"/>
           </a:p>
@@ -4920,6 +4957,13 @@
   <p:clrMapOvr>
     <a:masterClrMapping/>
   </p:clrMapOvr>
+  <p:timing>
+    <p:tnLst>
+      <p:par>
+        <p:cTn id="1" dur="indefinite" restart="never" nodeType="tmRoot"/>
+      </p:par>
+    </p:tnLst>
+  </p:timing>
 </p:sld>
 </file>
 
@@ -4957,7 +5001,7 @@
           <a:p>
             <a:fld id="{6700A58B-DD98-43D0-B791-721480A02982}" type="datetime1">
               <a:rPr lang="en-US" smtClean="0"/>
-              <a:t>11/1/2018</a:t>
+              <a:t>11/2/2018</a:t>
             </a:fld>
             <a:endParaRPr lang="en-US"/>
           </a:p>
@@ -5189,6 +5233,13 @@
   <p:clrMapOvr>
     <a:masterClrMapping/>
   </p:clrMapOvr>
+  <p:timing>
+    <p:tnLst>
+      <p:par>
+        <p:cTn id="1" dur="indefinite" restart="never" nodeType="tmRoot"/>
+      </p:par>
+    </p:tnLst>
+  </p:timing>
 </p:sld>
 </file>
 
@@ -5226,7 +5277,7 @@
           <a:p>
             <a:fld id="{6700A58B-DD98-43D0-B791-721480A02982}" type="datetime1">
               <a:rPr lang="en-US" smtClean="0"/>
-              <a:t>11/1/2018</a:t>
+              <a:t>11/2/2018</a:t>
             </a:fld>
             <a:endParaRPr lang="en-US"/>
           </a:p>
@@ -5458,6 +5509,13 @@
   <p:clrMapOvr>
     <a:masterClrMapping/>
   </p:clrMapOvr>
+  <p:timing>
+    <p:tnLst>
+      <p:par>
+        <p:cTn id="1" dur="indefinite" restart="never" nodeType="tmRoot"/>
+      </p:par>
+    </p:tnLst>
+  </p:timing>
 </p:sld>
 </file>
 
@@ -5495,7 +5553,7 @@
           <a:p>
             <a:fld id="{6700A58B-DD98-43D0-B791-721480A02982}" type="datetime1">
               <a:rPr lang="en-US" smtClean="0"/>
-              <a:t>11/1/2018</a:t>
+              <a:t>11/2/2018</a:t>
             </a:fld>
             <a:endParaRPr lang="en-US"/>
           </a:p>
@@ -5727,6 +5785,13 @@
   <p:clrMapOvr>
     <a:masterClrMapping/>
   </p:clrMapOvr>
+  <p:timing>
+    <p:tnLst>
+      <p:par>
+        <p:cTn id="1" dur="indefinite" restart="never" nodeType="tmRoot"/>
+      </p:par>
+    </p:tnLst>
+  </p:timing>
 </p:sld>
 </file>
 
@@ -5764,7 +5829,7 @@
           <a:p>
             <a:fld id="{6700A58B-DD98-43D0-B791-721480A02982}" type="datetime1">
               <a:rPr lang="en-US" smtClean="0"/>
-              <a:t>11/1/2018</a:t>
+              <a:t>11/2/2018</a:t>
             </a:fld>
             <a:endParaRPr lang="en-US"/>
           </a:p>
@@ -5890,6 +5955,13 @@
   <p:clrMapOvr>
     <a:masterClrMapping/>
   </p:clrMapOvr>
+  <p:timing>
+    <p:tnLst>
+      <p:par>
+        <p:cTn id="1" dur="indefinite" restart="never" nodeType="tmRoot"/>
+      </p:par>
+    </p:tnLst>
+  </p:timing>
 </p:sld>
 </file>
 
@@ -5927,7 +5999,7 @@
           <a:p>
             <a:fld id="{6700A58B-DD98-43D0-B791-721480A02982}" type="datetime1">
               <a:rPr lang="en-US" smtClean="0"/>
-              <a:t>11/1/2018</a:t>
+              <a:t>11/2/2018</a:t>
             </a:fld>
             <a:endParaRPr lang="en-US"/>
           </a:p>
@@ -6112,6 +6184,13 @@
   <p:clrMapOvr>
     <a:masterClrMapping/>
   </p:clrMapOvr>
+  <p:timing>
+    <p:tnLst>
+      <p:par>
+        <p:cTn id="1" dur="indefinite" restart="never" nodeType="tmRoot"/>
+      </p:par>
+    </p:tnLst>
+  </p:timing>
 </p:sld>
 </file>
 
@@ -6149,7 +6228,7 @@
           <a:p>
             <a:fld id="{6700A58B-DD98-43D0-B791-721480A02982}" type="datetime1">
               <a:rPr lang="en-US" smtClean="0"/>
-              <a:t>11/1/2018</a:t>
+              <a:t>11/2/2018</a:t>
             </a:fld>
             <a:endParaRPr lang="en-US"/>
           </a:p>
@@ -6448,6 +6527,13 @@
   <p:clrMapOvr>
     <a:masterClrMapping/>
   </p:clrMapOvr>
+  <p:timing>
+    <p:tnLst>
+      <p:par>
+        <p:cTn id="1" dur="indefinite" restart="never" nodeType="tmRoot"/>
+      </p:par>
+    </p:tnLst>
+  </p:timing>
 </p:sld>
 </file>
 
@@ -6485,7 +6571,7 @@
           <a:p>
             <a:fld id="{6700A58B-DD98-43D0-B791-721480A02982}" type="datetime1">
               <a:rPr lang="en-US" smtClean="0"/>
-              <a:t>11/1/2018</a:t>
+              <a:t>11/2/2018</a:t>
             </a:fld>
             <a:endParaRPr lang="en-US"/>
           </a:p>
@@ -6711,6 +6797,13 @@
   <p:clrMapOvr>
     <a:masterClrMapping/>
   </p:clrMapOvr>
+  <p:timing>
+    <p:tnLst>
+      <p:par>
+        <p:cTn id="1" dur="indefinite" restart="never" nodeType="tmRoot"/>
+      </p:par>
+    </p:tnLst>
+  </p:timing>
 </p:sld>
 </file>
 
@@ -6748,7 +6841,7 @@
           <a:p>
             <a:fld id="{6700A58B-DD98-43D0-B791-721480A02982}" type="datetime1">
               <a:rPr lang="en-US" smtClean="0"/>
-              <a:t>11/1/2018</a:t>
+              <a:t>11/2/2018</a:t>
             </a:fld>
             <a:endParaRPr lang="en-US"/>
           </a:p>
@@ -7061,6 +7154,13 @@
   <p:clrMapOvr>
     <a:masterClrMapping/>
   </p:clrMapOvr>
+  <p:timing>
+    <p:tnLst>
+      <p:par>
+        <p:cTn id="1" dur="indefinite" restart="never" nodeType="tmRoot"/>
+      </p:par>
+    </p:tnLst>
+  </p:timing>
 </p:sld>
 </file>
 
@@ -7098,7 +7198,7 @@
           <a:p>
             <a:fld id="{6700A58B-DD98-43D0-B791-721480A02982}" type="datetime1">
               <a:rPr lang="en-US" smtClean="0"/>
-              <a:t>11/1/2018</a:t>
+              <a:t>11/2/2018</a:t>
             </a:fld>
             <a:endParaRPr lang="en-US"/>
           </a:p>
@@ -7515,6 +7615,13 @@
   <p:clrMapOvr>
     <a:masterClrMapping/>
   </p:clrMapOvr>
+  <p:timing>
+    <p:tnLst>
+      <p:par>
+        <p:cTn id="1" dur="indefinite" restart="never" nodeType="tmRoot"/>
+      </p:par>
+    </p:tnLst>
+  </p:timing>
 </p:sld>
 </file>
 
@@ -7552,7 +7659,7 @@
           <a:p>
             <a:fld id="{6700A58B-DD98-43D0-B791-721480A02982}" type="datetime1">
               <a:rPr lang="en-US" smtClean="0"/>
-              <a:t>11/1/2018</a:t>
+              <a:t>11/2/2018</a:t>
             </a:fld>
             <a:endParaRPr lang="en-US"/>
           </a:p>
@@ -7972,7 +8079,7 @@
           <a:p>
             <a:fld id="{6700A58B-DD98-43D0-B791-721480A02982}" type="datetime1">
               <a:rPr lang="en-US" smtClean="0"/>
-              <a:t>11/1/2018</a:t>
+              <a:t>11/2/2018</a:t>
             </a:fld>
             <a:endParaRPr lang="en-US"/>
           </a:p>
@@ -8380,6 +8487,13 @@
   <p:clrMapOvr>
     <a:masterClrMapping/>
   </p:clrMapOvr>
+  <p:timing>
+    <p:tnLst>
+      <p:par>
+        <p:cTn id="1" dur="indefinite" restart="never" nodeType="tmRoot"/>
+      </p:par>
+    </p:tnLst>
+  </p:timing>
 </p:sld>
 </file>
 
@@ -8417,7 +8531,7 @@
           <a:p>
             <a:fld id="{6700A58B-DD98-43D0-B791-721480A02982}" type="datetime1">
               <a:rPr lang="en-US" smtClean="0"/>
-              <a:t>11/1/2018</a:t>
+              <a:t>11/2/2018</a:t>
             </a:fld>
             <a:endParaRPr lang="en-US"/>
           </a:p>
@@ -8637,6 +8751,13 @@
   <p:clrMapOvr>
     <a:masterClrMapping/>
   </p:clrMapOvr>
+  <p:timing>
+    <p:tnLst>
+      <p:par>
+        <p:cTn id="1" dur="indefinite" restart="never" nodeType="tmRoot"/>
+      </p:par>
+    </p:tnLst>
+  </p:timing>
 </p:sld>
 </file>
 
@@ -8674,7 +8795,7 @@
           <a:p>
             <a:fld id="{6700A58B-DD98-43D0-B791-721480A02982}" type="datetime1">
               <a:rPr lang="en-US" smtClean="0"/>
-              <a:t>11/1/2018</a:t>
+              <a:t>11/2/2018</a:t>
             </a:fld>
             <a:endParaRPr lang="en-US"/>
           </a:p>
@@ -8981,6 +9102,13 @@
   <p:clrMapOvr>
     <a:masterClrMapping/>
   </p:clrMapOvr>
+  <p:timing>
+    <p:tnLst>
+      <p:par>
+        <p:cTn id="1" dur="indefinite" restart="never" nodeType="tmRoot"/>
+      </p:par>
+    </p:tnLst>
+  </p:timing>
 </p:sld>
 </file>
 
@@ -9018,7 +9146,7 @@
           <a:p>
             <a:fld id="{6700A58B-DD98-43D0-B791-721480A02982}" type="datetime1">
               <a:rPr lang="en-US" smtClean="0"/>
-              <a:t>11/1/2018</a:t>
+              <a:t>11/2/2018</a:t>
             </a:fld>
             <a:endParaRPr lang="en-US"/>
           </a:p>
@@ -9171,6 +9299,13 @@
   <p:clrMapOvr>
     <a:masterClrMapping/>
   </p:clrMapOvr>
+  <p:timing>
+    <p:tnLst>
+      <p:par>
+        <p:cTn id="1" dur="indefinite" restart="never" nodeType="tmRoot"/>
+      </p:par>
+    </p:tnLst>
+  </p:timing>
 </p:sld>
 </file>
 
@@ -9238,21 +9373,21 @@
                 <a:gridCol w="1242805">
                   <a:extLst>
                     <a:ext uri="{9D8B030D-6E8A-4147-A177-3AD203B41FA5}">
-                      <a16:colId xmlns:a16="http://schemas.microsoft.com/office/drawing/2014/main" xmlns="" val="20000"/>
+                      <a16:colId xmlns="" xmlns:a16="http://schemas.microsoft.com/office/drawing/2014/main" val="20000"/>
                     </a:ext>
                   </a:extLst>
                 </a:gridCol>
                 <a:gridCol w="861296">
                   <a:extLst>
                     <a:ext uri="{9D8B030D-6E8A-4147-A177-3AD203B41FA5}">
-                      <a16:colId xmlns:a16="http://schemas.microsoft.com/office/drawing/2014/main" xmlns="" val="20001"/>
+                      <a16:colId xmlns="" xmlns:a16="http://schemas.microsoft.com/office/drawing/2014/main" val="20001"/>
                     </a:ext>
                   </a:extLst>
                 </a:gridCol>
                 <a:gridCol w="5811174">
                   <a:extLst>
                     <a:ext uri="{9D8B030D-6E8A-4147-A177-3AD203B41FA5}">
-                      <a16:colId xmlns:a16="http://schemas.microsoft.com/office/drawing/2014/main" xmlns="" val="20002"/>
+                      <a16:colId xmlns="" xmlns:a16="http://schemas.microsoft.com/office/drawing/2014/main" val="20002"/>
                     </a:ext>
                   </a:extLst>
                 </a:gridCol>
@@ -9313,7 +9448,7 @@
                 </a:tc>
                 <a:extLst>
                   <a:ext uri="{0D108BD9-81ED-4DB2-BD59-A6C34878D82A}">
-                    <a16:rowId xmlns:a16="http://schemas.microsoft.com/office/drawing/2014/main" xmlns="" val="10000"/>
+                    <a16:rowId xmlns="" xmlns:a16="http://schemas.microsoft.com/office/drawing/2014/main" val="10000"/>
                   </a:ext>
                 </a:extLst>
               </a:tr>
@@ -9434,7 +9569,7 @@
                 </a:tc>
                 <a:extLst>
                   <a:ext uri="{0D108BD9-81ED-4DB2-BD59-A6C34878D82A}">
-                    <a16:rowId xmlns:a16="http://schemas.microsoft.com/office/drawing/2014/main" xmlns="" val="10001"/>
+                    <a16:rowId xmlns="" xmlns:a16="http://schemas.microsoft.com/office/drawing/2014/main" val="10001"/>
                   </a:ext>
                 </a:extLst>
               </a:tr>
@@ -9547,7 +9682,7 @@
                 </a:tc>
                 <a:extLst>
                   <a:ext uri="{0D108BD9-81ED-4DB2-BD59-A6C34878D82A}">
-                    <a16:rowId xmlns:a16="http://schemas.microsoft.com/office/drawing/2014/main" xmlns="" val="10002"/>
+                    <a16:rowId xmlns="" xmlns:a16="http://schemas.microsoft.com/office/drawing/2014/main" val="10002"/>
                   </a:ext>
                 </a:extLst>
               </a:tr>
@@ -9655,7 +9790,7 @@
                 </a:tc>
                 <a:extLst>
                   <a:ext uri="{0D108BD9-81ED-4DB2-BD59-A6C34878D82A}">
-                    <a16:rowId xmlns:a16="http://schemas.microsoft.com/office/drawing/2014/main" xmlns="" val="3853070941"/>
+                    <a16:rowId xmlns="" xmlns:a16="http://schemas.microsoft.com/office/drawing/2014/main" val="3853070941"/>
                   </a:ext>
                 </a:extLst>
               </a:tr>
@@ -9706,7 +9841,7 @@
                 </a:tc>
                 <a:extLst>
                   <a:ext uri="{0D108BD9-81ED-4DB2-BD59-A6C34878D82A}">
-                    <a16:rowId xmlns:a16="http://schemas.microsoft.com/office/drawing/2014/main" xmlns="" val="3086568558"/>
+                    <a16:rowId xmlns="" xmlns:a16="http://schemas.microsoft.com/office/drawing/2014/main" val="3086568558"/>
                   </a:ext>
                 </a:extLst>
               </a:tr>
@@ -9753,7 +9888,7 @@
                 </a:tc>
                 <a:extLst>
                   <a:ext uri="{0D108BD9-81ED-4DB2-BD59-A6C34878D82A}">
-                    <a16:rowId xmlns:a16="http://schemas.microsoft.com/office/drawing/2014/main" xmlns="" val="1739476882"/>
+                    <a16:rowId xmlns="" xmlns:a16="http://schemas.microsoft.com/office/drawing/2014/main" val="1739476882"/>
                   </a:ext>
                 </a:extLst>
               </a:tr>
@@ -9800,7 +9935,7 @@
                 </a:tc>
                 <a:extLst>
                   <a:ext uri="{0D108BD9-81ED-4DB2-BD59-A6C34878D82A}">
-                    <a16:rowId xmlns:a16="http://schemas.microsoft.com/office/drawing/2014/main" xmlns="" val="4176223156"/>
+                    <a16:rowId xmlns="" xmlns:a16="http://schemas.microsoft.com/office/drawing/2014/main" val="4176223156"/>
                   </a:ext>
                 </a:extLst>
               </a:tr>
@@ -9851,7 +9986,7 @@
                 </a:tc>
                 <a:extLst>
                   <a:ext uri="{0D108BD9-81ED-4DB2-BD59-A6C34878D82A}">
-                    <a16:rowId xmlns:a16="http://schemas.microsoft.com/office/drawing/2014/main" xmlns="" val="375788903"/>
+                    <a16:rowId xmlns="" xmlns:a16="http://schemas.microsoft.com/office/drawing/2014/main" val="375788903"/>
                   </a:ext>
                 </a:extLst>
               </a:tr>
@@ -9902,7 +10037,7 @@
                 </a:tc>
                 <a:extLst>
                   <a:ext uri="{0D108BD9-81ED-4DB2-BD59-A6C34878D82A}">
-                    <a16:rowId xmlns:a16="http://schemas.microsoft.com/office/drawing/2014/main" xmlns="" val="1479263652"/>
+                    <a16:rowId xmlns="" xmlns:a16="http://schemas.microsoft.com/office/drawing/2014/main" val="1479263652"/>
                   </a:ext>
                 </a:extLst>
               </a:tr>
@@ -9927,7 +10062,7 @@
           <a:p>
             <a:fld id="{9B19E99B-5349-415A-8E56-8E989211A366}" type="datetime1">
               <a:rPr lang="en-US" smtClean="0"/>
-              <a:t>11/1/2018</a:t>
+              <a:t>11/2/2018</a:t>
             </a:fld>
             <a:endParaRPr lang="en-US"/>
           </a:p>
@@ -10033,7 +10168,7 @@
           <a:p>
             <a:fld id="{6700A58B-DD98-43D0-B791-721480A02982}" type="datetime1">
               <a:rPr lang="en-US" smtClean="0"/>
-              <a:t>11/1/2018</a:t>
+              <a:t>11/2/2018</a:t>
             </a:fld>
             <a:endParaRPr lang="en-US"/>
           </a:p>
@@ -10286,6 +10421,13 @@
   <p:clrMapOvr>
     <a:masterClrMapping/>
   </p:clrMapOvr>
+  <p:timing>
+    <p:tnLst>
+      <p:par>
+        <p:cTn id="1" dur="indefinite" restart="never" nodeType="tmRoot"/>
+      </p:par>
+    </p:tnLst>
+  </p:timing>
 </p:sld>
 </file>
 
@@ -10323,7 +10465,7 @@
           <a:p>
             <a:fld id="{6700A58B-DD98-43D0-B791-721480A02982}" type="datetime1">
               <a:rPr lang="en-US" smtClean="0"/>
-              <a:t>11/1/2018</a:t>
+              <a:t>11/2/2018</a:t>
             </a:fld>
             <a:endParaRPr lang="en-US"/>
           </a:p>
@@ -10968,6 +11110,13 @@
   <p:clrMapOvr>
     <a:masterClrMapping/>
   </p:clrMapOvr>
+  <p:timing>
+    <p:tnLst>
+      <p:par>
+        <p:cTn id="1" dur="indefinite" restart="never" nodeType="tmRoot"/>
+      </p:par>
+    </p:tnLst>
+  </p:timing>
 </p:sld>
 </file>
 
@@ -11005,7 +11154,7 @@
           <a:p>
             <a:fld id="{6700A58B-DD98-43D0-B791-721480A02982}" type="datetime1">
               <a:rPr lang="en-US" smtClean="0"/>
-              <a:t>11/1/2018</a:t>
+              <a:t>11/2/2018</a:t>
             </a:fld>
             <a:endParaRPr lang="en-US"/>
           </a:p>
@@ -11508,6 +11657,13 @@
   <p:clrMapOvr>
     <a:masterClrMapping/>
   </p:clrMapOvr>
+  <p:timing>
+    <p:tnLst>
+      <p:par>
+        <p:cTn id="1" dur="indefinite" restart="never" nodeType="tmRoot"/>
+      </p:par>
+    </p:tnLst>
+  </p:timing>
 </p:sld>
 </file>
 
@@ -11545,7 +11701,7 @@
           <a:p>
             <a:fld id="{6700A58B-DD98-43D0-B791-721480A02982}" type="datetime1">
               <a:rPr lang="en-US" smtClean="0"/>
-              <a:t>11/1/2018</a:t>
+              <a:t>11/2/2018</a:t>
             </a:fld>
             <a:endParaRPr lang="en-US"/>
           </a:p>
@@ -12119,6 +12275,13 @@
   <p:clrMapOvr>
     <a:masterClrMapping/>
   </p:clrMapOvr>
+  <p:timing>
+    <p:tnLst>
+      <p:par>
+        <p:cTn id="1" dur="indefinite" restart="never" nodeType="tmRoot"/>
+      </p:par>
+    </p:tnLst>
+  </p:timing>
 </p:sld>
 </file>
 
@@ -12156,7 +12319,7 @@
           <a:p>
             <a:fld id="{6700A58B-DD98-43D0-B791-721480A02982}" type="datetime1">
               <a:rPr lang="en-US" smtClean="0"/>
-              <a:t>11/1/2018</a:t>
+              <a:t>11/2/2018</a:t>
             </a:fld>
             <a:endParaRPr lang="en-US"/>
           </a:p>
@@ -13305,6 +13468,13 @@
   <p:clrMapOvr>
     <a:masterClrMapping/>
   </p:clrMapOvr>
+  <p:timing>
+    <p:tnLst>
+      <p:par>
+        <p:cTn id="1" dur="indefinite" restart="never" nodeType="tmRoot"/>
+      </p:par>
+    </p:tnLst>
+  </p:timing>
 </p:sld>
 </file>
 
@@ -13376,21 +13546,21 @@
                 <a:gridCol w="1242805">
                   <a:extLst>
                     <a:ext uri="{9D8B030D-6E8A-4147-A177-3AD203B41FA5}">
-                      <a16:colId xmlns:a16="http://schemas.microsoft.com/office/drawing/2014/main" xmlns="" val="20000"/>
+                      <a16:colId xmlns="" xmlns:a16="http://schemas.microsoft.com/office/drawing/2014/main" val="20000"/>
                     </a:ext>
                   </a:extLst>
                 </a:gridCol>
                 <a:gridCol w="861296">
                   <a:extLst>
                     <a:ext uri="{9D8B030D-6E8A-4147-A177-3AD203B41FA5}">
-                      <a16:colId xmlns:a16="http://schemas.microsoft.com/office/drawing/2014/main" xmlns="" val="20001"/>
+                      <a16:colId xmlns="" xmlns:a16="http://schemas.microsoft.com/office/drawing/2014/main" val="20001"/>
                     </a:ext>
                   </a:extLst>
                 </a:gridCol>
                 <a:gridCol w="5811174">
                   <a:extLst>
                     <a:ext uri="{9D8B030D-6E8A-4147-A177-3AD203B41FA5}">
-                      <a16:colId xmlns:a16="http://schemas.microsoft.com/office/drawing/2014/main" xmlns="" val="20002"/>
+                      <a16:colId xmlns="" xmlns:a16="http://schemas.microsoft.com/office/drawing/2014/main" val="20002"/>
                     </a:ext>
                   </a:extLst>
                 </a:gridCol>
@@ -13451,7 +13621,7 @@
                 </a:tc>
                 <a:extLst>
                   <a:ext uri="{0D108BD9-81ED-4DB2-BD59-A6C34878D82A}">
-                    <a16:rowId xmlns:a16="http://schemas.microsoft.com/office/drawing/2014/main" xmlns="" val="10000"/>
+                    <a16:rowId xmlns="" xmlns:a16="http://schemas.microsoft.com/office/drawing/2014/main" val="10000"/>
                   </a:ext>
                 </a:extLst>
               </a:tr>
@@ -13572,7 +13742,7 @@
                 </a:tc>
                 <a:extLst>
                   <a:ext uri="{0D108BD9-81ED-4DB2-BD59-A6C34878D82A}">
-                    <a16:rowId xmlns:a16="http://schemas.microsoft.com/office/drawing/2014/main" xmlns="" val="10001"/>
+                    <a16:rowId xmlns="" xmlns:a16="http://schemas.microsoft.com/office/drawing/2014/main" val="10001"/>
                   </a:ext>
                 </a:extLst>
               </a:tr>
@@ -13685,7 +13855,7 @@
                 </a:tc>
                 <a:extLst>
                   <a:ext uri="{0D108BD9-81ED-4DB2-BD59-A6C34878D82A}">
-                    <a16:rowId xmlns:a16="http://schemas.microsoft.com/office/drawing/2014/main" xmlns="" val="10002"/>
+                    <a16:rowId xmlns="" xmlns:a16="http://schemas.microsoft.com/office/drawing/2014/main" val="10002"/>
                   </a:ext>
                 </a:extLst>
               </a:tr>
@@ -13793,7 +13963,7 @@
                 </a:tc>
                 <a:extLst>
                   <a:ext uri="{0D108BD9-81ED-4DB2-BD59-A6C34878D82A}">
-                    <a16:rowId xmlns:a16="http://schemas.microsoft.com/office/drawing/2014/main" xmlns="" val="3853070941"/>
+                    <a16:rowId xmlns="" xmlns:a16="http://schemas.microsoft.com/office/drawing/2014/main" val="3853070941"/>
                   </a:ext>
                 </a:extLst>
               </a:tr>
@@ -13844,7 +14014,7 @@
                 </a:tc>
                 <a:extLst>
                   <a:ext uri="{0D108BD9-81ED-4DB2-BD59-A6C34878D82A}">
-                    <a16:rowId xmlns:a16="http://schemas.microsoft.com/office/drawing/2014/main" xmlns="" val="3086568558"/>
+                    <a16:rowId xmlns="" xmlns:a16="http://schemas.microsoft.com/office/drawing/2014/main" val="3086568558"/>
                   </a:ext>
                 </a:extLst>
               </a:tr>
@@ -13891,7 +14061,7 @@
                 </a:tc>
                 <a:extLst>
                   <a:ext uri="{0D108BD9-81ED-4DB2-BD59-A6C34878D82A}">
-                    <a16:rowId xmlns:a16="http://schemas.microsoft.com/office/drawing/2014/main" xmlns="" val="1739476882"/>
+                    <a16:rowId xmlns="" xmlns:a16="http://schemas.microsoft.com/office/drawing/2014/main" val="1739476882"/>
                   </a:ext>
                 </a:extLst>
               </a:tr>
@@ -13938,7 +14108,7 @@
                 </a:tc>
                 <a:extLst>
                   <a:ext uri="{0D108BD9-81ED-4DB2-BD59-A6C34878D82A}">
-                    <a16:rowId xmlns:a16="http://schemas.microsoft.com/office/drawing/2014/main" xmlns="" val="4176223156"/>
+                    <a16:rowId xmlns="" xmlns:a16="http://schemas.microsoft.com/office/drawing/2014/main" val="4176223156"/>
                   </a:ext>
                 </a:extLst>
               </a:tr>
@@ -13989,7 +14159,7 @@
                 </a:tc>
                 <a:extLst>
                   <a:ext uri="{0D108BD9-81ED-4DB2-BD59-A6C34878D82A}">
-                    <a16:rowId xmlns:a16="http://schemas.microsoft.com/office/drawing/2014/main" xmlns="" val="375788903"/>
+                    <a16:rowId xmlns="" xmlns:a16="http://schemas.microsoft.com/office/drawing/2014/main" val="375788903"/>
                   </a:ext>
                 </a:extLst>
               </a:tr>
@@ -14040,7 +14210,7 @@
                 </a:tc>
                 <a:extLst>
                   <a:ext uri="{0D108BD9-81ED-4DB2-BD59-A6C34878D82A}">
-                    <a16:rowId xmlns:a16="http://schemas.microsoft.com/office/drawing/2014/main" xmlns="" val="1479263652"/>
+                    <a16:rowId xmlns="" xmlns:a16="http://schemas.microsoft.com/office/drawing/2014/main" val="1479263652"/>
                   </a:ext>
                 </a:extLst>
               </a:tr>
@@ -14065,7 +14235,7 @@
           <a:p>
             <a:fld id="{9B19E99B-5349-415A-8E56-8E989211A366}" type="datetime1">
               <a:rPr lang="en-US" smtClean="0"/>
-              <a:t>11/1/2018</a:t>
+              <a:t>11/2/2018</a:t>
             </a:fld>
             <a:endParaRPr lang="en-US"/>
           </a:p>
@@ -14171,7 +14341,7 @@
           <a:p>
             <a:fld id="{6700A58B-DD98-43D0-B791-721480A02982}" type="datetime1">
               <a:rPr lang="en-US" smtClean="0"/>
-              <a:t>11/1/2018</a:t>
+              <a:t>11/2/2018</a:t>
             </a:fld>
             <a:endParaRPr lang="en-US"/>
           </a:p>
@@ -14328,6 +14498,13 @@
   <p:clrMapOvr>
     <a:masterClrMapping/>
   </p:clrMapOvr>
+  <p:timing>
+    <p:tnLst>
+      <p:par>
+        <p:cTn id="1" dur="indefinite" restart="never" nodeType="tmRoot"/>
+      </p:par>
+    </p:tnLst>
+  </p:timing>
 </p:sld>
 </file>
 
@@ -14365,7 +14542,7 @@
           <a:p>
             <a:fld id="{6700A58B-DD98-43D0-B791-721480A02982}" type="datetime1">
               <a:rPr lang="en-US" smtClean="0"/>
-              <a:t>11/1/2018</a:t>
+              <a:t>11/2/2018</a:t>
             </a:fld>
             <a:endParaRPr lang="en-US"/>
           </a:p>
@@ -14581,7 +14758,7 @@
           <a:p>
             <a:fld id="{6700A58B-DD98-43D0-B791-721480A02982}" type="datetime1">
               <a:rPr lang="en-US" smtClean="0"/>
-              <a:t>11/1/2018</a:t>
+              <a:t>11/2/2018</a:t>
             </a:fld>
             <a:endParaRPr lang="en-US"/>
           </a:p>
@@ -14806,7 +14983,7 @@
           <a:p>
             <a:fld id="{6700A58B-DD98-43D0-B791-721480A02982}" type="datetime1">
               <a:rPr lang="en-US" smtClean="0"/>
-              <a:t>11/1/2018</a:t>
+              <a:t>11/2/2018</a:t>
             </a:fld>
             <a:endParaRPr lang="en-US"/>
           </a:p>
@@ -15047,7 +15224,7 @@
           <a:p>
             <a:fld id="{6700A58B-DD98-43D0-B791-721480A02982}" type="datetime1">
               <a:rPr lang="en-US" smtClean="0"/>
-              <a:t>11/1/2018</a:t>
+              <a:t>11/2/2018</a:t>
             </a:fld>
             <a:endParaRPr lang="en-US"/>
           </a:p>
@@ -15434,6 +15611,13 @@
   <p:clrMapOvr>
     <a:masterClrMapping/>
   </p:clrMapOvr>
+  <p:timing>
+    <p:tnLst>
+      <p:par>
+        <p:cTn id="1" dur="indefinite" restart="never" nodeType="tmRoot"/>
+      </p:par>
+    </p:tnLst>
+  </p:timing>
 </p:sld>
 </file>
 
@@ -15501,21 +15685,21 @@
                 <a:gridCol w="1242805">
                   <a:extLst>
                     <a:ext uri="{9D8B030D-6E8A-4147-A177-3AD203B41FA5}">
-                      <a16:colId xmlns:a16="http://schemas.microsoft.com/office/drawing/2014/main" xmlns="" val="20000"/>
+                      <a16:colId xmlns="" xmlns:a16="http://schemas.microsoft.com/office/drawing/2014/main" val="20000"/>
                     </a:ext>
                   </a:extLst>
                 </a:gridCol>
                 <a:gridCol w="861296">
                   <a:extLst>
                     <a:ext uri="{9D8B030D-6E8A-4147-A177-3AD203B41FA5}">
-                      <a16:colId xmlns:a16="http://schemas.microsoft.com/office/drawing/2014/main" xmlns="" val="20001"/>
+                      <a16:colId xmlns="" xmlns:a16="http://schemas.microsoft.com/office/drawing/2014/main" val="20001"/>
                     </a:ext>
                   </a:extLst>
                 </a:gridCol>
                 <a:gridCol w="5811174">
                   <a:extLst>
                     <a:ext uri="{9D8B030D-6E8A-4147-A177-3AD203B41FA5}">
-                      <a16:colId xmlns:a16="http://schemas.microsoft.com/office/drawing/2014/main" xmlns="" val="20002"/>
+                      <a16:colId xmlns="" xmlns:a16="http://schemas.microsoft.com/office/drawing/2014/main" val="20002"/>
                     </a:ext>
                   </a:extLst>
                 </a:gridCol>
@@ -15576,7 +15760,7 @@
                 </a:tc>
                 <a:extLst>
                   <a:ext uri="{0D108BD9-81ED-4DB2-BD59-A6C34878D82A}">
-                    <a16:rowId xmlns:a16="http://schemas.microsoft.com/office/drawing/2014/main" xmlns="" val="10000"/>
+                    <a16:rowId xmlns="" xmlns:a16="http://schemas.microsoft.com/office/drawing/2014/main" val="10000"/>
                   </a:ext>
                 </a:extLst>
               </a:tr>
@@ -15697,7 +15881,7 @@
                 </a:tc>
                 <a:extLst>
                   <a:ext uri="{0D108BD9-81ED-4DB2-BD59-A6C34878D82A}">
-                    <a16:rowId xmlns:a16="http://schemas.microsoft.com/office/drawing/2014/main" xmlns="" val="10001"/>
+                    <a16:rowId xmlns="" xmlns:a16="http://schemas.microsoft.com/office/drawing/2014/main" val="10001"/>
                   </a:ext>
                 </a:extLst>
               </a:tr>
@@ -15810,7 +15994,7 @@
                 </a:tc>
                 <a:extLst>
                   <a:ext uri="{0D108BD9-81ED-4DB2-BD59-A6C34878D82A}">
-                    <a16:rowId xmlns:a16="http://schemas.microsoft.com/office/drawing/2014/main" xmlns="" val="10002"/>
+                    <a16:rowId xmlns="" xmlns:a16="http://schemas.microsoft.com/office/drawing/2014/main" val="10002"/>
                   </a:ext>
                 </a:extLst>
               </a:tr>
@@ -15918,7 +16102,7 @@
                 </a:tc>
                 <a:extLst>
                   <a:ext uri="{0D108BD9-81ED-4DB2-BD59-A6C34878D82A}">
-                    <a16:rowId xmlns:a16="http://schemas.microsoft.com/office/drawing/2014/main" xmlns="" val="3853070941"/>
+                    <a16:rowId xmlns="" xmlns:a16="http://schemas.microsoft.com/office/drawing/2014/main" val="3853070941"/>
                   </a:ext>
                 </a:extLst>
               </a:tr>
@@ -15969,7 +16153,7 @@
                 </a:tc>
                 <a:extLst>
                   <a:ext uri="{0D108BD9-81ED-4DB2-BD59-A6C34878D82A}">
-                    <a16:rowId xmlns:a16="http://schemas.microsoft.com/office/drawing/2014/main" xmlns="" val="3086568558"/>
+                    <a16:rowId xmlns="" xmlns:a16="http://schemas.microsoft.com/office/drawing/2014/main" val="3086568558"/>
                   </a:ext>
                 </a:extLst>
               </a:tr>
@@ -16016,7 +16200,7 @@
                 </a:tc>
                 <a:extLst>
                   <a:ext uri="{0D108BD9-81ED-4DB2-BD59-A6C34878D82A}">
-                    <a16:rowId xmlns:a16="http://schemas.microsoft.com/office/drawing/2014/main" xmlns="" val="1739476882"/>
+                    <a16:rowId xmlns="" xmlns:a16="http://schemas.microsoft.com/office/drawing/2014/main" val="1739476882"/>
                   </a:ext>
                 </a:extLst>
               </a:tr>
@@ -16063,7 +16247,7 @@
                 </a:tc>
                 <a:extLst>
                   <a:ext uri="{0D108BD9-81ED-4DB2-BD59-A6C34878D82A}">
-                    <a16:rowId xmlns:a16="http://schemas.microsoft.com/office/drawing/2014/main" xmlns="" val="4176223156"/>
+                    <a16:rowId xmlns="" xmlns:a16="http://schemas.microsoft.com/office/drawing/2014/main" val="4176223156"/>
                   </a:ext>
                 </a:extLst>
               </a:tr>
@@ -16114,7 +16298,7 @@
                 </a:tc>
                 <a:extLst>
                   <a:ext uri="{0D108BD9-81ED-4DB2-BD59-A6C34878D82A}">
-                    <a16:rowId xmlns:a16="http://schemas.microsoft.com/office/drawing/2014/main" xmlns="" val="375788903"/>
+                    <a16:rowId xmlns="" xmlns:a16="http://schemas.microsoft.com/office/drawing/2014/main" val="375788903"/>
                   </a:ext>
                 </a:extLst>
               </a:tr>
@@ -16165,7 +16349,7 @@
                 </a:tc>
                 <a:extLst>
                   <a:ext uri="{0D108BD9-81ED-4DB2-BD59-A6C34878D82A}">
-                    <a16:rowId xmlns:a16="http://schemas.microsoft.com/office/drawing/2014/main" xmlns="" val="1479263652"/>
+                    <a16:rowId xmlns="" xmlns:a16="http://schemas.microsoft.com/office/drawing/2014/main" val="1479263652"/>
                   </a:ext>
                 </a:extLst>
               </a:tr>
@@ -16190,7 +16374,7 @@
           <a:p>
             <a:fld id="{9B19E99B-5349-415A-8E56-8E989211A366}" type="datetime1">
               <a:rPr lang="en-US" smtClean="0"/>
-              <a:t>11/1/2018</a:t>
+              <a:t>11/2/2018</a:t>
             </a:fld>
             <a:endParaRPr lang="en-US"/>
           </a:p>
@@ -16296,7 +16480,7 @@
           <a:p>
             <a:fld id="{6700A58B-DD98-43D0-B791-721480A02982}" type="datetime1">
               <a:rPr lang="en-US" smtClean="0"/>
-              <a:t>11/1/2018</a:t>
+              <a:t>11/2/2018</a:t>
             </a:fld>
             <a:endParaRPr lang="en-US"/>
           </a:p>
@@ -16647,6 +16831,13 @@
   <p:clrMapOvr>
     <a:masterClrMapping/>
   </p:clrMapOvr>
+  <p:timing>
+    <p:tnLst>
+      <p:par>
+        <p:cTn id="1" dur="indefinite" restart="never" nodeType="tmRoot"/>
+      </p:par>
+    </p:tnLst>
+  </p:timing>
 </p:sld>
 </file>
 
@@ -16684,7 +16875,7 @@
           <a:p>
             <a:fld id="{6700A58B-DD98-43D0-B791-721480A02982}" type="datetime1">
               <a:rPr lang="en-US" smtClean="0"/>
-              <a:t>11/1/2018</a:t>
+              <a:t>11/2/2018</a:t>
             </a:fld>
             <a:endParaRPr lang="en-US"/>
           </a:p>
@@ -17174,6 +17365,13 @@
       <p:transition spd="slow"/>
     </mc:Fallback>
   </mc:AlternateContent>
+  <p:timing>
+    <p:tnLst>
+      <p:par>
+        <p:cTn id="1" dur="indefinite" restart="never" nodeType="tmRoot"/>
+      </p:par>
+    </p:tnLst>
+  </p:timing>
 </p:sld>
 </file>
 
@@ -17211,7 +17409,7 @@
           <a:p>
             <a:fld id="{6700A58B-DD98-43D0-B791-721480A02982}" type="datetime1">
               <a:rPr lang="en-US" smtClean="0"/>
-              <a:t>11/1/2018</a:t>
+              <a:t>11/2/2018</a:t>
             </a:fld>
             <a:endParaRPr lang="en-US"/>
           </a:p>
@@ -17472,21 +17670,21 @@
                 <a:gridCol w="1242805">
                   <a:extLst>
                     <a:ext uri="{9D8B030D-6E8A-4147-A177-3AD203B41FA5}">
-                      <a16:colId xmlns:a16="http://schemas.microsoft.com/office/drawing/2014/main" xmlns="" val="20000"/>
+                      <a16:colId xmlns="" xmlns:a16="http://schemas.microsoft.com/office/drawing/2014/main" val="20000"/>
                     </a:ext>
                   </a:extLst>
                 </a:gridCol>
                 <a:gridCol w="861296">
                   <a:extLst>
                     <a:ext uri="{9D8B030D-6E8A-4147-A177-3AD203B41FA5}">
-                      <a16:colId xmlns:a16="http://schemas.microsoft.com/office/drawing/2014/main" xmlns="" val="20001"/>
+                      <a16:colId xmlns="" xmlns:a16="http://schemas.microsoft.com/office/drawing/2014/main" val="20001"/>
                     </a:ext>
                   </a:extLst>
                 </a:gridCol>
                 <a:gridCol w="5811174">
                   <a:extLst>
                     <a:ext uri="{9D8B030D-6E8A-4147-A177-3AD203B41FA5}">
-                      <a16:colId xmlns:a16="http://schemas.microsoft.com/office/drawing/2014/main" xmlns="" val="20002"/>
+                      <a16:colId xmlns="" xmlns:a16="http://schemas.microsoft.com/office/drawing/2014/main" val="20002"/>
                     </a:ext>
                   </a:extLst>
                 </a:gridCol>
@@ -17547,7 +17745,7 @@
                 </a:tc>
                 <a:extLst>
                   <a:ext uri="{0D108BD9-81ED-4DB2-BD59-A6C34878D82A}">
-                    <a16:rowId xmlns:a16="http://schemas.microsoft.com/office/drawing/2014/main" xmlns="" val="10000"/>
+                    <a16:rowId xmlns="" xmlns:a16="http://schemas.microsoft.com/office/drawing/2014/main" val="10000"/>
                   </a:ext>
                 </a:extLst>
               </a:tr>
@@ -17668,7 +17866,7 @@
                 </a:tc>
                 <a:extLst>
                   <a:ext uri="{0D108BD9-81ED-4DB2-BD59-A6C34878D82A}">
-                    <a16:rowId xmlns:a16="http://schemas.microsoft.com/office/drawing/2014/main" xmlns="" val="10001"/>
+                    <a16:rowId xmlns="" xmlns:a16="http://schemas.microsoft.com/office/drawing/2014/main" val="10001"/>
                   </a:ext>
                 </a:extLst>
               </a:tr>
@@ -17781,7 +17979,7 @@
                 </a:tc>
                 <a:extLst>
                   <a:ext uri="{0D108BD9-81ED-4DB2-BD59-A6C34878D82A}">
-                    <a16:rowId xmlns:a16="http://schemas.microsoft.com/office/drawing/2014/main" xmlns="" val="10002"/>
+                    <a16:rowId xmlns="" xmlns:a16="http://schemas.microsoft.com/office/drawing/2014/main" val="10002"/>
                   </a:ext>
                 </a:extLst>
               </a:tr>
@@ -17889,7 +18087,7 @@
                 </a:tc>
                 <a:extLst>
                   <a:ext uri="{0D108BD9-81ED-4DB2-BD59-A6C34878D82A}">
-                    <a16:rowId xmlns:a16="http://schemas.microsoft.com/office/drawing/2014/main" xmlns="" val="3853070941"/>
+                    <a16:rowId xmlns="" xmlns:a16="http://schemas.microsoft.com/office/drawing/2014/main" val="3853070941"/>
                   </a:ext>
                 </a:extLst>
               </a:tr>
@@ -17940,7 +18138,7 @@
                 </a:tc>
                 <a:extLst>
                   <a:ext uri="{0D108BD9-81ED-4DB2-BD59-A6C34878D82A}">
-                    <a16:rowId xmlns:a16="http://schemas.microsoft.com/office/drawing/2014/main" xmlns="" val="3086568558"/>
+                    <a16:rowId xmlns="" xmlns:a16="http://schemas.microsoft.com/office/drawing/2014/main" val="3086568558"/>
                   </a:ext>
                 </a:extLst>
               </a:tr>
@@ -17987,7 +18185,7 @@
                 </a:tc>
                 <a:extLst>
                   <a:ext uri="{0D108BD9-81ED-4DB2-BD59-A6C34878D82A}">
-                    <a16:rowId xmlns:a16="http://schemas.microsoft.com/office/drawing/2014/main" xmlns="" val="1739476882"/>
+                    <a16:rowId xmlns="" xmlns:a16="http://schemas.microsoft.com/office/drawing/2014/main" val="1739476882"/>
                   </a:ext>
                 </a:extLst>
               </a:tr>
@@ -18034,7 +18232,7 @@
                 </a:tc>
                 <a:extLst>
                   <a:ext uri="{0D108BD9-81ED-4DB2-BD59-A6C34878D82A}">
-                    <a16:rowId xmlns:a16="http://schemas.microsoft.com/office/drawing/2014/main" xmlns="" val="4176223156"/>
+                    <a16:rowId xmlns="" xmlns:a16="http://schemas.microsoft.com/office/drawing/2014/main" val="4176223156"/>
                   </a:ext>
                 </a:extLst>
               </a:tr>
@@ -18085,7 +18283,7 @@
                 </a:tc>
                 <a:extLst>
                   <a:ext uri="{0D108BD9-81ED-4DB2-BD59-A6C34878D82A}">
-                    <a16:rowId xmlns:a16="http://schemas.microsoft.com/office/drawing/2014/main" xmlns="" val="375788903"/>
+                    <a16:rowId xmlns="" xmlns:a16="http://schemas.microsoft.com/office/drawing/2014/main" val="375788903"/>
                   </a:ext>
                 </a:extLst>
               </a:tr>
@@ -18136,7 +18334,7 @@
                 </a:tc>
                 <a:extLst>
                   <a:ext uri="{0D108BD9-81ED-4DB2-BD59-A6C34878D82A}">
-                    <a16:rowId xmlns:a16="http://schemas.microsoft.com/office/drawing/2014/main" xmlns="" val="1479263652"/>
+                    <a16:rowId xmlns="" xmlns:a16="http://schemas.microsoft.com/office/drawing/2014/main" val="1479263652"/>
                   </a:ext>
                 </a:extLst>
               </a:tr>
@@ -18161,7 +18359,7 @@
           <a:p>
             <a:fld id="{9B19E99B-5349-415A-8E56-8E989211A366}" type="datetime1">
               <a:rPr lang="en-US" smtClean="0"/>
-              <a:t>11/1/2018</a:t>
+              <a:t>11/2/2018</a:t>
             </a:fld>
             <a:endParaRPr lang="en-US"/>
           </a:p>
@@ -18267,7 +18465,7 @@
           <a:p>
             <a:fld id="{6700A58B-DD98-43D0-B791-721480A02982}" type="datetime1">
               <a:rPr lang="en-US" smtClean="0"/>
-              <a:t>11/1/2018</a:t>
+              <a:t>11/2/2018</a:t>
             </a:fld>
             <a:endParaRPr lang="en-US"/>
           </a:p>
@@ -18634,7 +18832,7 @@
           <a:p>
             <a:fld id="{6700A58B-DD98-43D0-B791-721480A02982}" type="datetime1">
               <a:rPr lang="en-US" smtClean="0"/>
-              <a:t>11/1/2018</a:t>
+              <a:t>11/2/2018</a:t>
             </a:fld>
             <a:endParaRPr lang="en-US"/>
           </a:p>
@@ -18897,7 +19095,7 @@
           <a:p>
             <a:fld id="{6700A58B-DD98-43D0-B791-721480A02982}" type="datetime1">
               <a:rPr lang="en-US" smtClean="0"/>
-              <a:t>11/1/2018</a:t>
+              <a:t>11/2/2018</a:t>
             </a:fld>
             <a:endParaRPr lang="en-US"/>
           </a:p>
@@ -20989,7 +21187,7 @@
           <a:p>
             <a:fld id="{6700A58B-DD98-43D0-B791-721480A02982}" type="datetime1">
               <a:rPr lang="en-US" smtClean="0"/>
-              <a:t>11/1/2018</a:t>
+              <a:t>11/2/2018</a:t>
             </a:fld>
             <a:endParaRPr lang="en-US"/>
           </a:p>
@@ -21261,6 +21459,13 @@
   <p:clrMapOvr>
     <a:masterClrMapping/>
   </p:clrMapOvr>
+  <p:timing>
+    <p:tnLst>
+      <p:par>
+        <p:cTn id="1" dur="indefinite" restart="never" nodeType="tmRoot"/>
+      </p:par>
+    </p:tnLst>
+  </p:timing>
 </p:sld>
 </file>
 
@@ -21298,7 +21503,7 @@
           <a:p>
             <a:fld id="{6700A58B-DD98-43D0-B791-721480A02982}" type="datetime1">
               <a:rPr lang="en-US" smtClean="0"/>
-              <a:t>11/1/2018</a:t>
+              <a:t>11/2/2018</a:t>
             </a:fld>
             <a:endParaRPr lang="en-US"/>
           </a:p>
@@ -21463,6 +21668,13 @@
   <p:clrMapOvr>
     <a:masterClrMapping/>
   </p:clrMapOvr>
+  <p:timing>
+    <p:tnLst>
+      <p:par>
+        <p:cTn id="1" dur="indefinite" restart="never" nodeType="tmRoot"/>
+      </p:par>
+    </p:tnLst>
+  </p:timing>
 </p:sld>
 </file>
 
@@ -21530,21 +21742,21 @@
                 <a:gridCol w="1242805">
                   <a:extLst>
                     <a:ext uri="{9D8B030D-6E8A-4147-A177-3AD203B41FA5}">
-                      <a16:colId xmlns:a16="http://schemas.microsoft.com/office/drawing/2014/main" xmlns="" val="20000"/>
+                      <a16:colId xmlns="" xmlns:a16="http://schemas.microsoft.com/office/drawing/2014/main" val="20000"/>
                     </a:ext>
                   </a:extLst>
                 </a:gridCol>
                 <a:gridCol w="861296">
                   <a:extLst>
                     <a:ext uri="{9D8B030D-6E8A-4147-A177-3AD203B41FA5}">
-                      <a16:colId xmlns:a16="http://schemas.microsoft.com/office/drawing/2014/main" xmlns="" val="20001"/>
+                      <a16:colId xmlns="" xmlns:a16="http://schemas.microsoft.com/office/drawing/2014/main" val="20001"/>
                     </a:ext>
                   </a:extLst>
                 </a:gridCol>
                 <a:gridCol w="5811174">
                   <a:extLst>
                     <a:ext uri="{9D8B030D-6E8A-4147-A177-3AD203B41FA5}">
-                      <a16:colId xmlns:a16="http://schemas.microsoft.com/office/drawing/2014/main" xmlns="" val="20002"/>
+                      <a16:colId xmlns="" xmlns:a16="http://schemas.microsoft.com/office/drawing/2014/main" val="20002"/>
                     </a:ext>
                   </a:extLst>
                 </a:gridCol>
@@ -21605,7 +21817,7 @@
                 </a:tc>
                 <a:extLst>
                   <a:ext uri="{0D108BD9-81ED-4DB2-BD59-A6C34878D82A}">
-                    <a16:rowId xmlns:a16="http://schemas.microsoft.com/office/drawing/2014/main" xmlns="" val="10000"/>
+                    <a16:rowId xmlns="" xmlns:a16="http://schemas.microsoft.com/office/drawing/2014/main" val="10000"/>
                   </a:ext>
                 </a:extLst>
               </a:tr>
@@ -21726,7 +21938,7 @@
                 </a:tc>
                 <a:extLst>
                   <a:ext uri="{0D108BD9-81ED-4DB2-BD59-A6C34878D82A}">
-                    <a16:rowId xmlns:a16="http://schemas.microsoft.com/office/drawing/2014/main" xmlns="" val="10001"/>
+                    <a16:rowId xmlns="" xmlns:a16="http://schemas.microsoft.com/office/drawing/2014/main" val="10001"/>
                   </a:ext>
                 </a:extLst>
               </a:tr>
@@ -21839,7 +22051,7 @@
                 </a:tc>
                 <a:extLst>
                   <a:ext uri="{0D108BD9-81ED-4DB2-BD59-A6C34878D82A}">
-                    <a16:rowId xmlns:a16="http://schemas.microsoft.com/office/drawing/2014/main" xmlns="" val="10002"/>
+                    <a16:rowId xmlns="" xmlns:a16="http://schemas.microsoft.com/office/drawing/2014/main" val="10002"/>
                   </a:ext>
                 </a:extLst>
               </a:tr>
@@ -21947,7 +22159,7 @@
                 </a:tc>
                 <a:extLst>
                   <a:ext uri="{0D108BD9-81ED-4DB2-BD59-A6C34878D82A}">
-                    <a16:rowId xmlns:a16="http://schemas.microsoft.com/office/drawing/2014/main" xmlns="" val="3853070941"/>
+                    <a16:rowId xmlns="" xmlns:a16="http://schemas.microsoft.com/office/drawing/2014/main" val="3853070941"/>
                   </a:ext>
                 </a:extLst>
               </a:tr>
@@ -21998,7 +22210,7 @@
                 </a:tc>
                 <a:extLst>
                   <a:ext uri="{0D108BD9-81ED-4DB2-BD59-A6C34878D82A}">
-                    <a16:rowId xmlns:a16="http://schemas.microsoft.com/office/drawing/2014/main" xmlns="" val="3086568558"/>
+                    <a16:rowId xmlns="" xmlns:a16="http://schemas.microsoft.com/office/drawing/2014/main" val="3086568558"/>
                   </a:ext>
                 </a:extLst>
               </a:tr>
@@ -22045,7 +22257,7 @@
                 </a:tc>
                 <a:extLst>
                   <a:ext uri="{0D108BD9-81ED-4DB2-BD59-A6C34878D82A}">
-                    <a16:rowId xmlns:a16="http://schemas.microsoft.com/office/drawing/2014/main" xmlns="" val="1739476882"/>
+                    <a16:rowId xmlns="" xmlns:a16="http://schemas.microsoft.com/office/drawing/2014/main" val="1739476882"/>
                   </a:ext>
                 </a:extLst>
               </a:tr>
@@ -22092,7 +22304,7 @@
                 </a:tc>
                 <a:extLst>
                   <a:ext uri="{0D108BD9-81ED-4DB2-BD59-A6C34878D82A}">
-                    <a16:rowId xmlns:a16="http://schemas.microsoft.com/office/drawing/2014/main" xmlns="" val="4176223156"/>
+                    <a16:rowId xmlns="" xmlns:a16="http://schemas.microsoft.com/office/drawing/2014/main" val="4176223156"/>
                   </a:ext>
                 </a:extLst>
               </a:tr>
@@ -22143,7 +22355,7 @@
                 </a:tc>
                 <a:extLst>
                   <a:ext uri="{0D108BD9-81ED-4DB2-BD59-A6C34878D82A}">
-                    <a16:rowId xmlns:a16="http://schemas.microsoft.com/office/drawing/2014/main" xmlns="" val="375788903"/>
+                    <a16:rowId xmlns="" xmlns:a16="http://schemas.microsoft.com/office/drawing/2014/main" val="375788903"/>
                   </a:ext>
                 </a:extLst>
               </a:tr>
@@ -22194,7 +22406,7 @@
                 </a:tc>
                 <a:extLst>
                   <a:ext uri="{0D108BD9-81ED-4DB2-BD59-A6C34878D82A}">
-                    <a16:rowId xmlns:a16="http://schemas.microsoft.com/office/drawing/2014/main" xmlns="" val="1479263652"/>
+                    <a16:rowId xmlns="" xmlns:a16="http://schemas.microsoft.com/office/drawing/2014/main" val="1479263652"/>
                   </a:ext>
                 </a:extLst>
               </a:tr>
@@ -22219,7 +22431,7 @@
           <a:p>
             <a:fld id="{9B19E99B-5349-415A-8E56-8E989211A366}" type="datetime1">
               <a:rPr lang="en-US" smtClean="0"/>
-              <a:t>11/1/2018</a:t>
+              <a:t>11/2/2018</a:t>
             </a:fld>
             <a:endParaRPr lang="en-US"/>
           </a:p>
@@ -22325,7 +22537,7 @@
           <a:p>
             <a:fld id="{6700A58B-DD98-43D0-B791-721480A02982}" type="datetime1">
               <a:rPr lang="en-US" smtClean="0"/>
-              <a:t>11/1/2018</a:t>
+              <a:t>11/2/2018</a:t>
             </a:fld>
             <a:endParaRPr lang="en-US"/>
           </a:p>
@@ -22648,6 +22860,13 @@
   <p:clrMapOvr>
     <a:masterClrMapping/>
   </p:clrMapOvr>
+  <p:timing>
+    <p:tnLst>
+      <p:par>
+        <p:cTn id="1" dur="indefinite" restart="never" nodeType="tmRoot"/>
+      </p:par>
+    </p:tnLst>
+  </p:timing>
 </p:sld>
 </file>
 
@@ -22685,7 +22904,7 @@
           <a:p>
             <a:fld id="{6700A58B-DD98-43D0-B791-721480A02982}" type="datetime1">
               <a:rPr lang="en-US" smtClean="0"/>
-              <a:t>11/1/2018</a:t>
+              <a:t>11/2/2018</a:t>
             </a:fld>
             <a:endParaRPr lang="en-US"/>
           </a:p>
@@ -23251,6 +23470,13 @@
   <p:clrMapOvr>
     <a:masterClrMapping/>
   </p:clrMapOvr>
+  <p:timing>
+    <p:tnLst>
+      <p:par>
+        <p:cTn id="1" dur="indefinite" restart="never" nodeType="tmRoot"/>
+      </p:par>
+    </p:tnLst>
+  </p:timing>
 </p:sld>
 </file>
 
@@ -23288,7 +23514,7 @@
           <a:p>
             <a:fld id="{6700A58B-DD98-43D0-B791-721480A02982}" type="datetime1">
               <a:rPr lang="en-US" smtClean="0"/>
-              <a:t>11/1/2018</a:t>
+              <a:t>11/2/2018</a:t>
             </a:fld>
             <a:endParaRPr lang="en-US"/>
           </a:p>
@@ -23844,6 +24070,13 @@
   <p:clrMapOvr>
     <a:masterClrMapping/>
   </p:clrMapOvr>
+  <p:timing>
+    <p:tnLst>
+      <p:par>
+        <p:cTn id="1" dur="indefinite" restart="never" nodeType="tmRoot"/>
+      </p:par>
+    </p:tnLst>
+  </p:timing>
 </p:sld>
 </file>
 
@@ -23881,7 +24114,7 @@
           <a:p>
             <a:fld id="{6700A58B-DD98-43D0-B791-721480A02982}" type="datetime1">
               <a:rPr lang="en-US" smtClean="0"/>
-              <a:t>11/1/2018</a:t>
+              <a:t>11/2/2018</a:t>
             </a:fld>
             <a:endParaRPr lang="en-US"/>
           </a:p>
@@ -24178,6 +24411,13 @@
   <p:clrMapOvr>
     <a:masterClrMapping/>
   </p:clrMapOvr>
+  <p:timing>
+    <p:tnLst>
+      <p:par>
+        <p:cTn id="1" dur="indefinite" restart="never" nodeType="tmRoot"/>
+      </p:par>
+    </p:tnLst>
+  </p:timing>
 </p:sld>
 </file>
 
@@ -24215,7 +24455,7 @@
           <a:p>
             <a:fld id="{6700A58B-DD98-43D0-B791-721480A02982}" type="datetime1">
               <a:rPr lang="en-US" smtClean="0"/>
-              <a:t>11/1/2018</a:t>
+              <a:t>11/2/2018</a:t>
             </a:fld>
             <a:endParaRPr lang="en-US"/>
           </a:p>
@@ -25118,6 +25358,13 @@
   <p:clrMapOvr>
     <a:masterClrMapping/>
   </p:clrMapOvr>
+  <p:timing>
+    <p:tnLst>
+      <p:par>
+        <p:cTn id="1" dur="indefinite" restart="never" nodeType="tmRoot"/>
+      </p:par>
+    </p:tnLst>
+  </p:timing>
 </p:sld>
 </file>
 
@@ -25155,7 +25402,7 @@
           <a:p>
             <a:fld id="{6700A58B-DD98-43D0-B791-721480A02982}" type="datetime1">
               <a:rPr lang="en-US" smtClean="0"/>
-              <a:t>11/1/2018</a:t>
+              <a:t>11/2/2018</a:t>
             </a:fld>
             <a:endParaRPr lang="en-US"/>
           </a:p>
@@ -25455,6 +25702,13 @@
   <p:clrMapOvr>
     <a:masterClrMapping/>
   </p:clrMapOvr>
+  <p:timing>
+    <p:tnLst>
+      <p:par>
+        <p:cTn id="1" dur="indefinite" restart="never" nodeType="tmRoot"/>
+      </p:par>
+    </p:tnLst>
+  </p:timing>
 </p:sld>
 </file>
 
@@ -25492,7 +25746,7 @@
           <a:p>
             <a:fld id="{6700A58B-DD98-43D0-B791-721480A02982}" type="datetime1">
               <a:rPr lang="en-US" smtClean="0"/>
-              <a:t>11/1/2018</a:t>
+              <a:t>11/2/2018</a:t>
             </a:fld>
             <a:endParaRPr lang="en-US"/>
           </a:p>
@@ -26731,6 +26985,13 @@
   <p:clrMapOvr>
     <a:masterClrMapping/>
   </p:clrMapOvr>
+  <p:timing>
+    <p:tnLst>
+      <p:par>
+        <p:cTn id="1" dur="indefinite" restart="never" nodeType="tmRoot"/>
+      </p:par>
+    </p:tnLst>
+  </p:timing>
 </p:sld>
 </file>
 
@@ -26768,7 +27029,7 @@
           <a:p>
             <a:fld id="{6700A58B-DD98-43D0-B791-721480A02982}" type="datetime1">
               <a:rPr lang="en-US" smtClean="0"/>
-              <a:t>11/1/2018</a:t>
+              <a:t>11/2/2018</a:t>
             </a:fld>
             <a:endParaRPr lang="en-US"/>
           </a:p>
@@ -26933,6 +27194,13 @@
   <p:clrMapOvr>
     <a:masterClrMapping/>
   </p:clrMapOvr>
+  <p:timing>
+    <p:tnLst>
+      <p:par>
+        <p:cTn id="1" dur="indefinite" restart="never" nodeType="tmRoot"/>
+      </p:par>
+    </p:tnLst>
+  </p:timing>
 </p:sld>
 </file>
 
@@ -26970,7 +27238,7 @@
           <a:p>
             <a:fld id="{6700A58B-DD98-43D0-B791-721480A02982}" type="datetime1">
               <a:rPr lang="en-US" smtClean="0"/>
-              <a:t>11/1/2018</a:t>
+              <a:t>11/2/2018</a:t>
             </a:fld>
             <a:endParaRPr lang="en-US"/>
           </a:p>
@@ -27128,6 +27396,13 @@
   <p:clrMapOvr>
     <a:masterClrMapping/>
   </p:clrMapOvr>
+  <p:timing>
+    <p:tnLst>
+      <p:par>
+        <p:cTn id="1" dur="indefinite" restart="never" nodeType="tmRoot"/>
+      </p:par>
+    </p:tnLst>
+  </p:timing>
 </p:sld>
 </file>
 
@@ -27165,7 +27440,7 @@
           <a:p>
             <a:fld id="{6700A58B-DD98-43D0-B791-721480A02982}" type="datetime1">
               <a:rPr lang="en-US" smtClean="0"/>
-              <a:t>11/1/2018</a:t>
+              <a:t>11/2/2018</a:t>
             </a:fld>
             <a:endParaRPr lang="en-US"/>
           </a:p>
@@ -27346,6 +27621,13 @@
   <p:clrMapOvr>
     <a:masterClrMapping/>
   </p:clrMapOvr>
+  <p:timing>
+    <p:tnLst>
+      <p:par>
+        <p:cTn id="1" dur="indefinite" restart="never" nodeType="tmRoot"/>
+      </p:par>
+    </p:tnLst>
+  </p:timing>
 </p:sld>
 </file>
 
@@ -27383,7 +27665,7 @@
           <a:p>
             <a:fld id="{6700A58B-DD98-43D0-B791-721480A02982}" type="datetime1">
               <a:rPr lang="en-US" smtClean="0"/>
-              <a:t>11/1/2018</a:t>
+              <a:t>11/2/2018</a:t>
             </a:fld>
             <a:endParaRPr lang="en-US"/>
           </a:p>
@@ -27536,6 +27818,13 @@
   <p:clrMapOvr>
     <a:masterClrMapping/>
   </p:clrMapOvr>
+  <p:timing>
+    <p:tnLst>
+      <p:par>
+        <p:cTn id="1" dur="indefinite" restart="never" nodeType="tmRoot"/>
+      </p:par>
+    </p:tnLst>
+  </p:timing>
 </p:sld>
 </file>
 
@@ -27603,21 +27892,21 @@
                 <a:gridCol w="1242805">
                   <a:extLst>
                     <a:ext uri="{9D8B030D-6E8A-4147-A177-3AD203B41FA5}">
-                      <a16:colId xmlns:a16="http://schemas.microsoft.com/office/drawing/2014/main" xmlns="" val="20000"/>
+                      <a16:colId xmlns="" xmlns:a16="http://schemas.microsoft.com/office/drawing/2014/main" val="20000"/>
                     </a:ext>
                   </a:extLst>
                 </a:gridCol>
                 <a:gridCol w="861296">
                   <a:extLst>
                     <a:ext uri="{9D8B030D-6E8A-4147-A177-3AD203B41FA5}">
-                      <a16:colId xmlns:a16="http://schemas.microsoft.com/office/drawing/2014/main" xmlns="" val="20001"/>
+                      <a16:colId xmlns="" xmlns:a16="http://schemas.microsoft.com/office/drawing/2014/main" val="20001"/>
                     </a:ext>
                   </a:extLst>
                 </a:gridCol>
                 <a:gridCol w="5811174">
                   <a:extLst>
                     <a:ext uri="{9D8B030D-6E8A-4147-A177-3AD203B41FA5}">
-                      <a16:colId xmlns:a16="http://schemas.microsoft.com/office/drawing/2014/main" xmlns="" val="20002"/>
+                      <a16:colId xmlns="" xmlns:a16="http://schemas.microsoft.com/office/drawing/2014/main" val="20002"/>
                     </a:ext>
                   </a:extLst>
                 </a:gridCol>
@@ -27678,7 +27967,7 @@
                 </a:tc>
                 <a:extLst>
                   <a:ext uri="{0D108BD9-81ED-4DB2-BD59-A6C34878D82A}">
-                    <a16:rowId xmlns:a16="http://schemas.microsoft.com/office/drawing/2014/main" xmlns="" val="10000"/>
+                    <a16:rowId xmlns="" xmlns:a16="http://schemas.microsoft.com/office/drawing/2014/main" val="10000"/>
                   </a:ext>
                 </a:extLst>
               </a:tr>
@@ -27799,7 +28088,7 @@
                 </a:tc>
                 <a:extLst>
                   <a:ext uri="{0D108BD9-81ED-4DB2-BD59-A6C34878D82A}">
-                    <a16:rowId xmlns:a16="http://schemas.microsoft.com/office/drawing/2014/main" xmlns="" val="10001"/>
+                    <a16:rowId xmlns="" xmlns:a16="http://schemas.microsoft.com/office/drawing/2014/main" val="10001"/>
                   </a:ext>
                 </a:extLst>
               </a:tr>
@@ -27912,7 +28201,7 @@
                 </a:tc>
                 <a:extLst>
                   <a:ext uri="{0D108BD9-81ED-4DB2-BD59-A6C34878D82A}">
-                    <a16:rowId xmlns:a16="http://schemas.microsoft.com/office/drawing/2014/main" xmlns="" val="10002"/>
+                    <a16:rowId xmlns="" xmlns:a16="http://schemas.microsoft.com/office/drawing/2014/main" val="10002"/>
                   </a:ext>
                 </a:extLst>
               </a:tr>
@@ -28020,7 +28309,7 @@
                 </a:tc>
                 <a:extLst>
                   <a:ext uri="{0D108BD9-81ED-4DB2-BD59-A6C34878D82A}">
-                    <a16:rowId xmlns:a16="http://schemas.microsoft.com/office/drawing/2014/main" xmlns="" val="3853070941"/>
+                    <a16:rowId xmlns="" xmlns:a16="http://schemas.microsoft.com/office/drawing/2014/main" val="3853070941"/>
                   </a:ext>
                 </a:extLst>
               </a:tr>
@@ -28071,7 +28360,7 @@
                 </a:tc>
                 <a:extLst>
                   <a:ext uri="{0D108BD9-81ED-4DB2-BD59-A6C34878D82A}">
-                    <a16:rowId xmlns:a16="http://schemas.microsoft.com/office/drawing/2014/main" xmlns="" val="3086568558"/>
+                    <a16:rowId xmlns="" xmlns:a16="http://schemas.microsoft.com/office/drawing/2014/main" val="3086568558"/>
                   </a:ext>
                 </a:extLst>
               </a:tr>
@@ -28118,7 +28407,7 @@
                 </a:tc>
                 <a:extLst>
                   <a:ext uri="{0D108BD9-81ED-4DB2-BD59-A6C34878D82A}">
-                    <a16:rowId xmlns:a16="http://schemas.microsoft.com/office/drawing/2014/main" xmlns="" val="1739476882"/>
+                    <a16:rowId xmlns="" xmlns:a16="http://schemas.microsoft.com/office/drawing/2014/main" val="1739476882"/>
                   </a:ext>
                 </a:extLst>
               </a:tr>
@@ -28165,7 +28454,7 @@
                 </a:tc>
                 <a:extLst>
                   <a:ext uri="{0D108BD9-81ED-4DB2-BD59-A6C34878D82A}">
-                    <a16:rowId xmlns:a16="http://schemas.microsoft.com/office/drawing/2014/main" xmlns="" val="4176223156"/>
+                    <a16:rowId xmlns="" xmlns:a16="http://schemas.microsoft.com/office/drawing/2014/main" val="4176223156"/>
                   </a:ext>
                 </a:extLst>
               </a:tr>
@@ -28216,7 +28505,7 @@
                 </a:tc>
                 <a:extLst>
                   <a:ext uri="{0D108BD9-81ED-4DB2-BD59-A6C34878D82A}">
-                    <a16:rowId xmlns:a16="http://schemas.microsoft.com/office/drawing/2014/main" xmlns="" val="375788903"/>
+                    <a16:rowId xmlns="" xmlns:a16="http://schemas.microsoft.com/office/drawing/2014/main" val="375788903"/>
                   </a:ext>
                 </a:extLst>
               </a:tr>
@@ -28267,7 +28556,7 @@
                 </a:tc>
                 <a:extLst>
                   <a:ext uri="{0D108BD9-81ED-4DB2-BD59-A6C34878D82A}">
-                    <a16:rowId xmlns:a16="http://schemas.microsoft.com/office/drawing/2014/main" xmlns="" val="1479263652"/>
+                    <a16:rowId xmlns="" xmlns:a16="http://schemas.microsoft.com/office/drawing/2014/main" val="1479263652"/>
                   </a:ext>
                 </a:extLst>
               </a:tr>
@@ -28292,7 +28581,7 @@
           <a:p>
             <a:fld id="{9B19E99B-5349-415A-8E56-8E989211A366}" type="datetime1">
               <a:rPr lang="en-US" smtClean="0"/>
-              <a:t>11/1/2018</a:t>
+              <a:t>11/2/2018</a:t>
             </a:fld>
             <a:endParaRPr lang="en-US"/>
           </a:p>
@@ -28398,7 +28687,7 @@
           <a:p>
             <a:fld id="{6700A58B-DD98-43D0-B791-721480A02982}" type="datetime1">
               <a:rPr lang="en-US" smtClean="0"/>
-              <a:t>11/1/2018</a:t>
+              <a:t>11/2/2018</a:t>
             </a:fld>
             <a:endParaRPr lang="en-US"/>
           </a:p>
@@ -28826,6 +29115,13 @@
   <p:clrMapOvr>
     <a:masterClrMapping/>
   </p:clrMapOvr>
+  <p:timing>
+    <p:tnLst>
+      <p:par>
+        <p:cTn id="1" dur="indefinite" restart="never" nodeType="tmRoot"/>
+      </p:par>
+    </p:tnLst>
+  </p:timing>
 </p:sld>
 </file>
 
@@ -28863,7 +29159,7 @@
           <a:p>
             <a:fld id="{6700A58B-DD98-43D0-B791-721480A02982}" type="datetime1">
               <a:rPr lang="en-US" smtClean="0"/>
-              <a:t>11/1/2018</a:t>
+              <a:t>11/2/2018</a:t>
             </a:fld>
             <a:endParaRPr lang="en-US"/>
           </a:p>
@@ -29060,6 +29356,13 @@
   <p:clrMapOvr>
     <a:masterClrMapping/>
   </p:clrMapOvr>
+  <p:timing>
+    <p:tnLst>
+      <p:par>
+        <p:cTn id="1" dur="indefinite" restart="never" nodeType="tmRoot"/>
+      </p:par>
+    </p:tnLst>
+  </p:timing>
 </p:sld>
 </file>
 
@@ -29097,7 +29400,7 @@
           <a:p>
             <a:fld id="{6700A58B-DD98-43D0-B791-721480A02982}" type="datetime1">
               <a:rPr lang="en-US" smtClean="0"/>
-              <a:t>11/1/2018</a:t>
+              <a:t>11/2/2018</a:t>
             </a:fld>
             <a:endParaRPr lang="en-US"/>
           </a:p>
@@ -29252,6 +29555,13 @@
   <p:clrMapOvr>
     <a:masterClrMapping/>
   </p:clrMapOvr>
+  <p:timing>
+    <p:tnLst>
+      <p:par>
+        <p:cTn id="1" dur="indefinite" restart="never" nodeType="tmRoot"/>
+      </p:par>
+    </p:tnLst>
+  </p:timing>
 </p:sld>
 </file>
 
@@ -29289,7 +29599,7 @@
           <a:p>
             <a:fld id="{6700A58B-DD98-43D0-B791-721480A02982}" type="datetime1">
               <a:rPr lang="en-US" smtClean="0"/>
-              <a:t>11/1/2018</a:t>
+              <a:t>11/2/2018</a:t>
             </a:fld>
             <a:endParaRPr lang="en-US"/>
           </a:p>
@@ -29476,11 +29786,7 @@
           <a:p>
             <a:r>
               <a:rPr lang="en-US" dirty="0" smtClean="0"/>
-              <a:t>Specific Card Rarities</a:t>
-            </a:r>
-            <a:r>
-              <a:rPr lang="en-US" dirty="0" smtClean="0"/>
-              <a:t> </a:t>
+              <a:t>Specific Card Rarities </a:t>
             </a:r>
             <a:endParaRPr lang="en-US" dirty="0"/>
           </a:p>
@@ -29496,6 +29802,13 @@
   <p:clrMapOvr>
     <a:masterClrMapping/>
   </p:clrMapOvr>
+  <p:timing>
+    <p:tnLst>
+      <p:par>
+        <p:cTn id="1" dur="indefinite" restart="never" nodeType="tmRoot"/>
+      </p:par>
+    </p:tnLst>
+  </p:timing>
 </p:sld>
 </file>
 
@@ -29574,7 +29887,7 @@
           <a:p>
             <a:fld id="{6700A58B-DD98-43D0-B791-721480A02982}" type="datetime1">
               <a:rPr lang="en-US" smtClean="0"/>
-              <a:t>11/1/2018</a:t>
+              <a:t>11/2/2018</a:t>
             </a:fld>
             <a:endParaRPr lang="en-US"/>
           </a:p>
@@ -29807,6 +30120,13 @@
   <p:clrMapOvr>
     <a:masterClrMapping/>
   </p:clrMapOvr>
+  <p:timing>
+    <p:tnLst>
+      <p:par>
+        <p:cTn id="1" dur="indefinite" restart="never" nodeType="tmRoot"/>
+      </p:par>
+    </p:tnLst>
+  </p:timing>
 </p:sld>
 </file>
 
@@ -29844,7 +30164,7 @@
           <a:p>
             <a:fld id="{6700A58B-DD98-43D0-B791-721480A02982}" type="datetime1">
               <a:rPr lang="en-US" smtClean="0"/>
-              <a:t>11/1/2018</a:t>
+              <a:t>11/2/2018</a:t>
             </a:fld>
             <a:endParaRPr lang="en-US"/>
           </a:p>
@@ -30015,6 +30335,13 @@
   <p:clrMapOvr>
     <a:masterClrMapping/>
   </p:clrMapOvr>
+  <p:timing>
+    <p:tnLst>
+      <p:par>
+        <p:cTn id="1" dur="indefinite" restart="never" nodeType="tmRoot"/>
+      </p:par>
+    </p:tnLst>
+  </p:timing>
 </p:sld>
 </file>
 
@@ -30052,7 +30379,7 @@
           <a:p>
             <a:fld id="{6700A58B-DD98-43D0-B791-721480A02982}" type="datetime1">
               <a:rPr lang="en-US" smtClean="0"/>
-              <a:t>11/1/2018</a:t>
+              <a:t>11/2/2018</a:t>
             </a:fld>
             <a:endParaRPr lang="en-US"/>
           </a:p>
@@ -30354,6 +30681,13 @@
   <p:clrMapOvr>
     <a:masterClrMapping/>
   </p:clrMapOvr>
+  <p:timing>
+    <p:tnLst>
+      <p:par>
+        <p:cTn id="1" dur="indefinite" restart="never" nodeType="tmRoot"/>
+      </p:par>
+    </p:tnLst>
+  </p:timing>
 </p:sld>
 </file>
 
@@ -30391,7 +30725,7 @@
           <a:p>
             <a:fld id="{6700A58B-DD98-43D0-B791-721480A02982}" type="datetime1">
               <a:rPr lang="en-US" smtClean="0"/>
-              <a:t>11/1/2018</a:t>
+              <a:t>11/2/2018</a:t>
             </a:fld>
             <a:endParaRPr lang="en-US"/>
           </a:p>
@@ -30590,7 +30924,7 @@
           <a:p>
             <a:fld id="{6700A58B-DD98-43D0-B791-721480A02982}" type="datetime1">
               <a:rPr lang="en-US" smtClean="0"/>
-              <a:t>11/1/2018</a:t>
+              <a:t>11/2/2018</a:t>
             </a:fld>
             <a:endParaRPr lang="en-US"/>
           </a:p>
@@ -30850,6 +31184,13 @@
   <p:clrMapOvr>
     <a:masterClrMapping/>
   </p:clrMapOvr>
+  <p:timing>
+    <p:tnLst>
+      <p:par>
+        <p:cTn id="1" dur="indefinite" restart="never" nodeType="tmRoot"/>
+      </p:par>
+    </p:tnLst>
+  </p:timing>
 </p:sld>
 </file>
 
@@ -30887,7 +31228,7 @@
           <a:p>
             <a:fld id="{6700A58B-DD98-43D0-B791-721480A02982}" type="datetime1">
               <a:rPr lang="en-US" smtClean="0"/>
-              <a:t>11/1/2018</a:t>
+              <a:t>11/2/2018</a:t>
             </a:fld>
             <a:endParaRPr lang="en-US"/>
           </a:p>
@@ -30997,19 +31338,7 @@
           <a:p>
             <a:r>
               <a:rPr lang="en-US" dirty="0" smtClean="0"/>
-              <a:t>Each expansion set has varying prices.  Some cards are worthless while other </a:t>
-            </a:r>
-            <a:r>
-              <a:rPr lang="en-US" dirty="0" smtClean="0"/>
-              <a:t>cards </a:t>
-            </a:r>
-            <a:r>
-              <a:rPr lang="en-US" dirty="0" smtClean="0"/>
-              <a:t>can be </a:t>
-            </a:r>
-            <a:r>
-              <a:rPr lang="en-US" dirty="0" smtClean="0"/>
-              <a:t>expensive..</a:t>
+              <a:t>Each expansion set has varying prices.  Some cards are worthless while other cards can be expensive..</a:t>
             </a:r>
             <a:endParaRPr lang="en-US" dirty="0"/>
           </a:p>
@@ -31170,6 +31499,13 @@
   <p:clrMapOvr>
     <a:masterClrMapping/>
   </p:clrMapOvr>
+  <p:timing>
+    <p:tnLst>
+      <p:par>
+        <p:cTn id="1" dur="indefinite" restart="never" nodeType="tmRoot"/>
+      </p:par>
+    </p:tnLst>
+  </p:timing>
 </p:sld>
 </file>
 
@@ -31207,7 +31543,7 @@
           <a:p>
             <a:fld id="{6700A58B-DD98-43D0-B791-721480A02982}" type="datetime1">
               <a:rPr lang="en-US" smtClean="0"/>
-              <a:t>11/1/2018</a:t>
+              <a:t>11/2/2018</a:t>
             </a:fld>
             <a:endParaRPr lang="en-US"/>
           </a:p>
@@ -31322,6 +31658,13 @@
   <p:clrMapOvr>
     <a:masterClrMapping/>
   </p:clrMapOvr>
+  <p:timing>
+    <p:tnLst>
+      <p:par>
+        <p:cTn id="1" dur="indefinite" restart="never" nodeType="tmRoot"/>
+      </p:par>
+    </p:tnLst>
+  </p:timing>
 </p:sld>
 </file>
 
@@ -31383,7 +31726,7 @@
           <a:p>
             <a:fld id="{6700A58B-DD98-43D0-B791-721480A02982}" type="datetime1">
               <a:rPr lang="en-US" smtClean="0"/>
-              <a:t>11/1/2018</a:t>
+              <a:t>11/2/2018</a:t>
             </a:fld>
             <a:endParaRPr lang="en-US"/>
           </a:p>
@@ -31632,6 +31975,13 @@
   <p:clrMapOvr>
     <a:masterClrMapping/>
   </p:clrMapOvr>
+  <p:timing>
+    <p:tnLst>
+      <p:par>
+        <p:cTn id="1" dur="indefinite" restart="never" nodeType="tmRoot"/>
+      </p:par>
+    </p:tnLst>
+  </p:timing>
 </p:sld>
 </file>
 
@@ -31669,7 +32019,7 @@
           <a:p>
             <a:fld id="{6700A58B-DD98-43D0-B791-721480A02982}" type="datetime1">
               <a:rPr lang="en-US" smtClean="0"/>
-              <a:t>11/1/2018</a:t>
+              <a:t>11/2/2018</a:t>
             </a:fld>
             <a:endParaRPr lang="en-US"/>
           </a:p>
@@ -31988,6 +32338,13 @@
   <p:clrMapOvr>
     <a:masterClrMapping/>
   </p:clrMapOvr>
+  <p:timing>
+    <p:tnLst>
+      <p:par>
+        <p:cTn id="1" dur="indefinite" restart="never" nodeType="tmRoot"/>
+      </p:par>
+    </p:tnLst>
+  </p:timing>
 </p:sld>
 </file>
 
@@ -32025,7 +32382,7 @@
           <a:p>
             <a:fld id="{6700A58B-DD98-43D0-B791-721480A02982}" type="datetime1">
               <a:rPr lang="en-US" smtClean="0"/>
-              <a:t>11/1/2018</a:t>
+              <a:t>11/2/2018</a:t>
             </a:fld>
             <a:endParaRPr lang="en-US"/>
           </a:p>
@@ -32257,6 +32614,13 @@
   <p:clrMapOvr>
     <a:masterClrMapping/>
   </p:clrMapOvr>
+  <p:timing>
+    <p:tnLst>
+      <p:par>
+        <p:cTn id="1" dur="indefinite" restart="never" nodeType="tmRoot"/>
+      </p:par>
+    </p:tnLst>
+  </p:timing>
 </p:sld>
 </file>
 

--- a/Intro to Technical Financial Evaluation with R.pptx
+++ b/Intro to Technical Financial Evaluation with R.pptx
@@ -4495,7 +4495,7 @@
           <p:cNvPr id="2" name="Title 1">
             <a:extLst>
               <a:ext uri="{FF2B5EF4-FFF2-40B4-BE49-F238E27FC236}">
-                <a16:creationId xmlns="" xmlns:a16="http://schemas.microsoft.com/office/drawing/2014/main" id="{167A20D1-C38F-40A5-B020-EBD3D0FC1155}"/>
+                <a16:creationId xmlns:a16="http://schemas.microsoft.com/office/drawing/2014/main" xmlns="" id="{167A20D1-C38F-40A5-B020-EBD3D0FC1155}"/>
               </a:ext>
             </a:extLst>
           </p:cNvPr>
@@ -4523,7 +4523,7 @@
           <p:cNvPr id="3" name="Subtitle 2">
             <a:extLst>
               <a:ext uri="{FF2B5EF4-FFF2-40B4-BE49-F238E27FC236}">
-                <a16:creationId xmlns="" xmlns:a16="http://schemas.microsoft.com/office/drawing/2014/main" id="{629F9E77-3FDD-40CA-82E9-3C67E139D3A1}"/>
+                <a16:creationId xmlns:a16="http://schemas.microsoft.com/office/drawing/2014/main" xmlns="" id="{629F9E77-3FDD-40CA-82E9-3C67E139D3A1}"/>
               </a:ext>
             </a:extLst>
           </p:cNvPr>
@@ -4552,7 +4552,7 @@
           <p:cNvPr id="4" name="Date Placeholder 3">
             <a:extLst>
               <a:ext uri="{FF2B5EF4-FFF2-40B4-BE49-F238E27FC236}">
-                <a16:creationId xmlns="" xmlns:a16="http://schemas.microsoft.com/office/drawing/2014/main" id="{8909B2EE-DD66-4058-A696-AC289906954A}"/>
+                <a16:creationId xmlns:a16="http://schemas.microsoft.com/office/drawing/2014/main" xmlns="" id="{8909B2EE-DD66-4058-A696-AC289906954A}"/>
               </a:ext>
             </a:extLst>
           </p:cNvPr>
@@ -4581,7 +4581,7 @@
           <p:cNvPr id="5" name="Slide Number Placeholder 4">
             <a:extLst>
               <a:ext uri="{FF2B5EF4-FFF2-40B4-BE49-F238E27FC236}">
-                <a16:creationId xmlns="" xmlns:a16="http://schemas.microsoft.com/office/drawing/2014/main" id="{A46ACE7D-882D-448A-8D8E-544494B44B9F}"/>
+                <a16:creationId xmlns:a16="http://schemas.microsoft.com/office/drawing/2014/main" xmlns="" id="{A46ACE7D-882D-448A-8D8E-544494B44B9F}"/>
               </a:ext>
             </a:extLst>
           </p:cNvPr>
@@ -4610,7 +4610,7 @@
           <p:cNvPr id="6" name="Footer Placeholder 5">
             <a:extLst>
               <a:ext uri="{FF2B5EF4-FFF2-40B4-BE49-F238E27FC236}">
-                <a16:creationId xmlns="" xmlns:a16="http://schemas.microsoft.com/office/drawing/2014/main" id="{31E96655-E1DA-41A3-90E3-F63E0ECB1AE6}"/>
+                <a16:creationId xmlns:a16="http://schemas.microsoft.com/office/drawing/2014/main" xmlns="" id="{31E96655-E1DA-41A3-90E3-F63E0ECB1AE6}"/>
               </a:ext>
             </a:extLst>
           </p:cNvPr>
@@ -9373,21 +9373,21 @@
                 <a:gridCol w="1242805">
                   <a:extLst>
                     <a:ext uri="{9D8B030D-6E8A-4147-A177-3AD203B41FA5}">
-                      <a16:colId xmlns="" xmlns:a16="http://schemas.microsoft.com/office/drawing/2014/main" val="20000"/>
+                      <a16:colId xmlns:a16="http://schemas.microsoft.com/office/drawing/2014/main" xmlns="" val="20000"/>
                     </a:ext>
                   </a:extLst>
                 </a:gridCol>
                 <a:gridCol w="861296">
                   <a:extLst>
                     <a:ext uri="{9D8B030D-6E8A-4147-A177-3AD203B41FA5}">
-                      <a16:colId xmlns="" xmlns:a16="http://schemas.microsoft.com/office/drawing/2014/main" val="20001"/>
+                      <a16:colId xmlns:a16="http://schemas.microsoft.com/office/drawing/2014/main" xmlns="" val="20001"/>
                     </a:ext>
                   </a:extLst>
                 </a:gridCol>
                 <a:gridCol w="5811174">
                   <a:extLst>
                     <a:ext uri="{9D8B030D-6E8A-4147-A177-3AD203B41FA5}">
-                      <a16:colId xmlns="" xmlns:a16="http://schemas.microsoft.com/office/drawing/2014/main" val="20002"/>
+                      <a16:colId xmlns:a16="http://schemas.microsoft.com/office/drawing/2014/main" xmlns="" val="20002"/>
                     </a:ext>
                   </a:extLst>
                 </a:gridCol>
@@ -9448,7 +9448,7 @@
                 </a:tc>
                 <a:extLst>
                   <a:ext uri="{0D108BD9-81ED-4DB2-BD59-A6C34878D82A}">
-                    <a16:rowId xmlns="" xmlns:a16="http://schemas.microsoft.com/office/drawing/2014/main" val="10000"/>
+                    <a16:rowId xmlns:a16="http://schemas.microsoft.com/office/drawing/2014/main" xmlns="" val="10000"/>
                   </a:ext>
                 </a:extLst>
               </a:tr>
@@ -9569,7 +9569,7 @@
                 </a:tc>
                 <a:extLst>
                   <a:ext uri="{0D108BD9-81ED-4DB2-BD59-A6C34878D82A}">
-                    <a16:rowId xmlns="" xmlns:a16="http://schemas.microsoft.com/office/drawing/2014/main" val="10001"/>
+                    <a16:rowId xmlns:a16="http://schemas.microsoft.com/office/drawing/2014/main" xmlns="" val="10001"/>
                   </a:ext>
                 </a:extLst>
               </a:tr>
@@ -9682,7 +9682,7 @@
                 </a:tc>
                 <a:extLst>
                   <a:ext uri="{0D108BD9-81ED-4DB2-BD59-A6C34878D82A}">
-                    <a16:rowId xmlns="" xmlns:a16="http://schemas.microsoft.com/office/drawing/2014/main" val="10002"/>
+                    <a16:rowId xmlns:a16="http://schemas.microsoft.com/office/drawing/2014/main" xmlns="" val="10002"/>
                   </a:ext>
                 </a:extLst>
               </a:tr>
@@ -9790,7 +9790,7 @@
                 </a:tc>
                 <a:extLst>
                   <a:ext uri="{0D108BD9-81ED-4DB2-BD59-A6C34878D82A}">
-                    <a16:rowId xmlns="" xmlns:a16="http://schemas.microsoft.com/office/drawing/2014/main" val="3853070941"/>
+                    <a16:rowId xmlns:a16="http://schemas.microsoft.com/office/drawing/2014/main" xmlns="" val="3853070941"/>
                   </a:ext>
                 </a:extLst>
               </a:tr>
@@ -9841,7 +9841,7 @@
                 </a:tc>
                 <a:extLst>
                   <a:ext uri="{0D108BD9-81ED-4DB2-BD59-A6C34878D82A}">
-                    <a16:rowId xmlns="" xmlns:a16="http://schemas.microsoft.com/office/drawing/2014/main" val="3086568558"/>
+                    <a16:rowId xmlns:a16="http://schemas.microsoft.com/office/drawing/2014/main" xmlns="" val="3086568558"/>
                   </a:ext>
                 </a:extLst>
               </a:tr>
@@ -9888,7 +9888,7 @@
                 </a:tc>
                 <a:extLst>
                   <a:ext uri="{0D108BD9-81ED-4DB2-BD59-A6C34878D82A}">
-                    <a16:rowId xmlns="" xmlns:a16="http://schemas.microsoft.com/office/drawing/2014/main" val="1739476882"/>
+                    <a16:rowId xmlns:a16="http://schemas.microsoft.com/office/drawing/2014/main" xmlns="" val="1739476882"/>
                   </a:ext>
                 </a:extLst>
               </a:tr>
@@ -9935,7 +9935,7 @@
                 </a:tc>
                 <a:extLst>
                   <a:ext uri="{0D108BD9-81ED-4DB2-BD59-A6C34878D82A}">
-                    <a16:rowId xmlns="" xmlns:a16="http://schemas.microsoft.com/office/drawing/2014/main" val="4176223156"/>
+                    <a16:rowId xmlns:a16="http://schemas.microsoft.com/office/drawing/2014/main" xmlns="" val="4176223156"/>
                   </a:ext>
                 </a:extLst>
               </a:tr>
@@ -9986,7 +9986,7 @@
                 </a:tc>
                 <a:extLst>
                   <a:ext uri="{0D108BD9-81ED-4DB2-BD59-A6C34878D82A}">
-                    <a16:rowId xmlns="" xmlns:a16="http://schemas.microsoft.com/office/drawing/2014/main" val="375788903"/>
+                    <a16:rowId xmlns:a16="http://schemas.microsoft.com/office/drawing/2014/main" xmlns="" val="375788903"/>
                   </a:ext>
                 </a:extLst>
               </a:tr>
@@ -10037,7 +10037,7 @@
                 </a:tc>
                 <a:extLst>
                   <a:ext uri="{0D108BD9-81ED-4DB2-BD59-A6C34878D82A}">
-                    <a16:rowId xmlns="" xmlns:a16="http://schemas.microsoft.com/office/drawing/2014/main" val="1479263652"/>
+                    <a16:rowId xmlns:a16="http://schemas.microsoft.com/office/drawing/2014/main" xmlns="" val="1479263652"/>
                   </a:ext>
                 </a:extLst>
               </a:tr>
@@ -13546,21 +13546,21 @@
                 <a:gridCol w="1242805">
                   <a:extLst>
                     <a:ext uri="{9D8B030D-6E8A-4147-A177-3AD203B41FA5}">
-                      <a16:colId xmlns="" xmlns:a16="http://schemas.microsoft.com/office/drawing/2014/main" val="20000"/>
+                      <a16:colId xmlns:a16="http://schemas.microsoft.com/office/drawing/2014/main" xmlns="" val="20000"/>
                     </a:ext>
                   </a:extLst>
                 </a:gridCol>
                 <a:gridCol w="861296">
                   <a:extLst>
                     <a:ext uri="{9D8B030D-6E8A-4147-A177-3AD203B41FA5}">
-                      <a16:colId xmlns="" xmlns:a16="http://schemas.microsoft.com/office/drawing/2014/main" val="20001"/>
+                      <a16:colId xmlns:a16="http://schemas.microsoft.com/office/drawing/2014/main" xmlns="" val="20001"/>
                     </a:ext>
                   </a:extLst>
                 </a:gridCol>
                 <a:gridCol w="5811174">
                   <a:extLst>
                     <a:ext uri="{9D8B030D-6E8A-4147-A177-3AD203B41FA5}">
-                      <a16:colId xmlns="" xmlns:a16="http://schemas.microsoft.com/office/drawing/2014/main" val="20002"/>
+                      <a16:colId xmlns:a16="http://schemas.microsoft.com/office/drawing/2014/main" xmlns="" val="20002"/>
                     </a:ext>
                   </a:extLst>
                 </a:gridCol>
@@ -13621,7 +13621,7 @@
                 </a:tc>
                 <a:extLst>
                   <a:ext uri="{0D108BD9-81ED-4DB2-BD59-A6C34878D82A}">
-                    <a16:rowId xmlns="" xmlns:a16="http://schemas.microsoft.com/office/drawing/2014/main" val="10000"/>
+                    <a16:rowId xmlns:a16="http://schemas.microsoft.com/office/drawing/2014/main" xmlns="" val="10000"/>
                   </a:ext>
                 </a:extLst>
               </a:tr>
@@ -13742,7 +13742,7 @@
                 </a:tc>
                 <a:extLst>
                   <a:ext uri="{0D108BD9-81ED-4DB2-BD59-A6C34878D82A}">
-                    <a16:rowId xmlns="" xmlns:a16="http://schemas.microsoft.com/office/drawing/2014/main" val="10001"/>
+                    <a16:rowId xmlns:a16="http://schemas.microsoft.com/office/drawing/2014/main" xmlns="" val="10001"/>
                   </a:ext>
                 </a:extLst>
               </a:tr>
@@ -13855,7 +13855,7 @@
                 </a:tc>
                 <a:extLst>
                   <a:ext uri="{0D108BD9-81ED-4DB2-BD59-A6C34878D82A}">
-                    <a16:rowId xmlns="" xmlns:a16="http://schemas.microsoft.com/office/drawing/2014/main" val="10002"/>
+                    <a16:rowId xmlns:a16="http://schemas.microsoft.com/office/drawing/2014/main" xmlns="" val="10002"/>
                   </a:ext>
                 </a:extLst>
               </a:tr>
@@ -13963,7 +13963,7 @@
                 </a:tc>
                 <a:extLst>
                   <a:ext uri="{0D108BD9-81ED-4DB2-BD59-A6C34878D82A}">
-                    <a16:rowId xmlns="" xmlns:a16="http://schemas.microsoft.com/office/drawing/2014/main" val="3853070941"/>
+                    <a16:rowId xmlns:a16="http://schemas.microsoft.com/office/drawing/2014/main" xmlns="" val="3853070941"/>
                   </a:ext>
                 </a:extLst>
               </a:tr>
@@ -14014,7 +14014,7 @@
                 </a:tc>
                 <a:extLst>
                   <a:ext uri="{0D108BD9-81ED-4DB2-BD59-A6C34878D82A}">
-                    <a16:rowId xmlns="" xmlns:a16="http://schemas.microsoft.com/office/drawing/2014/main" val="3086568558"/>
+                    <a16:rowId xmlns:a16="http://schemas.microsoft.com/office/drawing/2014/main" xmlns="" val="3086568558"/>
                   </a:ext>
                 </a:extLst>
               </a:tr>
@@ -14061,7 +14061,7 @@
                 </a:tc>
                 <a:extLst>
                   <a:ext uri="{0D108BD9-81ED-4DB2-BD59-A6C34878D82A}">
-                    <a16:rowId xmlns="" xmlns:a16="http://schemas.microsoft.com/office/drawing/2014/main" val="1739476882"/>
+                    <a16:rowId xmlns:a16="http://schemas.microsoft.com/office/drawing/2014/main" xmlns="" val="1739476882"/>
                   </a:ext>
                 </a:extLst>
               </a:tr>
@@ -14108,7 +14108,7 @@
                 </a:tc>
                 <a:extLst>
                   <a:ext uri="{0D108BD9-81ED-4DB2-BD59-A6C34878D82A}">
-                    <a16:rowId xmlns="" xmlns:a16="http://schemas.microsoft.com/office/drawing/2014/main" val="4176223156"/>
+                    <a16:rowId xmlns:a16="http://schemas.microsoft.com/office/drawing/2014/main" xmlns="" val="4176223156"/>
                   </a:ext>
                 </a:extLst>
               </a:tr>
@@ -14159,7 +14159,7 @@
                 </a:tc>
                 <a:extLst>
                   <a:ext uri="{0D108BD9-81ED-4DB2-BD59-A6C34878D82A}">
-                    <a16:rowId xmlns="" xmlns:a16="http://schemas.microsoft.com/office/drawing/2014/main" val="375788903"/>
+                    <a16:rowId xmlns:a16="http://schemas.microsoft.com/office/drawing/2014/main" xmlns="" val="375788903"/>
                   </a:ext>
                 </a:extLst>
               </a:tr>
@@ -14210,7 +14210,7 @@
                 </a:tc>
                 <a:extLst>
                   <a:ext uri="{0D108BD9-81ED-4DB2-BD59-A6C34878D82A}">
-                    <a16:rowId xmlns="" xmlns:a16="http://schemas.microsoft.com/office/drawing/2014/main" val="1479263652"/>
+                    <a16:rowId xmlns:a16="http://schemas.microsoft.com/office/drawing/2014/main" xmlns="" val="1479263652"/>
                   </a:ext>
                 </a:extLst>
               </a:tr>
@@ -15685,21 +15685,21 @@
                 <a:gridCol w="1242805">
                   <a:extLst>
                     <a:ext uri="{9D8B030D-6E8A-4147-A177-3AD203B41FA5}">
-                      <a16:colId xmlns="" xmlns:a16="http://schemas.microsoft.com/office/drawing/2014/main" val="20000"/>
+                      <a16:colId xmlns:a16="http://schemas.microsoft.com/office/drawing/2014/main" xmlns="" val="20000"/>
                     </a:ext>
                   </a:extLst>
                 </a:gridCol>
                 <a:gridCol w="861296">
                   <a:extLst>
                     <a:ext uri="{9D8B030D-6E8A-4147-A177-3AD203B41FA5}">
-                      <a16:colId xmlns="" xmlns:a16="http://schemas.microsoft.com/office/drawing/2014/main" val="20001"/>
+                      <a16:colId xmlns:a16="http://schemas.microsoft.com/office/drawing/2014/main" xmlns="" val="20001"/>
                     </a:ext>
                   </a:extLst>
                 </a:gridCol>
                 <a:gridCol w="5811174">
                   <a:extLst>
                     <a:ext uri="{9D8B030D-6E8A-4147-A177-3AD203B41FA5}">
-                      <a16:colId xmlns="" xmlns:a16="http://schemas.microsoft.com/office/drawing/2014/main" val="20002"/>
+                      <a16:colId xmlns:a16="http://schemas.microsoft.com/office/drawing/2014/main" xmlns="" val="20002"/>
                     </a:ext>
                   </a:extLst>
                 </a:gridCol>
@@ -15760,7 +15760,7 @@
                 </a:tc>
                 <a:extLst>
                   <a:ext uri="{0D108BD9-81ED-4DB2-BD59-A6C34878D82A}">
-                    <a16:rowId xmlns="" xmlns:a16="http://schemas.microsoft.com/office/drawing/2014/main" val="10000"/>
+                    <a16:rowId xmlns:a16="http://schemas.microsoft.com/office/drawing/2014/main" xmlns="" val="10000"/>
                   </a:ext>
                 </a:extLst>
               </a:tr>
@@ -15881,7 +15881,7 @@
                 </a:tc>
                 <a:extLst>
                   <a:ext uri="{0D108BD9-81ED-4DB2-BD59-A6C34878D82A}">
-                    <a16:rowId xmlns="" xmlns:a16="http://schemas.microsoft.com/office/drawing/2014/main" val="10001"/>
+                    <a16:rowId xmlns:a16="http://schemas.microsoft.com/office/drawing/2014/main" xmlns="" val="10001"/>
                   </a:ext>
                 </a:extLst>
               </a:tr>
@@ -15994,7 +15994,7 @@
                 </a:tc>
                 <a:extLst>
                   <a:ext uri="{0D108BD9-81ED-4DB2-BD59-A6C34878D82A}">
-                    <a16:rowId xmlns="" xmlns:a16="http://schemas.microsoft.com/office/drawing/2014/main" val="10002"/>
+                    <a16:rowId xmlns:a16="http://schemas.microsoft.com/office/drawing/2014/main" xmlns="" val="10002"/>
                   </a:ext>
                 </a:extLst>
               </a:tr>
@@ -16102,7 +16102,7 @@
                 </a:tc>
                 <a:extLst>
                   <a:ext uri="{0D108BD9-81ED-4DB2-BD59-A6C34878D82A}">
-                    <a16:rowId xmlns="" xmlns:a16="http://schemas.microsoft.com/office/drawing/2014/main" val="3853070941"/>
+                    <a16:rowId xmlns:a16="http://schemas.microsoft.com/office/drawing/2014/main" xmlns="" val="3853070941"/>
                   </a:ext>
                 </a:extLst>
               </a:tr>
@@ -16153,7 +16153,7 @@
                 </a:tc>
                 <a:extLst>
                   <a:ext uri="{0D108BD9-81ED-4DB2-BD59-A6C34878D82A}">
-                    <a16:rowId xmlns="" xmlns:a16="http://schemas.microsoft.com/office/drawing/2014/main" val="3086568558"/>
+                    <a16:rowId xmlns:a16="http://schemas.microsoft.com/office/drawing/2014/main" xmlns="" val="3086568558"/>
                   </a:ext>
                 </a:extLst>
               </a:tr>
@@ -16200,7 +16200,7 @@
                 </a:tc>
                 <a:extLst>
                   <a:ext uri="{0D108BD9-81ED-4DB2-BD59-A6C34878D82A}">
-                    <a16:rowId xmlns="" xmlns:a16="http://schemas.microsoft.com/office/drawing/2014/main" val="1739476882"/>
+                    <a16:rowId xmlns:a16="http://schemas.microsoft.com/office/drawing/2014/main" xmlns="" val="1739476882"/>
                   </a:ext>
                 </a:extLst>
               </a:tr>
@@ -16247,7 +16247,7 @@
                 </a:tc>
                 <a:extLst>
                   <a:ext uri="{0D108BD9-81ED-4DB2-BD59-A6C34878D82A}">
-                    <a16:rowId xmlns="" xmlns:a16="http://schemas.microsoft.com/office/drawing/2014/main" val="4176223156"/>
+                    <a16:rowId xmlns:a16="http://schemas.microsoft.com/office/drawing/2014/main" xmlns="" val="4176223156"/>
                   </a:ext>
                 </a:extLst>
               </a:tr>
@@ -16298,7 +16298,7 @@
                 </a:tc>
                 <a:extLst>
                   <a:ext uri="{0D108BD9-81ED-4DB2-BD59-A6C34878D82A}">
-                    <a16:rowId xmlns="" xmlns:a16="http://schemas.microsoft.com/office/drawing/2014/main" val="375788903"/>
+                    <a16:rowId xmlns:a16="http://schemas.microsoft.com/office/drawing/2014/main" xmlns="" val="375788903"/>
                   </a:ext>
                 </a:extLst>
               </a:tr>
@@ -16349,7 +16349,7 @@
                 </a:tc>
                 <a:extLst>
                   <a:ext uri="{0D108BD9-81ED-4DB2-BD59-A6C34878D82A}">
-                    <a16:rowId xmlns="" xmlns:a16="http://schemas.microsoft.com/office/drawing/2014/main" val="1479263652"/>
+                    <a16:rowId xmlns:a16="http://schemas.microsoft.com/office/drawing/2014/main" xmlns="" val="1479263652"/>
                   </a:ext>
                 </a:extLst>
               </a:tr>
@@ -16811,7 +16811,39 @@
                   <a:schemeClr val="bg1"/>
                 </a:solidFill>
               </a:rPr>
-              <a:t>When MACD is positive, the price is accelerating, positive momentum/money is coming to the equity which represents a buying opportunity.  Converse is true.</a:t>
+              <a:t>When </a:t>
+            </a:r>
+            <a:r>
+              <a:rPr lang="en-US" smtClean="0">
+                <a:solidFill>
+                  <a:schemeClr val="bg1"/>
+                </a:solidFill>
+              </a:rPr>
+              <a:t>MACD </a:t>
+            </a:r>
+            <a:r>
+              <a:rPr lang="en-US" smtClean="0">
+                <a:solidFill>
+                  <a:schemeClr val="bg1"/>
+                </a:solidFill>
+              </a:rPr>
+              <a:t>&gt; Signal</a:t>
+            </a:r>
+            <a:r>
+              <a:rPr lang="en-US" smtClean="0">
+                <a:solidFill>
+                  <a:schemeClr val="bg1"/>
+                </a:solidFill>
+              </a:rPr>
+              <a:t>, </a:t>
+            </a:r>
+            <a:r>
+              <a:rPr lang="en-US" dirty="0" smtClean="0">
+                <a:solidFill>
+                  <a:schemeClr val="bg1"/>
+                </a:solidFill>
+              </a:rPr>
+              <a:t>the price is accelerating, positive momentum/money is coming to the equity which represents a buying opportunity.  Converse is true.</a:t>
             </a:r>
             <a:endParaRPr lang="en-US" dirty="0">
               <a:solidFill>
@@ -17670,21 +17702,21 @@
                 <a:gridCol w="1242805">
                   <a:extLst>
                     <a:ext uri="{9D8B030D-6E8A-4147-A177-3AD203B41FA5}">
-                      <a16:colId xmlns="" xmlns:a16="http://schemas.microsoft.com/office/drawing/2014/main" val="20000"/>
+                      <a16:colId xmlns:a16="http://schemas.microsoft.com/office/drawing/2014/main" xmlns="" val="20000"/>
                     </a:ext>
                   </a:extLst>
                 </a:gridCol>
                 <a:gridCol w="861296">
                   <a:extLst>
                     <a:ext uri="{9D8B030D-6E8A-4147-A177-3AD203B41FA5}">
-                      <a16:colId xmlns="" xmlns:a16="http://schemas.microsoft.com/office/drawing/2014/main" val="20001"/>
+                      <a16:colId xmlns:a16="http://schemas.microsoft.com/office/drawing/2014/main" xmlns="" val="20001"/>
                     </a:ext>
                   </a:extLst>
                 </a:gridCol>
                 <a:gridCol w="5811174">
                   <a:extLst>
                     <a:ext uri="{9D8B030D-6E8A-4147-A177-3AD203B41FA5}">
-                      <a16:colId xmlns="" xmlns:a16="http://schemas.microsoft.com/office/drawing/2014/main" val="20002"/>
+                      <a16:colId xmlns:a16="http://schemas.microsoft.com/office/drawing/2014/main" xmlns="" val="20002"/>
                     </a:ext>
                   </a:extLst>
                 </a:gridCol>
@@ -17745,7 +17777,7 @@
                 </a:tc>
                 <a:extLst>
                   <a:ext uri="{0D108BD9-81ED-4DB2-BD59-A6C34878D82A}">
-                    <a16:rowId xmlns="" xmlns:a16="http://schemas.microsoft.com/office/drawing/2014/main" val="10000"/>
+                    <a16:rowId xmlns:a16="http://schemas.microsoft.com/office/drawing/2014/main" xmlns="" val="10000"/>
                   </a:ext>
                 </a:extLst>
               </a:tr>
@@ -17866,7 +17898,7 @@
                 </a:tc>
                 <a:extLst>
                   <a:ext uri="{0D108BD9-81ED-4DB2-BD59-A6C34878D82A}">
-                    <a16:rowId xmlns="" xmlns:a16="http://schemas.microsoft.com/office/drawing/2014/main" val="10001"/>
+                    <a16:rowId xmlns:a16="http://schemas.microsoft.com/office/drawing/2014/main" xmlns="" val="10001"/>
                   </a:ext>
                 </a:extLst>
               </a:tr>
@@ -17979,7 +18011,7 @@
                 </a:tc>
                 <a:extLst>
                   <a:ext uri="{0D108BD9-81ED-4DB2-BD59-A6C34878D82A}">
-                    <a16:rowId xmlns="" xmlns:a16="http://schemas.microsoft.com/office/drawing/2014/main" val="10002"/>
+                    <a16:rowId xmlns:a16="http://schemas.microsoft.com/office/drawing/2014/main" xmlns="" val="10002"/>
                   </a:ext>
                 </a:extLst>
               </a:tr>
@@ -18087,7 +18119,7 @@
                 </a:tc>
                 <a:extLst>
                   <a:ext uri="{0D108BD9-81ED-4DB2-BD59-A6C34878D82A}">
-                    <a16:rowId xmlns="" xmlns:a16="http://schemas.microsoft.com/office/drawing/2014/main" val="3853070941"/>
+                    <a16:rowId xmlns:a16="http://schemas.microsoft.com/office/drawing/2014/main" xmlns="" val="3853070941"/>
                   </a:ext>
                 </a:extLst>
               </a:tr>
@@ -18138,7 +18170,7 @@
                 </a:tc>
                 <a:extLst>
                   <a:ext uri="{0D108BD9-81ED-4DB2-BD59-A6C34878D82A}">
-                    <a16:rowId xmlns="" xmlns:a16="http://schemas.microsoft.com/office/drawing/2014/main" val="3086568558"/>
+                    <a16:rowId xmlns:a16="http://schemas.microsoft.com/office/drawing/2014/main" xmlns="" val="3086568558"/>
                   </a:ext>
                 </a:extLst>
               </a:tr>
@@ -18185,7 +18217,7 @@
                 </a:tc>
                 <a:extLst>
                   <a:ext uri="{0D108BD9-81ED-4DB2-BD59-A6C34878D82A}">
-                    <a16:rowId xmlns="" xmlns:a16="http://schemas.microsoft.com/office/drawing/2014/main" val="1739476882"/>
+                    <a16:rowId xmlns:a16="http://schemas.microsoft.com/office/drawing/2014/main" xmlns="" val="1739476882"/>
                   </a:ext>
                 </a:extLst>
               </a:tr>
@@ -18232,7 +18264,7 @@
                 </a:tc>
                 <a:extLst>
                   <a:ext uri="{0D108BD9-81ED-4DB2-BD59-A6C34878D82A}">
-                    <a16:rowId xmlns="" xmlns:a16="http://schemas.microsoft.com/office/drawing/2014/main" val="4176223156"/>
+                    <a16:rowId xmlns:a16="http://schemas.microsoft.com/office/drawing/2014/main" xmlns="" val="4176223156"/>
                   </a:ext>
                 </a:extLst>
               </a:tr>
@@ -18283,7 +18315,7 @@
                 </a:tc>
                 <a:extLst>
                   <a:ext uri="{0D108BD9-81ED-4DB2-BD59-A6C34878D82A}">
-                    <a16:rowId xmlns="" xmlns:a16="http://schemas.microsoft.com/office/drawing/2014/main" val="375788903"/>
+                    <a16:rowId xmlns:a16="http://schemas.microsoft.com/office/drawing/2014/main" xmlns="" val="375788903"/>
                   </a:ext>
                 </a:extLst>
               </a:tr>
@@ -18334,7 +18366,7 @@
                 </a:tc>
                 <a:extLst>
                   <a:ext uri="{0D108BD9-81ED-4DB2-BD59-A6C34878D82A}">
-                    <a16:rowId xmlns="" xmlns:a16="http://schemas.microsoft.com/office/drawing/2014/main" val="1479263652"/>
+                    <a16:rowId xmlns:a16="http://schemas.microsoft.com/office/drawing/2014/main" xmlns="" val="1479263652"/>
                   </a:ext>
                 </a:extLst>
               </a:tr>
@@ -21742,21 +21774,21 @@
                 <a:gridCol w="1242805">
                   <a:extLst>
                     <a:ext uri="{9D8B030D-6E8A-4147-A177-3AD203B41FA5}">
-                      <a16:colId xmlns="" xmlns:a16="http://schemas.microsoft.com/office/drawing/2014/main" val="20000"/>
+                      <a16:colId xmlns:a16="http://schemas.microsoft.com/office/drawing/2014/main" xmlns="" val="20000"/>
                     </a:ext>
                   </a:extLst>
                 </a:gridCol>
                 <a:gridCol w="861296">
                   <a:extLst>
                     <a:ext uri="{9D8B030D-6E8A-4147-A177-3AD203B41FA5}">
-                      <a16:colId xmlns="" xmlns:a16="http://schemas.microsoft.com/office/drawing/2014/main" val="20001"/>
+                      <a16:colId xmlns:a16="http://schemas.microsoft.com/office/drawing/2014/main" xmlns="" val="20001"/>
                     </a:ext>
                   </a:extLst>
                 </a:gridCol>
                 <a:gridCol w="5811174">
                   <a:extLst>
                     <a:ext uri="{9D8B030D-6E8A-4147-A177-3AD203B41FA5}">
-                      <a16:colId xmlns="" xmlns:a16="http://schemas.microsoft.com/office/drawing/2014/main" val="20002"/>
+                      <a16:colId xmlns:a16="http://schemas.microsoft.com/office/drawing/2014/main" xmlns="" val="20002"/>
                     </a:ext>
                   </a:extLst>
                 </a:gridCol>
@@ -21817,7 +21849,7 @@
                 </a:tc>
                 <a:extLst>
                   <a:ext uri="{0D108BD9-81ED-4DB2-BD59-A6C34878D82A}">
-                    <a16:rowId xmlns="" xmlns:a16="http://schemas.microsoft.com/office/drawing/2014/main" val="10000"/>
+                    <a16:rowId xmlns:a16="http://schemas.microsoft.com/office/drawing/2014/main" xmlns="" val="10000"/>
                   </a:ext>
                 </a:extLst>
               </a:tr>
@@ -21938,7 +21970,7 @@
                 </a:tc>
                 <a:extLst>
                   <a:ext uri="{0D108BD9-81ED-4DB2-BD59-A6C34878D82A}">
-                    <a16:rowId xmlns="" xmlns:a16="http://schemas.microsoft.com/office/drawing/2014/main" val="10001"/>
+                    <a16:rowId xmlns:a16="http://schemas.microsoft.com/office/drawing/2014/main" xmlns="" val="10001"/>
                   </a:ext>
                 </a:extLst>
               </a:tr>
@@ -22051,7 +22083,7 @@
                 </a:tc>
                 <a:extLst>
                   <a:ext uri="{0D108BD9-81ED-4DB2-BD59-A6C34878D82A}">
-                    <a16:rowId xmlns="" xmlns:a16="http://schemas.microsoft.com/office/drawing/2014/main" val="10002"/>
+                    <a16:rowId xmlns:a16="http://schemas.microsoft.com/office/drawing/2014/main" xmlns="" val="10002"/>
                   </a:ext>
                 </a:extLst>
               </a:tr>
@@ -22159,7 +22191,7 @@
                 </a:tc>
                 <a:extLst>
                   <a:ext uri="{0D108BD9-81ED-4DB2-BD59-A6C34878D82A}">
-                    <a16:rowId xmlns="" xmlns:a16="http://schemas.microsoft.com/office/drawing/2014/main" val="3853070941"/>
+                    <a16:rowId xmlns:a16="http://schemas.microsoft.com/office/drawing/2014/main" xmlns="" val="3853070941"/>
                   </a:ext>
                 </a:extLst>
               </a:tr>
@@ -22210,7 +22242,7 @@
                 </a:tc>
                 <a:extLst>
                   <a:ext uri="{0D108BD9-81ED-4DB2-BD59-A6C34878D82A}">
-                    <a16:rowId xmlns="" xmlns:a16="http://schemas.microsoft.com/office/drawing/2014/main" val="3086568558"/>
+                    <a16:rowId xmlns:a16="http://schemas.microsoft.com/office/drawing/2014/main" xmlns="" val="3086568558"/>
                   </a:ext>
                 </a:extLst>
               </a:tr>
@@ -22257,7 +22289,7 @@
                 </a:tc>
                 <a:extLst>
                   <a:ext uri="{0D108BD9-81ED-4DB2-BD59-A6C34878D82A}">
-                    <a16:rowId xmlns="" xmlns:a16="http://schemas.microsoft.com/office/drawing/2014/main" val="1739476882"/>
+                    <a16:rowId xmlns:a16="http://schemas.microsoft.com/office/drawing/2014/main" xmlns="" val="1739476882"/>
                   </a:ext>
                 </a:extLst>
               </a:tr>
@@ -22304,7 +22336,7 @@
                 </a:tc>
                 <a:extLst>
                   <a:ext uri="{0D108BD9-81ED-4DB2-BD59-A6C34878D82A}">
-                    <a16:rowId xmlns="" xmlns:a16="http://schemas.microsoft.com/office/drawing/2014/main" val="4176223156"/>
+                    <a16:rowId xmlns:a16="http://schemas.microsoft.com/office/drawing/2014/main" xmlns="" val="4176223156"/>
                   </a:ext>
                 </a:extLst>
               </a:tr>
@@ -22355,7 +22387,7 @@
                 </a:tc>
                 <a:extLst>
                   <a:ext uri="{0D108BD9-81ED-4DB2-BD59-A6C34878D82A}">
-                    <a16:rowId xmlns="" xmlns:a16="http://schemas.microsoft.com/office/drawing/2014/main" val="375788903"/>
+                    <a16:rowId xmlns:a16="http://schemas.microsoft.com/office/drawing/2014/main" xmlns="" val="375788903"/>
                   </a:ext>
                 </a:extLst>
               </a:tr>
@@ -22406,7 +22438,7 @@
                 </a:tc>
                 <a:extLst>
                   <a:ext uri="{0D108BD9-81ED-4DB2-BD59-A6C34878D82A}">
-                    <a16:rowId xmlns="" xmlns:a16="http://schemas.microsoft.com/office/drawing/2014/main" val="1479263652"/>
+                    <a16:rowId xmlns:a16="http://schemas.microsoft.com/office/drawing/2014/main" xmlns="" val="1479263652"/>
                   </a:ext>
                 </a:extLst>
               </a:tr>
@@ -27892,21 +27924,21 @@
                 <a:gridCol w="1242805">
                   <a:extLst>
                     <a:ext uri="{9D8B030D-6E8A-4147-A177-3AD203B41FA5}">
-                      <a16:colId xmlns="" xmlns:a16="http://schemas.microsoft.com/office/drawing/2014/main" val="20000"/>
+                      <a16:colId xmlns:a16="http://schemas.microsoft.com/office/drawing/2014/main" xmlns="" val="20000"/>
                     </a:ext>
                   </a:extLst>
                 </a:gridCol>
                 <a:gridCol w="861296">
                   <a:extLst>
                     <a:ext uri="{9D8B030D-6E8A-4147-A177-3AD203B41FA5}">
-                      <a16:colId xmlns="" xmlns:a16="http://schemas.microsoft.com/office/drawing/2014/main" val="20001"/>
+                      <a16:colId xmlns:a16="http://schemas.microsoft.com/office/drawing/2014/main" xmlns="" val="20001"/>
                     </a:ext>
                   </a:extLst>
                 </a:gridCol>
                 <a:gridCol w="5811174">
                   <a:extLst>
                     <a:ext uri="{9D8B030D-6E8A-4147-A177-3AD203B41FA5}">
-                      <a16:colId xmlns="" xmlns:a16="http://schemas.microsoft.com/office/drawing/2014/main" val="20002"/>
+                      <a16:colId xmlns:a16="http://schemas.microsoft.com/office/drawing/2014/main" xmlns="" val="20002"/>
                     </a:ext>
                   </a:extLst>
                 </a:gridCol>
@@ -27967,7 +27999,7 @@
                 </a:tc>
                 <a:extLst>
                   <a:ext uri="{0D108BD9-81ED-4DB2-BD59-A6C34878D82A}">
-                    <a16:rowId xmlns="" xmlns:a16="http://schemas.microsoft.com/office/drawing/2014/main" val="10000"/>
+                    <a16:rowId xmlns:a16="http://schemas.microsoft.com/office/drawing/2014/main" xmlns="" val="10000"/>
                   </a:ext>
                 </a:extLst>
               </a:tr>
@@ -28088,7 +28120,7 @@
                 </a:tc>
                 <a:extLst>
                   <a:ext uri="{0D108BD9-81ED-4DB2-BD59-A6C34878D82A}">
-                    <a16:rowId xmlns="" xmlns:a16="http://schemas.microsoft.com/office/drawing/2014/main" val="10001"/>
+                    <a16:rowId xmlns:a16="http://schemas.microsoft.com/office/drawing/2014/main" xmlns="" val="10001"/>
                   </a:ext>
                 </a:extLst>
               </a:tr>
@@ -28201,7 +28233,7 @@
                 </a:tc>
                 <a:extLst>
                   <a:ext uri="{0D108BD9-81ED-4DB2-BD59-A6C34878D82A}">
-                    <a16:rowId xmlns="" xmlns:a16="http://schemas.microsoft.com/office/drawing/2014/main" val="10002"/>
+                    <a16:rowId xmlns:a16="http://schemas.microsoft.com/office/drawing/2014/main" xmlns="" val="10002"/>
                   </a:ext>
                 </a:extLst>
               </a:tr>
@@ -28309,7 +28341,7 @@
                 </a:tc>
                 <a:extLst>
                   <a:ext uri="{0D108BD9-81ED-4DB2-BD59-A6C34878D82A}">
-                    <a16:rowId xmlns="" xmlns:a16="http://schemas.microsoft.com/office/drawing/2014/main" val="3853070941"/>
+                    <a16:rowId xmlns:a16="http://schemas.microsoft.com/office/drawing/2014/main" xmlns="" val="3853070941"/>
                   </a:ext>
                 </a:extLst>
               </a:tr>
@@ -28360,7 +28392,7 @@
                 </a:tc>
                 <a:extLst>
                   <a:ext uri="{0D108BD9-81ED-4DB2-BD59-A6C34878D82A}">
-                    <a16:rowId xmlns="" xmlns:a16="http://schemas.microsoft.com/office/drawing/2014/main" val="3086568558"/>
+                    <a16:rowId xmlns:a16="http://schemas.microsoft.com/office/drawing/2014/main" xmlns="" val="3086568558"/>
                   </a:ext>
                 </a:extLst>
               </a:tr>
@@ -28407,7 +28439,7 @@
                 </a:tc>
                 <a:extLst>
                   <a:ext uri="{0D108BD9-81ED-4DB2-BD59-A6C34878D82A}">
-                    <a16:rowId xmlns="" xmlns:a16="http://schemas.microsoft.com/office/drawing/2014/main" val="1739476882"/>
+                    <a16:rowId xmlns:a16="http://schemas.microsoft.com/office/drawing/2014/main" xmlns="" val="1739476882"/>
                   </a:ext>
                 </a:extLst>
               </a:tr>
@@ -28454,7 +28486,7 @@
                 </a:tc>
                 <a:extLst>
                   <a:ext uri="{0D108BD9-81ED-4DB2-BD59-A6C34878D82A}">
-                    <a16:rowId xmlns="" xmlns:a16="http://schemas.microsoft.com/office/drawing/2014/main" val="4176223156"/>
+                    <a16:rowId xmlns:a16="http://schemas.microsoft.com/office/drawing/2014/main" xmlns="" val="4176223156"/>
                   </a:ext>
                 </a:extLst>
               </a:tr>
@@ -28505,7 +28537,7 @@
                 </a:tc>
                 <a:extLst>
                   <a:ext uri="{0D108BD9-81ED-4DB2-BD59-A6C34878D82A}">
-                    <a16:rowId xmlns="" xmlns:a16="http://schemas.microsoft.com/office/drawing/2014/main" val="375788903"/>
+                    <a16:rowId xmlns:a16="http://schemas.microsoft.com/office/drawing/2014/main" xmlns="" val="375788903"/>
                   </a:ext>
                 </a:extLst>
               </a:tr>
@@ -28556,7 +28588,7 @@
                 </a:tc>
                 <a:extLst>
                   <a:ext uri="{0D108BD9-81ED-4DB2-BD59-A6C34878D82A}">
-                    <a16:rowId xmlns="" xmlns:a16="http://schemas.microsoft.com/office/drawing/2014/main" val="1479263652"/>
+                    <a16:rowId xmlns:a16="http://schemas.microsoft.com/office/drawing/2014/main" xmlns="" val="1479263652"/>
                   </a:ext>
                 </a:extLst>
               </a:tr>
